--- a/CDI_overview_presentation.pptx
+++ b/CDI_overview_presentation.pptx
@@ -5,7 +5,7 @@
     <p:sldMasterId id="2147483803" r:id="rId1"/>
   </p:sldMasterIdLst>
   <p:notesMasterIdLst>
-    <p:notesMasterId r:id="rId14"/>
+    <p:notesMasterId r:id="rId16"/>
   </p:notesMasterIdLst>
   <p:sldIdLst>
     <p:sldId id="256" r:id="rId2"/>
@@ -20,6 +20,8 @@
     <p:sldId id="266" r:id="rId11"/>
     <p:sldId id="267" r:id="rId12"/>
     <p:sldId id="268" r:id="rId13"/>
+    <p:sldId id="269" r:id="rId14"/>
+    <p:sldId id="270" r:id="rId15"/>
   </p:sldIdLst>
   <p:sldSz cx="12192000" cy="6858000"/>
   <p:notesSz cx="6858000" cy="9144000"/>
@@ -118,6 +120,11 @@
       </a:defRPr>
     </a:lvl9pPr>
   </p:defaultTextStyle>
+  <p:extLst>
+    <p:ext uri="{EFAFB233-063F-42B5-8137-9DF3F51BA10A}">
+      <p15:sldGuideLst xmlns:p15="http://schemas.microsoft.com/office/powerpoint/2012/main"/>
+    </p:ext>
+  </p:extLst>
 </p:presentation>
 </file>
 
@@ -3070,35 +3077,35 @@
     </dgm:pt>
   </dgm:ptLst>
   <dgm:cxnLst>
-    <dgm:cxn modelId="{E75A0C0B-1275-4899-B529-EB035AA2F51A}" srcId="{DD376388-3FFD-4B3D-948E-E804B30C7C70}" destId="{523FD76E-A075-4463-A8B6-30665DD49B6A}" srcOrd="0" destOrd="0" parTransId="{658E521C-210A-4A24-BB05-55D021A18528}" sibTransId="{74B85C49-6AE3-40A1-B825-1A5EE81AF516}"/>
-    <dgm:cxn modelId="{7B55337C-24D5-4944-8638-8B62A3362B33}" srcId="{DD376388-3FFD-4B3D-948E-E804B30C7C70}" destId="{9E921FC9-607C-477A-86EF-19728CC85C91}" srcOrd="6" destOrd="0" parTransId="{2D0D6511-AFC8-42A6-9187-23C3180871D6}" sibTransId="{F73BEC2E-01C0-4B53-AE81-562D17153AC4}"/>
+    <dgm:cxn modelId="{6F82B7D5-7225-4307-8FE6-0DC5D6179A77}" srcId="{9D1B8524-5C34-4122-90A5-35BF7EB95ADD}" destId="{2204BD07-080E-45F3-BC41-4CE3FF13CF25}" srcOrd="0" destOrd="0" parTransId="{C36AF43E-82BC-4C4F-A564-1D9166517962}" sibTransId="{4B12ABEC-08ED-48A8-A06E-42671D3698CB}"/>
+    <dgm:cxn modelId="{1EEA47BB-84BE-4B2C-A99B-CF230503A614}" type="presOf" srcId="{F5F9DBA2-CFFA-4FBC-96B8-5CD3851309F3}" destId="{5F815E48-CCEC-4B0A-9F4C-F2685C6F8C8E}" srcOrd="0" destOrd="0" presId="urn:microsoft.com/office/officeart/2005/8/layout/vList5"/>
+    <dgm:cxn modelId="{BD632974-1C58-423A-8828-0CE92F92D3D4}" type="presOf" srcId="{9D1B8524-5C34-4122-90A5-35BF7EB95ADD}" destId="{B043825F-A4D9-425D-9712-4281F30FB98C}" srcOrd="0" destOrd="0" presId="urn:microsoft.com/office/officeart/2005/8/layout/vList5"/>
+    <dgm:cxn modelId="{90670F8C-695F-4C67-A96B-A8EAC80E5D87}" type="presOf" srcId="{DD376388-3FFD-4B3D-948E-E804B30C7C70}" destId="{4AF5EFA1-B2C7-4D44-AB0D-4FD1F6D74007}" srcOrd="0" destOrd="0" presId="urn:microsoft.com/office/officeart/2005/8/layout/vList5"/>
     <dgm:cxn modelId="{2FA23C23-2845-4B31-A689-C0020F051F83}" type="presOf" srcId="{2204BD07-080E-45F3-BC41-4CE3FF13CF25}" destId="{60D13BE4-9B0A-40F3-AC49-D448A60FBD44}" srcOrd="0" destOrd="0" presId="urn:microsoft.com/office/officeart/2005/8/layout/vList5"/>
     <dgm:cxn modelId="{083D7930-B8E8-486B-9002-E15E5E90BD8D}" srcId="{523FD76E-A075-4463-A8B6-30665DD49B6A}" destId="{120A6DCF-E80D-4619-B6E3-D01202AA6204}" srcOrd="0" destOrd="0" parTransId="{75712B54-C7AD-4A69-92F2-4CBEA4E3050C}" sibTransId="{5024E2DB-A5F3-47EC-84F0-0A7DC2C0FE1E}"/>
+    <dgm:cxn modelId="{95DF792E-6708-4645-8EF9-930D196246D8}" type="presOf" srcId="{C942DB02-9E6B-414D-8781-5FB8DA382E49}" destId="{C206371A-15CD-4B90-AAD5-AE6B4237AA08}" srcOrd="0" destOrd="0" presId="urn:microsoft.com/office/officeart/2005/8/layout/vList5"/>
+    <dgm:cxn modelId="{94C7F400-F21C-4AC4-90EF-2D4B0A2F5226}" srcId="{F5F9DBA2-CFFA-4FBC-96B8-5CD3851309F3}" destId="{26391E6B-54A0-49FA-81BC-561C56921121}" srcOrd="0" destOrd="0" parTransId="{C30C50E2-50EF-4314-91D6-D40C58D8C007}" sibTransId="{0C95B2BC-E66B-42B9-812C-35D321664DAE}"/>
+    <dgm:cxn modelId="{D4BD6AC8-21CE-42FC-8B22-5C25A4ECBD13}" srcId="{9E921FC9-607C-477A-86EF-19728CC85C91}" destId="{E2D71842-6AC6-4BD3-9F23-8F75300CF0DC}" srcOrd="0" destOrd="0" parTransId="{3DC345B2-0AD4-4089-8592-17EF1E5BC231}" sibTransId="{6D841A03-2FDE-4A0C-AB5B-BD86071D68A6}"/>
+    <dgm:cxn modelId="{081B4A31-07D7-47DF-99D5-1E78BF455F11}" srcId="{C9A8D9FF-37A5-4972-90A8-CA8DB36B814D}" destId="{02C2341A-D4F5-4DBB-8D56-E6A47C7BC664}" srcOrd="0" destOrd="0" parTransId="{05DF0ABA-18AA-4A71-93E9-DDFF8B863CB9}" sibTransId="{775AFF1C-14BA-4F61-B069-CB42CD1A90DF}"/>
+    <dgm:cxn modelId="{F80153EC-133E-4028-9A98-CC9939714BB8}" type="presOf" srcId="{7CC92162-E893-483C-BE25-E5F9DE55BCDE}" destId="{9737E01C-68BD-4110-A037-A729A8412BFB}" srcOrd="0" destOrd="0" presId="urn:microsoft.com/office/officeart/2005/8/layout/vList5"/>
+    <dgm:cxn modelId="{11B7A64D-70E3-4063-B631-6383FF135269}" type="presOf" srcId="{9E921FC9-607C-477A-86EF-19728CC85C91}" destId="{3AF16C1F-6911-4FA0-9E19-D81C94BC944F}" srcOrd="0" destOrd="0" presId="urn:microsoft.com/office/officeart/2005/8/layout/vList5"/>
+    <dgm:cxn modelId="{DA745B99-1778-4E95-A284-49EB95D63283}" srcId="{DD376388-3FFD-4B3D-948E-E804B30C7C70}" destId="{7CC92162-E893-483C-BE25-E5F9DE55BCDE}" srcOrd="3" destOrd="0" parTransId="{AAC11766-01EC-4DDC-958A-ABD3E647D98D}" sibTransId="{485F3A8A-23D8-4CB7-93C0-E8BB60B61205}"/>
+    <dgm:cxn modelId="{99B0A08A-CA69-48B8-859D-EAE6A69285B5}" srcId="{DD376388-3FFD-4B3D-948E-E804B30C7C70}" destId="{A495CF04-2AB8-4CC6-8570-3EF3BC7BDE05}" srcOrd="2" destOrd="0" parTransId="{9811565B-1DED-4705-8DE0-2E24CFC7F854}" sibTransId="{C1C04AB1-EB45-4958-AE1E-381384EFD4B8}"/>
+    <dgm:cxn modelId="{7A2A1C88-156C-466A-804B-E32A77B19D1E}" srcId="{7CC92162-E893-483C-BE25-E5F9DE55BCDE}" destId="{C942DB02-9E6B-414D-8781-5FB8DA382E49}" srcOrd="0" destOrd="0" parTransId="{5FE3D3CB-97F7-494D-9E99-94A60F8686E8}" sibTransId="{98A36D5B-CEDE-475C-8708-7D7195D967D4}"/>
+    <dgm:cxn modelId="{9BB93CB7-799D-4A5B-A11D-E46C461BE307}" type="presOf" srcId="{02C2341A-D4F5-4DBB-8D56-E6A47C7BC664}" destId="{7E91CD7B-B1B5-4AB7-9071-1CACCD7D463E}" srcOrd="0" destOrd="0" presId="urn:microsoft.com/office/officeart/2005/8/layout/vList5"/>
+    <dgm:cxn modelId="{00971B7D-4EDA-4B5B-8680-474D99B30492}" type="presOf" srcId="{120A6DCF-E80D-4619-B6E3-D01202AA6204}" destId="{2A0F3A65-FD9E-42C1-9B9C-CD8B20D2662A}" srcOrd="0" destOrd="0" presId="urn:microsoft.com/office/officeart/2005/8/layout/vList5"/>
+    <dgm:cxn modelId="{3EA2339F-A9E9-4C9B-9E16-EA6A953F63E2}" srcId="{DD376388-3FFD-4B3D-948E-E804B30C7C70}" destId="{C9A8D9FF-37A5-4972-90A8-CA8DB36B814D}" srcOrd="1" destOrd="0" parTransId="{FBD9EC8C-95A5-4ECA-B6F2-6D8D5486AEE4}" sibTransId="{8E733334-E140-4B0E-8B3F-FE8E1C6C67EE}"/>
+    <dgm:cxn modelId="{2DA76691-A530-4C46-AEDD-1FC9825FFCBD}" type="presOf" srcId="{686460B7-8C9C-4FCF-82B2-D69A03BBB3B1}" destId="{E5564D61-CB5B-4F15-B3A3-E22A02A0B691}" srcOrd="0" destOrd="0" presId="urn:microsoft.com/office/officeart/2005/8/layout/vList5"/>
+    <dgm:cxn modelId="{7B55337C-24D5-4944-8638-8B62A3362B33}" srcId="{DD376388-3FFD-4B3D-948E-E804B30C7C70}" destId="{9E921FC9-607C-477A-86EF-19728CC85C91}" srcOrd="6" destOrd="0" parTransId="{2D0D6511-AFC8-42A6-9187-23C3180871D6}" sibTransId="{F73BEC2E-01C0-4B53-AE81-562D17153AC4}"/>
+    <dgm:cxn modelId="{045E95A0-1564-4D68-A321-2454AB1CD27C}" type="presOf" srcId="{C9A8D9FF-37A5-4972-90A8-CA8DB36B814D}" destId="{2F9BF8EA-B151-4D82-A7D0-D0718751C0F8}" srcOrd="0" destOrd="0" presId="urn:microsoft.com/office/officeart/2005/8/layout/vList5"/>
+    <dgm:cxn modelId="{C2CDBF89-114B-4004-8A02-B73D7DD8CF7B}" type="presOf" srcId="{A495CF04-2AB8-4CC6-8570-3EF3BC7BDE05}" destId="{16A977B9-553A-4A56-8546-CBFF7977E282}" srcOrd="0" destOrd="0" presId="urn:microsoft.com/office/officeart/2005/8/layout/vList5"/>
+    <dgm:cxn modelId="{2E4BA8EA-C954-4EE6-A101-9A0B247506E6}" type="presOf" srcId="{E2D71842-6AC6-4BD3-9F23-8F75300CF0DC}" destId="{956338DF-2EEB-4FB5-B436-54BF66D76F12}" srcOrd="0" destOrd="0" presId="urn:microsoft.com/office/officeart/2005/8/layout/vList5"/>
     <dgm:cxn modelId="{87281B6A-A2DB-40BF-81ED-22EF8F291F16}" type="presOf" srcId="{26391E6B-54A0-49FA-81BC-561C56921121}" destId="{CED83D41-DB71-494A-BE1D-B68260B4F9AF}" srcOrd="0" destOrd="0" presId="urn:microsoft.com/office/officeart/2005/8/layout/vList5"/>
-    <dgm:cxn modelId="{1EEA47BB-84BE-4B2C-A99B-CF230503A614}" type="presOf" srcId="{F5F9DBA2-CFFA-4FBC-96B8-5CD3851309F3}" destId="{5F815E48-CCEC-4B0A-9F4C-F2685C6F8C8E}" srcOrd="0" destOrd="0" presId="urn:microsoft.com/office/officeart/2005/8/layout/vList5"/>
+    <dgm:cxn modelId="{272DDDE8-3675-4DC1-A81E-3F355D4639E0}" srcId="{A495CF04-2AB8-4CC6-8570-3EF3BC7BDE05}" destId="{686460B7-8C9C-4FCF-82B2-D69A03BBB3B1}" srcOrd="0" destOrd="0" parTransId="{16481C82-E2F5-4257-8E8C-2CDA9FFBB8DA}" sibTransId="{EE90C47C-9D12-4A54-B2C6-D260FE1BCE5C}"/>
+    <dgm:cxn modelId="{4350ED12-E9B7-496B-986B-C614D8711CAA}" type="presOf" srcId="{523FD76E-A075-4463-A8B6-30665DD49B6A}" destId="{9580BCA0-250F-4E19-B74A-15304AA182B9}" srcOrd="0" destOrd="0" presId="urn:microsoft.com/office/officeart/2005/8/layout/vList5"/>
+    <dgm:cxn modelId="{287C3DD9-DF14-4356-B901-33C04D06B085}" srcId="{DD376388-3FFD-4B3D-948E-E804B30C7C70}" destId="{F5F9DBA2-CFFA-4FBC-96B8-5CD3851309F3}" srcOrd="4" destOrd="0" parTransId="{DD2E0A95-059B-48CE-B14D-1CDFEADFEEEA}" sibTransId="{B204072D-5C15-4CD3-A4B7-E3C0A8B36F79}"/>
+    <dgm:cxn modelId="{E75A0C0B-1275-4899-B529-EB035AA2F51A}" srcId="{DD376388-3FFD-4B3D-948E-E804B30C7C70}" destId="{523FD76E-A075-4463-A8B6-30665DD49B6A}" srcOrd="0" destOrd="0" parTransId="{658E521C-210A-4A24-BB05-55D021A18528}" sibTransId="{74B85C49-6AE3-40A1-B825-1A5EE81AF516}"/>
     <dgm:cxn modelId="{DD787FAE-1DD9-4B0A-A7DE-316C9BCBB7CF}" srcId="{DD376388-3FFD-4B3D-948E-E804B30C7C70}" destId="{9D1B8524-5C34-4122-90A5-35BF7EB95ADD}" srcOrd="5" destOrd="0" parTransId="{1CF21286-22BE-40E9-BF4E-0E16D7E7F0E4}" sibTransId="{57BDD785-C9F1-4156-99A8-778FB9AA0BAE}"/>
-    <dgm:cxn modelId="{2DA76691-A530-4C46-AEDD-1FC9825FFCBD}" type="presOf" srcId="{686460B7-8C9C-4FCF-82B2-D69A03BBB3B1}" destId="{E5564D61-CB5B-4F15-B3A3-E22A02A0B691}" srcOrd="0" destOrd="0" presId="urn:microsoft.com/office/officeart/2005/8/layout/vList5"/>
-    <dgm:cxn modelId="{4350ED12-E9B7-496B-986B-C614D8711CAA}" type="presOf" srcId="{523FD76E-A075-4463-A8B6-30665DD49B6A}" destId="{9580BCA0-250F-4E19-B74A-15304AA182B9}" srcOrd="0" destOrd="0" presId="urn:microsoft.com/office/officeart/2005/8/layout/vList5"/>
-    <dgm:cxn modelId="{90670F8C-695F-4C67-A96B-A8EAC80E5D87}" type="presOf" srcId="{DD376388-3FFD-4B3D-948E-E804B30C7C70}" destId="{4AF5EFA1-B2C7-4D44-AB0D-4FD1F6D74007}" srcOrd="0" destOrd="0" presId="urn:microsoft.com/office/officeart/2005/8/layout/vList5"/>
-    <dgm:cxn modelId="{C2CDBF89-114B-4004-8A02-B73D7DD8CF7B}" type="presOf" srcId="{A495CF04-2AB8-4CC6-8570-3EF3BC7BDE05}" destId="{16A977B9-553A-4A56-8546-CBFF7977E282}" srcOrd="0" destOrd="0" presId="urn:microsoft.com/office/officeart/2005/8/layout/vList5"/>
-    <dgm:cxn modelId="{DA745B99-1778-4E95-A284-49EB95D63283}" srcId="{DD376388-3FFD-4B3D-948E-E804B30C7C70}" destId="{7CC92162-E893-483C-BE25-E5F9DE55BCDE}" srcOrd="3" destOrd="0" parTransId="{AAC11766-01EC-4DDC-958A-ABD3E647D98D}" sibTransId="{485F3A8A-23D8-4CB7-93C0-E8BB60B61205}"/>
-    <dgm:cxn modelId="{7A2A1C88-156C-466A-804B-E32A77B19D1E}" srcId="{7CC92162-E893-483C-BE25-E5F9DE55BCDE}" destId="{C942DB02-9E6B-414D-8781-5FB8DA382E49}" srcOrd="0" destOrd="0" parTransId="{5FE3D3CB-97F7-494D-9E99-94A60F8686E8}" sibTransId="{98A36D5B-CEDE-475C-8708-7D7195D967D4}"/>
-    <dgm:cxn modelId="{3EA2339F-A9E9-4C9B-9E16-EA6A953F63E2}" srcId="{DD376388-3FFD-4B3D-948E-E804B30C7C70}" destId="{C9A8D9FF-37A5-4972-90A8-CA8DB36B814D}" srcOrd="1" destOrd="0" parTransId="{FBD9EC8C-95A5-4ECA-B6F2-6D8D5486AEE4}" sibTransId="{8E733334-E140-4B0E-8B3F-FE8E1C6C67EE}"/>
-    <dgm:cxn modelId="{D4BD6AC8-21CE-42FC-8B22-5C25A4ECBD13}" srcId="{9E921FC9-607C-477A-86EF-19728CC85C91}" destId="{E2D71842-6AC6-4BD3-9F23-8F75300CF0DC}" srcOrd="0" destOrd="0" parTransId="{3DC345B2-0AD4-4089-8592-17EF1E5BC231}" sibTransId="{6D841A03-2FDE-4A0C-AB5B-BD86071D68A6}"/>
-    <dgm:cxn modelId="{2E4BA8EA-C954-4EE6-A101-9A0B247506E6}" type="presOf" srcId="{E2D71842-6AC6-4BD3-9F23-8F75300CF0DC}" destId="{956338DF-2EEB-4FB5-B436-54BF66D76F12}" srcOrd="0" destOrd="0" presId="urn:microsoft.com/office/officeart/2005/8/layout/vList5"/>
-    <dgm:cxn modelId="{00971B7D-4EDA-4B5B-8680-474D99B30492}" type="presOf" srcId="{120A6DCF-E80D-4619-B6E3-D01202AA6204}" destId="{2A0F3A65-FD9E-42C1-9B9C-CD8B20D2662A}" srcOrd="0" destOrd="0" presId="urn:microsoft.com/office/officeart/2005/8/layout/vList5"/>
-    <dgm:cxn modelId="{95DF792E-6708-4645-8EF9-930D196246D8}" type="presOf" srcId="{C942DB02-9E6B-414D-8781-5FB8DA382E49}" destId="{C206371A-15CD-4B90-AAD5-AE6B4237AA08}" srcOrd="0" destOrd="0" presId="urn:microsoft.com/office/officeart/2005/8/layout/vList5"/>
-    <dgm:cxn modelId="{272DDDE8-3675-4DC1-A81E-3F355D4639E0}" srcId="{A495CF04-2AB8-4CC6-8570-3EF3BC7BDE05}" destId="{686460B7-8C9C-4FCF-82B2-D69A03BBB3B1}" srcOrd="0" destOrd="0" parTransId="{16481C82-E2F5-4257-8E8C-2CDA9FFBB8DA}" sibTransId="{EE90C47C-9D12-4A54-B2C6-D260FE1BCE5C}"/>
-    <dgm:cxn modelId="{F80153EC-133E-4028-9A98-CC9939714BB8}" type="presOf" srcId="{7CC92162-E893-483C-BE25-E5F9DE55BCDE}" destId="{9737E01C-68BD-4110-A037-A729A8412BFB}" srcOrd="0" destOrd="0" presId="urn:microsoft.com/office/officeart/2005/8/layout/vList5"/>
-    <dgm:cxn modelId="{94C7F400-F21C-4AC4-90EF-2D4B0A2F5226}" srcId="{F5F9DBA2-CFFA-4FBC-96B8-5CD3851309F3}" destId="{26391E6B-54A0-49FA-81BC-561C56921121}" srcOrd="0" destOrd="0" parTransId="{C30C50E2-50EF-4314-91D6-D40C58D8C007}" sibTransId="{0C95B2BC-E66B-42B9-812C-35D321664DAE}"/>
-    <dgm:cxn modelId="{081B4A31-07D7-47DF-99D5-1E78BF455F11}" srcId="{C9A8D9FF-37A5-4972-90A8-CA8DB36B814D}" destId="{02C2341A-D4F5-4DBB-8D56-E6A47C7BC664}" srcOrd="0" destOrd="0" parTransId="{05DF0ABA-18AA-4A71-93E9-DDFF8B863CB9}" sibTransId="{775AFF1C-14BA-4F61-B069-CB42CD1A90DF}"/>
-    <dgm:cxn modelId="{BD632974-1C58-423A-8828-0CE92F92D3D4}" type="presOf" srcId="{9D1B8524-5C34-4122-90A5-35BF7EB95ADD}" destId="{B043825F-A4D9-425D-9712-4281F30FB98C}" srcOrd="0" destOrd="0" presId="urn:microsoft.com/office/officeart/2005/8/layout/vList5"/>
-    <dgm:cxn modelId="{6F82B7D5-7225-4307-8FE6-0DC5D6179A77}" srcId="{9D1B8524-5C34-4122-90A5-35BF7EB95ADD}" destId="{2204BD07-080E-45F3-BC41-4CE3FF13CF25}" srcOrd="0" destOrd="0" parTransId="{C36AF43E-82BC-4C4F-A564-1D9166517962}" sibTransId="{4B12ABEC-08ED-48A8-A06E-42671D3698CB}"/>
-    <dgm:cxn modelId="{99B0A08A-CA69-48B8-859D-EAE6A69285B5}" srcId="{DD376388-3FFD-4B3D-948E-E804B30C7C70}" destId="{A495CF04-2AB8-4CC6-8570-3EF3BC7BDE05}" srcOrd="2" destOrd="0" parTransId="{9811565B-1DED-4705-8DE0-2E24CFC7F854}" sibTransId="{C1C04AB1-EB45-4958-AE1E-381384EFD4B8}"/>
-    <dgm:cxn modelId="{287C3DD9-DF14-4356-B901-33C04D06B085}" srcId="{DD376388-3FFD-4B3D-948E-E804B30C7C70}" destId="{F5F9DBA2-CFFA-4FBC-96B8-5CD3851309F3}" srcOrd="4" destOrd="0" parTransId="{DD2E0A95-059B-48CE-B14D-1CDFEADFEEEA}" sibTransId="{B204072D-5C15-4CD3-A4B7-E3C0A8B36F79}"/>
-    <dgm:cxn modelId="{11B7A64D-70E3-4063-B631-6383FF135269}" type="presOf" srcId="{9E921FC9-607C-477A-86EF-19728CC85C91}" destId="{3AF16C1F-6911-4FA0-9E19-D81C94BC944F}" srcOrd="0" destOrd="0" presId="urn:microsoft.com/office/officeart/2005/8/layout/vList5"/>
-    <dgm:cxn modelId="{045E95A0-1564-4D68-A321-2454AB1CD27C}" type="presOf" srcId="{C9A8D9FF-37A5-4972-90A8-CA8DB36B814D}" destId="{2F9BF8EA-B151-4D82-A7D0-D0718751C0F8}" srcOrd="0" destOrd="0" presId="urn:microsoft.com/office/officeart/2005/8/layout/vList5"/>
-    <dgm:cxn modelId="{9BB93CB7-799D-4A5B-A11D-E46C461BE307}" type="presOf" srcId="{02C2341A-D4F5-4DBB-8D56-E6A47C7BC664}" destId="{7E91CD7B-B1B5-4AB7-9071-1CACCD7D463E}" srcOrd="0" destOrd="0" presId="urn:microsoft.com/office/officeart/2005/8/layout/vList5"/>
     <dgm:cxn modelId="{026599B8-8266-47F0-9E94-CC57A070F3FA}" type="presParOf" srcId="{4AF5EFA1-B2C7-4D44-AB0D-4FD1F6D74007}" destId="{EB205C52-AEB1-4428-BF0B-D480ECCE618D}" srcOrd="0" destOrd="0" presId="urn:microsoft.com/office/officeart/2005/8/layout/vList5"/>
     <dgm:cxn modelId="{8B638383-5AA5-40A6-B8F8-1321E8754E22}" type="presParOf" srcId="{EB205C52-AEB1-4428-BF0B-D480ECCE618D}" destId="{9580BCA0-250F-4E19-B74A-15304AA182B9}" srcOrd="0" destOrd="0" presId="urn:microsoft.com/office/officeart/2005/8/layout/vList5"/>
     <dgm:cxn modelId="{D5D93EFE-62CD-4B60-BD35-3F0070CEB24E}" type="presParOf" srcId="{EB205C52-AEB1-4428-BF0B-D480ECCE618D}" destId="{2A0F3A65-FD9E-42C1-9B9C-CD8B20D2662A}" srcOrd="1" destOrd="0" presId="urn:microsoft.com/office/officeart/2005/8/layout/vList5"/>
@@ -3945,29 +3952,29 @@
     </dgm:pt>
   </dgm:ptLst>
   <dgm:cxnLst>
+    <dgm:cxn modelId="{A1CE96A6-343D-4942-8C1F-CF6751DA929D}" srcId="{11A7436A-E0EC-4C7A-BDF0-C6B9732D1D4E}" destId="{9AB65466-3BA8-4DAA-8BD3-712D85594055}" srcOrd="0" destOrd="0" parTransId="{69F5CE6A-5401-4A58-B8AB-59740535CA16}" sibTransId="{EE29B8BE-0D5C-47D7-9E00-2FE39C3A66D4}"/>
+    <dgm:cxn modelId="{4D4014C7-5C63-4722-AEED-132F954F78DC}" srcId="{B1216C8A-FF85-4CB1-A177-0DC1370B15CE}" destId="{4108E0FF-106F-46BA-8386-CA978C671DCB}" srcOrd="2" destOrd="0" parTransId="{F0BFA10D-5D90-456C-9172-BFE7BB6D2D7E}" sibTransId="{BE7A89AE-4939-49FA-9047-B9D7DAFB567A}"/>
+    <dgm:cxn modelId="{EDA450A1-75DC-4A1E-A5FD-ACC726923F1A}" type="presOf" srcId="{B56863B5-5689-4C26-9566-282BFA28423F}" destId="{E613F58F-EB33-4DED-B126-B0D9150FE449}" srcOrd="0" destOrd="0" presId="urn:microsoft.com/office/officeart/2009/3/layout/SubStepProcess"/>
+    <dgm:cxn modelId="{5C7FD797-EF2C-4B4D-837F-CDCFBB8F6A21}" type="presOf" srcId="{4108E0FF-106F-46BA-8386-CA978C671DCB}" destId="{F1BCC514-1F54-45FA-AB7C-FB1824441388}" srcOrd="0" destOrd="0" presId="urn:microsoft.com/office/officeart/2009/3/layout/SubStepProcess"/>
+    <dgm:cxn modelId="{217868D9-E8DD-4D01-ADF9-279407FB184F}" srcId="{9AB65466-3BA8-4DAA-8BD3-712D85594055}" destId="{AD0AE1E7-E12F-46A9-8703-7AB651AF7042}" srcOrd="1" destOrd="0" parTransId="{BE2F29F1-B23B-42FB-872B-0ACE3757593B}" sibTransId="{E509924B-57F8-4DD8-9A2B-5C15E9455B39}"/>
+    <dgm:cxn modelId="{D2BB422C-9BB2-4CDC-AB76-68E9F3592B7D}" type="presOf" srcId="{4542CE05-3908-44F3-8E64-C7F949EF15F5}" destId="{9B92302A-30CF-4C3E-9A44-765C06665424}" srcOrd="0" destOrd="0" presId="urn:microsoft.com/office/officeart/2009/3/layout/SubStepProcess"/>
+    <dgm:cxn modelId="{812889A4-943A-44D7-8357-63873FC977CC}" srcId="{11A7436A-E0EC-4C7A-BDF0-C6B9732D1D4E}" destId="{B1216C8A-FF85-4CB1-A177-0DC1370B15CE}" srcOrd="2" destOrd="0" parTransId="{B66120C8-E9DE-49C5-BCA6-902400A36CC9}" sibTransId="{9523411E-A455-4461-A942-E74287391018}"/>
+    <dgm:cxn modelId="{17557F10-A075-42EB-B2C6-9ABF3DB95EC8}" type="presOf" srcId="{EC17DED0-709F-4E87-94F8-7AC7A79BBA04}" destId="{BA242245-2FDE-41CE-A379-B8B3D429396D}" srcOrd="0" destOrd="0" presId="urn:microsoft.com/office/officeart/2009/3/layout/SubStepProcess"/>
+    <dgm:cxn modelId="{B176EFF9-1C5E-4AC3-89E2-6A635CC81C13}" srcId="{EC17DED0-709F-4E87-94F8-7AC7A79BBA04}" destId="{3E6BBF53-7822-4375-8F88-5FB8B48B4FA7}" srcOrd="1" destOrd="0" parTransId="{7DBE0E13-87EE-48C0-B5A3-283A994A5150}" sibTransId="{B8D35BA1-2735-4F00-A0E6-C676A85F91CB}"/>
+    <dgm:cxn modelId="{48478D15-71A6-425D-8F9E-974A10602C7E}" type="presOf" srcId="{AD0AE1E7-E12F-46A9-8703-7AB651AF7042}" destId="{08DECA2B-3C34-4518-A82B-CF10EA58740F}" srcOrd="0" destOrd="0" presId="urn:microsoft.com/office/officeart/2009/3/layout/SubStepProcess"/>
     <dgm:cxn modelId="{1B0C0372-538C-4DAE-B205-25F1F061481B}" srcId="{B1216C8A-FF85-4CB1-A177-0DC1370B15CE}" destId="{4208F947-422A-4005-BB5F-075F7B73EAED}" srcOrd="1" destOrd="0" parTransId="{57531510-43E1-4F10-977A-904C94483942}" sibTransId="{4B0D0ABC-8405-4576-B6FD-86F2F90BF4CA}"/>
+    <dgm:cxn modelId="{38724F8F-828E-4C24-87F5-949C98EEC271}" type="presOf" srcId="{2082539E-B922-45B7-BE39-F37938CC214D}" destId="{3F7D6710-DC05-495F-8258-661CABE8CB8E}" srcOrd="0" destOrd="0" presId="urn:microsoft.com/office/officeart/2009/3/layout/SubStepProcess"/>
+    <dgm:cxn modelId="{983079C3-3187-423F-96EB-E4837D74ECAD}" srcId="{EC17DED0-709F-4E87-94F8-7AC7A79BBA04}" destId="{E199B7DD-0EC7-43D7-B30D-9954F48BB3E0}" srcOrd="0" destOrd="0" parTransId="{EE3E5656-EDB6-45FD-AD8A-8BD68F7AA2B7}" sibTransId="{D99D3EF4-FC9D-4C70-B278-C71A52F10674}"/>
+    <dgm:cxn modelId="{08A947A5-D3F4-47D8-B165-4558E7AE098D}" srcId="{B1216C8A-FF85-4CB1-A177-0DC1370B15CE}" destId="{B56863B5-5689-4C26-9566-282BFA28423F}" srcOrd="0" destOrd="0" parTransId="{94A4A8B7-8DF9-412F-8441-EE1C9C98ACA8}" sibTransId="{2C676002-1FB6-47FB-9EFE-0FD70399D78C}"/>
     <dgm:cxn modelId="{3D81ECB3-96C5-48AC-BDA7-F10AB85C7468}" srcId="{11A7436A-E0EC-4C7A-BDF0-C6B9732D1D4E}" destId="{EC17DED0-709F-4E87-94F8-7AC7A79BBA04}" srcOrd="1" destOrd="0" parTransId="{17102A10-5F98-48B3-B984-4C1BD76275FC}" sibTransId="{5CA369D1-0D82-4FBB-A649-BCBCEF4CAC4F}"/>
+    <dgm:cxn modelId="{7630F480-53E0-4352-856D-6D69429B5806}" type="presOf" srcId="{9AB65466-3BA8-4DAA-8BD3-712D85594055}" destId="{5553C5DF-C476-47B7-9B2D-8BD883320769}" srcOrd="0" destOrd="0" presId="urn:microsoft.com/office/officeart/2009/3/layout/SubStepProcess"/>
+    <dgm:cxn modelId="{F54F1758-5A88-49CC-AE7B-22154CBE6C18}" srcId="{B1216C8A-FF85-4CB1-A177-0DC1370B15CE}" destId="{4542CE05-3908-44F3-8E64-C7F949EF15F5}" srcOrd="3" destOrd="0" parTransId="{5EB5B290-2B95-4BB7-9D29-2DEA2D71A4CF}" sibTransId="{7F54C0B0-4605-4945-81D5-52288333A9D6}"/>
+    <dgm:cxn modelId="{F22994EA-7767-48CC-979E-9031E44548E8}" type="presOf" srcId="{3E6BBF53-7822-4375-8F88-5FB8B48B4FA7}" destId="{B459804A-3BDF-4044-9474-B7B8CB1C038B}" srcOrd="0" destOrd="0" presId="urn:microsoft.com/office/officeart/2009/3/layout/SubStepProcess"/>
     <dgm:cxn modelId="{245DAA23-F0CD-4A04-87EF-2F423F233FFB}" type="presOf" srcId="{E199B7DD-0EC7-43D7-B30D-9954F48BB3E0}" destId="{8936B586-CD90-413C-A3B0-9D6F0F99D55D}" srcOrd="0" destOrd="0" presId="urn:microsoft.com/office/officeart/2009/3/layout/SubStepProcess"/>
-    <dgm:cxn modelId="{48478D15-71A6-425D-8F9E-974A10602C7E}" type="presOf" srcId="{AD0AE1E7-E12F-46A9-8703-7AB651AF7042}" destId="{08DECA2B-3C34-4518-A82B-CF10EA58740F}" srcOrd="0" destOrd="0" presId="urn:microsoft.com/office/officeart/2009/3/layout/SubStepProcess"/>
+    <dgm:cxn modelId="{A30CCD73-800C-4EB9-888E-7C903B8FEB88}" type="presOf" srcId="{11A7436A-E0EC-4C7A-BDF0-C6B9732D1D4E}" destId="{9AF58A91-1962-419D-9395-772C28E67EBC}" srcOrd="0" destOrd="0" presId="urn:microsoft.com/office/officeart/2009/3/layout/SubStepProcess"/>
+    <dgm:cxn modelId="{1C33A0E4-9AF7-46CA-8F1A-1A08E7DC3867}" type="presOf" srcId="{B1216C8A-FF85-4CB1-A177-0DC1370B15CE}" destId="{5614634A-59EB-45C8-9073-1266031FCE05}" srcOrd="0" destOrd="0" presId="urn:microsoft.com/office/officeart/2009/3/layout/SubStepProcess"/>
     <dgm:cxn modelId="{E3EC2BDF-6629-460F-BDB0-8A0F704A1363}" srcId="{9AB65466-3BA8-4DAA-8BD3-712D85594055}" destId="{2082539E-B922-45B7-BE39-F37938CC214D}" srcOrd="0" destOrd="0" parTransId="{EF1FA0F1-1EF0-4285-A6B7-FADE986BE7BB}" sibTransId="{B55FDC65-60CC-4862-8876-25831A9164B0}"/>
-    <dgm:cxn modelId="{217868D9-E8DD-4D01-ADF9-279407FB184F}" srcId="{9AB65466-3BA8-4DAA-8BD3-712D85594055}" destId="{AD0AE1E7-E12F-46A9-8703-7AB651AF7042}" srcOrd="1" destOrd="0" parTransId="{BE2F29F1-B23B-42FB-872B-0ACE3757593B}" sibTransId="{E509924B-57F8-4DD8-9A2B-5C15E9455B39}"/>
     <dgm:cxn modelId="{34939086-EFCF-4FF2-8B3A-EE40096EE025}" type="presOf" srcId="{4208F947-422A-4005-BB5F-075F7B73EAED}" destId="{25A6DEBC-91CB-4EFD-BD35-F19CBD85A547}" srcOrd="0" destOrd="0" presId="urn:microsoft.com/office/officeart/2009/3/layout/SubStepProcess"/>
-    <dgm:cxn modelId="{08A947A5-D3F4-47D8-B165-4558E7AE098D}" srcId="{B1216C8A-FF85-4CB1-A177-0DC1370B15CE}" destId="{B56863B5-5689-4C26-9566-282BFA28423F}" srcOrd="0" destOrd="0" parTransId="{94A4A8B7-8DF9-412F-8441-EE1C9C98ACA8}" sibTransId="{2C676002-1FB6-47FB-9EFE-0FD70399D78C}"/>
-    <dgm:cxn modelId="{17557F10-A075-42EB-B2C6-9ABF3DB95EC8}" type="presOf" srcId="{EC17DED0-709F-4E87-94F8-7AC7A79BBA04}" destId="{BA242245-2FDE-41CE-A379-B8B3D429396D}" srcOrd="0" destOrd="0" presId="urn:microsoft.com/office/officeart/2009/3/layout/SubStepProcess"/>
-    <dgm:cxn modelId="{A1CE96A6-343D-4942-8C1F-CF6751DA929D}" srcId="{11A7436A-E0EC-4C7A-BDF0-C6B9732D1D4E}" destId="{9AB65466-3BA8-4DAA-8BD3-712D85594055}" srcOrd="0" destOrd="0" parTransId="{69F5CE6A-5401-4A58-B8AB-59740535CA16}" sibTransId="{EE29B8BE-0D5C-47D7-9E00-2FE39C3A66D4}"/>
-    <dgm:cxn modelId="{5C7FD797-EF2C-4B4D-837F-CDCFBB8F6A21}" type="presOf" srcId="{4108E0FF-106F-46BA-8386-CA978C671DCB}" destId="{F1BCC514-1F54-45FA-AB7C-FB1824441388}" srcOrd="0" destOrd="0" presId="urn:microsoft.com/office/officeart/2009/3/layout/SubStepProcess"/>
-    <dgm:cxn modelId="{38724F8F-828E-4C24-87F5-949C98EEC271}" type="presOf" srcId="{2082539E-B922-45B7-BE39-F37938CC214D}" destId="{3F7D6710-DC05-495F-8258-661CABE8CB8E}" srcOrd="0" destOrd="0" presId="urn:microsoft.com/office/officeart/2009/3/layout/SubStepProcess"/>
-    <dgm:cxn modelId="{D2BB422C-9BB2-4CDC-AB76-68E9F3592B7D}" type="presOf" srcId="{4542CE05-3908-44F3-8E64-C7F949EF15F5}" destId="{9B92302A-30CF-4C3E-9A44-765C06665424}" srcOrd="0" destOrd="0" presId="urn:microsoft.com/office/officeart/2009/3/layout/SubStepProcess"/>
-    <dgm:cxn modelId="{983079C3-3187-423F-96EB-E4837D74ECAD}" srcId="{EC17DED0-709F-4E87-94F8-7AC7A79BBA04}" destId="{E199B7DD-0EC7-43D7-B30D-9954F48BB3E0}" srcOrd="0" destOrd="0" parTransId="{EE3E5656-EDB6-45FD-AD8A-8BD68F7AA2B7}" sibTransId="{D99D3EF4-FC9D-4C70-B278-C71A52F10674}"/>
-    <dgm:cxn modelId="{B176EFF9-1C5E-4AC3-89E2-6A635CC81C13}" srcId="{EC17DED0-709F-4E87-94F8-7AC7A79BBA04}" destId="{3E6BBF53-7822-4375-8F88-5FB8B48B4FA7}" srcOrd="1" destOrd="0" parTransId="{7DBE0E13-87EE-48C0-B5A3-283A994A5150}" sibTransId="{B8D35BA1-2735-4F00-A0E6-C676A85F91CB}"/>
-    <dgm:cxn modelId="{EDA450A1-75DC-4A1E-A5FD-ACC726923F1A}" type="presOf" srcId="{B56863B5-5689-4C26-9566-282BFA28423F}" destId="{E613F58F-EB33-4DED-B126-B0D9150FE449}" srcOrd="0" destOrd="0" presId="urn:microsoft.com/office/officeart/2009/3/layout/SubStepProcess"/>
-    <dgm:cxn modelId="{1C33A0E4-9AF7-46CA-8F1A-1A08E7DC3867}" type="presOf" srcId="{B1216C8A-FF85-4CB1-A177-0DC1370B15CE}" destId="{5614634A-59EB-45C8-9073-1266031FCE05}" srcOrd="0" destOrd="0" presId="urn:microsoft.com/office/officeart/2009/3/layout/SubStepProcess"/>
-    <dgm:cxn modelId="{F22994EA-7767-48CC-979E-9031E44548E8}" type="presOf" srcId="{3E6BBF53-7822-4375-8F88-5FB8B48B4FA7}" destId="{B459804A-3BDF-4044-9474-B7B8CB1C038B}" srcOrd="0" destOrd="0" presId="urn:microsoft.com/office/officeart/2009/3/layout/SubStepProcess"/>
-    <dgm:cxn modelId="{4D4014C7-5C63-4722-AEED-132F954F78DC}" srcId="{B1216C8A-FF85-4CB1-A177-0DC1370B15CE}" destId="{4108E0FF-106F-46BA-8386-CA978C671DCB}" srcOrd="2" destOrd="0" parTransId="{F0BFA10D-5D90-456C-9172-BFE7BB6D2D7E}" sibTransId="{BE7A89AE-4939-49FA-9047-B9D7DAFB567A}"/>
-    <dgm:cxn modelId="{A30CCD73-800C-4EB9-888E-7C903B8FEB88}" type="presOf" srcId="{11A7436A-E0EC-4C7A-BDF0-C6B9732D1D4E}" destId="{9AF58A91-1962-419D-9395-772C28E67EBC}" srcOrd="0" destOrd="0" presId="urn:microsoft.com/office/officeart/2009/3/layout/SubStepProcess"/>
-    <dgm:cxn modelId="{7630F480-53E0-4352-856D-6D69429B5806}" type="presOf" srcId="{9AB65466-3BA8-4DAA-8BD3-712D85594055}" destId="{5553C5DF-C476-47B7-9B2D-8BD883320769}" srcOrd="0" destOrd="0" presId="urn:microsoft.com/office/officeart/2009/3/layout/SubStepProcess"/>
-    <dgm:cxn modelId="{812889A4-943A-44D7-8357-63873FC977CC}" srcId="{11A7436A-E0EC-4C7A-BDF0-C6B9732D1D4E}" destId="{B1216C8A-FF85-4CB1-A177-0DC1370B15CE}" srcOrd="2" destOrd="0" parTransId="{B66120C8-E9DE-49C5-BCA6-902400A36CC9}" sibTransId="{9523411E-A455-4461-A942-E74287391018}"/>
-    <dgm:cxn modelId="{F54F1758-5A88-49CC-AE7B-22154CBE6C18}" srcId="{B1216C8A-FF85-4CB1-A177-0DC1370B15CE}" destId="{4542CE05-3908-44F3-8E64-C7F949EF15F5}" srcOrd="3" destOrd="0" parTransId="{5EB5B290-2B95-4BB7-9D29-2DEA2D71A4CF}" sibTransId="{7F54C0B0-4605-4945-81D5-52288333A9D6}"/>
     <dgm:cxn modelId="{B991EB97-CC4F-46CF-A4E7-19D5B86C49F9}" type="presParOf" srcId="{9AF58A91-1962-419D-9395-772C28E67EBC}" destId="{5553C5DF-C476-47B7-9B2D-8BD883320769}" srcOrd="0" destOrd="0" presId="urn:microsoft.com/office/officeart/2009/3/layout/SubStepProcess"/>
     <dgm:cxn modelId="{36418688-642B-471F-B24F-22E862F57272}" type="presParOf" srcId="{9AF58A91-1962-419D-9395-772C28E67EBC}" destId="{CAD2D4A8-D839-4575-A425-A0D190BA32EA}" srcOrd="1" destOrd="0" presId="urn:microsoft.com/office/officeart/2009/3/layout/SubStepProcess"/>
     <dgm:cxn modelId="{F7F2A2BD-5D71-4B10-A0BE-20E323DBCC39}" type="presParOf" srcId="{9AF58A91-1962-419D-9395-772C28E67EBC}" destId="{DAFC8EB1-D51E-4B82-98D5-2055E53C3E5A}" srcOrd="2" destOrd="0" presId="urn:microsoft.com/office/officeart/2009/3/layout/SubStepProcess"/>
@@ -4739,29 +4746,29 @@
     </dgm:pt>
   </dgm:ptLst>
   <dgm:cxnLst>
+    <dgm:cxn modelId="{D295A0D5-3A25-4C97-B5F5-40628527B8E4}" srcId="{E189785E-500D-4C7E-A548-FCBED615C2D0}" destId="{72BD426D-4C5A-4BDC-AB8F-77CF1C955887}" srcOrd="3" destOrd="0" parTransId="{25842A0D-3879-40C2-8BC7-36B507E14101}" sibTransId="{57B04501-D755-4FF0-8BA6-478499C23867}"/>
+    <dgm:cxn modelId="{0D7BBF15-2A89-4D9E-8935-0A8948C31667}" type="presOf" srcId="{57C98617-1757-4D56-AF8B-8856079DC1C3}" destId="{C17D5B3E-1B34-4587-8BE7-5EC9B7F39512}" srcOrd="0" destOrd="0" presId="urn:microsoft.com/office/officeart/2005/8/layout/hList1"/>
+    <dgm:cxn modelId="{ACD61908-2FFE-4141-8DDD-ACE955A63E24}" srcId="{895A478F-F1D6-45F3-B6F8-923AA45AB9CA}" destId="{57C98617-1757-4D56-AF8B-8856079DC1C3}" srcOrd="0" destOrd="0" parTransId="{AE6CAEFB-F575-4A2C-91B6-E2294072731E}" sibTransId="{1836FD4D-27AD-48C3-987D-5FEAC5F982B8}"/>
+    <dgm:cxn modelId="{76D8A507-DE99-4961-9D3D-FB7F383A21AD}" type="presOf" srcId="{C450BF7E-2997-48D8-812E-7BAC338E4F78}" destId="{C17D5B3E-1B34-4587-8BE7-5EC9B7F39512}" srcOrd="0" destOrd="1" presId="urn:microsoft.com/office/officeart/2005/8/layout/hList1"/>
+    <dgm:cxn modelId="{99B7CAB1-E806-4BC1-9BEF-921ABFCE2122}" type="presOf" srcId="{30AD1400-1EFD-4E3B-9BA3-1591BAC678F6}" destId="{F68F52AD-90B9-4C87-81C1-1DAEF877EA82}" srcOrd="0" destOrd="0" presId="urn:microsoft.com/office/officeart/2005/8/layout/hList1"/>
+    <dgm:cxn modelId="{9972EF04-AF6A-40D7-9AA9-2DDF033A8D38}" srcId="{FF73487B-07B3-434C-AF0B-2A2FE0FABFC8}" destId="{212958FA-086C-4EB4-BF7B-746DAC78AE42}" srcOrd="1" destOrd="0" parTransId="{243B3955-C6FD-41E1-A483-763305BF6994}" sibTransId="{F6CEA319-D6CE-492A-850F-11460440D350}"/>
+    <dgm:cxn modelId="{D98681DE-A0AD-4BE1-823E-8328D2564F2A}" srcId="{C8F018D3-1FCF-438E-841A-FC925D844786}" destId="{30AD1400-1EFD-4E3B-9BA3-1591BAC678F6}" srcOrd="0" destOrd="0" parTransId="{D8892F2B-78B4-4E76-B7E5-B70253DA7A00}" sibTransId="{8FFB5698-11F4-44E7-B046-47A5F0CDB816}"/>
     <dgm:cxn modelId="{B70C95B7-8595-46F5-9328-EC9D42B67104}" type="presOf" srcId="{895A478F-F1D6-45F3-B6F8-923AA45AB9CA}" destId="{835F3438-D97B-47D6-9375-B950DA2FFC3E}" srcOrd="0" destOrd="0" presId="urn:microsoft.com/office/officeart/2005/8/layout/hList1"/>
+    <dgm:cxn modelId="{8458C98C-1327-46AC-912C-CCECE1D15C83}" srcId="{895A478F-F1D6-45F3-B6F8-923AA45AB9CA}" destId="{C450BF7E-2997-48D8-812E-7BAC338E4F78}" srcOrd="1" destOrd="0" parTransId="{06AC5F8C-7888-4023-BC7F-E694F0C595D2}" sibTransId="{30375C79-BB4F-4F84-B372-63962614C94E}"/>
+    <dgm:cxn modelId="{E449B270-810A-4006-9C48-6D0FCDD1F443}" srcId="{FF73487B-07B3-434C-AF0B-2A2FE0FABFC8}" destId="{43F55B91-1B6A-4DBB-AE03-A8BA9022E2AA}" srcOrd="0" destOrd="0" parTransId="{71B1A030-1904-45E8-A31F-11EADE48AEE7}" sibTransId="{216B57A7-81A3-49A5-93DA-1F8D0698770B}"/>
+    <dgm:cxn modelId="{15B0B38D-2AA0-492F-BA6C-6246DBE344D3}" type="presOf" srcId="{C8F018D3-1FCF-438E-841A-FC925D844786}" destId="{B918A818-DFA1-4A56-824C-2C4E4B5366A7}" srcOrd="0" destOrd="0" presId="urn:microsoft.com/office/officeart/2005/8/layout/hList1"/>
+    <dgm:cxn modelId="{4CF50C15-3FF4-4045-AAAF-B94267EECA13}" srcId="{72BD426D-4C5A-4BDC-AB8F-77CF1C955887}" destId="{98CE530E-73D3-412C-A05A-67CC704C8484}" srcOrd="1" destOrd="0" parTransId="{DA63CEE4-FE47-4C85-82ED-3988856A1C80}" sibTransId="{AAE51DD5-F3EC-4EF6-8A03-C1EFF2594E76}"/>
+    <dgm:cxn modelId="{835AFFD7-C43E-4FD5-87C8-425D5218FC08}" type="presOf" srcId="{43F55B91-1B6A-4DBB-AE03-A8BA9022E2AA}" destId="{920B049E-1B5D-4C36-BE7E-C4FCA277047E}" srcOrd="0" destOrd="0" presId="urn:microsoft.com/office/officeart/2005/8/layout/hList1"/>
+    <dgm:cxn modelId="{A746ACC7-77EB-464E-A4E6-D96D5169F827}" srcId="{E189785E-500D-4C7E-A548-FCBED615C2D0}" destId="{FF73487B-07B3-434C-AF0B-2A2FE0FABFC8}" srcOrd="2" destOrd="0" parTransId="{102E82C6-E4F2-42FB-BE80-7ACBC0FFC533}" sibTransId="{24363703-06CF-4858-AA9C-50A052991A6F}"/>
+    <dgm:cxn modelId="{677137D0-4502-4002-B0F7-992EA1B5F887}" srcId="{E189785E-500D-4C7E-A548-FCBED615C2D0}" destId="{C8F018D3-1FCF-438E-841A-FC925D844786}" srcOrd="0" destOrd="0" parTransId="{6A9F618B-757A-44A3-89BE-F53B531A5F4D}" sibTransId="{58464D9C-459B-4876-A90A-DFD54522F80C}"/>
     <dgm:cxn modelId="{51DF8FA8-1670-4B0C-97CD-8924F37E7BE6}" type="presOf" srcId="{72BD426D-4C5A-4BDC-AB8F-77CF1C955887}" destId="{5D05F1D5-F814-43B9-B569-D8131C3AF0C0}" srcOrd="0" destOrd="0" presId="urn:microsoft.com/office/officeart/2005/8/layout/hList1"/>
-    <dgm:cxn modelId="{0D7BBF15-2A89-4D9E-8935-0A8948C31667}" type="presOf" srcId="{57C98617-1757-4D56-AF8B-8856079DC1C3}" destId="{C17D5B3E-1B34-4587-8BE7-5EC9B7F39512}" srcOrd="0" destOrd="0" presId="urn:microsoft.com/office/officeart/2005/8/layout/hList1"/>
-    <dgm:cxn modelId="{9972EF04-AF6A-40D7-9AA9-2DDF033A8D38}" srcId="{FF73487B-07B3-434C-AF0B-2A2FE0FABFC8}" destId="{212958FA-086C-4EB4-BF7B-746DAC78AE42}" srcOrd="1" destOrd="0" parTransId="{243B3955-C6FD-41E1-A483-763305BF6994}" sibTransId="{F6CEA319-D6CE-492A-850F-11460440D350}"/>
-    <dgm:cxn modelId="{E449B270-810A-4006-9C48-6D0FCDD1F443}" srcId="{FF73487B-07B3-434C-AF0B-2A2FE0FABFC8}" destId="{43F55B91-1B6A-4DBB-AE03-A8BA9022E2AA}" srcOrd="0" destOrd="0" parTransId="{71B1A030-1904-45E8-A31F-11EADE48AEE7}" sibTransId="{216B57A7-81A3-49A5-93DA-1F8D0698770B}"/>
-    <dgm:cxn modelId="{835AFFD7-C43E-4FD5-87C8-425D5218FC08}" type="presOf" srcId="{43F55B91-1B6A-4DBB-AE03-A8BA9022E2AA}" destId="{920B049E-1B5D-4C36-BE7E-C4FCA277047E}" srcOrd="0" destOrd="0" presId="urn:microsoft.com/office/officeart/2005/8/layout/hList1"/>
+    <dgm:cxn modelId="{AD02B561-881D-46D6-BBBB-D2B74993AF2C}" type="presOf" srcId="{98CE530E-73D3-412C-A05A-67CC704C8484}" destId="{1E46AB9C-27F4-4450-B3F7-5965C96C9787}" srcOrd="0" destOrd="1" presId="urn:microsoft.com/office/officeart/2005/8/layout/hList1"/>
+    <dgm:cxn modelId="{DCBBD8F4-0823-4A2C-AFB3-9C8B1C514144}" type="presOf" srcId="{E189785E-500D-4C7E-A548-FCBED615C2D0}" destId="{CF9A98E2-FB6D-46A3-B91A-2C9595A881D8}" srcOrd="0" destOrd="0" presId="urn:microsoft.com/office/officeart/2005/8/layout/hList1"/>
+    <dgm:cxn modelId="{DF275B63-08C5-4BCE-9B66-EB7441C0B156}" type="presOf" srcId="{3E5D0BD5-B682-4B92-B948-30473B69793E}" destId="{1E46AB9C-27F4-4450-B3F7-5965C96C9787}" srcOrd="0" destOrd="0" presId="urn:microsoft.com/office/officeart/2005/8/layout/hList1"/>
+    <dgm:cxn modelId="{10453ECF-B2B2-40E1-AD1B-91AF9C5FF6C6}" type="presOf" srcId="{212958FA-086C-4EB4-BF7B-746DAC78AE42}" destId="{920B049E-1B5D-4C36-BE7E-C4FCA277047E}" srcOrd="0" destOrd="1" presId="urn:microsoft.com/office/officeart/2005/8/layout/hList1"/>
     <dgm:cxn modelId="{1F4B482A-51A9-42EC-BB79-C0931E04157F}" srcId="{72BD426D-4C5A-4BDC-AB8F-77CF1C955887}" destId="{3E5D0BD5-B682-4B92-B948-30473B69793E}" srcOrd="0" destOrd="0" parTransId="{5B7A0A61-182D-4D94-8577-F7B93A444293}" sibTransId="{4353112C-966C-4A7E-9CDC-9331DD9B9D5C}"/>
-    <dgm:cxn modelId="{76D8A507-DE99-4961-9D3D-FB7F383A21AD}" type="presOf" srcId="{C450BF7E-2997-48D8-812E-7BAC338E4F78}" destId="{C17D5B3E-1B34-4587-8BE7-5EC9B7F39512}" srcOrd="0" destOrd="1" presId="urn:microsoft.com/office/officeart/2005/8/layout/hList1"/>
+    <dgm:cxn modelId="{19B85FC5-04FB-4958-838A-581BCC14013A}" type="presOf" srcId="{FF73487B-07B3-434C-AF0B-2A2FE0FABFC8}" destId="{0BC18BEA-D2B9-4B6C-AEB4-D097C9F6F80F}" srcOrd="0" destOrd="0" presId="urn:microsoft.com/office/officeart/2005/8/layout/hList1"/>
     <dgm:cxn modelId="{42A71E8D-9F02-4199-876C-2CFA48542EA1}" srcId="{E189785E-500D-4C7E-A548-FCBED615C2D0}" destId="{895A478F-F1D6-45F3-B6F8-923AA45AB9CA}" srcOrd="1" destOrd="0" parTransId="{CF99EECC-41DF-4AF8-8657-680B09427E6C}" sibTransId="{4EDAB12E-D71A-4D4D-9C9E-204F4CC2A7EE}"/>
-    <dgm:cxn modelId="{AD02B561-881D-46D6-BBBB-D2B74993AF2C}" type="presOf" srcId="{98CE530E-73D3-412C-A05A-67CC704C8484}" destId="{1E46AB9C-27F4-4450-B3F7-5965C96C9787}" srcOrd="0" destOrd="1" presId="urn:microsoft.com/office/officeart/2005/8/layout/hList1"/>
-    <dgm:cxn modelId="{A746ACC7-77EB-464E-A4E6-D96D5169F827}" srcId="{E189785E-500D-4C7E-A548-FCBED615C2D0}" destId="{FF73487B-07B3-434C-AF0B-2A2FE0FABFC8}" srcOrd="2" destOrd="0" parTransId="{102E82C6-E4F2-42FB-BE80-7ACBC0FFC533}" sibTransId="{24363703-06CF-4858-AA9C-50A052991A6F}"/>
-    <dgm:cxn modelId="{ACD61908-2FFE-4141-8DDD-ACE955A63E24}" srcId="{895A478F-F1D6-45F3-B6F8-923AA45AB9CA}" destId="{57C98617-1757-4D56-AF8B-8856079DC1C3}" srcOrd="0" destOrd="0" parTransId="{AE6CAEFB-F575-4A2C-91B6-E2294072731E}" sibTransId="{1836FD4D-27AD-48C3-987D-5FEAC5F982B8}"/>
-    <dgm:cxn modelId="{D98681DE-A0AD-4BE1-823E-8328D2564F2A}" srcId="{C8F018D3-1FCF-438E-841A-FC925D844786}" destId="{30AD1400-1EFD-4E3B-9BA3-1591BAC678F6}" srcOrd="0" destOrd="0" parTransId="{D8892F2B-78B4-4E76-B7E5-B70253DA7A00}" sibTransId="{8FFB5698-11F4-44E7-B046-47A5F0CDB816}"/>
-    <dgm:cxn modelId="{DF275B63-08C5-4BCE-9B66-EB7441C0B156}" type="presOf" srcId="{3E5D0BD5-B682-4B92-B948-30473B69793E}" destId="{1E46AB9C-27F4-4450-B3F7-5965C96C9787}" srcOrd="0" destOrd="0" presId="urn:microsoft.com/office/officeart/2005/8/layout/hList1"/>
-    <dgm:cxn modelId="{19B85FC5-04FB-4958-838A-581BCC14013A}" type="presOf" srcId="{FF73487B-07B3-434C-AF0B-2A2FE0FABFC8}" destId="{0BC18BEA-D2B9-4B6C-AEB4-D097C9F6F80F}" srcOrd="0" destOrd="0" presId="urn:microsoft.com/office/officeart/2005/8/layout/hList1"/>
-    <dgm:cxn modelId="{4CF50C15-3FF4-4045-AAAF-B94267EECA13}" srcId="{72BD426D-4C5A-4BDC-AB8F-77CF1C955887}" destId="{98CE530E-73D3-412C-A05A-67CC704C8484}" srcOrd="1" destOrd="0" parTransId="{DA63CEE4-FE47-4C85-82ED-3988856A1C80}" sibTransId="{AAE51DD5-F3EC-4EF6-8A03-C1EFF2594E76}"/>
-    <dgm:cxn modelId="{10453ECF-B2B2-40E1-AD1B-91AF9C5FF6C6}" type="presOf" srcId="{212958FA-086C-4EB4-BF7B-746DAC78AE42}" destId="{920B049E-1B5D-4C36-BE7E-C4FCA277047E}" srcOrd="0" destOrd="1" presId="urn:microsoft.com/office/officeart/2005/8/layout/hList1"/>
-    <dgm:cxn modelId="{677137D0-4502-4002-B0F7-992EA1B5F887}" srcId="{E189785E-500D-4C7E-A548-FCBED615C2D0}" destId="{C8F018D3-1FCF-438E-841A-FC925D844786}" srcOrd="0" destOrd="0" parTransId="{6A9F618B-757A-44A3-89BE-F53B531A5F4D}" sibTransId="{58464D9C-459B-4876-A90A-DFD54522F80C}"/>
-    <dgm:cxn modelId="{D295A0D5-3A25-4C97-B5F5-40628527B8E4}" srcId="{E189785E-500D-4C7E-A548-FCBED615C2D0}" destId="{72BD426D-4C5A-4BDC-AB8F-77CF1C955887}" srcOrd="3" destOrd="0" parTransId="{25842A0D-3879-40C2-8BC7-36B507E14101}" sibTransId="{57B04501-D755-4FF0-8BA6-478499C23867}"/>
-    <dgm:cxn modelId="{15B0B38D-2AA0-492F-BA6C-6246DBE344D3}" type="presOf" srcId="{C8F018D3-1FCF-438E-841A-FC925D844786}" destId="{B918A818-DFA1-4A56-824C-2C4E4B5366A7}" srcOrd="0" destOrd="0" presId="urn:microsoft.com/office/officeart/2005/8/layout/hList1"/>
-    <dgm:cxn modelId="{99B7CAB1-E806-4BC1-9BEF-921ABFCE2122}" type="presOf" srcId="{30AD1400-1EFD-4E3B-9BA3-1591BAC678F6}" destId="{F68F52AD-90B9-4C87-81C1-1DAEF877EA82}" srcOrd="0" destOrd="0" presId="urn:microsoft.com/office/officeart/2005/8/layout/hList1"/>
-    <dgm:cxn modelId="{8458C98C-1327-46AC-912C-CCECE1D15C83}" srcId="{895A478F-F1D6-45F3-B6F8-923AA45AB9CA}" destId="{C450BF7E-2997-48D8-812E-7BAC338E4F78}" srcOrd="1" destOrd="0" parTransId="{06AC5F8C-7888-4023-BC7F-E694F0C595D2}" sibTransId="{30375C79-BB4F-4F84-B372-63962614C94E}"/>
-    <dgm:cxn modelId="{DCBBD8F4-0823-4A2C-AFB3-9C8B1C514144}" type="presOf" srcId="{E189785E-500D-4C7E-A548-FCBED615C2D0}" destId="{CF9A98E2-FB6D-46A3-B91A-2C9595A881D8}" srcOrd="0" destOrd="0" presId="urn:microsoft.com/office/officeart/2005/8/layout/hList1"/>
     <dgm:cxn modelId="{BC49C7E8-5CDE-4090-A8B4-45356A831BEE}" type="presParOf" srcId="{CF9A98E2-FB6D-46A3-B91A-2C9595A881D8}" destId="{B1031FF4-A5D0-41B5-9F77-0C9218328794}" srcOrd="0" destOrd="0" presId="urn:microsoft.com/office/officeart/2005/8/layout/hList1"/>
     <dgm:cxn modelId="{C8DF83B9-9D7A-46A1-8B29-804866961A0A}" type="presParOf" srcId="{B1031FF4-A5D0-41B5-9F77-0C9218328794}" destId="{B918A818-DFA1-4A56-824C-2C4E4B5366A7}" srcOrd="0" destOrd="0" presId="urn:microsoft.com/office/officeart/2005/8/layout/hList1"/>
     <dgm:cxn modelId="{8A75A320-A0D1-4131-8B4C-E8646A0CB2CF}" type="presParOf" srcId="{B1031FF4-A5D0-41B5-9F77-0C9218328794}" destId="{F68F52AD-90B9-4C87-81C1-1DAEF877EA82}" srcOrd="1" destOrd="0" presId="urn:microsoft.com/office/officeart/2005/8/layout/hList1"/>
@@ -21232,6 +21239,40 @@
           </a:p>
         </p:txBody>
       </p:sp>
+      <p:sp>
+        <p:nvSpPr>
+          <p:cNvPr id="4" name="TextBox 3"/>
+          <p:cNvSpPr txBox="1"/>
+          <p:nvPr/>
+        </p:nvSpPr>
+        <p:spPr>
+          <a:xfrm>
+            <a:off x="10317769" y="6488668"/>
+            <a:ext cx="1874231" cy="369332"/>
+          </a:xfrm>
+          <a:prstGeom prst="rect">
+            <a:avLst/>
+          </a:prstGeom>
+          <a:noFill/>
+        </p:spPr>
+        <p:txBody>
+          <a:bodyPr wrap="none" rtlCol="0">
+            <a:spAutoFit/>
+          </a:bodyPr>
+          <a:lstStyle/>
+          <a:p>
+            <a:r>
+              <a:rPr lang="en-US" dirty="0"/>
+              <a:t>Stefan </a:t>
+            </a:r>
+            <a:r>
+              <a:rPr lang="en-US" dirty="0" err="1"/>
+              <a:t>Chuklev</a:t>
+            </a:r>
+            <a:endParaRPr lang="bg-BG" dirty="0"/>
+          </a:p>
+        </p:txBody>
+      </p:sp>
     </p:spTree>
     <p:extLst>
       <p:ext uri="{BB962C8B-B14F-4D97-AF65-F5344CB8AC3E}">
@@ -21474,6 +21515,283 @@
     <p:extLst>
       <p:ext uri="{BB962C8B-B14F-4D97-AF65-F5344CB8AC3E}">
         <p14:creationId xmlns:p14="http://schemas.microsoft.com/office/powerpoint/2010/main" val="2018608302"/>
+      </p:ext>
+    </p:extLst>
+  </p:cSld>
+  <p:clrMapOvr>
+    <a:masterClrMapping/>
+  </p:clrMapOvr>
+</p:sld>
+</file>
+
+<file path=ppt/slides/slide13.xml><?xml version="1.0" encoding="utf-8"?>
+<p:sld xmlns:a="http://schemas.openxmlformats.org/drawingml/2006/main" xmlns:r="http://schemas.openxmlformats.org/officeDocument/2006/relationships" xmlns:p="http://schemas.openxmlformats.org/presentationml/2006/main">
+  <p:cSld>
+    <p:spTree>
+      <p:nvGrpSpPr>
+        <p:cNvPr id="1" name=""/>
+        <p:cNvGrpSpPr/>
+        <p:nvPr/>
+      </p:nvGrpSpPr>
+      <p:grpSpPr>
+        <a:xfrm>
+          <a:off x="0" y="0"/>
+          <a:ext cx="0" cy="0"/>
+          <a:chOff x="0" y="0"/>
+          <a:chExt cx="0" cy="0"/>
+        </a:xfrm>
+      </p:grpSpPr>
+      <p:sp>
+        <p:nvSpPr>
+          <p:cNvPr id="2" name="Title 1"/>
+          <p:cNvSpPr>
+            <a:spLocks noGrp="1"/>
+          </p:cNvSpPr>
+          <p:nvPr>
+            <p:ph type="title"/>
+          </p:nvPr>
+        </p:nvSpPr>
+        <p:spPr/>
+        <p:txBody>
+          <a:bodyPr/>
+          <a:lstStyle/>
+          <a:p>
+            <a:r>
+              <a:rPr lang="en-US" dirty="0"/>
+              <a:t>CDI Injection</a:t>
+            </a:r>
+            <a:endParaRPr lang="bg-BG" dirty="0"/>
+          </a:p>
+        </p:txBody>
+      </p:sp>
+      <p:sp>
+        <p:nvSpPr>
+          <p:cNvPr id="3" name="Content Placeholder 2"/>
+          <p:cNvSpPr>
+            <a:spLocks noGrp="1"/>
+          </p:cNvSpPr>
+          <p:nvPr>
+            <p:ph idx="1"/>
+          </p:nvPr>
+        </p:nvSpPr>
+        <p:spPr/>
+        <p:txBody>
+          <a:bodyPr/>
+          <a:lstStyle/>
+          <a:p>
+            <a:r>
+              <a:rPr lang="en-US" dirty="0"/>
+              <a:t>Injection point</a:t>
+            </a:r>
+          </a:p>
+          <a:p>
+            <a:pPr lvl="1"/>
+            <a:r>
+              <a:rPr lang="en-US" dirty="0"/>
+              <a:t>@Inject – </a:t>
+            </a:r>
+            <a:r>
+              <a:rPr lang="en-US" dirty="0" err="1"/>
+              <a:t>javax.inject.Inject</a:t>
+            </a:r>
+            <a:endParaRPr lang="en-US" dirty="0"/>
+          </a:p>
+          <a:p>
+            <a:pPr lvl="2"/>
+            <a:r>
+              <a:rPr lang="en-US" dirty="0"/>
+              <a:t>Field</a:t>
+            </a:r>
+          </a:p>
+          <a:p>
+            <a:pPr lvl="3"/>
+            <a:r>
+              <a:rPr lang="en-US" dirty="0"/>
+              <a:t>Public </a:t>
+            </a:r>
+          </a:p>
+          <a:p>
+            <a:pPr lvl="3"/>
+            <a:r>
+              <a:rPr lang="en-US" dirty="0"/>
+              <a:t>Private</a:t>
+            </a:r>
+          </a:p>
+          <a:p>
+            <a:pPr lvl="2"/>
+            <a:r>
+              <a:rPr lang="en-US" dirty="0"/>
+              <a:t>Constructor</a:t>
+            </a:r>
+          </a:p>
+          <a:p>
+            <a:pPr lvl="2"/>
+            <a:r>
+              <a:rPr lang="en-US" dirty="0"/>
+              <a:t>Setter method </a:t>
+            </a:r>
+          </a:p>
+          <a:p>
+            <a:r>
+              <a:rPr lang="en-US" dirty="0"/>
+              <a:t>Deployment descriptor</a:t>
+            </a:r>
+          </a:p>
+          <a:p>
+            <a:pPr lvl="1"/>
+            <a:r>
+              <a:rPr lang="en-US" dirty="0"/>
+              <a:t>Bean-discovery-mode</a:t>
+            </a:r>
+          </a:p>
+          <a:p>
+            <a:pPr lvl="2"/>
+            <a:r>
+              <a:rPr lang="en-US" dirty="0"/>
+              <a:t>All</a:t>
+            </a:r>
+          </a:p>
+          <a:p>
+            <a:pPr lvl="2"/>
+            <a:r>
+              <a:rPr lang="en-US" dirty="0"/>
+              <a:t>None</a:t>
+            </a:r>
+          </a:p>
+          <a:p>
+            <a:pPr lvl="2"/>
+            <a:r>
+              <a:rPr lang="en-US" dirty="0"/>
+              <a:t>Annotated </a:t>
+            </a:r>
+          </a:p>
+        </p:txBody>
+      </p:sp>
+      <p:pic>
+        <p:nvPicPr>
+          <p:cNvPr id="4" name="Picture 3"/>
+          <p:cNvPicPr>
+            <a:picLocks noChangeAspect="1"/>
+          </p:cNvPicPr>
+          <p:nvPr/>
+        </p:nvPicPr>
+        <p:blipFill>
+          <a:blip r:embed="rId2">
+            <a:extLst>
+              <a:ext uri="{28A0092B-C50C-407E-A947-70E740481C1C}">
+                <a14:useLocalDpi xmlns:a14="http://schemas.microsoft.com/office/drawing/2010/main" val="0"/>
+              </a:ext>
+            </a:extLst>
+          </a:blip>
+          <a:stretch>
+            <a:fillRect/>
+          </a:stretch>
+        </p:blipFill>
+        <p:spPr>
+          <a:xfrm>
+            <a:off x="6344855" y="3148314"/>
+            <a:ext cx="4240580" cy="2120290"/>
+          </a:xfrm>
+          <a:prstGeom prst="rect">
+            <a:avLst/>
+          </a:prstGeom>
+          <a:solidFill>
+            <a:srgbClr val="FFFFFF">
+              <a:shade val="85000"/>
+            </a:srgbClr>
+          </a:solidFill>
+          <a:ln w="190500" cap="sq">
+            <a:solidFill>
+              <a:srgbClr val="FFFFFF"/>
+            </a:solidFill>
+            <a:miter lim="800000"/>
+          </a:ln>
+          <a:effectLst>
+            <a:outerShdw blurRad="65000" dist="50800" dir="12900000" kx="195000" ky="145000" algn="tl" rotWithShape="0">
+              <a:srgbClr val="000000">
+                <a:alpha val="30000"/>
+              </a:srgbClr>
+            </a:outerShdw>
+          </a:effectLst>
+          <a:scene3d>
+            <a:camera prst="orthographicFront">
+              <a:rot lat="0" lon="0" rev="360000"/>
+            </a:camera>
+            <a:lightRig rig="twoPt" dir="t">
+              <a:rot lat="0" lon="0" rev="7200000"/>
+            </a:lightRig>
+          </a:scene3d>
+          <a:sp3d contourW="12700">
+            <a:bevelT w="25400" h="19050"/>
+            <a:contourClr>
+              <a:srgbClr val="969696"/>
+            </a:contourClr>
+          </a:sp3d>
+        </p:spPr>
+      </p:pic>
+    </p:spTree>
+    <p:extLst>
+      <p:ext uri="{BB962C8B-B14F-4D97-AF65-F5344CB8AC3E}">
+        <p14:creationId xmlns:p14="http://schemas.microsoft.com/office/powerpoint/2010/main" val="3224963326"/>
+      </p:ext>
+    </p:extLst>
+  </p:cSld>
+  <p:clrMapOvr>
+    <a:masterClrMapping/>
+  </p:clrMapOvr>
+</p:sld>
+</file>
+
+<file path=ppt/slides/slide14.xml><?xml version="1.0" encoding="utf-8"?>
+<p:sld xmlns:a="http://schemas.openxmlformats.org/drawingml/2006/main" xmlns:r="http://schemas.openxmlformats.org/officeDocument/2006/relationships" xmlns:p="http://schemas.openxmlformats.org/presentationml/2006/main">
+  <p:cSld>
+    <p:spTree>
+      <p:nvGrpSpPr>
+        <p:cNvPr id="1" name=""/>
+        <p:cNvGrpSpPr/>
+        <p:nvPr/>
+      </p:nvGrpSpPr>
+      <p:grpSpPr>
+        <a:xfrm>
+          <a:off x="0" y="0"/>
+          <a:ext cx="0" cy="0"/>
+          <a:chOff x="0" y="0"/>
+          <a:chExt cx="0" cy="0"/>
+        </a:xfrm>
+      </p:grpSpPr>
+      <p:sp>
+        <p:nvSpPr>
+          <p:cNvPr id="2" name="Title 1"/>
+          <p:cNvSpPr>
+            <a:spLocks noGrp="1"/>
+          </p:cNvSpPr>
+          <p:nvPr>
+            <p:ph type="title"/>
+          </p:nvPr>
+        </p:nvSpPr>
+        <p:spPr>
+          <a:xfrm>
+            <a:off x="2062223" y="3114033"/>
+            <a:ext cx="8610600" cy="1293028"/>
+          </a:xfrm>
+        </p:spPr>
+        <p:txBody>
+          <a:bodyPr/>
+          <a:lstStyle/>
+          <a:p>
+            <a:pPr algn="ctr"/>
+            <a:r>
+              <a:rPr lang="en-US" dirty="0"/>
+              <a:t>CDI SIMPLE INJECTION DEMO</a:t>
+            </a:r>
+            <a:endParaRPr lang="bg-BG" dirty="0"/>
+          </a:p>
+        </p:txBody>
+      </p:sp>
+    </p:spTree>
+    <p:extLst>
+      <p:ext uri="{BB962C8B-B14F-4D97-AF65-F5344CB8AC3E}">
+        <p14:creationId xmlns:p14="http://schemas.microsoft.com/office/powerpoint/2010/main" val="3471660407"/>
       </p:ext>
     </p:extLst>
   </p:cSld>

--- a/CDI_overview_presentation.pptx
+++ b/CDI_overview_presentation.pptx
@@ -5,7 +5,7 @@
     <p:sldMasterId id="2147483803" r:id="rId1"/>
   </p:sldMasterIdLst>
   <p:notesMasterIdLst>
-    <p:notesMasterId r:id="rId16"/>
+    <p:notesMasterId r:id="rId44"/>
   </p:notesMasterIdLst>
   <p:sldIdLst>
     <p:sldId id="256" r:id="rId2"/>
@@ -20,8 +20,36 @@
     <p:sldId id="266" r:id="rId11"/>
     <p:sldId id="267" r:id="rId12"/>
     <p:sldId id="268" r:id="rId13"/>
-    <p:sldId id="269" r:id="rId14"/>
-    <p:sldId id="270" r:id="rId15"/>
+    <p:sldId id="279" r:id="rId14"/>
+    <p:sldId id="269" r:id="rId15"/>
+    <p:sldId id="281" r:id="rId16"/>
+    <p:sldId id="271" r:id="rId17"/>
+    <p:sldId id="273" r:id="rId18"/>
+    <p:sldId id="282" r:id="rId19"/>
+    <p:sldId id="275" r:id="rId20"/>
+    <p:sldId id="283" r:id="rId21"/>
+    <p:sldId id="272" r:id="rId22"/>
+    <p:sldId id="274" r:id="rId23"/>
+    <p:sldId id="284" r:id="rId24"/>
+    <p:sldId id="276" r:id="rId25"/>
+    <p:sldId id="286" r:id="rId26"/>
+    <p:sldId id="277" r:id="rId27"/>
+    <p:sldId id="278" r:id="rId28"/>
+    <p:sldId id="285" r:id="rId29"/>
+    <p:sldId id="288" r:id="rId30"/>
+    <p:sldId id="294" r:id="rId31"/>
+    <p:sldId id="287" r:id="rId32"/>
+    <p:sldId id="280" r:id="rId33"/>
+    <p:sldId id="289" r:id="rId34"/>
+    <p:sldId id="291" r:id="rId35"/>
+    <p:sldId id="290" r:id="rId36"/>
+    <p:sldId id="292" r:id="rId37"/>
+    <p:sldId id="293" r:id="rId38"/>
+    <p:sldId id="270" r:id="rId39"/>
+    <p:sldId id="295" r:id="rId40"/>
+    <p:sldId id="296" r:id="rId41"/>
+    <p:sldId id="297" r:id="rId42"/>
+    <p:sldId id="298" r:id="rId43"/>
   </p:sldIdLst>
   <p:sldSz cx="12192000" cy="6858000"/>
   <p:notesSz cx="6858000" cy="9144000"/>
@@ -1623,6 +1651,753 @@
 </file>
 
 <file path=ppt/diagrams/colors3.xml><?xml version="1.0" encoding="utf-8"?>
+<dgm:colorsDef xmlns:dgm="http://schemas.openxmlformats.org/drawingml/2006/diagram" xmlns:a="http://schemas.openxmlformats.org/drawingml/2006/main" uniqueId="urn:microsoft.com/office/officeart/2005/8/colors/accent1_2">
+  <dgm:title val=""/>
+  <dgm:desc val=""/>
+  <dgm:catLst>
+    <dgm:cat type="accent1" pri="11200"/>
+  </dgm:catLst>
+  <dgm:styleLbl name="node0">
+    <dgm:fillClrLst meth="repeat">
+      <a:schemeClr val="accent1"/>
+    </dgm:fillClrLst>
+    <dgm:linClrLst meth="repeat">
+      <a:schemeClr val="lt1"/>
+    </dgm:linClrLst>
+    <dgm:effectClrLst/>
+    <dgm:txLinClrLst/>
+    <dgm:txFillClrLst/>
+    <dgm:txEffectClrLst/>
+  </dgm:styleLbl>
+  <dgm:styleLbl name="alignNode1">
+    <dgm:fillClrLst meth="repeat">
+      <a:schemeClr val="accent1"/>
+    </dgm:fillClrLst>
+    <dgm:linClrLst meth="repeat">
+      <a:schemeClr val="accent1"/>
+    </dgm:linClrLst>
+    <dgm:effectClrLst/>
+    <dgm:txLinClrLst/>
+    <dgm:txFillClrLst/>
+    <dgm:txEffectClrLst/>
+  </dgm:styleLbl>
+  <dgm:styleLbl name="node1">
+    <dgm:fillClrLst meth="repeat">
+      <a:schemeClr val="accent1"/>
+    </dgm:fillClrLst>
+    <dgm:linClrLst meth="repeat">
+      <a:schemeClr val="lt1"/>
+    </dgm:linClrLst>
+    <dgm:effectClrLst/>
+    <dgm:txLinClrLst/>
+    <dgm:txFillClrLst/>
+    <dgm:txEffectClrLst/>
+  </dgm:styleLbl>
+  <dgm:styleLbl name="lnNode1">
+    <dgm:fillClrLst meth="repeat">
+      <a:schemeClr val="accent1"/>
+    </dgm:fillClrLst>
+    <dgm:linClrLst meth="repeat">
+      <a:schemeClr val="lt1"/>
+    </dgm:linClrLst>
+    <dgm:effectClrLst/>
+    <dgm:txLinClrLst/>
+    <dgm:txFillClrLst/>
+    <dgm:txEffectClrLst/>
+  </dgm:styleLbl>
+  <dgm:styleLbl name="vennNode1">
+    <dgm:fillClrLst meth="repeat">
+      <a:schemeClr val="accent1">
+        <a:alpha val="50000"/>
+      </a:schemeClr>
+    </dgm:fillClrLst>
+    <dgm:linClrLst meth="repeat">
+      <a:schemeClr val="lt1"/>
+    </dgm:linClrLst>
+    <dgm:effectClrLst/>
+    <dgm:txLinClrLst/>
+    <dgm:txFillClrLst/>
+    <dgm:txEffectClrLst/>
+  </dgm:styleLbl>
+  <dgm:styleLbl name="node2">
+    <dgm:fillClrLst meth="repeat">
+      <a:schemeClr val="accent1"/>
+    </dgm:fillClrLst>
+    <dgm:linClrLst meth="repeat">
+      <a:schemeClr val="lt1"/>
+    </dgm:linClrLst>
+    <dgm:effectClrLst/>
+    <dgm:txLinClrLst/>
+    <dgm:txFillClrLst/>
+    <dgm:txEffectClrLst/>
+  </dgm:styleLbl>
+  <dgm:styleLbl name="node3">
+    <dgm:fillClrLst meth="repeat">
+      <a:schemeClr val="accent1"/>
+    </dgm:fillClrLst>
+    <dgm:linClrLst meth="repeat">
+      <a:schemeClr val="lt1"/>
+    </dgm:linClrLst>
+    <dgm:effectClrLst/>
+    <dgm:txLinClrLst/>
+    <dgm:txFillClrLst/>
+    <dgm:txEffectClrLst/>
+  </dgm:styleLbl>
+  <dgm:styleLbl name="node4">
+    <dgm:fillClrLst meth="repeat">
+      <a:schemeClr val="accent1"/>
+    </dgm:fillClrLst>
+    <dgm:linClrLst meth="repeat">
+      <a:schemeClr val="lt1"/>
+    </dgm:linClrLst>
+    <dgm:effectClrLst/>
+    <dgm:txLinClrLst/>
+    <dgm:txFillClrLst/>
+    <dgm:txEffectClrLst/>
+  </dgm:styleLbl>
+  <dgm:styleLbl name="fgImgPlace1">
+    <dgm:fillClrLst meth="repeat">
+      <a:schemeClr val="accent1">
+        <a:tint val="50000"/>
+      </a:schemeClr>
+    </dgm:fillClrLst>
+    <dgm:linClrLst meth="repeat">
+      <a:schemeClr val="lt1"/>
+    </dgm:linClrLst>
+    <dgm:effectClrLst/>
+    <dgm:txLinClrLst/>
+    <dgm:txFillClrLst meth="repeat">
+      <a:schemeClr val="lt1"/>
+    </dgm:txFillClrLst>
+    <dgm:txEffectClrLst/>
+  </dgm:styleLbl>
+  <dgm:styleLbl name="alignImgPlace1">
+    <dgm:fillClrLst meth="repeat">
+      <a:schemeClr val="accent1">
+        <a:tint val="50000"/>
+      </a:schemeClr>
+    </dgm:fillClrLst>
+    <dgm:linClrLst meth="repeat">
+      <a:schemeClr val="lt1"/>
+    </dgm:linClrLst>
+    <dgm:effectClrLst/>
+    <dgm:txLinClrLst/>
+    <dgm:txFillClrLst meth="repeat">
+      <a:schemeClr val="lt1"/>
+    </dgm:txFillClrLst>
+    <dgm:txEffectClrLst/>
+  </dgm:styleLbl>
+  <dgm:styleLbl name="bgImgPlace1">
+    <dgm:fillClrLst meth="repeat">
+      <a:schemeClr val="accent1">
+        <a:tint val="50000"/>
+      </a:schemeClr>
+    </dgm:fillClrLst>
+    <dgm:linClrLst meth="repeat">
+      <a:schemeClr val="lt1"/>
+    </dgm:linClrLst>
+    <dgm:effectClrLst/>
+    <dgm:txLinClrLst/>
+    <dgm:txFillClrLst meth="repeat">
+      <a:schemeClr val="lt1"/>
+    </dgm:txFillClrLst>
+    <dgm:txEffectClrLst/>
+  </dgm:styleLbl>
+  <dgm:styleLbl name="sibTrans2D1">
+    <dgm:fillClrLst meth="repeat">
+      <a:schemeClr val="accent1">
+        <a:tint val="60000"/>
+      </a:schemeClr>
+    </dgm:fillClrLst>
+    <dgm:linClrLst meth="repeat">
+      <a:schemeClr val="accent1">
+        <a:tint val="60000"/>
+      </a:schemeClr>
+    </dgm:linClrLst>
+    <dgm:effectClrLst/>
+    <dgm:txLinClrLst/>
+    <dgm:txFillClrLst/>
+    <dgm:txEffectClrLst/>
+  </dgm:styleLbl>
+  <dgm:styleLbl name="fgSibTrans2D1">
+    <dgm:fillClrLst meth="repeat">
+      <a:schemeClr val="accent1">
+        <a:tint val="60000"/>
+      </a:schemeClr>
+    </dgm:fillClrLst>
+    <dgm:linClrLst meth="repeat">
+      <a:schemeClr val="accent1">
+        <a:tint val="60000"/>
+      </a:schemeClr>
+    </dgm:linClrLst>
+    <dgm:effectClrLst/>
+    <dgm:txLinClrLst/>
+    <dgm:txFillClrLst/>
+    <dgm:txEffectClrLst/>
+  </dgm:styleLbl>
+  <dgm:styleLbl name="bgSibTrans2D1">
+    <dgm:fillClrLst meth="repeat">
+      <a:schemeClr val="accent1">
+        <a:tint val="60000"/>
+      </a:schemeClr>
+    </dgm:fillClrLst>
+    <dgm:linClrLst meth="repeat">
+      <a:schemeClr val="accent1">
+        <a:tint val="60000"/>
+      </a:schemeClr>
+    </dgm:linClrLst>
+    <dgm:effectClrLst/>
+    <dgm:txLinClrLst/>
+    <dgm:txFillClrLst/>
+    <dgm:txEffectClrLst/>
+  </dgm:styleLbl>
+  <dgm:styleLbl name="sibTrans1D1">
+    <dgm:fillClrLst meth="repeat">
+      <a:schemeClr val="accent1"/>
+    </dgm:fillClrLst>
+    <dgm:linClrLst meth="repeat">
+      <a:schemeClr val="accent1"/>
+    </dgm:linClrLst>
+    <dgm:effectClrLst/>
+    <dgm:txLinClrLst/>
+    <dgm:txFillClrLst meth="repeat">
+      <a:schemeClr val="tx1"/>
+    </dgm:txFillClrLst>
+    <dgm:txEffectClrLst/>
+  </dgm:styleLbl>
+  <dgm:styleLbl name="callout">
+    <dgm:fillClrLst meth="repeat">
+      <a:schemeClr val="accent1"/>
+    </dgm:fillClrLst>
+    <dgm:linClrLst meth="repeat">
+      <a:schemeClr val="accent1">
+        <a:tint val="50000"/>
+      </a:schemeClr>
+    </dgm:linClrLst>
+    <dgm:effectClrLst/>
+    <dgm:txLinClrLst/>
+    <dgm:txFillClrLst meth="repeat">
+      <a:schemeClr val="tx1"/>
+    </dgm:txFillClrLst>
+    <dgm:txEffectClrLst/>
+  </dgm:styleLbl>
+  <dgm:styleLbl name="asst0">
+    <dgm:fillClrLst meth="repeat">
+      <a:schemeClr val="accent1"/>
+    </dgm:fillClrLst>
+    <dgm:linClrLst meth="repeat">
+      <a:schemeClr val="lt1"/>
+    </dgm:linClrLst>
+    <dgm:effectClrLst/>
+    <dgm:txLinClrLst/>
+    <dgm:txFillClrLst/>
+    <dgm:txEffectClrLst/>
+  </dgm:styleLbl>
+  <dgm:styleLbl name="asst1">
+    <dgm:fillClrLst meth="repeat">
+      <a:schemeClr val="accent1"/>
+    </dgm:fillClrLst>
+    <dgm:linClrLst meth="repeat">
+      <a:schemeClr val="lt1"/>
+    </dgm:linClrLst>
+    <dgm:effectClrLst/>
+    <dgm:txLinClrLst/>
+    <dgm:txFillClrLst/>
+    <dgm:txEffectClrLst/>
+  </dgm:styleLbl>
+  <dgm:styleLbl name="asst2">
+    <dgm:fillClrLst meth="repeat">
+      <a:schemeClr val="accent1"/>
+    </dgm:fillClrLst>
+    <dgm:linClrLst meth="repeat">
+      <a:schemeClr val="lt1"/>
+    </dgm:linClrLst>
+    <dgm:effectClrLst/>
+    <dgm:txLinClrLst/>
+    <dgm:txFillClrLst/>
+    <dgm:txEffectClrLst/>
+  </dgm:styleLbl>
+  <dgm:styleLbl name="asst3">
+    <dgm:fillClrLst meth="repeat">
+      <a:schemeClr val="accent1"/>
+    </dgm:fillClrLst>
+    <dgm:linClrLst meth="repeat">
+      <a:schemeClr val="lt1"/>
+    </dgm:linClrLst>
+    <dgm:effectClrLst/>
+    <dgm:txLinClrLst/>
+    <dgm:txFillClrLst/>
+    <dgm:txEffectClrLst/>
+  </dgm:styleLbl>
+  <dgm:styleLbl name="asst4">
+    <dgm:fillClrLst meth="repeat">
+      <a:schemeClr val="accent1"/>
+    </dgm:fillClrLst>
+    <dgm:linClrLst meth="repeat">
+      <a:schemeClr val="lt1"/>
+    </dgm:linClrLst>
+    <dgm:effectClrLst/>
+    <dgm:txLinClrLst/>
+    <dgm:txFillClrLst/>
+    <dgm:txEffectClrLst/>
+  </dgm:styleLbl>
+  <dgm:styleLbl name="parChTrans2D1">
+    <dgm:fillClrLst meth="repeat">
+      <a:schemeClr val="accent1">
+        <a:tint val="60000"/>
+      </a:schemeClr>
+    </dgm:fillClrLst>
+    <dgm:linClrLst meth="repeat">
+      <a:schemeClr val="accent1">
+        <a:tint val="60000"/>
+      </a:schemeClr>
+    </dgm:linClrLst>
+    <dgm:effectClrLst/>
+    <dgm:txLinClrLst/>
+    <dgm:txFillClrLst meth="repeat">
+      <a:schemeClr val="lt1"/>
+    </dgm:txFillClrLst>
+    <dgm:txEffectClrLst/>
+  </dgm:styleLbl>
+  <dgm:styleLbl name="parChTrans2D2">
+    <dgm:fillClrLst meth="repeat">
+      <a:schemeClr val="accent1"/>
+    </dgm:fillClrLst>
+    <dgm:linClrLst meth="repeat">
+      <a:schemeClr val="accent1"/>
+    </dgm:linClrLst>
+    <dgm:effectClrLst/>
+    <dgm:txLinClrLst/>
+    <dgm:txFillClrLst meth="repeat">
+      <a:schemeClr val="lt1"/>
+    </dgm:txFillClrLst>
+    <dgm:txEffectClrLst/>
+  </dgm:styleLbl>
+  <dgm:styleLbl name="parChTrans2D3">
+    <dgm:fillClrLst meth="repeat">
+      <a:schemeClr val="accent1"/>
+    </dgm:fillClrLst>
+    <dgm:linClrLst meth="repeat">
+      <a:schemeClr val="accent1"/>
+    </dgm:linClrLst>
+    <dgm:effectClrLst/>
+    <dgm:txLinClrLst/>
+    <dgm:txFillClrLst meth="repeat">
+      <a:schemeClr val="lt1"/>
+    </dgm:txFillClrLst>
+    <dgm:txEffectClrLst/>
+  </dgm:styleLbl>
+  <dgm:styleLbl name="parChTrans2D4">
+    <dgm:fillClrLst meth="repeat">
+      <a:schemeClr val="accent1"/>
+    </dgm:fillClrLst>
+    <dgm:linClrLst meth="repeat">
+      <a:schemeClr val="accent1"/>
+    </dgm:linClrLst>
+    <dgm:effectClrLst/>
+    <dgm:txLinClrLst/>
+    <dgm:txFillClrLst meth="repeat">
+      <a:schemeClr val="lt1"/>
+    </dgm:txFillClrLst>
+    <dgm:txEffectClrLst/>
+  </dgm:styleLbl>
+  <dgm:styleLbl name="parChTrans1D1">
+    <dgm:fillClrLst meth="repeat">
+      <a:schemeClr val="accent1"/>
+    </dgm:fillClrLst>
+    <dgm:linClrLst meth="repeat">
+      <a:schemeClr val="accent1">
+        <a:shade val="60000"/>
+      </a:schemeClr>
+    </dgm:linClrLst>
+    <dgm:effectClrLst/>
+    <dgm:txLinClrLst/>
+    <dgm:txFillClrLst meth="repeat">
+      <a:schemeClr val="tx1"/>
+    </dgm:txFillClrLst>
+    <dgm:txEffectClrLst/>
+  </dgm:styleLbl>
+  <dgm:styleLbl name="parChTrans1D2">
+    <dgm:fillClrLst meth="repeat">
+      <a:schemeClr val="accent1"/>
+    </dgm:fillClrLst>
+    <dgm:linClrLst meth="repeat">
+      <a:schemeClr val="accent1">
+        <a:shade val="60000"/>
+      </a:schemeClr>
+    </dgm:linClrLst>
+    <dgm:effectClrLst/>
+    <dgm:txLinClrLst/>
+    <dgm:txFillClrLst meth="repeat">
+      <a:schemeClr val="tx1"/>
+    </dgm:txFillClrLst>
+    <dgm:txEffectClrLst/>
+  </dgm:styleLbl>
+  <dgm:styleLbl name="parChTrans1D3">
+    <dgm:fillClrLst meth="repeat">
+      <a:schemeClr val="accent1"/>
+    </dgm:fillClrLst>
+    <dgm:linClrLst meth="repeat">
+      <a:schemeClr val="accent1">
+        <a:shade val="80000"/>
+      </a:schemeClr>
+    </dgm:linClrLst>
+    <dgm:effectClrLst/>
+    <dgm:txLinClrLst/>
+    <dgm:txFillClrLst meth="repeat">
+      <a:schemeClr val="tx1"/>
+    </dgm:txFillClrLst>
+    <dgm:txEffectClrLst/>
+  </dgm:styleLbl>
+  <dgm:styleLbl name="parChTrans1D4">
+    <dgm:fillClrLst meth="repeat">
+      <a:schemeClr val="accent1"/>
+    </dgm:fillClrLst>
+    <dgm:linClrLst meth="repeat">
+      <a:schemeClr val="accent1">
+        <a:shade val="80000"/>
+      </a:schemeClr>
+    </dgm:linClrLst>
+    <dgm:effectClrLst/>
+    <dgm:txLinClrLst/>
+    <dgm:txFillClrLst meth="repeat">
+      <a:schemeClr val="tx1"/>
+    </dgm:txFillClrLst>
+    <dgm:txEffectClrLst/>
+  </dgm:styleLbl>
+  <dgm:styleLbl name="fgAcc1">
+    <dgm:fillClrLst meth="repeat">
+      <a:schemeClr val="lt1">
+        <a:alpha val="90000"/>
+      </a:schemeClr>
+    </dgm:fillClrLst>
+    <dgm:linClrLst meth="repeat">
+      <a:schemeClr val="accent1"/>
+    </dgm:linClrLst>
+    <dgm:effectClrLst/>
+    <dgm:txLinClrLst/>
+    <dgm:txFillClrLst meth="repeat">
+      <a:schemeClr val="dk1"/>
+    </dgm:txFillClrLst>
+    <dgm:txEffectClrLst/>
+  </dgm:styleLbl>
+  <dgm:styleLbl name="conFgAcc1">
+    <dgm:fillClrLst meth="repeat">
+      <a:schemeClr val="lt1">
+        <a:alpha val="90000"/>
+      </a:schemeClr>
+    </dgm:fillClrLst>
+    <dgm:linClrLst meth="repeat">
+      <a:schemeClr val="accent1"/>
+    </dgm:linClrLst>
+    <dgm:effectClrLst/>
+    <dgm:txLinClrLst/>
+    <dgm:txFillClrLst meth="repeat">
+      <a:schemeClr val="dk1"/>
+    </dgm:txFillClrLst>
+    <dgm:txEffectClrLst/>
+  </dgm:styleLbl>
+  <dgm:styleLbl name="alignAcc1">
+    <dgm:fillClrLst meth="repeat">
+      <a:schemeClr val="lt1">
+        <a:alpha val="90000"/>
+      </a:schemeClr>
+    </dgm:fillClrLst>
+    <dgm:linClrLst meth="repeat">
+      <a:schemeClr val="accent1"/>
+    </dgm:linClrLst>
+    <dgm:effectClrLst/>
+    <dgm:txLinClrLst/>
+    <dgm:txFillClrLst meth="repeat">
+      <a:schemeClr val="dk1"/>
+    </dgm:txFillClrLst>
+    <dgm:txEffectClrLst/>
+  </dgm:styleLbl>
+  <dgm:styleLbl name="trAlignAcc1">
+    <dgm:fillClrLst meth="repeat">
+      <a:schemeClr val="lt1">
+        <a:alpha val="40000"/>
+      </a:schemeClr>
+    </dgm:fillClrLst>
+    <dgm:linClrLst meth="repeat">
+      <a:schemeClr val="accent1"/>
+    </dgm:linClrLst>
+    <dgm:effectClrLst/>
+    <dgm:txLinClrLst/>
+    <dgm:txFillClrLst meth="repeat">
+      <a:schemeClr val="dk1"/>
+    </dgm:txFillClrLst>
+    <dgm:txEffectClrLst/>
+  </dgm:styleLbl>
+  <dgm:styleLbl name="bgAcc1">
+    <dgm:fillClrLst meth="repeat">
+      <a:schemeClr val="lt1">
+        <a:alpha val="90000"/>
+      </a:schemeClr>
+    </dgm:fillClrLst>
+    <dgm:linClrLst meth="repeat">
+      <a:schemeClr val="accent1"/>
+    </dgm:linClrLst>
+    <dgm:effectClrLst/>
+    <dgm:txLinClrLst/>
+    <dgm:txFillClrLst meth="repeat">
+      <a:schemeClr val="dk1"/>
+    </dgm:txFillClrLst>
+    <dgm:txEffectClrLst/>
+  </dgm:styleLbl>
+  <dgm:styleLbl name="solidFgAcc1">
+    <dgm:fillClrLst meth="repeat">
+      <a:schemeClr val="lt1"/>
+    </dgm:fillClrLst>
+    <dgm:linClrLst meth="repeat">
+      <a:schemeClr val="accent1"/>
+    </dgm:linClrLst>
+    <dgm:effectClrLst/>
+    <dgm:txLinClrLst/>
+    <dgm:txFillClrLst meth="repeat">
+      <a:schemeClr val="dk1"/>
+    </dgm:txFillClrLst>
+    <dgm:txEffectClrLst/>
+  </dgm:styleLbl>
+  <dgm:styleLbl name="solidAlignAcc1">
+    <dgm:fillClrLst meth="repeat">
+      <a:schemeClr val="lt1"/>
+    </dgm:fillClrLst>
+    <dgm:linClrLst meth="repeat">
+      <a:schemeClr val="accent1"/>
+    </dgm:linClrLst>
+    <dgm:effectClrLst/>
+    <dgm:txLinClrLst/>
+    <dgm:txFillClrLst meth="repeat">
+      <a:schemeClr val="dk1"/>
+    </dgm:txFillClrLst>
+    <dgm:txEffectClrLst/>
+  </dgm:styleLbl>
+  <dgm:styleLbl name="solidBgAcc1">
+    <dgm:fillClrLst meth="repeat">
+      <a:schemeClr val="lt1"/>
+    </dgm:fillClrLst>
+    <dgm:linClrLst meth="repeat">
+      <a:schemeClr val="accent1"/>
+    </dgm:linClrLst>
+    <dgm:effectClrLst/>
+    <dgm:txLinClrLst/>
+    <dgm:txFillClrLst meth="repeat">
+      <a:schemeClr val="dk1"/>
+    </dgm:txFillClrLst>
+    <dgm:txEffectClrLst/>
+  </dgm:styleLbl>
+  <dgm:styleLbl name="fgAccFollowNode1">
+    <dgm:fillClrLst meth="repeat">
+      <a:schemeClr val="accent1">
+        <a:alpha val="90000"/>
+        <a:tint val="40000"/>
+      </a:schemeClr>
+    </dgm:fillClrLst>
+    <dgm:linClrLst meth="repeat">
+      <a:schemeClr val="accent1">
+        <a:alpha val="90000"/>
+        <a:tint val="40000"/>
+      </a:schemeClr>
+    </dgm:linClrLst>
+    <dgm:effectClrLst/>
+    <dgm:txLinClrLst/>
+    <dgm:txFillClrLst meth="repeat">
+      <a:schemeClr val="dk1"/>
+    </dgm:txFillClrLst>
+    <dgm:txEffectClrLst/>
+  </dgm:styleLbl>
+  <dgm:styleLbl name="alignAccFollowNode1">
+    <dgm:fillClrLst meth="repeat">
+      <a:schemeClr val="accent1">
+        <a:alpha val="90000"/>
+        <a:tint val="40000"/>
+      </a:schemeClr>
+    </dgm:fillClrLst>
+    <dgm:linClrLst meth="repeat">
+      <a:schemeClr val="accent1">
+        <a:alpha val="90000"/>
+        <a:tint val="40000"/>
+      </a:schemeClr>
+    </dgm:linClrLst>
+    <dgm:effectClrLst/>
+    <dgm:txLinClrLst/>
+    <dgm:txFillClrLst meth="repeat">
+      <a:schemeClr val="dk1"/>
+    </dgm:txFillClrLst>
+    <dgm:txEffectClrLst/>
+  </dgm:styleLbl>
+  <dgm:styleLbl name="bgAccFollowNode1">
+    <dgm:fillClrLst meth="repeat">
+      <a:schemeClr val="accent1">
+        <a:alpha val="90000"/>
+        <a:tint val="40000"/>
+      </a:schemeClr>
+    </dgm:fillClrLst>
+    <dgm:linClrLst meth="repeat">
+      <a:schemeClr val="accent1">
+        <a:alpha val="90000"/>
+        <a:tint val="40000"/>
+      </a:schemeClr>
+    </dgm:linClrLst>
+    <dgm:effectClrLst/>
+    <dgm:txLinClrLst/>
+    <dgm:txFillClrLst meth="repeat">
+      <a:schemeClr val="dk1"/>
+    </dgm:txFillClrLst>
+    <dgm:txEffectClrLst/>
+  </dgm:styleLbl>
+  <dgm:styleLbl name="fgAcc0">
+    <dgm:fillClrLst meth="repeat">
+      <a:schemeClr val="lt1">
+        <a:alpha val="90000"/>
+      </a:schemeClr>
+    </dgm:fillClrLst>
+    <dgm:linClrLst meth="repeat">
+      <a:schemeClr val="accent1"/>
+    </dgm:linClrLst>
+    <dgm:effectClrLst/>
+    <dgm:txLinClrLst/>
+    <dgm:txFillClrLst meth="repeat">
+      <a:schemeClr val="dk1"/>
+    </dgm:txFillClrLst>
+    <dgm:txEffectClrLst/>
+  </dgm:styleLbl>
+  <dgm:styleLbl name="fgAcc2">
+    <dgm:fillClrLst meth="repeat">
+      <a:schemeClr val="lt1">
+        <a:alpha val="90000"/>
+      </a:schemeClr>
+    </dgm:fillClrLst>
+    <dgm:linClrLst meth="repeat">
+      <a:schemeClr val="accent1"/>
+    </dgm:linClrLst>
+    <dgm:effectClrLst/>
+    <dgm:txLinClrLst/>
+    <dgm:txFillClrLst meth="repeat">
+      <a:schemeClr val="dk1"/>
+    </dgm:txFillClrLst>
+    <dgm:txEffectClrLst/>
+  </dgm:styleLbl>
+  <dgm:styleLbl name="fgAcc3">
+    <dgm:fillClrLst meth="repeat">
+      <a:schemeClr val="lt1">
+        <a:alpha val="90000"/>
+      </a:schemeClr>
+    </dgm:fillClrLst>
+    <dgm:linClrLst meth="repeat">
+      <a:schemeClr val="accent1"/>
+    </dgm:linClrLst>
+    <dgm:effectClrLst/>
+    <dgm:txLinClrLst/>
+    <dgm:txFillClrLst meth="repeat">
+      <a:schemeClr val="dk1"/>
+    </dgm:txFillClrLst>
+    <dgm:txEffectClrLst/>
+  </dgm:styleLbl>
+  <dgm:styleLbl name="fgAcc4">
+    <dgm:fillClrLst meth="repeat">
+      <a:schemeClr val="lt1">
+        <a:alpha val="90000"/>
+      </a:schemeClr>
+    </dgm:fillClrLst>
+    <dgm:linClrLst meth="repeat">
+      <a:schemeClr val="accent1"/>
+    </dgm:linClrLst>
+    <dgm:effectClrLst/>
+    <dgm:txLinClrLst/>
+    <dgm:txFillClrLst meth="repeat">
+      <a:schemeClr val="dk1"/>
+    </dgm:txFillClrLst>
+    <dgm:txEffectClrLst/>
+  </dgm:styleLbl>
+  <dgm:styleLbl name="bgShp">
+    <dgm:fillClrLst meth="repeat">
+      <a:schemeClr val="accent1">
+        <a:tint val="40000"/>
+      </a:schemeClr>
+    </dgm:fillClrLst>
+    <dgm:linClrLst meth="repeat">
+      <a:schemeClr val="accent1"/>
+    </dgm:linClrLst>
+    <dgm:effectClrLst/>
+    <dgm:txLinClrLst/>
+    <dgm:txFillClrLst meth="repeat">
+      <a:schemeClr val="dk1"/>
+    </dgm:txFillClrLst>
+    <dgm:txEffectClrLst/>
+  </dgm:styleLbl>
+  <dgm:styleLbl name="dkBgShp">
+    <dgm:fillClrLst meth="repeat">
+      <a:schemeClr val="accent1">
+        <a:shade val="80000"/>
+      </a:schemeClr>
+    </dgm:fillClrLst>
+    <dgm:linClrLst meth="repeat">
+      <a:schemeClr val="accent1"/>
+    </dgm:linClrLst>
+    <dgm:effectClrLst/>
+    <dgm:txLinClrLst/>
+    <dgm:txFillClrLst meth="repeat">
+      <a:schemeClr val="lt1"/>
+    </dgm:txFillClrLst>
+    <dgm:txEffectClrLst/>
+  </dgm:styleLbl>
+  <dgm:styleLbl name="trBgShp">
+    <dgm:fillClrLst meth="repeat">
+      <a:schemeClr val="accent1">
+        <a:tint val="50000"/>
+        <a:alpha val="40000"/>
+      </a:schemeClr>
+    </dgm:fillClrLst>
+    <dgm:linClrLst meth="repeat">
+      <a:schemeClr val="accent1"/>
+    </dgm:linClrLst>
+    <dgm:effectClrLst/>
+    <dgm:txLinClrLst/>
+    <dgm:txFillClrLst meth="repeat">
+      <a:schemeClr val="lt1"/>
+    </dgm:txFillClrLst>
+    <dgm:txEffectClrLst/>
+  </dgm:styleLbl>
+  <dgm:styleLbl name="fgShp">
+    <dgm:fillClrLst meth="repeat">
+      <a:schemeClr val="accent1">
+        <a:tint val="60000"/>
+      </a:schemeClr>
+    </dgm:fillClrLst>
+    <dgm:linClrLst meth="repeat">
+      <a:schemeClr val="lt1"/>
+    </dgm:linClrLst>
+    <dgm:effectClrLst/>
+    <dgm:txLinClrLst/>
+    <dgm:txFillClrLst meth="repeat">
+      <a:schemeClr val="dk1"/>
+    </dgm:txFillClrLst>
+    <dgm:txEffectClrLst/>
+  </dgm:styleLbl>
+  <dgm:styleLbl name="revTx">
+    <dgm:fillClrLst meth="repeat">
+      <a:schemeClr val="lt1">
+        <a:alpha val="0"/>
+      </a:schemeClr>
+    </dgm:fillClrLst>
+    <dgm:linClrLst meth="repeat">
+      <a:schemeClr val="dk1">
+        <a:alpha val="0"/>
+      </a:schemeClr>
+    </dgm:linClrLst>
+    <dgm:effectClrLst/>
+    <dgm:txLinClrLst/>
+    <dgm:txFillClrLst meth="repeat">
+      <a:schemeClr val="tx1"/>
+    </dgm:txFillClrLst>
+    <dgm:txEffectClrLst/>
+  </dgm:styleLbl>
+</dgm:colorsDef>
+</file>
+
+<file path=ppt/diagrams/colors4.xml><?xml version="1.0" encoding="utf-8"?>
 <dgm:colorsDef xmlns:dgm="http://schemas.openxmlformats.org/drawingml/2006/diagram" xmlns:a="http://schemas.openxmlformats.org/drawingml/2006/main" uniqueId="urn:microsoft.com/office/officeart/2005/8/colors/accent1_2">
   <dgm:title val=""/>
   <dgm:desc val=""/>
@@ -3077,35 +3852,35 @@
     </dgm:pt>
   </dgm:ptLst>
   <dgm:cxnLst>
+    <dgm:cxn modelId="{083D7930-B8E8-486B-9002-E15E5E90BD8D}" srcId="{523FD76E-A075-4463-A8B6-30665DD49B6A}" destId="{120A6DCF-E80D-4619-B6E3-D01202AA6204}" srcOrd="0" destOrd="0" parTransId="{75712B54-C7AD-4A69-92F2-4CBEA4E3050C}" sibTransId="{5024E2DB-A5F3-47EC-84F0-0A7DC2C0FE1E}"/>
+    <dgm:cxn modelId="{C2CDBF89-114B-4004-8A02-B73D7DD8CF7B}" type="presOf" srcId="{A495CF04-2AB8-4CC6-8570-3EF3BC7BDE05}" destId="{16A977B9-553A-4A56-8546-CBFF7977E282}" srcOrd="0" destOrd="0" presId="urn:microsoft.com/office/officeart/2005/8/layout/vList5"/>
+    <dgm:cxn modelId="{00971B7D-4EDA-4B5B-8680-474D99B30492}" type="presOf" srcId="{120A6DCF-E80D-4619-B6E3-D01202AA6204}" destId="{2A0F3A65-FD9E-42C1-9B9C-CD8B20D2662A}" srcOrd="0" destOrd="0" presId="urn:microsoft.com/office/officeart/2005/8/layout/vList5"/>
     <dgm:cxn modelId="{6F82B7D5-7225-4307-8FE6-0DC5D6179A77}" srcId="{9D1B8524-5C34-4122-90A5-35BF7EB95ADD}" destId="{2204BD07-080E-45F3-BC41-4CE3FF13CF25}" srcOrd="0" destOrd="0" parTransId="{C36AF43E-82BC-4C4F-A564-1D9166517962}" sibTransId="{4B12ABEC-08ED-48A8-A06E-42671D3698CB}"/>
+    <dgm:cxn modelId="{D4BD6AC8-21CE-42FC-8B22-5C25A4ECBD13}" srcId="{9E921FC9-607C-477A-86EF-19728CC85C91}" destId="{E2D71842-6AC6-4BD3-9F23-8F75300CF0DC}" srcOrd="0" destOrd="0" parTransId="{3DC345B2-0AD4-4089-8592-17EF1E5BC231}" sibTransId="{6D841A03-2FDE-4A0C-AB5B-BD86071D68A6}"/>
+    <dgm:cxn modelId="{11B7A64D-70E3-4063-B631-6383FF135269}" type="presOf" srcId="{9E921FC9-607C-477A-86EF-19728CC85C91}" destId="{3AF16C1F-6911-4FA0-9E19-D81C94BC944F}" srcOrd="0" destOrd="0" presId="urn:microsoft.com/office/officeart/2005/8/layout/vList5"/>
+    <dgm:cxn modelId="{BD632974-1C58-423A-8828-0CE92F92D3D4}" type="presOf" srcId="{9D1B8524-5C34-4122-90A5-35BF7EB95ADD}" destId="{B043825F-A4D9-425D-9712-4281F30FB98C}" srcOrd="0" destOrd="0" presId="urn:microsoft.com/office/officeart/2005/8/layout/vList5"/>
+    <dgm:cxn modelId="{DA745B99-1778-4E95-A284-49EB95D63283}" srcId="{DD376388-3FFD-4B3D-948E-E804B30C7C70}" destId="{7CC92162-E893-483C-BE25-E5F9DE55BCDE}" srcOrd="3" destOrd="0" parTransId="{AAC11766-01EC-4DDC-958A-ABD3E647D98D}" sibTransId="{485F3A8A-23D8-4CB7-93C0-E8BB60B61205}"/>
+    <dgm:cxn modelId="{95DF792E-6708-4645-8EF9-930D196246D8}" type="presOf" srcId="{C942DB02-9E6B-414D-8781-5FB8DA382E49}" destId="{C206371A-15CD-4B90-AAD5-AE6B4237AA08}" srcOrd="0" destOrd="0" presId="urn:microsoft.com/office/officeart/2005/8/layout/vList5"/>
+    <dgm:cxn modelId="{E75A0C0B-1275-4899-B529-EB035AA2F51A}" srcId="{DD376388-3FFD-4B3D-948E-E804B30C7C70}" destId="{523FD76E-A075-4463-A8B6-30665DD49B6A}" srcOrd="0" destOrd="0" parTransId="{658E521C-210A-4A24-BB05-55D021A18528}" sibTransId="{74B85C49-6AE3-40A1-B825-1A5EE81AF516}"/>
+    <dgm:cxn modelId="{99B0A08A-CA69-48B8-859D-EAE6A69285B5}" srcId="{DD376388-3FFD-4B3D-948E-E804B30C7C70}" destId="{A495CF04-2AB8-4CC6-8570-3EF3BC7BDE05}" srcOrd="2" destOrd="0" parTransId="{9811565B-1DED-4705-8DE0-2E24CFC7F854}" sibTransId="{C1C04AB1-EB45-4958-AE1E-381384EFD4B8}"/>
+    <dgm:cxn modelId="{081B4A31-07D7-47DF-99D5-1E78BF455F11}" srcId="{C9A8D9FF-37A5-4972-90A8-CA8DB36B814D}" destId="{02C2341A-D4F5-4DBB-8D56-E6A47C7BC664}" srcOrd="0" destOrd="0" parTransId="{05DF0ABA-18AA-4A71-93E9-DDFF8B863CB9}" sibTransId="{775AFF1C-14BA-4F61-B069-CB42CD1A90DF}"/>
     <dgm:cxn modelId="{1EEA47BB-84BE-4B2C-A99B-CF230503A614}" type="presOf" srcId="{F5F9DBA2-CFFA-4FBC-96B8-5CD3851309F3}" destId="{5F815E48-CCEC-4B0A-9F4C-F2685C6F8C8E}" srcOrd="0" destOrd="0" presId="urn:microsoft.com/office/officeart/2005/8/layout/vList5"/>
-    <dgm:cxn modelId="{BD632974-1C58-423A-8828-0CE92F92D3D4}" type="presOf" srcId="{9D1B8524-5C34-4122-90A5-35BF7EB95ADD}" destId="{B043825F-A4D9-425D-9712-4281F30FB98C}" srcOrd="0" destOrd="0" presId="urn:microsoft.com/office/officeart/2005/8/layout/vList5"/>
+    <dgm:cxn modelId="{7B55337C-24D5-4944-8638-8B62A3362B33}" srcId="{DD376388-3FFD-4B3D-948E-E804B30C7C70}" destId="{9E921FC9-607C-477A-86EF-19728CC85C91}" srcOrd="6" destOrd="0" parTransId="{2D0D6511-AFC8-42A6-9187-23C3180871D6}" sibTransId="{F73BEC2E-01C0-4B53-AE81-562D17153AC4}"/>
+    <dgm:cxn modelId="{2DA76691-A530-4C46-AEDD-1FC9825FFCBD}" type="presOf" srcId="{686460B7-8C9C-4FCF-82B2-D69A03BBB3B1}" destId="{E5564D61-CB5B-4F15-B3A3-E22A02A0B691}" srcOrd="0" destOrd="0" presId="urn:microsoft.com/office/officeart/2005/8/layout/vList5"/>
     <dgm:cxn modelId="{90670F8C-695F-4C67-A96B-A8EAC80E5D87}" type="presOf" srcId="{DD376388-3FFD-4B3D-948E-E804B30C7C70}" destId="{4AF5EFA1-B2C7-4D44-AB0D-4FD1F6D74007}" srcOrd="0" destOrd="0" presId="urn:microsoft.com/office/officeart/2005/8/layout/vList5"/>
+    <dgm:cxn modelId="{3EA2339F-A9E9-4C9B-9E16-EA6A953F63E2}" srcId="{DD376388-3FFD-4B3D-948E-E804B30C7C70}" destId="{C9A8D9FF-37A5-4972-90A8-CA8DB36B814D}" srcOrd="1" destOrd="0" parTransId="{FBD9EC8C-95A5-4ECA-B6F2-6D8D5486AEE4}" sibTransId="{8E733334-E140-4B0E-8B3F-FE8E1C6C67EE}"/>
+    <dgm:cxn modelId="{F80153EC-133E-4028-9A98-CC9939714BB8}" type="presOf" srcId="{7CC92162-E893-483C-BE25-E5F9DE55BCDE}" destId="{9737E01C-68BD-4110-A037-A729A8412BFB}" srcOrd="0" destOrd="0" presId="urn:microsoft.com/office/officeart/2005/8/layout/vList5"/>
+    <dgm:cxn modelId="{9BB93CB7-799D-4A5B-A11D-E46C461BE307}" type="presOf" srcId="{02C2341A-D4F5-4DBB-8D56-E6A47C7BC664}" destId="{7E91CD7B-B1B5-4AB7-9071-1CACCD7D463E}" srcOrd="0" destOrd="0" presId="urn:microsoft.com/office/officeart/2005/8/layout/vList5"/>
+    <dgm:cxn modelId="{045E95A0-1564-4D68-A321-2454AB1CD27C}" type="presOf" srcId="{C9A8D9FF-37A5-4972-90A8-CA8DB36B814D}" destId="{2F9BF8EA-B151-4D82-A7D0-D0718751C0F8}" srcOrd="0" destOrd="0" presId="urn:microsoft.com/office/officeart/2005/8/layout/vList5"/>
+    <dgm:cxn modelId="{87281B6A-A2DB-40BF-81ED-22EF8F291F16}" type="presOf" srcId="{26391E6B-54A0-49FA-81BC-561C56921121}" destId="{CED83D41-DB71-494A-BE1D-B68260B4F9AF}" srcOrd="0" destOrd="0" presId="urn:microsoft.com/office/officeart/2005/8/layout/vList5"/>
+    <dgm:cxn modelId="{7A2A1C88-156C-466A-804B-E32A77B19D1E}" srcId="{7CC92162-E893-483C-BE25-E5F9DE55BCDE}" destId="{C942DB02-9E6B-414D-8781-5FB8DA382E49}" srcOrd="0" destOrd="0" parTransId="{5FE3D3CB-97F7-494D-9E99-94A60F8686E8}" sibTransId="{98A36D5B-CEDE-475C-8708-7D7195D967D4}"/>
+    <dgm:cxn modelId="{94C7F400-F21C-4AC4-90EF-2D4B0A2F5226}" srcId="{F5F9DBA2-CFFA-4FBC-96B8-5CD3851309F3}" destId="{26391E6B-54A0-49FA-81BC-561C56921121}" srcOrd="0" destOrd="0" parTransId="{C30C50E2-50EF-4314-91D6-D40C58D8C007}" sibTransId="{0C95B2BC-E66B-42B9-812C-35D321664DAE}"/>
+    <dgm:cxn modelId="{272DDDE8-3675-4DC1-A81E-3F355D4639E0}" srcId="{A495CF04-2AB8-4CC6-8570-3EF3BC7BDE05}" destId="{686460B7-8C9C-4FCF-82B2-D69A03BBB3B1}" srcOrd="0" destOrd="0" parTransId="{16481C82-E2F5-4257-8E8C-2CDA9FFBB8DA}" sibTransId="{EE90C47C-9D12-4A54-B2C6-D260FE1BCE5C}"/>
     <dgm:cxn modelId="{2FA23C23-2845-4B31-A689-C0020F051F83}" type="presOf" srcId="{2204BD07-080E-45F3-BC41-4CE3FF13CF25}" destId="{60D13BE4-9B0A-40F3-AC49-D448A60FBD44}" srcOrd="0" destOrd="0" presId="urn:microsoft.com/office/officeart/2005/8/layout/vList5"/>
-    <dgm:cxn modelId="{083D7930-B8E8-486B-9002-E15E5E90BD8D}" srcId="{523FD76E-A075-4463-A8B6-30665DD49B6A}" destId="{120A6DCF-E80D-4619-B6E3-D01202AA6204}" srcOrd="0" destOrd="0" parTransId="{75712B54-C7AD-4A69-92F2-4CBEA4E3050C}" sibTransId="{5024E2DB-A5F3-47EC-84F0-0A7DC2C0FE1E}"/>
-    <dgm:cxn modelId="{95DF792E-6708-4645-8EF9-930D196246D8}" type="presOf" srcId="{C942DB02-9E6B-414D-8781-5FB8DA382E49}" destId="{C206371A-15CD-4B90-AAD5-AE6B4237AA08}" srcOrd="0" destOrd="0" presId="urn:microsoft.com/office/officeart/2005/8/layout/vList5"/>
-    <dgm:cxn modelId="{94C7F400-F21C-4AC4-90EF-2D4B0A2F5226}" srcId="{F5F9DBA2-CFFA-4FBC-96B8-5CD3851309F3}" destId="{26391E6B-54A0-49FA-81BC-561C56921121}" srcOrd="0" destOrd="0" parTransId="{C30C50E2-50EF-4314-91D6-D40C58D8C007}" sibTransId="{0C95B2BC-E66B-42B9-812C-35D321664DAE}"/>
-    <dgm:cxn modelId="{D4BD6AC8-21CE-42FC-8B22-5C25A4ECBD13}" srcId="{9E921FC9-607C-477A-86EF-19728CC85C91}" destId="{E2D71842-6AC6-4BD3-9F23-8F75300CF0DC}" srcOrd="0" destOrd="0" parTransId="{3DC345B2-0AD4-4089-8592-17EF1E5BC231}" sibTransId="{6D841A03-2FDE-4A0C-AB5B-BD86071D68A6}"/>
-    <dgm:cxn modelId="{081B4A31-07D7-47DF-99D5-1E78BF455F11}" srcId="{C9A8D9FF-37A5-4972-90A8-CA8DB36B814D}" destId="{02C2341A-D4F5-4DBB-8D56-E6A47C7BC664}" srcOrd="0" destOrd="0" parTransId="{05DF0ABA-18AA-4A71-93E9-DDFF8B863CB9}" sibTransId="{775AFF1C-14BA-4F61-B069-CB42CD1A90DF}"/>
-    <dgm:cxn modelId="{F80153EC-133E-4028-9A98-CC9939714BB8}" type="presOf" srcId="{7CC92162-E893-483C-BE25-E5F9DE55BCDE}" destId="{9737E01C-68BD-4110-A037-A729A8412BFB}" srcOrd="0" destOrd="0" presId="urn:microsoft.com/office/officeart/2005/8/layout/vList5"/>
-    <dgm:cxn modelId="{11B7A64D-70E3-4063-B631-6383FF135269}" type="presOf" srcId="{9E921FC9-607C-477A-86EF-19728CC85C91}" destId="{3AF16C1F-6911-4FA0-9E19-D81C94BC944F}" srcOrd="0" destOrd="0" presId="urn:microsoft.com/office/officeart/2005/8/layout/vList5"/>
-    <dgm:cxn modelId="{DA745B99-1778-4E95-A284-49EB95D63283}" srcId="{DD376388-3FFD-4B3D-948E-E804B30C7C70}" destId="{7CC92162-E893-483C-BE25-E5F9DE55BCDE}" srcOrd="3" destOrd="0" parTransId="{AAC11766-01EC-4DDC-958A-ABD3E647D98D}" sibTransId="{485F3A8A-23D8-4CB7-93C0-E8BB60B61205}"/>
-    <dgm:cxn modelId="{99B0A08A-CA69-48B8-859D-EAE6A69285B5}" srcId="{DD376388-3FFD-4B3D-948E-E804B30C7C70}" destId="{A495CF04-2AB8-4CC6-8570-3EF3BC7BDE05}" srcOrd="2" destOrd="0" parTransId="{9811565B-1DED-4705-8DE0-2E24CFC7F854}" sibTransId="{C1C04AB1-EB45-4958-AE1E-381384EFD4B8}"/>
-    <dgm:cxn modelId="{7A2A1C88-156C-466A-804B-E32A77B19D1E}" srcId="{7CC92162-E893-483C-BE25-E5F9DE55BCDE}" destId="{C942DB02-9E6B-414D-8781-5FB8DA382E49}" srcOrd="0" destOrd="0" parTransId="{5FE3D3CB-97F7-494D-9E99-94A60F8686E8}" sibTransId="{98A36D5B-CEDE-475C-8708-7D7195D967D4}"/>
-    <dgm:cxn modelId="{9BB93CB7-799D-4A5B-A11D-E46C461BE307}" type="presOf" srcId="{02C2341A-D4F5-4DBB-8D56-E6A47C7BC664}" destId="{7E91CD7B-B1B5-4AB7-9071-1CACCD7D463E}" srcOrd="0" destOrd="0" presId="urn:microsoft.com/office/officeart/2005/8/layout/vList5"/>
-    <dgm:cxn modelId="{00971B7D-4EDA-4B5B-8680-474D99B30492}" type="presOf" srcId="{120A6DCF-E80D-4619-B6E3-D01202AA6204}" destId="{2A0F3A65-FD9E-42C1-9B9C-CD8B20D2662A}" srcOrd="0" destOrd="0" presId="urn:microsoft.com/office/officeart/2005/8/layout/vList5"/>
-    <dgm:cxn modelId="{3EA2339F-A9E9-4C9B-9E16-EA6A953F63E2}" srcId="{DD376388-3FFD-4B3D-948E-E804B30C7C70}" destId="{C9A8D9FF-37A5-4972-90A8-CA8DB36B814D}" srcOrd="1" destOrd="0" parTransId="{FBD9EC8C-95A5-4ECA-B6F2-6D8D5486AEE4}" sibTransId="{8E733334-E140-4B0E-8B3F-FE8E1C6C67EE}"/>
-    <dgm:cxn modelId="{2DA76691-A530-4C46-AEDD-1FC9825FFCBD}" type="presOf" srcId="{686460B7-8C9C-4FCF-82B2-D69A03BBB3B1}" destId="{E5564D61-CB5B-4F15-B3A3-E22A02A0B691}" srcOrd="0" destOrd="0" presId="urn:microsoft.com/office/officeart/2005/8/layout/vList5"/>
-    <dgm:cxn modelId="{7B55337C-24D5-4944-8638-8B62A3362B33}" srcId="{DD376388-3FFD-4B3D-948E-E804B30C7C70}" destId="{9E921FC9-607C-477A-86EF-19728CC85C91}" srcOrd="6" destOrd="0" parTransId="{2D0D6511-AFC8-42A6-9187-23C3180871D6}" sibTransId="{F73BEC2E-01C0-4B53-AE81-562D17153AC4}"/>
-    <dgm:cxn modelId="{045E95A0-1564-4D68-A321-2454AB1CD27C}" type="presOf" srcId="{C9A8D9FF-37A5-4972-90A8-CA8DB36B814D}" destId="{2F9BF8EA-B151-4D82-A7D0-D0718751C0F8}" srcOrd="0" destOrd="0" presId="urn:microsoft.com/office/officeart/2005/8/layout/vList5"/>
-    <dgm:cxn modelId="{C2CDBF89-114B-4004-8A02-B73D7DD8CF7B}" type="presOf" srcId="{A495CF04-2AB8-4CC6-8570-3EF3BC7BDE05}" destId="{16A977B9-553A-4A56-8546-CBFF7977E282}" srcOrd="0" destOrd="0" presId="urn:microsoft.com/office/officeart/2005/8/layout/vList5"/>
+    <dgm:cxn modelId="{4350ED12-E9B7-496B-986B-C614D8711CAA}" type="presOf" srcId="{523FD76E-A075-4463-A8B6-30665DD49B6A}" destId="{9580BCA0-250F-4E19-B74A-15304AA182B9}" srcOrd="0" destOrd="0" presId="urn:microsoft.com/office/officeart/2005/8/layout/vList5"/>
+    <dgm:cxn modelId="{DD787FAE-1DD9-4B0A-A7DE-316C9BCBB7CF}" srcId="{DD376388-3FFD-4B3D-948E-E804B30C7C70}" destId="{9D1B8524-5C34-4122-90A5-35BF7EB95ADD}" srcOrd="5" destOrd="0" parTransId="{1CF21286-22BE-40E9-BF4E-0E16D7E7F0E4}" sibTransId="{57BDD785-C9F1-4156-99A8-778FB9AA0BAE}"/>
     <dgm:cxn modelId="{2E4BA8EA-C954-4EE6-A101-9A0B247506E6}" type="presOf" srcId="{E2D71842-6AC6-4BD3-9F23-8F75300CF0DC}" destId="{956338DF-2EEB-4FB5-B436-54BF66D76F12}" srcOrd="0" destOrd="0" presId="urn:microsoft.com/office/officeart/2005/8/layout/vList5"/>
-    <dgm:cxn modelId="{87281B6A-A2DB-40BF-81ED-22EF8F291F16}" type="presOf" srcId="{26391E6B-54A0-49FA-81BC-561C56921121}" destId="{CED83D41-DB71-494A-BE1D-B68260B4F9AF}" srcOrd="0" destOrd="0" presId="urn:microsoft.com/office/officeart/2005/8/layout/vList5"/>
-    <dgm:cxn modelId="{272DDDE8-3675-4DC1-A81E-3F355D4639E0}" srcId="{A495CF04-2AB8-4CC6-8570-3EF3BC7BDE05}" destId="{686460B7-8C9C-4FCF-82B2-D69A03BBB3B1}" srcOrd="0" destOrd="0" parTransId="{16481C82-E2F5-4257-8E8C-2CDA9FFBB8DA}" sibTransId="{EE90C47C-9D12-4A54-B2C6-D260FE1BCE5C}"/>
-    <dgm:cxn modelId="{4350ED12-E9B7-496B-986B-C614D8711CAA}" type="presOf" srcId="{523FD76E-A075-4463-A8B6-30665DD49B6A}" destId="{9580BCA0-250F-4E19-B74A-15304AA182B9}" srcOrd="0" destOrd="0" presId="urn:microsoft.com/office/officeart/2005/8/layout/vList5"/>
     <dgm:cxn modelId="{287C3DD9-DF14-4356-B901-33C04D06B085}" srcId="{DD376388-3FFD-4B3D-948E-E804B30C7C70}" destId="{F5F9DBA2-CFFA-4FBC-96B8-5CD3851309F3}" srcOrd="4" destOrd="0" parTransId="{DD2E0A95-059B-48CE-B14D-1CDFEADFEEEA}" sibTransId="{B204072D-5C15-4CD3-A4B7-E3C0A8B36F79}"/>
-    <dgm:cxn modelId="{E75A0C0B-1275-4899-B529-EB035AA2F51A}" srcId="{DD376388-3FFD-4B3D-948E-E804B30C7C70}" destId="{523FD76E-A075-4463-A8B6-30665DD49B6A}" srcOrd="0" destOrd="0" parTransId="{658E521C-210A-4A24-BB05-55D021A18528}" sibTransId="{74B85C49-6AE3-40A1-B825-1A5EE81AF516}"/>
-    <dgm:cxn modelId="{DD787FAE-1DD9-4B0A-A7DE-316C9BCBB7CF}" srcId="{DD376388-3FFD-4B3D-948E-E804B30C7C70}" destId="{9D1B8524-5C34-4122-90A5-35BF7EB95ADD}" srcOrd="5" destOrd="0" parTransId="{1CF21286-22BE-40E9-BF4E-0E16D7E7F0E4}" sibTransId="{57BDD785-C9F1-4156-99A8-778FB9AA0BAE}"/>
     <dgm:cxn modelId="{026599B8-8266-47F0-9E94-CC57A070F3FA}" type="presParOf" srcId="{4AF5EFA1-B2C7-4D44-AB0D-4FD1F6D74007}" destId="{EB205C52-AEB1-4428-BF0B-D480ECCE618D}" srcOrd="0" destOrd="0" presId="urn:microsoft.com/office/officeart/2005/8/layout/vList5"/>
     <dgm:cxn modelId="{8B638383-5AA5-40A6-B8F8-1321E8754E22}" type="presParOf" srcId="{EB205C52-AEB1-4428-BF0B-D480ECCE618D}" destId="{9580BCA0-250F-4E19-B74A-15304AA182B9}" srcOrd="0" destOrd="0" presId="urn:microsoft.com/office/officeart/2005/8/layout/vList5"/>
     <dgm:cxn modelId="{D5D93EFE-62CD-4B60-BD35-3F0070CEB24E}" type="presParOf" srcId="{EB205C52-AEB1-4428-BF0B-D480ECCE618D}" destId="{2A0F3A65-FD9E-42C1-9B9C-CD8B20D2662A}" srcOrd="1" destOrd="0" presId="urn:microsoft.com/office/officeart/2005/8/layout/vList5"/>
@@ -3952,29 +4727,29 @@
     </dgm:pt>
   </dgm:ptLst>
   <dgm:cxnLst>
+    <dgm:cxn modelId="{E3EC2BDF-6629-460F-BDB0-8A0F704A1363}" srcId="{9AB65466-3BA8-4DAA-8BD3-712D85594055}" destId="{2082539E-B922-45B7-BE39-F37938CC214D}" srcOrd="0" destOrd="0" parTransId="{EF1FA0F1-1EF0-4285-A6B7-FADE986BE7BB}" sibTransId="{B55FDC65-60CC-4862-8876-25831A9164B0}"/>
+    <dgm:cxn modelId="{245DAA23-F0CD-4A04-87EF-2F423F233FFB}" type="presOf" srcId="{E199B7DD-0EC7-43D7-B30D-9954F48BB3E0}" destId="{8936B586-CD90-413C-A3B0-9D6F0F99D55D}" srcOrd="0" destOrd="0" presId="urn:microsoft.com/office/officeart/2009/3/layout/SubStepProcess"/>
+    <dgm:cxn modelId="{EDA450A1-75DC-4A1E-A5FD-ACC726923F1A}" type="presOf" srcId="{B56863B5-5689-4C26-9566-282BFA28423F}" destId="{E613F58F-EB33-4DED-B126-B0D9150FE449}" srcOrd="0" destOrd="0" presId="urn:microsoft.com/office/officeart/2009/3/layout/SubStepProcess"/>
+    <dgm:cxn modelId="{3D81ECB3-96C5-48AC-BDA7-F10AB85C7468}" srcId="{11A7436A-E0EC-4C7A-BDF0-C6B9732D1D4E}" destId="{EC17DED0-709F-4E87-94F8-7AC7A79BBA04}" srcOrd="1" destOrd="0" parTransId="{17102A10-5F98-48B3-B984-4C1BD76275FC}" sibTransId="{5CA369D1-0D82-4FBB-A649-BCBCEF4CAC4F}"/>
+    <dgm:cxn modelId="{983079C3-3187-423F-96EB-E4837D74ECAD}" srcId="{EC17DED0-709F-4E87-94F8-7AC7A79BBA04}" destId="{E199B7DD-0EC7-43D7-B30D-9954F48BB3E0}" srcOrd="0" destOrd="0" parTransId="{EE3E5656-EDB6-45FD-AD8A-8BD68F7AA2B7}" sibTransId="{D99D3EF4-FC9D-4C70-B278-C71A52F10674}"/>
+    <dgm:cxn modelId="{1B0C0372-538C-4DAE-B205-25F1F061481B}" srcId="{B1216C8A-FF85-4CB1-A177-0DC1370B15CE}" destId="{4208F947-422A-4005-BB5F-075F7B73EAED}" srcOrd="1" destOrd="0" parTransId="{57531510-43E1-4F10-977A-904C94483942}" sibTransId="{4B0D0ABC-8405-4576-B6FD-86F2F90BF4CA}"/>
+    <dgm:cxn modelId="{1C33A0E4-9AF7-46CA-8F1A-1A08E7DC3867}" type="presOf" srcId="{B1216C8A-FF85-4CB1-A177-0DC1370B15CE}" destId="{5614634A-59EB-45C8-9073-1266031FCE05}" srcOrd="0" destOrd="0" presId="urn:microsoft.com/office/officeart/2009/3/layout/SubStepProcess"/>
+    <dgm:cxn modelId="{B176EFF9-1C5E-4AC3-89E2-6A635CC81C13}" srcId="{EC17DED0-709F-4E87-94F8-7AC7A79BBA04}" destId="{3E6BBF53-7822-4375-8F88-5FB8B48B4FA7}" srcOrd="1" destOrd="0" parTransId="{7DBE0E13-87EE-48C0-B5A3-283A994A5150}" sibTransId="{B8D35BA1-2735-4F00-A0E6-C676A85F91CB}"/>
+    <dgm:cxn modelId="{5C7FD797-EF2C-4B4D-837F-CDCFBB8F6A21}" type="presOf" srcId="{4108E0FF-106F-46BA-8386-CA978C671DCB}" destId="{F1BCC514-1F54-45FA-AB7C-FB1824441388}" srcOrd="0" destOrd="0" presId="urn:microsoft.com/office/officeart/2009/3/layout/SubStepProcess"/>
+    <dgm:cxn modelId="{A30CCD73-800C-4EB9-888E-7C903B8FEB88}" type="presOf" srcId="{11A7436A-E0EC-4C7A-BDF0-C6B9732D1D4E}" destId="{9AF58A91-1962-419D-9395-772C28E67EBC}" srcOrd="0" destOrd="0" presId="urn:microsoft.com/office/officeart/2009/3/layout/SubStepProcess"/>
+    <dgm:cxn modelId="{4D4014C7-5C63-4722-AEED-132F954F78DC}" srcId="{B1216C8A-FF85-4CB1-A177-0DC1370B15CE}" destId="{4108E0FF-106F-46BA-8386-CA978C671DCB}" srcOrd="2" destOrd="0" parTransId="{F0BFA10D-5D90-456C-9172-BFE7BB6D2D7E}" sibTransId="{BE7A89AE-4939-49FA-9047-B9D7DAFB567A}"/>
+    <dgm:cxn modelId="{D2BB422C-9BB2-4CDC-AB76-68E9F3592B7D}" type="presOf" srcId="{4542CE05-3908-44F3-8E64-C7F949EF15F5}" destId="{9B92302A-30CF-4C3E-9A44-765C06665424}" srcOrd="0" destOrd="0" presId="urn:microsoft.com/office/officeart/2009/3/layout/SubStepProcess"/>
+    <dgm:cxn modelId="{34939086-EFCF-4FF2-8B3A-EE40096EE025}" type="presOf" srcId="{4208F947-422A-4005-BB5F-075F7B73EAED}" destId="{25A6DEBC-91CB-4EFD-BD35-F19CBD85A547}" srcOrd="0" destOrd="0" presId="urn:microsoft.com/office/officeart/2009/3/layout/SubStepProcess"/>
+    <dgm:cxn modelId="{48478D15-71A6-425D-8F9E-974A10602C7E}" type="presOf" srcId="{AD0AE1E7-E12F-46A9-8703-7AB651AF7042}" destId="{08DECA2B-3C34-4518-A82B-CF10EA58740F}" srcOrd="0" destOrd="0" presId="urn:microsoft.com/office/officeart/2009/3/layout/SubStepProcess"/>
+    <dgm:cxn modelId="{F22994EA-7767-48CC-979E-9031E44548E8}" type="presOf" srcId="{3E6BBF53-7822-4375-8F88-5FB8B48B4FA7}" destId="{B459804A-3BDF-4044-9474-B7B8CB1C038B}" srcOrd="0" destOrd="0" presId="urn:microsoft.com/office/officeart/2009/3/layout/SubStepProcess"/>
+    <dgm:cxn modelId="{217868D9-E8DD-4D01-ADF9-279407FB184F}" srcId="{9AB65466-3BA8-4DAA-8BD3-712D85594055}" destId="{AD0AE1E7-E12F-46A9-8703-7AB651AF7042}" srcOrd="1" destOrd="0" parTransId="{BE2F29F1-B23B-42FB-872B-0ACE3757593B}" sibTransId="{E509924B-57F8-4DD8-9A2B-5C15E9455B39}"/>
     <dgm:cxn modelId="{A1CE96A6-343D-4942-8C1F-CF6751DA929D}" srcId="{11A7436A-E0EC-4C7A-BDF0-C6B9732D1D4E}" destId="{9AB65466-3BA8-4DAA-8BD3-712D85594055}" srcOrd="0" destOrd="0" parTransId="{69F5CE6A-5401-4A58-B8AB-59740535CA16}" sibTransId="{EE29B8BE-0D5C-47D7-9E00-2FE39C3A66D4}"/>
-    <dgm:cxn modelId="{4D4014C7-5C63-4722-AEED-132F954F78DC}" srcId="{B1216C8A-FF85-4CB1-A177-0DC1370B15CE}" destId="{4108E0FF-106F-46BA-8386-CA978C671DCB}" srcOrd="2" destOrd="0" parTransId="{F0BFA10D-5D90-456C-9172-BFE7BB6D2D7E}" sibTransId="{BE7A89AE-4939-49FA-9047-B9D7DAFB567A}"/>
-    <dgm:cxn modelId="{EDA450A1-75DC-4A1E-A5FD-ACC726923F1A}" type="presOf" srcId="{B56863B5-5689-4C26-9566-282BFA28423F}" destId="{E613F58F-EB33-4DED-B126-B0D9150FE449}" srcOrd="0" destOrd="0" presId="urn:microsoft.com/office/officeart/2009/3/layout/SubStepProcess"/>
-    <dgm:cxn modelId="{5C7FD797-EF2C-4B4D-837F-CDCFBB8F6A21}" type="presOf" srcId="{4108E0FF-106F-46BA-8386-CA978C671DCB}" destId="{F1BCC514-1F54-45FA-AB7C-FB1824441388}" srcOrd="0" destOrd="0" presId="urn:microsoft.com/office/officeart/2009/3/layout/SubStepProcess"/>
-    <dgm:cxn modelId="{217868D9-E8DD-4D01-ADF9-279407FB184F}" srcId="{9AB65466-3BA8-4DAA-8BD3-712D85594055}" destId="{AD0AE1E7-E12F-46A9-8703-7AB651AF7042}" srcOrd="1" destOrd="0" parTransId="{BE2F29F1-B23B-42FB-872B-0ACE3757593B}" sibTransId="{E509924B-57F8-4DD8-9A2B-5C15E9455B39}"/>
-    <dgm:cxn modelId="{D2BB422C-9BB2-4CDC-AB76-68E9F3592B7D}" type="presOf" srcId="{4542CE05-3908-44F3-8E64-C7F949EF15F5}" destId="{9B92302A-30CF-4C3E-9A44-765C06665424}" srcOrd="0" destOrd="0" presId="urn:microsoft.com/office/officeart/2009/3/layout/SubStepProcess"/>
+    <dgm:cxn modelId="{17557F10-A075-42EB-B2C6-9ABF3DB95EC8}" type="presOf" srcId="{EC17DED0-709F-4E87-94F8-7AC7A79BBA04}" destId="{BA242245-2FDE-41CE-A379-B8B3D429396D}" srcOrd="0" destOrd="0" presId="urn:microsoft.com/office/officeart/2009/3/layout/SubStepProcess"/>
+    <dgm:cxn modelId="{38724F8F-828E-4C24-87F5-949C98EEC271}" type="presOf" srcId="{2082539E-B922-45B7-BE39-F37938CC214D}" destId="{3F7D6710-DC05-495F-8258-661CABE8CB8E}" srcOrd="0" destOrd="0" presId="urn:microsoft.com/office/officeart/2009/3/layout/SubStepProcess"/>
     <dgm:cxn modelId="{812889A4-943A-44D7-8357-63873FC977CC}" srcId="{11A7436A-E0EC-4C7A-BDF0-C6B9732D1D4E}" destId="{B1216C8A-FF85-4CB1-A177-0DC1370B15CE}" srcOrd="2" destOrd="0" parTransId="{B66120C8-E9DE-49C5-BCA6-902400A36CC9}" sibTransId="{9523411E-A455-4461-A942-E74287391018}"/>
-    <dgm:cxn modelId="{17557F10-A075-42EB-B2C6-9ABF3DB95EC8}" type="presOf" srcId="{EC17DED0-709F-4E87-94F8-7AC7A79BBA04}" destId="{BA242245-2FDE-41CE-A379-B8B3D429396D}" srcOrd="0" destOrd="0" presId="urn:microsoft.com/office/officeart/2009/3/layout/SubStepProcess"/>
-    <dgm:cxn modelId="{B176EFF9-1C5E-4AC3-89E2-6A635CC81C13}" srcId="{EC17DED0-709F-4E87-94F8-7AC7A79BBA04}" destId="{3E6BBF53-7822-4375-8F88-5FB8B48B4FA7}" srcOrd="1" destOrd="0" parTransId="{7DBE0E13-87EE-48C0-B5A3-283A994A5150}" sibTransId="{B8D35BA1-2735-4F00-A0E6-C676A85F91CB}"/>
-    <dgm:cxn modelId="{48478D15-71A6-425D-8F9E-974A10602C7E}" type="presOf" srcId="{AD0AE1E7-E12F-46A9-8703-7AB651AF7042}" destId="{08DECA2B-3C34-4518-A82B-CF10EA58740F}" srcOrd="0" destOrd="0" presId="urn:microsoft.com/office/officeart/2009/3/layout/SubStepProcess"/>
-    <dgm:cxn modelId="{1B0C0372-538C-4DAE-B205-25F1F061481B}" srcId="{B1216C8A-FF85-4CB1-A177-0DC1370B15CE}" destId="{4208F947-422A-4005-BB5F-075F7B73EAED}" srcOrd="1" destOrd="0" parTransId="{57531510-43E1-4F10-977A-904C94483942}" sibTransId="{4B0D0ABC-8405-4576-B6FD-86F2F90BF4CA}"/>
-    <dgm:cxn modelId="{38724F8F-828E-4C24-87F5-949C98EEC271}" type="presOf" srcId="{2082539E-B922-45B7-BE39-F37938CC214D}" destId="{3F7D6710-DC05-495F-8258-661CABE8CB8E}" srcOrd="0" destOrd="0" presId="urn:microsoft.com/office/officeart/2009/3/layout/SubStepProcess"/>
-    <dgm:cxn modelId="{983079C3-3187-423F-96EB-E4837D74ECAD}" srcId="{EC17DED0-709F-4E87-94F8-7AC7A79BBA04}" destId="{E199B7DD-0EC7-43D7-B30D-9954F48BB3E0}" srcOrd="0" destOrd="0" parTransId="{EE3E5656-EDB6-45FD-AD8A-8BD68F7AA2B7}" sibTransId="{D99D3EF4-FC9D-4C70-B278-C71A52F10674}"/>
+    <dgm:cxn modelId="{7630F480-53E0-4352-856D-6D69429B5806}" type="presOf" srcId="{9AB65466-3BA8-4DAA-8BD3-712D85594055}" destId="{5553C5DF-C476-47B7-9B2D-8BD883320769}" srcOrd="0" destOrd="0" presId="urn:microsoft.com/office/officeart/2009/3/layout/SubStepProcess"/>
     <dgm:cxn modelId="{08A947A5-D3F4-47D8-B165-4558E7AE098D}" srcId="{B1216C8A-FF85-4CB1-A177-0DC1370B15CE}" destId="{B56863B5-5689-4C26-9566-282BFA28423F}" srcOrd="0" destOrd="0" parTransId="{94A4A8B7-8DF9-412F-8441-EE1C9C98ACA8}" sibTransId="{2C676002-1FB6-47FB-9EFE-0FD70399D78C}"/>
-    <dgm:cxn modelId="{3D81ECB3-96C5-48AC-BDA7-F10AB85C7468}" srcId="{11A7436A-E0EC-4C7A-BDF0-C6B9732D1D4E}" destId="{EC17DED0-709F-4E87-94F8-7AC7A79BBA04}" srcOrd="1" destOrd="0" parTransId="{17102A10-5F98-48B3-B984-4C1BD76275FC}" sibTransId="{5CA369D1-0D82-4FBB-A649-BCBCEF4CAC4F}"/>
-    <dgm:cxn modelId="{7630F480-53E0-4352-856D-6D69429B5806}" type="presOf" srcId="{9AB65466-3BA8-4DAA-8BD3-712D85594055}" destId="{5553C5DF-C476-47B7-9B2D-8BD883320769}" srcOrd="0" destOrd="0" presId="urn:microsoft.com/office/officeart/2009/3/layout/SubStepProcess"/>
     <dgm:cxn modelId="{F54F1758-5A88-49CC-AE7B-22154CBE6C18}" srcId="{B1216C8A-FF85-4CB1-A177-0DC1370B15CE}" destId="{4542CE05-3908-44F3-8E64-C7F949EF15F5}" srcOrd="3" destOrd="0" parTransId="{5EB5B290-2B95-4BB7-9D29-2DEA2D71A4CF}" sibTransId="{7F54C0B0-4605-4945-81D5-52288333A9D6}"/>
-    <dgm:cxn modelId="{F22994EA-7767-48CC-979E-9031E44548E8}" type="presOf" srcId="{3E6BBF53-7822-4375-8F88-5FB8B48B4FA7}" destId="{B459804A-3BDF-4044-9474-B7B8CB1C038B}" srcOrd="0" destOrd="0" presId="urn:microsoft.com/office/officeart/2009/3/layout/SubStepProcess"/>
-    <dgm:cxn modelId="{245DAA23-F0CD-4A04-87EF-2F423F233FFB}" type="presOf" srcId="{E199B7DD-0EC7-43D7-B30D-9954F48BB3E0}" destId="{8936B586-CD90-413C-A3B0-9D6F0F99D55D}" srcOrd="0" destOrd="0" presId="urn:microsoft.com/office/officeart/2009/3/layout/SubStepProcess"/>
-    <dgm:cxn modelId="{A30CCD73-800C-4EB9-888E-7C903B8FEB88}" type="presOf" srcId="{11A7436A-E0EC-4C7A-BDF0-C6B9732D1D4E}" destId="{9AF58A91-1962-419D-9395-772C28E67EBC}" srcOrd="0" destOrd="0" presId="urn:microsoft.com/office/officeart/2009/3/layout/SubStepProcess"/>
-    <dgm:cxn modelId="{1C33A0E4-9AF7-46CA-8F1A-1A08E7DC3867}" type="presOf" srcId="{B1216C8A-FF85-4CB1-A177-0DC1370B15CE}" destId="{5614634A-59EB-45C8-9073-1266031FCE05}" srcOrd="0" destOrd="0" presId="urn:microsoft.com/office/officeart/2009/3/layout/SubStepProcess"/>
-    <dgm:cxn modelId="{E3EC2BDF-6629-460F-BDB0-8A0F704A1363}" srcId="{9AB65466-3BA8-4DAA-8BD3-712D85594055}" destId="{2082539E-B922-45B7-BE39-F37938CC214D}" srcOrd="0" destOrd="0" parTransId="{EF1FA0F1-1EF0-4285-A6B7-FADE986BE7BB}" sibTransId="{B55FDC65-60CC-4862-8876-25831A9164B0}"/>
-    <dgm:cxn modelId="{34939086-EFCF-4FF2-8B3A-EE40096EE025}" type="presOf" srcId="{4208F947-422A-4005-BB5F-075F7B73EAED}" destId="{25A6DEBC-91CB-4EFD-BD35-F19CBD85A547}" srcOrd="0" destOrd="0" presId="urn:microsoft.com/office/officeart/2009/3/layout/SubStepProcess"/>
     <dgm:cxn modelId="{B991EB97-CC4F-46CF-A4E7-19D5B86C49F9}" type="presParOf" srcId="{9AF58A91-1962-419D-9395-772C28E67EBC}" destId="{5553C5DF-C476-47B7-9B2D-8BD883320769}" srcOrd="0" destOrd="0" presId="urn:microsoft.com/office/officeart/2009/3/layout/SubStepProcess"/>
     <dgm:cxn modelId="{36418688-642B-471F-B24F-22E862F57272}" type="presParOf" srcId="{9AF58A91-1962-419D-9395-772C28E67EBC}" destId="{CAD2D4A8-D839-4575-A425-A0D190BA32EA}" srcOrd="1" destOrd="0" presId="urn:microsoft.com/office/officeart/2009/3/layout/SubStepProcess"/>
     <dgm:cxn modelId="{F7F2A2BD-5D71-4B10-A0BE-20E323DBCC39}" type="presParOf" srcId="{9AF58A91-1962-419D-9395-772C28E67EBC}" destId="{DAFC8EB1-D51E-4B82-98D5-2055E53C3E5A}" srcOrd="2" destOrd="0" presId="urn:microsoft.com/office/officeart/2009/3/layout/SubStepProcess"/>
@@ -4746,29 +5521,29 @@
     </dgm:pt>
   </dgm:ptLst>
   <dgm:cxnLst>
+    <dgm:cxn modelId="{A746ACC7-77EB-464E-A4E6-D96D5169F827}" srcId="{E189785E-500D-4C7E-A548-FCBED615C2D0}" destId="{FF73487B-07B3-434C-AF0B-2A2FE0FABFC8}" srcOrd="2" destOrd="0" parTransId="{102E82C6-E4F2-42FB-BE80-7ACBC0FFC533}" sibTransId="{24363703-06CF-4858-AA9C-50A052991A6F}"/>
+    <dgm:cxn modelId="{DCBBD8F4-0823-4A2C-AFB3-9C8B1C514144}" type="presOf" srcId="{E189785E-500D-4C7E-A548-FCBED615C2D0}" destId="{CF9A98E2-FB6D-46A3-B91A-2C9595A881D8}" srcOrd="0" destOrd="0" presId="urn:microsoft.com/office/officeart/2005/8/layout/hList1"/>
+    <dgm:cxn modelId="{9972EF04-AF6A-40D7-9AA9-2DDF033A8D38}" srcId="{FF73487B-07B3-434C-AF0B-2A2FE0FABFC8}" destId="{212958FA-086C-4EB4-BF7B-746DAC78AE42}" srcOrd="1" destOrd="0" parTransId="{243B3955-C6FD-41E1-A483-763305BF6994}" sibTransId="{F6CEA319-D6CE-492A-850F-11460440D350}"/>
+    <dgm:cxn modelId="{835AFFD7-C43E-4FD5-87C8-425D5218FC08}" type="presOf" srcId="{43F55B91-1B6A-4DBB-AE03-A8BA9022E2AA}" destId="{920B049E-1B5D-4C36-BE7E-C4FCA277047E}" srcOrd="0" destOrd="0" presId="urn:microsoft.com/office/officeart/2005/8/layout/hList1"/>
+    <dgm:cxn modelId="{42A71E8D-9F02-4199-876C-2CFA48542EA1}" srcId="{E189785E-500D-4C7E-A548-FCBED615C2D0}" destId="{895A478F-F1D6-45F3-B6F8-923AA45AB9CA}" srcOrd="1" destOrd="0" parTransId="{CF99EECC-41DF-4AF8-8657-680B09427E6C}" sibTransId="{4EDAB12E-D71A-4D4D-9C9E-204F4CC2A7EE}"/>
+    <dgm:cxn modelId="{DF275B63-08C5-4BCE-9B66-EB7441C0B156}" type="presOf" srcId="{3E5D0BD5-B682-4B92-B948-30473B69793E}" destId="{1E46AB9C-27F4-4450-B3F7-5965C96C9787}" srcOrd="0" destOrd="0" presId="urn:microsoft.com/office/officeart/2005/8/layout/hList1"/>
+    <dgm:cxn modelId="{D98681DE-A0AD-4BE1-823E-8328D2564F2A}" srcId="{C8F018D3-1FCF-438E-841A-FC925D844786}" destId="{30AD1400-1EFD-4E3B-9BA3-1591BAC678F6}" srcOrd="0" destOrd="0" parTransId="{D8892F2B-78B4-4E76-B7E5-B70253DA7A00}" sibTransId="{8FFB5698-11F4-44E7-B046-47A5F0CDB816}"/>
+    <dgm:cxn modelId="{99B7CAB1-E806-4BC1-9BEF-921ABFCE2122}" type="presOf" srcId="{30AD1400-1EFD-4E3B-9BA3-1591BAC678F6}" destId="{F68F52AD-90B9-4C87-81C1-1DAEF877EA82}" srcOrd="0" destOrd="0" presId="urn:microsoft.com/office/officeart/2005/8/layout/hList1"/>
     <dgm:cxn modelId="{D295A0D5-3A25-4C97-B5F5-40628527B8E4}" srcId="{E189785E-500D-4C7E-A548-FCBED615C2D0}" destId="{72BD426D-4C5A-4BDC-AB8F-77CF1C955887}" srcOrd="3" destOrd="0" parTransId="{25842A0D-3879-40C2-8BC7-36B507E14101}" sibTransId="{57B04501-D755-4FF0-8BA6-478499C23867}"/>
+    <dgm:cxn modelId="{10453ECF-B2B2-40E1-AD1B-91AF9C5FF6C6}" type="presOf" srcId="{212958FA-086C-4EB4-BF7B-746DAC78AE42}" destId="{920B049E-1B5D-4C36-BE7E-C4FCA277047E}" srcOrd="0" destOrd="1" presId="urn:microsoft.com/office/officeart/2005/8/layout/hList1"/>
+    <dgm:cxn modelId="{B70C95B7-8595-46F5-9328-EC9D42B67104}" type="presOf" srcId="{895A478F-F1D6-45F3-B6F8-923AA45AB9CA}" destId="{835F3438-D97B-47D6-9375-B950DA2FFC3E}" srcOrd="0" destOrd="0" presId="urn:microsoft.com/office/officeart/2005/8/layout/hList1"/>
+    <dgm:cxn modelId="{15B0B38D-2AA0-492F-BA6C-6246DBE344D3}" type="presOf" srcId="{C8F018D3-1FCF-438E-841A-FC925D844786}" destId="{B918A818-DFA1-4A56-824C-2C4E4B5366A7}" srcOrd="0" destOrd="0" presId="urn:microsoft.com/office/officeart/2005/8/layout/hList1"/>
+    <dgm:cxn modelId="{8458C98C-1327-46AC-912C-CCECE1D15C83}" srcId="{895A478F-F1D6-45F3-B6F8-923AA45AB9CA}" destId="{C450BF7E-2997-48D8-812E-7BAC338E4F78}" srcOrd="1" destOrd="0" parTransId="{06AC5F8C-7888-4023-BC7F-E694F0C595D2}" sibTransId="{30375C79-BB4F-4F84-B372-63962614C94E}"/>
+    <dgm:cxn modelId="{4CF50C15-3FF4-4045-AAAF-B94267EECA13}" srcId="{72BD426D-4C5A-4BDC-AB8F-77CF1C955887}" destId="{98CE530E-73D3-412C-A05A-67CC704C8484}" srcOrd="1" destOrd="0" parTransId="{DA63CEE4-FE47-4C85-82ED-3988856A1C80}" sibTransId="{AAE51DD5-F3EC-4EF6-8A03-C1EFF2594E76}"/>
+    <dgm:cxn modelId="{677137D0-4502-4002-B0F7-992EA1B5F887}" srcId="{E189785E-500D-4C7E-A548-FCBED615C2D0}" destId="{C8F018D3-1FCF-438E-841A-FC925D844786}" srcOrd="0" destOrd="0" parTransId="{6A9F618B-757A-44A3-89BE-F53B531A5F4D}" sibTransId="{58464D9C-459B-4876-A90A-DFD54522F80C}"/>
+    <dgm:cxn modelId="{19B85FC5-04FB-4958-838A-581BCC14013A}" type="presOf" srcId="{FF73487B-07B3-434C-AF0B-2A2FE0FABFC8}" destId="{0BC18BEA-D2B9-4B6C-AEB4-D097C9F6F80F}" srcOrd="0" destOrd="0" presId="urn:microsoft.com/office/officeart/2005/8/layout/hList1"/>
     <dgm:cxn modelId="{0D7BBF15-2A89-4D9E-8935-0A8948C31667}" type="presOf" srcId="{57C98617-1757-4D56-AF8B-8856079DC1C3}" destId="{C17D5B3E-1B34-4587-8BE7-5EC9B7F39512}" srcOrd="0" destOrd="0" presId="urn:microsoft.com/office/officeart/2005/8/layout/hList1"/>
+    <dgm:cxn modelId="{76D8A507-DE99-4961-9D3D-FB7F383A21AD}" type="presOf" srcId="{C450BF7E-2997-48D8-812E-7BAC338E4F78}" destId="{C17D5B3E-1B34-4587-8BE7-5EC9B7F39512}" srcOrd="0" destOrd="1" presId="urn:microsoft.com/office/officeart/2005/8/layout/hList1"/>
+    <dgm:cxn modelId="{E449B270-810A-4006-9C48-6D0FCDD1F443}" srcId="{FF73487B-07B3-434C-AF0B-2A2FE0FABFC8}" destId="{43F55B91-1B6A-4DBB-AE03-A8BA9022E2AA}" srcOrd="0" destOrd="0" parTransId="{71B1A030-1904-45E8-A31F-11EADE48AEE7}" sibTransId="{216B57A7-81A3-49A5-93DA-1F8D0698770B}"/>
+    <dgm:cxn modelId="{AD02B561-881D-46D6-BBBB-D2B74993AF2C}" type="presOf" srcId="{98CE530E-73D3-412C-A05A-67CC704C8484}" destId="{1E46AB9C-27F4-4450-B3F7-5965C96C9787}" srcOrd="0" destOrd="1" presId="urn:microsoft.com/office/officeart/2005/8/layout/hList1"/>
+    <dgm:cxn modelId="{1F4B482A-51A9-42EC-BB79-C0931E04157F}" srcId="{72BD426D-4C5A-4BDC-AB8F-77CF1C955887}" destId="{3E5D0BD5-B682-4B92-B948-30473B69793E}" srcOrd="0" destOrd="0" parTransId="{5B7A0A61-182D-4D94-8577-F7B93A444293}" sibTransId="{4353112C-966C-4A7E-9CDC-9331DD9B9D5C}"/>
     <dgm:cxn modelId="{ACD61908-2FFE-4141-8DDD-ACE955A63E24}" srcId="{895A478F-F1D6-45F3-B6F8-923AA45AB9CA}" destId="{57C98617-1757-4D56-AF8B-8856079DC1C3}" srcOrd="0" destOrd="0" parTransId="{AE6CAEFB-F575-4A2C-91B6-E2294072731E}" sibTransId="{1836FD4D-27AD-48C3-987D-5FEAC5F982B8}"/>
-    <dgm:cxn modelId="{76D8A507-DE99-4961-9D3D-FB7F383A21AD}" type="presOf" srcId="{C450BF7E-2997-48D8-812E-7BAC338E4F78}" destId="{C17D5B3E-1B34-4587-8BE7-5EC9B7F39512}" srcOrd="0" destOrd="1" presId="urn:microsoft.com/office/officeart/2005/8/layout/hList1"/>
-    <dgm:cxn modelId="{99B7CAB1-E806-4BC1-9BEF-921ABFCE2122}" type="presOf" srcId="{30AD1400-1EFD-4E3B-9BA3-1591BAC678F6}" destId="{F68F52AD-90B9-4C87-81C1-1DAEF877EA82}" srcOrd="0" destOrd="0" presId="urn:microsoft.com/office/officeart/2005/8/layout/hList1"/>
-    <dgm:cxn modelId="{9972EF04-AF6A-40D7-9AA9-2DDF033A8D38}" srcId="{FF73487B-07B3-434C-AF0B-2A2FE0FABFC8}" destId="{212958FA-086C-4EB4-BF7B-746DAC78AE42}" srcOrd="1" destOrd="0" parTransId="{243B3955-C6FD-41E1-A483-763305BF6994}" sibTransId="{F6CEA319-D6CE-492A-850F-11460440D350}"/>
-    <dgm:cxn modelId="{D98681DE-A0AD-4BE1-823E-8328D2564F2A}" srcId="{C8F018D3-1FCF-438E-841A-FC925D844786}" destId="{30AD1400-1EFD-4E3B-9BA3-1591BAC678F6}" srcOrd="0" destOrd="0" parTransId="{D8892F2B-78B4-4E76-B7E5-B70253DA7A00}" sibTransId="{8FFB5698-11F4-44E7-B046-47A5F0CDB816}"/>
-    <dgm:cxn modelId="{B70C95B7-8595-46F5-9328-EC9D42B67104}" type="presOf" srcId="{895A478F-F1D6-45F3-B6F8-923AA45AB9CA}" destId="{835F3438-D97B-47D6-9375-B950DA2FFC3E}" srcOrd="0" destOrd="0" presId="urn:microsoft.com/office/officeart/2005/8/layout/hList1"/>
-    <dgm:cxn modelId="{8458C98C-1327-46AC-912C-CCECE1D15C83}" srcId="{895A478F-F1D6-45F3-B6F8-923AA45AB9CA}" destId="{C450BF7E-2997-48D8-812E-7BAC338E4F78}" srcOrd="1" destOrd="0" parTransId="{06AC5F8C-7888-4023-BC7F-E694F0C595D2}" sibTransId="{30375C79-BB4F-4F84-B372-63962614C94E}"/>
-    <dgm:cxn modelId="{E449B270-810A-4006-9C48-6D0FCDD1F443}" srcId="{FF73487B-07B3-434C-AF0B-2A2FE0FABFC8}" destId="{43F55B91-1B6A-4DBB-AE03-A8BA9022E2AA}" srcOrd="0" destOrd="0" parTransId="{71B1A030-1904-45E8-A31F-11EADE48AEE7}" sibTransId="{216B57A7-81A3-49A5-93DA-1F8D0698770B}"/>
-    <dgm:cxn modelId="{15B0B38D-2AA0-492F-BA6C-6246DBE344D3}" type="presOf" srcId="{C8F018D3-1FCF-438E-841A-FC925D844786}" destId="{B918A818-DFA1-4A56-824C-2C4E4B5366A7}" srcOrd="0" destOrd="0" presId="urn:microsoft.com/office/officeart/2005/8/layout/hList1"/>
-    <dgm:cxn modelId="{4CF50C15-3FF4-4045-AAAF-B94267EECA13}" srcId="{72BD426D-4C5A-4BDC-AB8F-77CF1C955887}" destId="{98CE530E-73D3-412C-A05A-67CC704C8484}" srcOrd="1" destOrd="0" parTransId="{DA63CEE4-FE47-4C85-82ED-3988856A1C80}" sibTransId="{AAE51DD5-F3EC-4EF6-8A03-C1EFF2594E76}"/>
-    <dgm:cxn modelId="{835AFFD7-C43E-4FD5-87C8-425D5218FC08}" type="presOf" srcId="{43F55B91-1B6A-4DBB-AE03-A8BA9022E2AA}" destId="{920B049E-1B5D-4C36-BE7E-C4FCA277047E}" srcOrd="0" destOrd="0" presId="urn:microsoft.com/office/officeart/2005/8/layout/hList1"/>
-    <dgm:cxn modelId="{A746ACC7-77EB-464E-A4E6-D96D5169F827}" srcId="{E189785E-500D-4C7E-A548-FCBED615C2D0}" destId="{FF73487B-07B3-434C-AF0B-2A2FE0FABFC8}" srcOrd="2" destOrd="0" parTransId="{102E82C6-E4F2-42FB-BE80-7ACBC0FFC533}" sibTransId="{24363703-06CF-4858-AA9C-50A052991A6F}"/>
-    <dgm:cxn modelId="{677137D0-4502-4002-B0F7-992EA1B5F887}" srcId="{E189785E-500D-4C7E-A548-FCBED615C2D0}" destId="{C8F018D3-1FCF-438E-841A-FC925D844786}" srcOrd="0" destOrd="0" parTransId="{6A9F618B-757A-44A3-89BE-F53B531A5F4D}" sibTransId="{58464D9C-459B-4876-A90A-DFD54522F80C}"/>
     <dgm:cxn modelId="{51DF8FA8-1670-4B0C-97CD-8924F37E7BE6}" type="presOf" srcId="{72BD426D-4C5A-4BDC-AB8F-77CF1C955887}" destId="{5D05F1D5-F814-43B9-B569-D8131C3AF0C0}" srcOrd="0" destOrd="0" presId="urn:microsoft.com/office/officeart/2005/8/layout/hList1"/>
-    <dgm:cxn modelId="{AD02B561-881D-46D6-BBBB-D2B74993AF2C}" type="presOf" srcId="{98CE530E-73D3-412C-A05A-67CC704C8484}" destId="{1E46AB9C-27F4-4450-B3F7-5965C96C9787}" srcOrd="0" destOrd="1" presId="urn:microsoft.com/office/officeart/2005/8/layout/hList1"/>
-    <dgm:cxn modelId="{DCBBD8F4-0823-4A2C-AFB3-9C8B1C514144}" type="presOf" srcId="{E189785E-500D-4C7E-A548-FCBED615C2D0}" destId="{CF9A98E2-FB6D-46A3-B91A-2C9595A881D8}" srcOrd="0" destOrd="0" presId="urn:microsoft.com/office/officeart/2005/8/layout/hList1"/>
-    <dgm:cxn modelId="{DF275B63-08C5-4BCE-9B66-EB7441C0B156}" type="presOf" srcId="{3E5D0BD5-B682-4B92-B948-30473B69793E}" destId="{1E46AB9C-27F4-4450-B3F7-5965C96C9787}" srcOrd="0" destOrd="0" presId="urn:microsoft.com/office/officeart/2005/8/layout/hList1"/>
-    <dgm:cxn modelId="{10453ECF-B2B2-40E1-AD1B-91AF9C5FF6C6}" type="presOf" srcId="{212958FA-086C-4EB4-BF7B-746DAC78AE42}" destId="{920B049E-1B5D-4C36-BE7E-C4FCA277047E}" srcOrd="0" destOrd="1" presId="urn:microsoft.com/office/officeart/2005/8/layout/hList1"/>
-    <dgm:cxn modelId="{1F4B482A-51A9-42EC-BB79-C0931E04157F}" srcId="{72BD426D-4C5A-4BDC-AB8F-77CF1C955887}" destId="{3E5D0BD5-B682-4B92-B948-30473B69793E}" srcOrd="0" destOrd="0" parTransId="{5B7A0A61-182D-4D94-8577-F7B93A444293}" sibTransId="{4353112C-966C-4A7E-9CDC-9331DD9B9D5C}"/>
-    <dgm:cxn modelId="{19B85FC5-04FB-4958-838A-581BCC14013A}" type="presOf" srcId="{FF73487B-07B3-434C-AF0B-2A2FE0FABFC8}" destId="{0BC18BEA-D2B9-4B6C-AEB4-D097C9F6F80F}" srcOrd="0" destOrd="0" presId="urn:microsoft.com/office/officeart/2005/8/layout/hList1"/>
-    <dgm:cxn modelId="{42A71E8D-9F02-4199-876C-2CFA48542EA1}" srcId="{E189785E-500D-4C7E-A548-FCBED615C2D0}" destId="{895A478F-F1D6-45F3-B6F8-923AA45AB9CA}" srcOrd="1" destOrd="0" parTransId="{CF99EECC-41DF-4AF8-8657-680B09427E6C}" sibTransId="{4EDAB12E-D71A-4D4D-9C9E-204F4CC2A7EE}"/>
     <dgm:cxn modelId="{BC49C7E8-5CDE-4090-A8B4-45356A831BEE}" type="presParOf" srcId="{CF9A98E2-FB6D-46A3-B91A-2C9595A881D8}" destId="{B1031FF4-A5D0-41B5-9F77-0C9218328794}" srcOrd="0" destOrd="0" presId="urn:microsoft.com/office/officeart/2005/8/layout/hList1"/>
     <dgm:cxn modelId="{C8DF83B9-9D7A-46A1-8B29-804866961A0A}" type="presParOf" srcId="{B1031FF4-A5D0-41B5-9F77-0C9218328794}" destId="{B918A818-DFA1-4A56-824C-2C4E4B5366A7}" srcOrd="0" destOrd="0" presId="urn:microsoft.com/office/officeart/2005/8/layout/hList1"/>
     <dgm:cxn modelId="{8A75A320-A0D1-4131-8B4C-E8646A0CB2CF}" type="presParOf" srcId="{B1031FF4-A5D0-41B5-9F77-0C9218328794}" destId="{F68F52AD-90B9-4C87-81C1-1DAEF877EA82}" srcOrd="1" destOrd="0" presId="urn:microsoft.com/office/officeart/2005/8/layout/hList1"/>
@@ -4784,6 +5559,556 @@
     <dgm:cxn modelId="{4D3B7EF0-07E7-4652-9F92-2F2D54A2F79B}" type="presParOf" srcId="{CF9A98E2-FB6D-46A3-B91A-2C9595A881D8}" destId="{0BD41EAF-3ED5-44D7-9FFE-FE09B71C5909}" srcOrd="6" destOrd="0" presId="urn:microsoft.com/office/officeart/2005/8/layout/hList1"/>
     <dgm:cxn modelId="{742A56F0-8AA3-41A7-AA5B-16892F66ED8A}" type="presParOf" srcId="{0BD41EAF-3ED5-44D7-9FFE-FE09B71C5909}" destId="{5D05F1D5-F814-43B9-B569-D8131C3AF0C0}" srcOrd="0" destOrd="0" presId="urn:microsoft.com/office/officeart/2005/8/layout/hList1"/>
     <dgm:cxn modelId="{3E69B38A-5667-4D6D-97E8-FEA5E6676E38}" type="presParOf" srcId="{0BD41EAF-3ED5-44D7-9FFE-FE09B71C5909}" destId="{1E46AB9C-27F4-4450-B3F7-5965C96C9787}" srcOrd="1" destOrd="0" presId="urn:microsoft.com/office/officeart/2005/8/layout/hList1"/>
+  </dgm:cxnLst>
+  <dgm:bg/>
+  <dgm:whole/>
+  <dgm:extLst>
+    <a:ext uri="http://schemas.microsoft.com/office/drawing/2008/diagram">
+      <dsp:dataModelExt xmlns:dsp="http://schemas.microsoft.com/office/drawing/2008/diagram" relId="rId6" minVer="http://schemas.openxmlformats.org/drawingml/2006/diagram"/>
+    </a:ext>
+  </dgm:extLst>
+</dgm:dataModel>
+</file>
+
+<file path=ppt/diagrams/data4.xml><?xml version="1.0" encoding="utf-8"?>
+<dgm:dataModel xmlns:dgm="http://schemas.openxmlformats.org/drawingml/2006/diagram" xmlns:a="http://schemas.openxmlformats.org/drawingml/2006/main">
+  <dgm:ptLst>
+    <dgm:pt modelId="{E189785E-500D-4C7E-A548-FCBED615C2D0}" type="doc">
+      <dgm:prSet loTypeId="urn:microsoft.com/office/officeart/2005/8/layout/hList1" loCatId="list" qsTypeId="urn:microsoft.com/office/officeart/2005/8/quickstyle/3d1" qsCatId="3D" csTypeId="urn:microsoft.com/office/officeart/2005/8/colors/accent1_2" csCatId="accent1" phldr="1"/>
+      <dgm:spPr/>
+      <dgm:t>
+        <a:bodyPr/>
+        <a:lstStyle/>
+        <a:p>
+          <a:endParaRPr lang="en-US"/>
+        </a:p>
+      </dgm:t>
+    </dgm:pt>
+    <dgm:pt modelId="{C8F018D3-1FCF-438E-841A-FC925D844786}">
+      <dgm:prSet phldrT="[Text]">
+        <dgm:style>
+          <a:lnRef idx="0">
+            <a:schemeClr val="accent4"/>
+          </a:lnRef>
+          <a:fillRef idx="3">
+            <a:schemeClr val="accent4"/>
+          </a:fillRef>
+          <a:effectRef idx="3">
+            <a:schemeClr val="accent4"/>
+          </a:effectRef>
+          <a:fontRef idx="minor">
+            <a:schemeClr val="lt1"/>
+          </a:fontRef>
+        </dgm:style>
+      </dgm:prSet>
+      <dgm:spPr/>
+      <dgm:t>
+        <a:bodyPr/>
+        <a:lstStyle/>
+        <a:p>
+          <a:r>
+            <a:rPr lang="en-US" dirty="0" err="1"/>
+            <a:t>A.Jar</a:t>
+          </a:r>
+          <a:endParaRPr lang="en-US" dirty="0"/>
+        </a:p>
+      </dgm:t>
+    </dgm:pt>
+    <dgm:pt modelId="{6A9F618B-757A-44A3-89BE-F53B531A5F4D}" type="parTrans" cxnId="{677137D0-4502-4002-B0F7-992EA1B5F887}">
+      <dgm:prSet/>
+      <dgm:spPr/>
+      <dgm:t>
+        <a:bodyPr/>
+        <a:lstStyle/>
+        <a:p>
+          <a:endParaRPr lang="en-US"/>
+        </a:p>
+      </dgm:t>
+    </dgm:pt>
+    <dgm:pt modelId="{58464D9C-459B-4876-A90A-DFD54522F80C}" type="sibTrans" cxnId="{677137D0-4502-4002-B0F7-992EA1B5F887}">
+      <dgm:prSet/>
+      <dgm:spPr/>
+      <dgm:t>
+        <a:bodyPr/>
+        <a:lstStyle/>
+        <a:p>
+          <a:endParaRPr lang="en-US"/>
+        </a:p>
+      </dgm:t>
+    </dgm:pt>
+    <dgm:pt modelId="{895A478F-F1D6-45F3-B6F8-923AA45AB9CA}">
+      <dgm:prSet phldrT="[Text]">
+        <dgm:style>
+          <a:lnRef idx="0">
+            <a:schemeClr val="accent4"/>
+          </a:lnRef>
+          <a:fillRef idx="3">
+            <a:schemeClr val="accent4"/>
+          </a:fillRef>
+          <a:effectRef idx="3">
+            <a:schemeClr val="accent4"/>
+          </a:effectRef>
+          <a:fontRef idx="minor">
+            <a:schemeClr val="lt1"/>
+          </a:fontRef>
+        </dgm:style>
+      </dgm:prSet>
+      <dgm:spPr/>
+      <dgm:t>
+        <a:bodyPr/>
+        <a:lstStyle/>
+        <a:p>
+          <a:r>
+            <a:rPr lang="en-US" dirty="0" err="1"/>
+            <a:t>B.Jar</a:t>
+          </a:r>
+          <a:endParaRPr lang="en-US" dirty="0"/>
+        </a:p>
+      </dgm:t>
+    </dgm:pt>
+    <dgm:pt modelId="{CF99EECC-41DF-4AF8-8657-680B09427E6C}" type="parTrans" cxnId="{42A71E8D-9F02-4199-876C-2CFA48542EA1}">
+      <dgm:prSet/>
+      <dgm:spPr/>
+      <dgm:t>
+        <a:bodyPr/>
+        <a:lstStyle/>
+        <a:p>
+          <a:endParaRPr lang="en-US"/>
+        </a:p>
+      </dgm:t>
+    </dgm:pt>
+    <dgm:pt modelId="{4EDAB12E-D71A-4D4D-9C9E-204F4CC2A7EE}" type="sibTrans" cxnId="{42A71E8D-9F02-4199-876C-2CFA48542EA1}">
+      <dgm:prSet/>
+      <dgm:spPr/>
+      <dgm:t>
+        <a:bodyPr/>
+        <a:lstStyle/>
+        <a:p>
+          <a:endParaRPr lang="en-US"/>
+        </a:p>
+      </dgm:t>
+    </dgm:pt>
+    <dgm:pt modelId="{FF73487B-07B3-434C-AF0B-2A2FE0FABFC8}">
+      <dgm:prSet phldrT="[Text]">
+        <dgm:style>
+          <a:lnRef idx="0">
+            <a:schemeClr val="accent1"/>
+          </a:lnRef>
+          <a:fillRef idx="3">
+            <a:schemeClr val="accent1"/>
+          </a:fillRef>
+          <a:effectRef idx="3">
+            <a:schemeClr val="accent1"/>
+          </a:effectRef>
+          <a:fontRef idx="minor">
+            <a:schemeClr val="lt1"/>
+          </a:fontRef>
+        </dgm:style>
+      </dgm:prSet>
+      <dgm:spPr/>
+      <dgm:t>
+        <a:bodyPr/>
+        <a:lstStyle/>
+        <a:p>
+          <a:r>
+            <a:rPr lang="en-US" dirty="0"/>
+            <a:t>log4j.Jar</a:t>
+          </a:r>
+        </a:p>
+      </dgm:t>
+    </dgm:pt>
+    <dgm:pt modelId="{102E82C6-E4F2-42FB-BE80-7ACBC0FFC533}" type="parTrans" cxnId="{A746ACC7-77EB-464E-A4E6-D96D5169F827}">
+      <dgm:prSet/>
+      <dgm:spPr/>
+      <dgm:t>
+        <a:bodyPr/>
+        <a:lstStyle/>
+        <a:p>
+          <a:endParaRPr lang="en-US"/>
+        </a:p>
+      </dgm:t>
+    </dgm:pt>
+    <dgm:pt modelId="{24363703-06CF-4858-AA9C-50A052991A6F}" type="sibTrans" cxnId="{A746ACC7-77EB-464E-A4E6-D96D5169F827}">
+      <dgm:prSet/>
+      <dgm:spPr/>
+      <dgm:t>
+        <a:bodyPr/>
+        <a:lstStyle/>
+        <a:p>
+          <a:endParaRPr lang="en-US"/>
+        </a:p>
+      </dgm:t>
+    </dgm:pt>
+    <dgm:pt modelId="{30AD1400-1EFD-4E3B-9BA3-1591BAC678F6}">
+      <dgm:prSet phldrT="[Text]">
+        <dgm:style>
+          <a:lnRef idx="2">
+            <a:schemeClr val="accent1"/>
+          </a:lnRef>
+          <a:fillRef idx="1">
+            <a:schemeClr val="lt1"/>
+          </a:fillRef>
+          <a:effectRef idx="0">
+            <a:schemeClr val="accent1"/>
+          </a:effectRef>
+          <a:fontRef idx="minor">
+            <a:schemeClr val="dk1"/>
+          </a:fontRef>
+        </dgm:style>
+      </dgm:prSet>
+      <dgm:spPr/>
+      <dgm:t>
+        <a:bodyPr/>
+        <a:lstStyle/>
+        <a:p>
+          <a:r>
+            <a:rPr lang="en-US" dirty="0"/>
+            <a:t>Anotatedbean.jar</a:t>
+          </a:r>
+        </a:p>
+      </dgm:t>
+    </dgm:pt>
+    <dgm:pt modelId="{D8892F2B-78B4-4E76-B7E5-B70253DA7A00}" type="parTrans" cxnId="{D98681DE-A0AD-4BE1-823E-8328D2564F2A}">
+      <dgm:prSet/>
+      <dgm:spPr/>
+      <dgm:t>
+        <a:bodyPr/>
+        <a:lstStyle/>
+        <a:p>
+          <a:endParaRPr lang="en-US"/>
+        </a:p>
+      </dgm:t>
+    </dgm:pt>
+    <dgm:pt modelId="{8FFB5698-11F4-44E7-B046-47A5F0CDB816}" type="sibTrans" cxnId="{D98681DE-A0AD-4BE1-823E-8328D2564F2A}">
+      <dgm:prSet/>
+      <dgm:spPr/>
+      <dgm:t>
+        <a:bodyPr/>
+        <a:lstStyle/>
+        <a:p>
+          <a:endParaRPr lang="en-US"/>
+        </a:p>
+      </dgm:t>
+    </dgm:pt>
+    <dgm:pt modelId="{57C98617-1757-4D56-AF8B-8856079DC1C3}">
+      <dgm:prSet phldrT="[Text]">
+        <dgm:style>
+          <a:lnRef idx="2">
+            <a:schemeClr val="accent1"/>
+          </a:lnRef>
+          <a:fillRef idx="1">
+            <a:schemeClr val="lt1"/>
+          </a:fillRef>
+          <a:effectRef idx="0">
+            <a:schemeClr val="accent1"/>
+          </a:effectRef>
+          <a:fontRef idx="minor">
+            <a:schemeClr val="dk1"/>
+          </a:fontRef>
+        </dgm:style>
+      </dgm:prSet>
+      <dgm:spPr/>
+      <dgm:t>
+        <a:bodyPr/>
+        <a:lstStyle/>
+        <a:p>
+          <a:r>
+            <a:rPr lang="en-US" dirty="0" err="1"/>
+            <a:t>NoAnnotatedBean.class</a:t>
+          </a:r>
+          <a:endParaRPr lang="en-US" dirty="0"/>
+        </a:p>
+      </dgm:t>
+    </dgm:pt>
+    <dgm:pt modelId="{AE6CAEFB-F575-4A2C-91B6-E2294072731E}" type="parTrans" cxnId="{ACD61908-2FFE-4141-8DDD-ACE955A63E24}">
+      <dgm:prSet/>
+      <dgm:spPr/>
+      <dgm:t>
+        <a:bodyPr/>
+        <a:lstStyle/>
+        <a:p>
+          <a:endParaRPr lang="en-US"/>
+        </a:p>
+      </dgm:t>
+    </dgm:pt>
+    <dgm:pt modelId="{1836FD4D-27AD-48C3-987D-5FEAC5F982B8}" type="sibTrans" cxnId="{ACD61908-2FFE-4141-8DDD-ACE955A63E24}">
+      <dgm:prSet/>
+      <dgm:spPr/>
+      <dgm:t>
+        <a:bodyPr/>
+        <a:lstStyle/>
+        <a:p>
+          <a:endParaRPr lang="en-US"/>
+        </a:p>
+      </dgm:t>
+    </dgm:pt>
+    <dgm:pt modelId="{C450BF7E-2997-48D8-812E-7BAC338E4F78}">
+      <dgm:prSet phldrT="[Text]">
+        <dgm:style>
+          <a:lnRef idx="2">
+            <a:schemeClr val="accent1"/>
+          </a:lnRef>
+          <a:fillRef idx="1">
+            <a:schemeClr val="lt1"/>
+          </a:fillRef>
+          <a:effectRef idx="0">
+            <a:schemeClr val="accent1"/>
+          </a:effectRef>
+          <a:fontRef idx="minor">
+            <a:schemeClr val="dk1"/>
+          </a:fontRef>
+        </dgm:style>
+      </dgm:prSet>
+      <dgm:spPr/>
+      <dgm:t>
+        <a:bodyPr/>
+        <a:lstStyle/>
+        <a:p>
+          <a:r>
+            <a:rPr lang="en-US" dirty="0"/>
+            <a:t>Beans.xml = ALL</a:t>
+          </a:r>
+        </a:p>
+      </dgm:t>
+    </dgm:pt>
+    <dgm:pt modelId="{06AC5F8C-7888-4023-BC7F-E694F0C595D2}" type="parTrans" cxnId="{8458C98C-1327-46AC-912C-CCECE1D15C83}">
+      <dgm:prSet/>
+      <dgm:spPr/>
+      <dgm:t>
+        <a:bodyPr/>
+        <a:lstStyle/>
+        <a:p>
+          <a:endParaRPr lang="en-US"/>
+        </a:p>
+      </dgm:t>
+    </dgm:pt>
+    <dgm:pt modelId="{30375C79-BB4F-4F84-B372-63962614C94E}" type="sibTrans" cxnId="{8458C98C-1327-46AC-912C-CCECE1D15C83}">
+      <dgm:prSet/>
+      <dgm:spPr/>
+      <dgm:t>
+        <a:bodyPr/>
+        <a:lstStyle/>
+        <a:p>
+          <a:endParaRPr lang="en-US"/>
+        </a:p>
+      </dgm:t>
+    </dgm:pt>
+    <dgm:pt modelId="{43F55B91-1B6A-4DBB-AE03-A8BA9022E2AA}">
+      <dgm:prSet phldrT="[Text]">
+        <dgm:style>
+          <a:lnRef idx="2">
+            <a:schemeClr val="accent1"/>
+          </a:lnRef>
+          <a:fillRef idx="1">
+            <a:schemeClr val="lt1"/>
+          </a:fillRef>
+          <a:effectRef idx="0">
+            <a:schemeClr val="accent1"/>
+          </a:effectRef>
+          <a:fontRef idx="minor">
+            <a:schemeClr val="dk1"/>
+          </a:fontRef>
+        </dgm:style>
+      </dgm:prSet>
+      <dgm:spPr/>
+      <dgm:t>
+        <a:bodyPr/>
+        <a:lstStyle/>
+        <a:p>
+          <a:r>
+            <a:rPr lang="en-US" dirty="0"/>
+            <a:t>No annotated beans</a:t>
+          </a:r>
+        </a:p>
+      </dgm:t>
+    </dgm:pt>
+    <dgm:pt modelId="{216B57A7-81A3-49A5-93DA-1F8D0698770B}" type="sibTrans" cxnId="{E449B270-810A-4006-9C48-6D0FCDD1F443}">
+      <dgm:prSet/>
+      <dgm:spPr/>
+      <dgm:t>
+        <a:bodyPr/>
+        <a:lstStyle/>
+        <a:p>
+          <a:endParaRPr lang="en-US"/>
+        </a:p>
+      </dgm:t>
+    </dgm:pt>
+    <dgm:pt modelId="{71B1A030-1904-45E8-A31F-11EADE48AEE7}" type="parTrans" cxnId="{E449B270-810A-4006-9C48-6D0FCDD1F443}">
+      <dgm:prSet/>
+      <dgm:spPr/>
+      <dgm:t>
+        <a:bodyPr/>
+        <a:lstStyle/>
+        <a:p>
+          <a:endParaRPr lang="en-US"/>
+        </a:p>
+      </dgm:t>
+    </dgm:pt>
+    <dgm:pt modelId="{212958FA-086C-4EB4-BF7B-746DAC78AE42}">
+      <dgm:prSet phldrT="[Text]">
+        <dgm:style>
+          <a:lnRef idx="2">
+            <a:schemeClr val="accent1"/>
+          </a:lnRef>
+          <a:fillRef idx="1">
+            <a:schemeClr val="lt1"/>
+          </a:fillRef>
+          <a:effectRef idx="0">
+            <a:schemeClr val="accent1"/>
+          </a:effectRef>
+          <a:fontRef idx="minor">
+            <a:schemeClr val="dk1"/>
+          </a:fontRef>
+        </dgm:style>
+      </dgm:prSet>
+      <dgm:spPr/>
+      <dgm:t>
+        <a:bodyPr/>
+        <a:lstStyle/>
+        <a:p>
+          <a:r>
+            <a:rPr lang="en-US" dirty="0"/>
+            <a:t>No bean.xml</a:t>
+          </a:r>
+        </a:p>
+      </dgm:t>
+    </dgm:pt>
+    <dgm:pt modelId="{F6CEA319-D6CE-492A-850F-11460440D350}" type="sibTrans" cxnId="{9972EF04-AF6A-40D7-9AA9-2DDF033A8D38}">
+      <dgm:prSet/>
+      <dgm:spPr/>
+      <dgm:t>
+        <a:bodyPr/>
+        <a:lstStyle/>
+        <a:p>
+          <a:endParaRPr lang="en-US"/>
+        </a:p>
+      </dgm:t>
+    </dgm:pt>
+    <dgm:pt modelId="{243B3955-C6FD-41E1-A483-763305BF6994}" type="parTrans" cxnId="{9972EF04-AF6A-40D7-9AA9-2DDF033A8D38}">
+      <dgm:prSet/>
+      <dgm:spPr/>
+      <dgm:t>
+        <a:bodyPr/>
+        <a:lstStyle/>
+        <a:p>
+          <a:endParaRPr lang="en-US"/>
+        </a:p>
+      </dgm:t>
+    </dgm:pt>
+    <dgm:pt modelId="{CF9A98E2-FB6D-46A3-B91A-2C9595A881D8}" type="pres">
+      <dgm:prSet presAssocID="{E189785E-500D-4C7E-A548-FCBED615C2D0}" presName="Name0" presStyleCnt="0">
+        <dgm:presLayoutVars>
+          <dgm:dir/>
+          <dgm:animLvl val="lvl"/>
+          <dgm:resizeHandles val="exact"/>
+        </dgm:presLayoutVars>
+      </dgm:prSet>
+      <dgm:spPr/>
+    </dgm:pt>
+    <dgm:pt modelId="{B1031FF4-A5D0-41B5-9F77-0C9218328794}" type="pres">
+      <dgm:prSet presAssocID="{C8F018D3-1FCF-438E-841A-FC925D844786}" presName="composite" presStyleCnt="0"/>
+      <dgm:spPr/>
+    </dgm:pt>
+    <dgm:pt modelId="{B918A818-DFA1-4A56-824C-2C4E4B5366A7}" type="pres">
+      <dgm:prSet presAssocID="{C8F018D3-1FCF-438E-841A-FC925D844786}" presName="parTx" presStyleLbl="alignNode1" presStyleIdx="0" presStyleCnt="3">
+        <dgm:presLayoutVars>
+          <dgm:chMax val="0"/>
+          <dgm:chPref val="0"/>
+          <dgm:bulletEnabled val="1"/>
+        </dgm:presLayoutVars>
+      </dgm:prSet>
+      <dgm:spPr/>
+    </dgm:pt>
+    <dgm:pt modelId="{F68F52AD-90B9-4C87-81C1-1DAEF877EA82}" type="pres">
+      <dgm:prSet presAssocID="{C8F018D3-1FCF-438E-841A-FC925D844786}" presName="desTx" presStyleLbl="alignAccFollowNode1" presStyleIdx="0" presStyleCnt="3">
+        <dgm:presLayoutVars>
+          <dgm:bulletEnabled val="1"/>
+        </dgm:presLayoutVars>
+      </dgm:prSet>
+      <dgm:spPr/>
+    </dgm:pt>
+    <dgm:pt modelId="{3B5B1837-A604-47A3-9C89-EDBE4F004605}" type="pres">
+      <dgm:prSet presAssocID="{58464D9C-459B-4876-A90A-DFD54522F80C}" presName="space" presStyleCnt="0"/>
+      <dgm:spPr/>
+    </dgm:pt>
+    <dgm:pt modelId="{5FB22294-3F11-4A1C-B3B6-E9E80B3CF53E}" type="pres">
+      <dgm:prSet presAssocID="{895A478F-F1D6-45F3-B6F8-923AA45AB9CA}" presName="composite" presStyleCnt="0"/>
+      <dgm:spPr/>
+    </dgm:pt>
+    <dgm:pt modelId="{835F3438-D97B-47D6-9375-B950DA2FFC3E}" type="pres">
+      <dgm:prSet presAssocID="{895A478F-F1D6-45F3-B6F8-923AA45AB9CA}" presName="parTx" presStyleLbl="alignNode1" presStyleIdx="1" presStyleCnt="3">
+        <dgm:presLayoutVars>
+          <dgm:chMax val="0"/>
+          <dgm:chPref val="0"/>
+          <dgm:bulletEnabled val="1"/>
+        </dgm:presLayoutVars>
+      </dgm:prSet>
+      <dgm:spPr/>
+    </dgm:pt>
+    <dgm:pt modelId="{C17D5B3E-1B34-4587-8BE7-5EC9B7F39512}" type="pres">
+      <dgm:prSet presAssocID="{895A478F-F1D6-45F3-B6F8-923AA45AB9CA}" presName="desTx" presStyleLbl="alignAccFollowNode1" presStyleIdx="1" presStyleCnt="3">
+        <dgm:presLayoutVars>
+          <dgm:bulletEnabled val="1"/>
+        </dgm:presLayoutVars>
+      </dgm:prSet>
+      <dgm:spPr/>
+    </dgm:pt>
+    <dgm:pt modelId="{1CFC193D-88E5-482D-A26D-72DD35CADEDD}" type="pres">
+      <dgm:prSet presAssocID="{4EDAB12E-D71A-4D4D-9C9E-204F4CC2A7EE}" presName="space" presStyleCnt="0"/>
+      <dgm:spPr/>
+    </dgm:pt>
+    <dgm:pt modelId="{29DBDD14-3E20-4128-AD86-3945532E3337}" type="pres">
+      <dgm:prSet presAssocID="{FF73487B-07B3-434C-AF0B-2A2FE0FABFC8}" presName="composite" presStyleCnt="0"/>
+      <dgm:spPr/>
+    </dgm:pt>
+    <dgm:pt modelId="{0BC18BEA-D2B9-4B6C-AEB4-D097C9F6F80F}" type="pres">
+      <dgm:prSet presAssocID="{FF73487B-07B3-434C-AF0B-2A2FE0FABFC8}" presName="parTx" presStyleLbl="alignNode1" presStyleIdx="2" presStyleCnt="3">
+        <dgm:presLayoutVars>
+          <dgm:chMax val="0"/>
+          <dgm:chPref val="0"/>
+          <dgm:bulletEnabled val="1"/>
+        </dgm:presLayoutVars>
+      </dgm:prSet>
+      <dgm:spPr/>
+    </dgm:pt>
+    <dgm:pt modelId="{920B049E-1B5D-4C36-BE7E-C4FCA277047E}" type="pres">
+      <dgm:prSet presAssocID="{FF73487B-07B3-434C-AF0B-2A2FE0FABFC8}" presName="desTx" presStyleLbl="alignAccFollowNode1" presStyleIdx="2" presStyleCnt="3">
+        <dgm:presLayoutVars>
+          <dgm:bulletEnabled val="1"/>
+        </dgm:presLayoutVars>
+      </dgm:prSet>
+      <dgm:spPr/>
+    </dgm:pt>
+  </dgm:ptLst>
+  <dgm:cxnLst>
+    <dgm:cxn modelId="{DCBBD8F4-0823-4A2C-AFB3-9C8B1C514144}" type="presOf" srcId="{E189785E-500D-4C7E-A548-FCBED615C2D0}" destId="{CF9A98E2-FB6D-46A3-B91A-2C9595A881D8}" srcOrd="0" destOrd="0" presId="urn:microsoft.com/office/officeart/2005/8/layout/hList1"/>
+    <dgm:cxn modelId="{19B85FC5-04FB-4958-838A-581BCC14013A}" type="presOf" srcId="{FF73487B-07B3-434C-AF0B-2A2FE0FABFC8}" destId="{0BC18BEA-D2B9-4B6C-AEB4-D097C9F6F80F}" srcOrd="0" destOrd="0" presId="urn:microsoft.com/office/officeart/2005/8/layout/hList1"/>
+    <dgm:cxn modelId="{B70C95B7-8595-46F5-9328-EC9D42B67104}" type="presOf" srcId="{895A478F-F1D6-45F3-B6F8-923AA45AB9CA}" destId="{835F3438-D97B-47D6-9375-B950DA2FFC3E}" srcOrd="0" destOrd="0" presId="urn:microsoft.com/office/officeart/2005/8/layout/hList1"/>
+    <dgm:cxn modelId="{76D8A507-DE99-4961-9D3D-FB7F383A21AD}" type="presOf" srcId="{C450BF7E-2997-48D8-812E-7BAC338E4F78}" destId="{C17D5B3E-1B34-4587-8BE7-5EC9B7F39512}" srcOrd="0" destOrd="1" presId="urn:microsoft.com/office/officeart/2005/8/layout/hList1"/>
+    <dgm:cxn modelId="{99B7CAB1-E806-4BC1-9BEF-921ABFCE2122}" type="presOf" srcId="{30AD1400-1EFD-4E3B-9BA3-1591BAC678F6}" destId="{F68F52AD-90B9-4C87-81C1-1DAEF877EA82}" srcOrd="0" destOrd="0" presId="urn:microsoft.com/office/officeart/2005/8/layout/hList1"/>
+    <dgm:cxn modelId="{835AFFD7-C43E-4FD5-87C8-425D5218FC08}" type="presOf" srcId="{43F55B91-1B6A-4DBB-AE03-A8BA9022E2AA}" destId="{920B049E-1B5D-4C36-BE7E-C4FCA277047E}" srcOrd="0" destOrd="0" presId="urn:microsoft.com/office/officeart/2005/8/layout/hList1"/>
+    <dgm:cxn modelId="{677137D0-4502-4002-B0F7-992EA1B5F887}" srcId="{E189785E-500D-4C7E-A548-FCBED615C2D0}" destId="{C8F018D3-1FCF-438E-841A-FC925D844786}" srcOrd="0" destOrd="0" parTransId="{6A9F618B-757A-44A3-89BE-F53B531A5F4D}" sibTransId="{58464D9C-459B-4876-A90A-DFD54522F80C}"/>
+    <dgm:cxn modelId="{0D7BBF15-2A89-4D9E-8935-0A8948C31667}" type="presOf" srcId="{57C98617-1757-4D56-AF8B-8856079DC1C3}" destId="{C17D5B3E-1B34-4587-8BE7-5EC9B7F39512}" srcOrd="0" destOrd="0" presId="urn:microsoft.com/office/officeart/2005/8/layout/hList1"/>
+    <dgm:cxn modelId="{8458C98C-1327-46AC-912C-CCECE1D15C83}" srcId="{895A478F-F1D6-45F3-B6F8-923AA45AB9CA}" destId="{C450BF7E-2997-48D8-812E-7BAC338E4F78}" srcOrd="1" destOrd="0" parTransId="{06AC5F8C-7888-4023-BC7F-E694F0C595D2}" sibTransId="{30375C79-BB4F-4F84-B372-63962614C94E}"/>
+    <dgm:cxn modelId="{A746ACC7-77EB-464E-A4E6-D96D5169F827}" srcId="{E189785E-500D-4C7E-A548-FCBED615C2D0}" destId="{FF73487B-07B3-434C-AF0B-2A2FE0FABFC8}" srcOrd="2" destOrd="0" parTransId="{102E82C6-E4F2-42FB-BE80-7ACBC0FFC533}" sibTransId="{24363703-06CF-4858-AA9C-50A052991A6F}"/>
+    <dgm:cxn modelId="{10453ECF-B2B2-40E1-AD1B-91AF9C5FF6C6}" type="presOf" srcId="{212958FA-086C-4EB4-BF7B-746DAC78AE42}" destId="{920B049E-1B5D-4C36-BE7E-C4FCA277047E}" srcOrd="0" destOrd="1" presId="urn:microsoft.com/office/officeart/2005/8/layout/hList1"/>
+    <dgm:cxn modelId="{ACD61908-2FFE-4141-8DDD-ACE955A63E24}" srcId="{895A478F-F1D6-45F3-B6F8-923AA45AB9CA}" destId="{57C98617-1757-4D56-AF8B-8856079DC1C3}" srcOrd="0" destOrd="0" parTransId="{AE6CAEFB-F575-4A2C-91B6-E2294072731E}" sibTransId="{1836FD4D-27AD-48C3-987D-5FEAC5F982B8}"/>
+    <dgm:cxn modelId="{15B0B38D-2AA0-492F-BA6C-6246DBE344D3}" type="presOf" srcId="{C8F018D3-1FCF-438E-841A-FC925D844786}" destId="{B918A818-DFA1-4A56-824C-2C4E4B5366A7}" srcOrd="0" destOrd="0" presId="urn:microsoft.com/office/officeart/2005/8/layout/hList1"/>
+    <dgm:cxn modelId="{D98681DE-A0AD-4BE1-823E-8328D2564F2A}" srcId="{C8F018D3-1FCF-438E-841A-FC925D844786}" destId="{30AD1400-1EFD-4E3B-9BA3-1591BAC678F6}" srcOrd="0" destOrd="0" parTransId="{D8892F2B-78B4-4E76-B7E5-B70253DA7A00}" sibTransId="{8FFB5698-11F4-44E7-B046-47A5F0CDB816}"/>
+    <dgm:cxn modelId="{9972EF04-AF6A-40D7-9AA9-2DDF033A8D38}" srcId="{FF73487B-07B3-434C-AF0B-2A2FE0FABFC8}" destId="{212958FA-086C-4EB4-BF7B-746DAC78AE42}" srcOrd="1" destOrd="0" parTransId="{243B3955-C6FD-41E1-A483-763305BF6994}" sibTransId="{F6CEA319-D6CE-492A-850F-11460440D350}"/>
+    <dgm:cxn modelId="{42A71E8D-9F02-4199-876C-2CFA48542EA1}" srcId="{E189785E-500D-4C7E-A548-FCBED615C2D0}" destId="{895A478F-F1D6-45F3-B6F8-923AA45AB9CA}" srcOrd="1" destOrd="0" parTransId="{CF99EECC-41DF-4AF8-8657-680B09427E6C}" sibTransId="{4EDAB12E-D71A-4D4D-9C9E-204F4CC2A7EE}"/>
+    <dgm:cxn modelId="{E449B270-810A-4006-9C48-6D0FCDD1F443}" srcId="{FF73487B-07B3-434C-AF0B-2A2FE0FABFC8}" destId="{43F55B91-1B6A-4DBB-AE03-A8BA9022E2AA}" srcOrd="0" destOrd="0" parTransId="{71B1A030-1904-45E8-A31F-11EADE48AEE7}" sibTransId="{216B57A7-81A3-49A5-93DA-1F8D0698770B}"/>
+    <dgm:cxn modelId="{BC49C7E8-5CDE-4090-A8B4-45356A831BEE}" type="presParOf" srcId="{CF9A98E2-FB6D-46A3-B91A-2C9595A881D8}" destId="{B1031FF4-A5D0-41B5-9F77-0C9218328794}" srcOrd="0" destOrd="0" presId="urn:microsoft.com/office/officeart/2005/8/layout/hList1"/>
+    <dgm:cxn modelId="{C8DF83B9-9D7A-46A1-8B29-804866961A0A}" type="presParOf" srcId="{B1031FF4-A5D0-41B5-9F77-0C9218328794}" destId="{B918A818-DFA1-4A56-824C-2C4E4B5366A7}" srcOrd="0" destOrd="0" presId="urn:microsoft.com/office/officeart/2005/8/layout/hList1"/>
+    <dgm:cxn modelId="{8A75A320-A0D1-4131-8B4C-E8646A0CB2CF}" type="presParOf" srcId="{B1031FF4-A5D0-41B5-9F77-0C9218328794}" destId="{F68F52AD-90B9-4C87-81C1-1DAEF877EA82}" srcOrd="1" destOrd="0" presId="urn:microsoft.com/office/officeart/2005/8/layout/hList1"/>
+    <dgm:cxn modelId="{7C4FED07-B9CC-4E3C-8343-D79AD3C85397}" type="presParOf" srcId="{CF9A98E2-FB6D-46A3-B91A-2C9595A881D8}" destId="{3B5B1837-A604-47A3-9C89-EDBE4F004605}" srcOrd="1" destOrd="0" presId="urn:microsoft.com/office/officeart/2005/8/layout/hList1"/>
+    <dgm:cxn modelId="{528E1CBF-B30F-4C0F-AD3E-C8FE6FC3A93F}" type="presParOf" srcId="{CF9A98E2-FB6D-46A3-B91A-2C9595A881D8}" destId="{5FB22294-3F11-4A1C-B3B6-E9E80B3CF53E}" srcOrd="2" destOrd="0" presId="urn:microsoft.com/office/officeart/2005/8/layout/hList1"/>
+    <dgm:cxn modelId="{264CDEAD-9B6A-4BF7-8A92-CE9B62ADC47E}" type="presParOf" srcId="{5FB22294-3F11-4A1C-B3B6-E9E80B3CF53E}" destId="{835F3438-D97B-47D6-9375-B950DA2FFC3E}" srcOrd="0" destOrd="0" presId="urn:microsoft.com/office/officeart/2005/8/layout/hList1"/>
+    <dgm:cxn modelId="{43BF25B4-A34C-4B7C-8E4F-57A187FBB628}" type="presParOf" srcId="{5FB22294-3F11-4A1C-B3B6-E9E80B3CF53E}" destId="{C17D5B3E-1B34-4587-8BE7-5EC9B7F39512}" srcOrd="1" destOrd="0" presId="urn:microsoft.com/office/officeart/2005/8/layout/hList1"/>
+    <dgm:cxn modelId="{248C2C04-1619-4F94-9F1C-DFD72AB3EA67}" type="presParOf" srcId="{CF9A98E2-FB6D-46A3-B91A-2C9595A881D8}" destId="{1CFC193D-88E5-482D-A26D-72DD35CADEDD}" srcOrd="3" destOrd="0" presId="urn:microsoft.com/office/officeart/2005/8/layout/hList1"/>
+    <dgm:cxn modelId="{47839C6E-0477-4EFE-BFCC-7E1469D2E14A}" type="presParOf" srcId="{CF9A98E2-FB6D-46A3-B91A-2C9595A881D8}" destId="{29DBDD14-3E20-4128-AD86-3945532E3337}" srcOrd="4" destOrd="0" presId="urn:microsoft.com/office/officeart/2005/8/layout/hList1"/>
+    <dgm:cxn modelId="{B222B90F-AF17-4178-9EC3-4CA146B8CD4E}" type="presParOf" srcId="{29DBDD14-3E20-4128-AD86-3945532E3337}" destId="{0BC18BEA-D2B9-4B6C-AEB4-D097C9F6F80F}" srcOrd="0" destOrd="0" presId="urn:microsoft.com/office/officeart/2005/8/layout/hList1"/>
+    <dgm:cxn modelId="{5AB7CE30-64FC-4937-A3C7-46CF03091EE2}" type="presParOf" srcId="{29DBDD14-3E20-4128-AD86-3945532E3337}" destId="{920B049E-1B5D-4C36-BE7E-C4FCA277047E}" srcOrd="1" destOrd="0" presId="urn:microsoft.com/office/officeart/2005/8/layout/hList1"/>
   </dgm:cxnLst>
   <dgm:bg/>
   <dgm:whole/>
@@ -8833,6 +10158,552 @@
 </dsp:drawing>
 </file>
 
+<file path=ppt/diagrams/drawing4.xml><?xml version="1.0" encoding="utf-8"?>
+<dsp:drawing xmlns:dgm="http://schemas.openxmlformats.org/drawingml/2006/diagram" xmlns:dsp="http://schemas.microsoft.com/office/drawing/2008/diagram" xmlns:a="http://schemas.openxmlformats.org/drawingml/2006/main">
+  <dsp:spTree>
+    <dsp:nvGrpSpPr>
+      <dsp:cNvPr id="0" name=""/>
+      <dsp:cNvGrpSpPr/>
+    </dsp:nvGrpSpPr>
+    <dsp:grpSpPr/>
+    <dsp:sp modelId="{B918A818-DFA1-4A56-824C-2C4E4B5366A7}">
+      <dsp:nvSpPr>
+        <dsp:cNvPr id="0" name=""/>
+        <dsp:cNvSpPr/>
+      </dsp:nvSpPr>
+      <dsp:spPr>
+        <a:xfrm>
+          <a:off x="3381" y="1321316"/>
+          <a:ext cx="3296840" cy="547200"/>
+        </a:xfrm>
+        <a:prstGeom prst="rect">
+          <a:avLst/>
+        </a:prstGeom>
+        <a:gradFill rotWithShape="1">
+          <a:gsLst>
+            <a:gs pos="0">
+              <a:schemeClr val="accent4">
+                <a:tint val="96000"/>
+                <a:satMod val="100000"/>
+                <a:lumMod val="104000"/>
+              </a:schemeClr>
+            </a:gs>
+            <a:gs pos="78000">
+              <a:schemeClr val="accent4">
+                <a:shade val="100000"/>
+                <a:satMod val="110000"/>
+                <a:lumMod val="100000"/>
+              </a:schemeClr>
+            </a:gs>
+          </a:gsLst>
+          <a:lin ang="5400000" scaled="0"/>
+        </a:gradFill>
+        <a:ln>
+          <a:noFill/>
+        </a:ln>
+        <a:effectLst>
+          <a:outerShdw blurRad="57150" dist="19050" dir="5400000" algn="ctr" rotWithShape="0">
+            <a:srgbClr val="000000">
+              <a:alpha val="48000"/>
+            </a:srgbClr>
+          </a:outerShdw>
+        </a:effectLst>
+        <a:scene3d>
+          <a:camera prst="orthographicFront"/>
+          <a:lightRig rig="flat" dir="t"/>
+        </a:scene3d>
+        <a:sp3d>
+          <a:bevelT w="50800" h="25400"/>
+        </a:sp3d>
+      </dsp:spPr>
+      <dsp:style>
+        <a:lnRef idx="0">
+          <a:schemeClr val="accent4"/>
+        </a:lnRef>
+        <a:fillRef idx="3">
+          <a:schemeClr val="accent4"/>
+        </a:fillRef>
+        <a:effectRef idx="3">
+          <a:schemeClr val="accent4"/>
+        </a:effectRef>
+        <a:fontRef idx="minor">
+          <a:schemeClr val="lt1"/>
+        </a:fontRef>
+      </dsp:style>
+      <dsp:txBody>
+        <a:bodyPr spcFirstLastPara="0" vert="horz" wrap="square" lIns="135128" tIns="77216" rIns="135128" bIns="77216" numCol="1" spcCol="1270" anchor="ctr" anchorCtr="0">
+          <a:noAutofit/>
+        </a:bodyPr>
+        <a:lstStyle/>
+        <a:p>
+          <a:pPr marL="0" lvl="0" indent="0" algn="ctr" defTabSz="844550">
+            <a:lnSpc>
+              <a:spcPct val="90000"/>
+            </a:lnSpc>
+            <a:spcBef>
+              <a:spcPct val="0"/>
+            </a:spcBef>
+            <a:spcAft>
+              <a:spcPct val="35000"/>
+            </a:spcAft>
+            <a:buNone/>
+          </a:pPr>
+          <a:r>
+            <a:rPr lang="en-US" sz="1900" kern="1200" dirty="0" err="1"/>
+            <a:t>A.Jar</a:t>
+          </a:r>
+          <a:endParaRPr lang="en-US" sz="1900" kern="1200" dirty="0"/>
+        </a:p>
+      </dsp:txBody>
+      <dsp:txXfrm>
+        <a:off x="3381" y="1321316"/>
+        <a:ext cx="3296840" cy="547200"/>
+      </dsp:txXfrm>
+    </dsp:sp>
+    <dsp:sp modelId="{F68F52AD-90B9-4C87-81C1-1DAEF877EA82}">
+      <dsp:nvSpPr>
+        <dsp:cNvPr id="0" name=""/>
+        <dsp:cNvSpPr/>
+      </dsp:nvSpPr>
+      <dsp:spPr>
+        <a:xfrm>
+          <a:off x="3381" y="1868516"/>
+          <a:ext cx="3296840" cy="834480"/>
+        </a:xfrm>
+        <a:prstGeom prst="rect">
+          <a:avLst/>
+        </a:prstGeom>
+        <a:solidFill>
+          <a:schemeClr val="lt1"/>
+        </a:solidFill>
+        <a:ln w="12700" cap="flat" cmpd="sng" algn="ctr">
+          <a:solidFill>
+            <a:schemeClr val="accent1"/>
+          </a:solidFill>
+          <a:prstDash val="solid"/>
+        </a:ln>
+        <a:effectLst/>
+        <a:scene3d>
+          <a:camera prst="orthographicFront"/>
+          <a:lightRig rig="flat" dir="t"/>
+        </a:scene3d>
+        <a:sp3d extrusionH="12700"/>
+      </dsp:spPr>
+      <dsp:style>
+        <a:lnRef idx="2">
+          <a:schemeClr val="accent1"/>
+        </a:lnRef>
+        <a:fillRef idx="1">
+          <a:schemeClr val="lt1"/>
+        </a:fillRef>
+        <a:effectRef idx="0">
+          <a:schemeClr val="accent1"/>
+        </a:effectRef>
+        <a:fontRef idx="minor">
+          <a:schemeClr val="dk1"/>
+        </a:fontRef>
+      </dsp:style>
+      <dsp:txBody>
+        <a:bodyPr spcFirstLastPara="0" vert="horz" wrap="square" lIns="101346" tIns="101346" rIns="135128" bIns="152019" numCol="1" spcCol="1270" anchor="t" anchorCtr="0">
+          <a:noAutofit/>
+        </a:bodyPr>
+        <a:lstStyle/>
+        <a:p>
+          <a:pPr marL="171450" lvl="1" indent="-171450" algn="l" defTabSz="844550">
+            <a:lnSpc>
+              <a:spcPct val="90000"/>
+            </a:lnSpc>
+            <a:spcBef>
+              <a:spcPct val="0"/>
+            </a:spcBef>
+            <a:spcAft>
+              <a:spcPct val="15000"/>
+            </a:spcAft>
+            <a:buChar char="•"/>
+          </a:pPr>
+          <a:r>
+            <a:rPr lang="en-US" sz="1900" kern="1200" dirty="0"/>
+            <a:t>Anotatedbean.jar</a:t>
+          </a:r>
+        </a:p>
+      </dsp:txBody>
+      <dsp:txXfrm>
+        <a:off x="3381" y="1868516"/>
+        <a:ext cx="3296840" cy="834480"/>
+      </dsp:txXfrm>
+    </dsp:sp>
+    <dsp:sp modelId="{835F3438-D97B-47D6-9375-B950DA2FFC3E}">
+      <dsp:nvSpPr>
+        <dsp:cNvPr id="0" name=""/>
+        <dsp:cNvSpPr/>
+      </dsp:nvSpPr>
+      <dsp:spPr>
+        <a:xfrm>
+          <a:off x="3761779" y="1321316"/>
+          <a:ext cx="3296840" cy="547200"/>
+        </a:xfrm>
+        <a:prstGeom prst="rect">
+          <a:avLst/>
+        </a:prstGeom>
+        <a:gradFill rotWithShape="1">
+          <a:gsLst>
+            <a:gs pos="0">
+              <a:schemeClr val="accent4">
+                <a:tint val="96000"/>
+                <a:satMod val="100000"/>
+                <a:lumMod val="104000"/>
+              </a:schemeClr>
+            </a:gs>
+            <a:gs pos="78000">
+              <a:schemeClr val="accent4">
+                <a:shade val="100000"/>
+                <a:satMod val="110000"/>
+                <a:lumMod val="100000"/>
+              </a:schemeClr>
+            </a:gs>
+          </a:gsLst>
+          <a:lin ang="5400000" scaled="0"/>
+        </a:gradFill>
+        <a:ln>
+          <a:noFill/>
+        </a:ln>
+        <a:effectLst>
+          <a:outerShdw blurRad="57150" dist="19050" dir="5400000" algn="ctr" rotWithShape="0">
+            <a:srgbClr val="000000">
+              <a:alpha val="48000"/>
+            </a:srgbClr>
+          </a:outerShdw>
+        </a:effectLst>
+        <a:scene3d>
+          <a:camera prst="orthographicFront"/>
+          <a:lightRig rig="flat" dir="t"/>
+        </a:scene3d>
+        <a:sp3d>
+          <a:bevelT w="50800" h="25400"/>
+        </a:sp3d>
+      </dsp:spPr>
+      <dsp:style>
+        <a:lnRef idx="0">
+          <a:schemeClr val="accent4"/>
+        </a:lnRef>
+        <a:fillRef idx="3">
+          <a:schemeClr val="accent4"/>
+        </a:fillRef>
+        <a:effectRef idx="3">
+          <a:schemeClr val="accent4"/>
+        </a:effectRef>
+        <a:fontRef idx="minor">
+          <a:schemeClr val="lt1"/>
+        </a:fontRef>
+      </dsp:style>
+      <dsp:txBody>
+        <a:bodyPr spcFirstLastPara="0" vert="horz" wrap="square" lIns="135128" tIns="77216" rIns="135128" bIns="77216" numCol="1" spcCol="1270" anchor="ctr" anchorCtr="0">
+          <a:noAutofit/>
+        </a:bodyPr>
+        <a:lstStyle/>
+        <a:p>
+          <a:pPr marL="0" lvl="0" indent="0" algn="ctr" defTabSz="844550">
+            <a:lnSpc>
+              <a:spcPct val="90000"/>
+            </a:lnSpc>
+            <a:spcBef>
+              <a:spcPct val="0"/>
+            </a:spcBef>
+            <a:spcAft>
+              <a:spcPct val="35000"/>
+            </a:spcAft>
+            <a:buNone/>
+          </a:pPr>
+          <a:r>
+            <a:rPr lang="en-US" sz="1900" kern="1200" dirty="0" err="1"/>
+            <a:t>B.Jar</a:t>
+          </a:r>
+          <a:endParaRPr lang="en-US" sz="1900" kern="1200" dirty="0"/>
+        </a:p>
+      </dsp:txBody>
+      <dsp:txXfrm>
+        <a:off x="3761779" y="1321316"/>
+        <a:ext cx="3296840" cy="547200"/>
+      </dsp:txXfrm>
+    </dsp:sp>
+    <dsp:sp modelId="{C17D5B3E-1B34-4587-8BE7-5EC9B7F39512}">
+      <dsp:nvSpPr>
+        <dsp:cNvPr id="0" name=""/>
+        <dsp:cNvSpPr/>
+      </dsp:nvSpPr>
+      <dsp:spPr>
+        <a:xfrm>
+          <a:off x="3761779" y="1868516"/>
+          <a:ext cx="3296840" cy="834480"/>
+        </a:xfrm>
+        <a:prstGeom prst="rect">
+          <a:avLst/>
+        </a:prstGeom>
+        <a:solidFill>
+          <a:schemeClr val="lt1"/>
+        </a:solidFill>
+        <a:ln w="12700" cap="flat" cmpd="sng" algn="ctr">
+          <a:solidFill>
+            <a:schemeClr val="accent1"/>
+          </a:solidFill>
+          <a:prstDash val="solid"/>
+        </a:ln>
+        <a:effectLst/>
+        <a:scene3d>
+          <a:camera prst="orthographicFront"/>
+          <a:lightRig rig="flat" dir="t"/>
+        </a:scene3d>
+        <a:sp3d extrusionH="12700"/>
+      </dsp:spPr>
+      <dsp:style>
+        <a:lnRef idx="2">
+          <a:schemeClr val="accent1"/>
+        </a:lnRef>
+        <a:fillRef idx="1">
+          <a:schemeClr val="lt1"/>
+        </a:fillRef>
+        <a:effectRef idx="0">
+          <a:schemeClr val="accent1"/>
+        </a:effectRef>
+        <a:fontRef idx="minor">
+          <a:schemeClr val="dk1"/>
+        </a:fontRef>
+      </dsp:style>
+      <dsp:txBody>
+        <a:bodyPr spcFirstLastPara="0" vert="horz" wrap="square" lIns="101346" tIns="101346" rIns="135128" bIns="152019" numCol="1" spcCol="1270" anchor="t" anchorCtr="0">
+          <a:noAutofit/>
+        </a:bodyPr>
+        <a:lstStyle/>
+        <a:p>
+          <a:pPr marL="171450" lvl="1" indent="-171450" algn="l" defTabSz="844550">
+            <a:lnSpc>
+              <a:spcPct val="90000"/>
+            </a:lnSpc>
+            <a:spcBef>
+              <a:spcPct val="0"/>
+            </a:spcBef>
+            <a:spcAft>
+              <a:spcPct val="15000"/>
+            </a:spcAft>
+            <a:buChar char="•"/>
+          </a:pPr>
+          <a:r>
+            <a:rPr lang="en-US" sz="1900" kern="1200" dirty="0" err="1"/>
+            <a:t>NoAnnotatedBean.class</a:t>
+          </a:r>
+          <a:endParaRPr lang="en-US" sz="1900" kern="1200" dirty="0"/>
+        </a:p>
+        <a:p>
+          <a:pPr marL="171450" lvl="1" indent="-171450" algn="l" defTabSz="844550">
+            <a:lnSpc>
+              <a:spcPct val="90000"/>
+            </a:lnSpc>
+            <a:spcBef>
+              <a:spcPct val="0"/>
+            </a:spcBef>
+            <a:spcAft>
+              <a:spcPct val="15000"/>
+            </a:spcAft>
+            <a:buChar char="•"/>
+          </a:pPr>
+          <a:r>
+            <a:rPr lang="en-US" sz="1900" kern="1200" dirty="0"/>
+            <a:t>Beans.xml = ALL</a:t>
+          </a:r>
+        </a:p>
+      </dsp:txBody>
+      <dsp:txXfrm>
+        <a:off x="3761779" y="1868516"/>
+        <a:ext cx="3296840" cy="834480"/>
+      </dsp:txXfrm>
+    </dsp:sp>
+    <dsp:sp modelId="{0BC18BEA-D2B9-4B6C-AEB4-D097C9F6F80F}">
+      <dsp:nvSpPr>
+        <dsp:cNvPr id="0" name=""/>
+        <dsp:cNvSpPr/>
+      </dsp:nvSpPr>
+      <dsp:spPr>
+        <a:xfrm>
+          <a:off x="7520178" y="1321316"/>
+          <a:ext cx="3296840" cy="547200"/>
+        </a:xfrm>
+        <a:prstGeom prst="rect">
+          <a:avLst/>
+        </a:prstGeom>
+        <a:gradFill rotWithShape="1">
+          <a:gsLst>
+            <a:gs pos="0">
+              <a:schemeClr val="accent1">
+                <a:tint val="96000"/>
+                <a:satMod val="100000"/>
+                <a:lumMod val="104000"/>
+              </a:schemeClr>
+            </a:gs>
+            <a:gs pos="78000">
+              <a:schemeClr val="accent1">
+                <a:shade val="100000"/>
+                <a:satMod val="110000"/>
+                <a:lumMod val="100000"/>
+              </a:schemeClr>
+            </a:gs>
+          </a:gsLst>
+          <a:lin ang="5400000" scaled="0"/>
+        </a:gradFill>
+        <a:ln>
+          <a:noFill/>
+        </a:ln>
+        <a:effectLst>
+          <a:outerShdw blurRad="57150" dist="19050" dir="5400000" algn="ctr" rotWithShape="0">
+            <a:srgbClr val="000000">
+              <a:alpha val="48000"/>
+            </a:srgbClr>
+          </a:outerShdw>
+        </a:effectLst>
+        <a:scene3d>
+          <a:camera prst="orthographicFront"/>
+          <a:lightRig rig="flat" dir="t"/>
+        </a:scene3d>
+        <a:sp3d>
+          <a:bevelT w="50800" h="25400"/>
+        </a:sp3d>
+      </dsp:spPr>
+      <dsp:style>
+        <a:lnRef idx="0">
+          <a:schemeClr val="accent1"/>
+        </a:lnRef>
+        <a:fillRef idx="3">
+          <a:schemeClr val="accent1"/>
+        </a:fillRef>
+        <a:effectRef idx="3">
+          <a:schemeClr val="accent1"/>
+        </a:effectRef>
+        <a:fontRef idx="minor">
+          <a:schemeClr val="lt1"/>
+        </a:fontRef>
+      </dsp:style>
+      <dsp:txBody>
+        <a:bodyPr spcFirstLastPara="0" vert="horz" wrap="square" lIns="135128" tIns="77216" rIns="135128" bIns="77216" numCol="1" spcCol="1270" anchor="ctr" anchorCtr="0">
+          <a:noAutofit/>
+        </a:bodyPr>
+        <a:lstStyle/>
+        <a:p>
+          <a:pPr marL="0" lvl="0" indent="0" algn="ctr" defTabSz="844550">
+            <a:lnSpc>
+              <a:spcPct val="90000"/>
+            </a:lnSpc>
+            <a:spcBef>
+              <a:spcPct val="0"/>
+            </a:spcBef>
+            <a:spcAft>
+              <a:spcPct val="35000"/>
+            </a:spcAft>
+            <a:buNone/>
+          </a:pPr>
+          <a:r>
+            <a:rPr lang="en-US" sz="1900" kern="1200" dirty="0"/>
+            <a:t>log4j.Jar</a:t>
+          </a:r>
+        </a:p>
+      </dsp:txBody>
+      <dsp:txXfrm>
+        <a:off x="7520178" y="1321316"/>
+        <a:ext cx="3296840" cy="547200"/>
+      </dsp:txXfrm>
+    </dsp:sp>
+    <dsp:sp modelId="{920B049E-1B5D-4C36-BE7E-C4FCA277047E}">
+      <dsp:nvSpPr>
+        <dsp:cNvPr id="0" name=""/>
+        <dsp:cNvSpPr/>
+      </dsp:nvSpPr>
+      <dsp:spPr>
+        <a:xfrm>
+          <a:off x="7520178" y="1868516"/>
+          <a:ext cx="3296840" cy="834480"/>
+        </a:xfrm>
+        <a:prstGeom prst="rect">
+          <a:avLst/>
+        </a:prstGeom>
+        <a:solidFill>
+          <a:schemeClr val="lt1"/>
+        </a:solidFill>
+        <a:ln w="12700" cap="flat" cmpd="sng" algn="ctr">
+          <a:solidFill>
+            <a:schemeClr val="accent1"/>
+          </a:solidFill>
+          <a:prstDash val="solid"/>
+        </a:ln>
+        <a:effectLst/>
+        <a:scene3d>
+          <a:camera prst="orthographicFront"/>
+          <a:lightRig rig="flat" dir="t"/>
+        </a:scene3d>
+        <a:sp3d extrusionH="12700"/>
+      </dsp:spPr>
+      <dsp:style>
+        <a:lnRef idx="2">
+          <a:schemeClr val="accent1"/>
+        </a:lnRef>
+        <a:fillRef idx="1">
+          <a:schemeClr val="lt1"/>
+        </a:fillRef>
+        <a:effectRef idx="0">
+          <a:schemeClr val="accent1"/>
+        </a:effectRef>
+        <a:fontRef idx="minor">
+          <a:schemeClr val="dk1"/>
+        </a:fontRef>
+      </dsp:style>
+      <dsp:txBody>
+        <a:bodyPr spcFirstLastPara="0" vert="horz" wrap="square" lIns="101346" tIns="101346" rIns="135128" bIns="152019" numCol="1" spcCol="1270" anchor="t" anchorCtr="0">
+          <a:noAutofit/>
+        </a:bodyPr>
+        <a:lstStyle/>
+        <a:p>
+          <a:pPr marL="171450" lvl="1" indent="-171450" algn="l" defTabSz="844550">
+            <a:lnSpc>
+              <a:spcPct val="90000"/>
+            </a:lnSpc>
+            <a:spcBef>
+              <a:spcPct val="0"/>
+            </a:spcBef>
+            <a:spcAft>
+              <a:spcPct val="15000"/>
+            </a:spcAft>
+            <a:buChar char="•"/>
+          </a:pPr>
+          <a:r>
+            <a:rPr lang="en-US" sz="1900" kern="1200" dirty="0"/>
+            <a:t>No annotated beans</a:t>
+          </a:r>
+        </a:p>
+        <a:p>
+          <a:pPr marL="171450" lvl="1" indent="-171450" algn="l" defTabSz="844550">
+            <a:lnSpc>
+              <a:spcPct val="90000"/>
+            </a:lnSpc>
+            <a:spcBef>
+              <a:spcPct val="0"/>
+            </a:spcBef>
+            <a:spcAft>
+              <a:spcPct val="15000"/>
+            </a:spcAft>
+            <a:buChar char="•"/>
+          </a:pPr>
+          <a:r>
+            <a:rPr lang="en-US" sz="1900" kern="1200" dirty="0"/>
+            <a:t>No bean.xml</a:t>
+          </a:r>
+        </a:p>
+      </dsp:txBody>
+      <dsp:txXfrm>
+        <a:off x="7520178" y="1868516"/>
+        <a:ext cx="3296840" cy="834480"/>
+      </dsp:txXfrm>
+    </dsp:sp>
+  </dsp:spTree>
+</dsp:drawing>
+</file>
+
 <file path=ppt/diagrams/layout1.xml><?xml version="1.0" encoding="utf-8"?>
 <dgm:layoutDef xmlns:dgm="http://schemas.openxmlformats.org/drawingml/2006/diagram" xmlns:a="http://schemas.openxmlformats.org/drawingml/2006/main" uniqueId="urn:microsoft.com/office/officeart/2005/8/layout/vList5">
   <dgm:title val=""/>
@@ -10979,6 +12850,223 @@
 </dgm:layoutDef>
 </file>
 
+<file path=ppt/diagrams/layout4.xml><?xml version="1.0" encoding="utf-8"?>
+<dgm:layoutDef xmlns:dgm="http://schemas.openxmlformats.org/drawingml/2006/diagram" xmlns:a="http://schemas.openxmlformats.org/drawingml/2006/main" uniqueId="urn:microsoft.com/office/officeart/2005/8/layout/hList1">
+  <dgm:title val=""/>
+  <dgm:desc val=""/>
+  <dgm:catLst>
+    <dgm:cat type="list" pri="5000"/>
+    <dgm:cat type="convert" pri="5000"/>
+  </dgm:catLst>
+  <dgm:sampData>
+    <dgm:dataModel>
+      <dgm:ptLst>
+        <dgm:pt modelId="0" type="doc"/>
+        <dgm:pt modelId="1">
+          <dgm:prSet phldr="1"/>
+        </dgm:pt>
+        <dgm:pt modelId="11">
+          <dgm:prSet phldr="1"/>
+        </dgm:pt>
+        <dgm:pt modelId="12">
+          <dgm:prSet phldr="1"/>
+        </dgm:pt>
+        <dgm:pt modelId="2">
+          <dgm:prSet phldr="1"/>
+        </dgm:pt>
+        <dgm:pt modelId="21">
+          <dgm:prSet phldr="1"/>
+        </dgm:pt>
+        <dgm:pt modelId="22">
+          <dgm:prSet phldr="1"/>
+        </dgm:pt>
+        <dgm:pt modelId="3">
+          <dgm:prSet phldr="1"/>
+        </dgm:pt>
+        <dgm:pt modelId="31">
+          <dgm:prSet phldr="1"/>
+        </dgm:pt>
+        <dgm:pt modelId="32">
+          <dgm:prSet phldr="1"/>
+        </dgm:pt>
+      </dgm:ptLst>
+      <dgm:cxnLst>
+        <dgm:cxn modelId="4" srcId="0" destId="1" srcOrd="0" destOrd="0"/>
+        <dgm:cxn modelId="5" srcId="0" destId="2" srcOrd="1" destOrd="0"/>
+        <dgm:cxn modelId="6" srcId="0" destId="3" srcOrd="2" destOrd="0"/>
+        <dgm:cxn modelId="13" srcId="1" destId="11" srcOrd="0" destOrd="0"/>
+        <dgm:cxn modelId="14" srcId="1" destId="12" srcOrd="1" destOrd="0"/>
+        <dgm:cxn modelId="23" srcId="2" destId="21" srcOrd="0" destOrd="0"/>
+        <dgm:cxn modelId="24" srcId="2" destId="22" srcOrd="1" destOrd="0"/>
+        <dgm:cxn modelId="33" srcId="3" destId="31" srcOrd="0" destOrd="0"/>
+        <dgm:cxn modelId="34" srcId="3" destId="32" srcOrd="1" destOrd="0"/>
+      </dgm:cxnLst>
+      <dgm:bg/>
+      <dgm:whole/>
+    </dgm:dataModel>
+  </dgm:sampData>
+  <dgm:styleData>
+    <dgm:dataModel>
+      <dgm:ptLst>
+        <dgm:pt modelId="0" type="doc"/>
+        <dgm:pt modelId="1">
+          <dgm:prSet phldr="1"/>
+        </dgm:pt>
+        <dgm:pt modelId="2">
+          <dgm:prSet phldr="1"/>
+        </dgm:pt>
+      </dgm:ptLst>
+      <dgm:cxnLst>
+        <dgm:cxn modelId="3" srcId="0" destId="1" srcOrd="0" destOrd="0"/>
+        <dgm:cxn modelId="4" srcId="0" destId="2" srcOrd="1" destOrd="0"/>
+      </dgm:cxnLst>
+      <dgm:bg/>
+      <dgm:whole/>
+    </dgm:dataModel>
+  </dgm:styleData>
+  <dgm:clrData>
+    <dgm:dataModel>
+      <dgm:ptLst>
+        <dgm:pt modelId="0" type="doc"/>
+        <dgm:pt modelId="1">
+          <dgm:prSet phldr="1"/>
+        </dgm:pt>
+        <dgm:pt modelId="2">
+          <dgm:prSet phldr="1"/>
+        </dgm:pt>
+        <dgm:pt modelId="3">
+          <dgm:prSet phldr="1"/>
+        </dgm:pt>
+        <dgm:pt modelId="4">
+          <dgm:prSet phldr="1"/>
+        </dgm:pt>
+      </dgm:ptLst>
+      <dgm:cxnLst>
+        <dgm:cxn modelId="5" srcId="0" destId="1" srcOrd="0" destOrd="0"/>
+        <dgm:cxn modelId="6" srcId="0" destId="2" srcOrd="1" destOrd="0"/>
+        <dgm:cxn modelId="7" srcId="0" destId="3" srcOrd="2" destOrd="0"/>
+        <dgm:cxn modelId="8" srcId="0" destId="4" srcOrd="3" destOrd="0"/>
+      </dgm:cxnLst>
+      <dgm:bg/>
+      <dgm:whole/>
+    </dgm:dataModel>
+  </dgm:clrData>
+  <dgm:layoutNode name="Name0">
+    <dgm:varLst>
+      <dgm:dir/>
+      <dgm:animLvl val="lvl"/>
+      <dgm:resizeHandles val="exact"/>
+    </dgm:varLst>
+    <dgm:choose name="Name1">
+      <dgm:if name="Name2" func="var" arg="dir" op="equ" val="norm">
+        <dgm:alg type="lin"/>
+      </dgm:if>
+      <dgm:else name="Name3">
+        <dgm:alg type="lin">
+          <dgm:param type="linDir" val="fromR"/>
+        </dgm:alg>
+      </dgm:else>
+    </dgm:choose>
+    <dgm:shape xmlns:r="http://schemas.openxmlformats.org/officeDocument/2006/relationships" r:blip="">
+      <dgm:adjLst/>
+    </dgm:shape>
+    <dgm:presOf/>
+    <dgm:constrLst>
+      <dgm:constr type="h" for="ch" forName="composite" refType="h"/>
+      <dgm:constr type="w" for="ch" forName="composite" refType="w"/>
+      <dgm:constr type="w" for="des" forName="parTx"/>
+      <dgm:constr type="h" for="des" forName="parTx" op="equ"/>
+      <dgm:constr type="w" for="des" forName="desTx"/>
+      <dgm:constr type="h" for="des" forName="desTx" op="equ"/>
+      <dgm:constr type="primFontSz" for="des" forName="parTx" val="65"/>
+      <dgm:constr type="secFontSz" for="des" forName="desTx" refType="primFontSz" refFor="des" refForName="parTx" op="equ"/>
+      <dgm:constr type="h" for="des" forName="parTx" refType="primFontSz" refFor="des" refForName="parTx" fact="0.8"/>
+      <dgm:constr type="h" for="des" forName="desTx" refType="primFontSz" refFor="des" refForName="parTx" fact="1.22"/>
+      <dgm:constr type="w" for="ch" forName="space" refType="w" refFor="ch" refForName="composite" op="equ" fact="0.14"/>
+    </dgm:constrLst>
+    <dgm:ruleLst>
+      <dgm:rule type="w" for="ch" forName="composite" val="0" fact="NaN" max="NaN"/>
+      <dgm:rule type="primFontSz" for="des" forName="parTx" val="5" fact="NaN" max="NaN"/>
+    </dgm:ruleLst>
+    <dgm:forEach name="Name4" axis="ch" ptType="node">
+      <dgm:layoutNode name="composite">
+        <dgm:alg type="composite"/>
+        <dgm:shape xmlns:r="http://schemas.openxmlformats.org/officeDocument/2006/relationships" r:blip="">
+          <dgm:adjLst/>
+        </dgm:shape>
+        <dgm:presOf/>
+        <dgm:constrLst>
+          <dgm:constr type="l" for="ch" forName="parTx"/>
+          <dgm:constr type="w" for="ch" forName="parTx" refType="w"/>
+          <dgm:constr type="t" for="ch" forName="parTx"/>
+          <dgm:constr type="l" for="ch" forName="desTx"/>
+          <dgm:constr type="w" for="ch" forName="desTx" refType="w" refFor="ch" refForName="parTx"/>
+          <dgm:constr type="t" for="ch" forName="desTx" refType="h" refFor="ch" refForName="parTx"/>
+        </dgm:constrLst>
+        <dgm:ruleLst>
+          <dgm:rule type="h" val="INF" fact="NaN" max="NaN"/>
+        </dgm:ruleLst>
+        <dgm:layoutNode name="parTx" styleLbl="alignNode1">
+          <dgm:varLst>
+            <dgm:chMax val="0"/>
+            <dgm:chPref val="0"/>
+            <dgm:bulletEnabled val="1"/>
+          </dgm:varLst>
+          <dgm:alg type="tx"/>
+          <dgm:shape xmlns:r="http://schemas.openxmlformats.org/officeDocument/2006/relationships" type="rect" r:blip="">
+            <dgm:adjLst/>
+          </dgm:shape>
+          <dgm:presOf axis="self" ptType="node"/>
+          <dgm:constrLst>
+            <dgm:constr type="h" refType="w" op="lte" fact="0.4"/>
+            <dgm:constr type="h"/>
+            <dgm:constr type="tMarg" refType="primFontSz" fact="0.32"/>
+            <dgm:constr type="bMarg" refType="primFontSz" fact="0.32"/>
+          </dgm:constrLst>
+          <dgm:ruleLst>
+            <dgm:rule type="h" val="INF" fact="NaN" max="NaN"/>
+          </dgm:ruleLst>
+        </dgm:layoutNode>
+        <dgm:layoutNode name="desTx" styleLbl="alignAccFollowNode1">
+          <dgm:varLst>
+            <dgm:bulletEnabled val="1"/>
+          </dgm:varLst>
+          <dgm:alg type="tx">
+            <dgm:param type="stBulletLvl" val="1"/>
+          </dgm:alg>
+          <dgm:shape xmlns:r="http://schemas.openxmlformats.org/officeDocument/2006/relationships" type="rect" r:blip="">
+            <dgm:adjLst/>
+          </dgm:shape>
+          <dgm:presOf axis="des" ptType="node"/>
+          <dgm:constrLst>
+            <dgm:constr type="secFontSz" val="65"/>
+            <dgm:constr type="primFontSz" refType="secFontSz"/>
+            <dgm:constr type="h"/>
+            <dgm:constr type="lMarg" refType="primFontSz" fact="0.42"/>
+            <dgm:constr type="tMarg" refType="primFontSz" fact="0.42"/>
+            <dgm:constr type="bMarg" refType="primFontSz" fact="0.63"/>
+          </dgm:constrLst>
+          <dgm:ruleLst>
+            <dgm:rule type="h" val="INF" fact="NaN" max="NaN"/>
+          </dgm:ruleLst>
+        </dgm:layoutNode>
+      </dgm:layoutNode>
+      <dgm:forEach name="Name5" axis="followSib" ptType="sibTrans" cnt="1">
+        <dgm:layoutNode name="space">
+          <dgm:alg type="sp"/>
+          <dgm:shape xmlns:r="http://schemas.openxmlformats.org/officeDocument/2006/relationships" r:blip="">
+            <dgm:adjLst/>
+          </dgm:shape>
+          <dgm:presOf/>
+          <dgm:constrLst/>
+          <dgm:ruleLst/>
+        </dgm:layoutNode>
+      </dgm:forEach>
+    </dgm:forEach>
+  </dgm:layoutNode>
+</dgm:layoutDef>
+</file>
+
 <file path=ppt/diagrams/quickStyle1.xml><?xml version="1.0" encoding="utf-8"?>
 <dgm:styleDef xmlns:dgm="http://schemas.openxmlformats.org/drawingml/2006/diagram" xmlns:a="http://schemas.openxmlformats.org/drawingml/2006/main" uniqueId="urn:microsoft.com/office/officeart/2005/8/quickstyle/simple1">
   <dgm:title val=""/>
@@ -13276,6 +15364,1123 @@
 </file>
 
 <file path=ppt/diagrams/quickStyle3.xml><?xml version="1.0" encoding="utf-8"?>
+<dgm:styleDef xmlns:dgm="http://schemas.openxmlformats.org/drawingml/2006/diagram" xmlns:a="http://schemas.openxmlformats.org/drawingml/2006/main" uniqueId="urn:microsoft.com/office/officeart/2005/8/quickstyle/3d1">
+  <dgm:title val=""/>
+  <dgm:desc val=""/>
+  <dgm:catLst>
+    <dgm:cat type="3D" pri="11100"/>
+  </dgm:catLst>
+  <dgm:scene3d>
+    <a:camera prst="orthographicFront"/>
+    <a:lightRig rig="threePt" dir="t"/>
+  </dgm:scene3d>
+  <dgm:styleLbl name="node0">
+    <dgm:scene3d>
+      <a:camera prst="orthographicFront"/>
+      <a:lightRig rig="flat" dir="t"/>
+    </dgm:scene3d>
+    <dgm:sp3d prstMaterial="plastic">
+      <a:bevelT w="120900" h="88900"/>
+      <a:bevelB w="88900" h="31750" prst="angle"/>
+    </dgm:sp3d>
+    <dgm:txPr/>
+    <dgm:style>
+      <a:lnRef idx="0">
+        <a:scrgbClr r="0" g="0" b="0"/>
+      </a:lnRef>
+      <a:fillRef idx="3">
+        <a:scrgbClr r="0" g="0" b="0"/>
+      </a:fillRef>
+      <a:effectRef idx="2">
+        <a:scrgbClr r="0" g="0" b="0"/>
+      </a:effectRef>
+      <a:fontRef idx="minor">
+        <a:schemeClr val="lt1"/>
+      </a:fontRef>
+    </dgm:style>
+  </dgm:styleLbl>
+  <dgm:styleLbl name="lnNode1">
+    <dgm:scene3d>
+      <a:camera prst="orthographicFront"/>
+      <a:lightRig rig="flat" dir="t"/>
+    </dgm:scene3d>
+    <dgm:sp3d prstMaterial="plastic">
+      <a:bevelT w="120900" h="88900"/>
+      <a:bevelB w="88900" h="31750" prst="angle"/>
+    </dgm:sp3d>
+    <dgm:txPr/>
+    <dgm:style>
+      <a:lnRef idx="0">
+        <a:scrgbClr r="0" g="0" b="0"/>
+      </a:lnRef>
+      <a:fillRef idx="3">
+        <a:scrgbClr r="0" g="0" b="0"/>
+      </a:fillRef>
+      <a:effectRef idx="1">
+        <a:scrgbClr r="0" g="0" b="0"/>
+      </a:effectRef>
+      <a:fontRef idx="minor">
+        <a:schemeClr val="lt1"/>
+      </a:fontRef>
+    </dgm:style>
+  </dgm:styleLbl>
+  <dgm:styleLbl name="vennNode1">
+    <dgm:scene3d>
+      <a:camera prst="orthographicFront"/>
+      <a:lightRig rig="flat" dir="t"/>
+    </dgm:scene3d>
+    <dgm:sp3d prstMaterial="plastic">
+      <a:bevelT w="120900" h="88900"/>
+      <a:bevelB w="88900" h="31750" prst="angle"/>
+    </dgm:sp3d>
+    <dgm:txPr/>
+    <dgm:style>
+      <a:lnRef idx="0">
+        <a:scrgbClr r="0" g="0" b="0"/>
+      </a:lnRef>
+      <a:fillRef idx="1">
+        <a:scrgbClr r="0" g="0" b="0"/>
+      </a:fillRef>
+      <a:effectRef idx="1">
+        <a:scrgbClr r="0" g="0" b="0"/>
+      </a:effectRef>
+      <a:fontRef idx="minor">
+        <a:schemeClr val="tx1"/>
+      </a:fontRef>
+    </dgm:style>
+  </dgm:styleLbl>
+  <dgm:styleLbl name="alignNode1">
+    <dgm:scene3d>
+      <a:camera prst="orthographicFront"/>
+      <a:lightRig rig="flat" dir="t"/>
+    </dgm:scene3d>
+    <dgm:sp3d prstMaterial="plastic">
+      <a:bevelT w="120900" h="88900"/>
+      <a:bevelB w="88900" h="31750" prst="angle"/>
+    </dgm:sp3d>
+    <dgm:txPr/>
+    <dgm:style>
+      <a:lnRef idx="1">
+        <a:scrgbClr r="0" g="0" b="0"/>
+      </a:lnRef>
+      <a:fillRef idx="3">
+        <a:scrgbClr r="0" g="0" b="0"/>
+      </a:fillRef>
+      <a:effectRef idx="2">
+        <a:scrgbClr r="0" g="0" b="0"/>
+      </a:effectRef>
+      <a:fontRef idx="minor">
+        <a:schemeClr val="lt1"/>
+      </a:fontRef>
+    </dgm:style>
+  </dgm:styleLbl>
+  <dgm:styleLbl name="node1">
+    <dgm:scene3d>
+      <a:camera prst="orthographicFront"/>
+      <a:lightRig rig="flat" dir="t"/>
+    </dgm:scene3d>
+    <dgm:sp3d prstMaterial="plastic">
+      <a:bevelT w="120900" h="88900"/>
+      <a:bevelB w="88900" h="31750" prst="angle"/>
+    </dgm:sp3d>
+    <dgm:txPr/>
+    <dgm:style>
+      <a:lnRef idx="0">
+        <a:scrgbClr r="0" g="0" b="0"/>
+      </a:lnRef>
+      <a:fillRef idx="3">
+        <a:scrgbClr r="0" g="0" b="0"/>
+      </a:fillRef>
+      <a:effectRef idx="2">
+        <a:scrgbClr r="0" g="0" b="0"/>
+      </a:effectRef>
+      <a:fontRef idx="minor">
+        <a:schemeClr val="lt1"/>
+      </a:fontRef>
+    </dgm:style>
+  </dgm:styleLbl>
+  <dgm:styleLbl name="node2">
+    <dgm:scene3d>
+      <a:camera prst="orthographicFront"/>
+      <a:lightRig rig="flat" dir="t"/>
+    </dgm:scene3d>
+    <dgm:sp3d prstMaterial="plastic">
+      <a:bevelT w="120900" h="88900"/>
+      <a:bevelB w="88900" h="31750" prst="angle"/>
+    </dgm:sp3d>
+    <dgm:txPr/>
+    <dgm:style>
+      <a:lnRef idx="0">
+        <a:scrgbClr r="0" g="0" b="0"/>
+      </a:lnRef>
+      <a:fillRef idx="3">
+        <a:scrgbClr r="0" g="0" b="0"/>
+      </a:fillRef>
+      <a:effectRef idx="1">
+        <a:scrgbClr r="0" g="0" b="0"/>
+      </a:effectRef>
+      <a:fontRef idx="minor">
+        <a:schemeClr val="lt1"/>
+      </a:fontRef>
+    </dgm:style>
+  </dgm:styleLbl>
+  <dgm:styleLbl name="node3">
+    <dgm:scene3d>
+      <a:camera prst="orthographicFront"/>
+      <a:lightRig rig="flat" dir="t"/>
+    </dgm:scene3d>
+    <dgm:sp3d prstMaterial="plastic">
+      <a:bevelT w="120900" h="88900"/>
+      <a:bevelB w="88900" h="31750" prst="angle"/>
+    </dgm:sp3d>
+    <dgm:txPr/>
+    <dgm:style>
+      <a:lnRef idx="0">
+        <a:scrgbClr r="0" g="0" b="0"/>
+      </a:lnRef>
+      <a:fillRef idx="3">
+        <a:scrgbClr r="0" g="0" b="0"/>
+      </a:fillRef>
+      <a:effectRef idx="1">
+        <a:scrgbClr r="0" g="0" b="0"/>
+      </a:effectRef>
+      <a:fontRef idx="minor">
+        <a:schemeClr val="lt1"/>
+      </a:fontRef>
+    </dgm:style>
+  </dgm:styleLbl>
+  <dgm:styleLbl name="node4">
+    <dgm:scene3d>
+      <a:camera prst="orthographicFront"/>
+      <a:lightRig rig="flat" dir="t"/>
+    </dgm:scene3d>
+    <dgm:sp3d prstMaterial="plastic">
+      <a:bevelT w="120900" h="88900"/>
+      <a:bevelB w="88900" h="31750" prst="angle"/>
+    </dgm:sp3d>
+    <dgm:txPr/>
+    <dgm:style>
+      <a:lnRef idx="0">
+        <a:scrgbClr r="0" g="0" b="0"/>
+      </a:lnRef>
+      <a:fillRef idx="3">
+        <a:scrgbClr r="0" g="0" b="0"/>
+      </a:fillRef>
+      <a:effectRef idx="1">
+        <a:scrgbClr r="0" g="0" b="0"/>
+      </a:effectRef>
+      <a:fontRef idx="minor">
+        <a:schemeClr val="lt1"/>
+      </a:fontRef>
+    </dgm:style>
+  </dgm:styleLbl>
+  <dgm:styleLbl name="fgImgPlace1">
+    <dgm:scene3d>
+      <a:camera prst="orthographicFront"/>
+      <a:lightRig rig="flat" dir="t"/>
+    </dgm:scene3d>
+    <dgm:sp3d z="127000" prstMaterial="plastic">
+      <a:bevelT w="88900" h="88900"/>
+      <a:bevelB w="88900" h="31750" prst="angle"/>
+    </dgm:sp3d>
+    <dgm:txPr/>
+    <dgm:style>
+      <a:lnRef idx="0">
+        <a:scrgbClr r="0" g="0" b="0"/>
+      </a:lnRef>
+      <a:fillRef idx="3">
+        <a:scrgbClr r="0" g="0" b="0"/>
+      </a:fillRef>
+      <a:effectRef idx="2">
+        <a:scrgbClr r="0" g="0" b="0"/>
+      </a:effectRef>
+      <a:fontRef idx="minor"/>
+    </dgm:style>
+  </dgm:styleLbl>
+  <dgm:styleLbl name="alignImgPlace1">
+    <dgm:scene3d>
+      <a:camera prst="orthographicFront"/>
+      <a:lightRig rig="flat" dir="t"/>
+    </dgm:scene3d>
+    <dgm:sp3d prstMaterial="plastic">
+      <a:bevelT w="88900" h="88900"/>
+      <a:bevelB w="88900" h="31750" prst="angle"/>
+    </dgm:sp3d>
+    <dgm:txPr/>
+    <dgm:style>
+      <a:lnRef idx="0">
+        <a:scrgbClr r="0" g="0" b="0"/>
+      </a:lnRef>
+      <a:fillRef idx="3">
+        <a:scrgbClr r="0" g="0" b="0"/>
+      </a:fillRef>
+      <a:effectRef idx="2">
+        <a:scrgbClr r="0" g="0" b="0"/>
+      </a:effectRef>
+      <a:fontRef idx="minor"/>
+    </dgm:style>
+  </dgm:styleLbl>
+  <dgm:styleLbl name="bgImgPlace1">
+    <dgm:scene3d>
+      <a:camera prst="orthographicFront"/>
+      <a:lightRig rig="flat" dir="t"/>
+    </dgm:scene3d>
+    <dgm:sp3d z="-190500" prstMaterial="plastic">
+      <a:bevelT w="88900" h="88900"/>
+      <a:bevelB w="88900" h="31750" prst="angle"/>
+    </dgm:sp3d>
+    <dgm:txPr/>
+    <dgm:style>
+      <a:lnRef idx="0">
+        <a:scrgbClr r="0" g="0" b="0"/>
+      </a:lnRef>
+      <a:fillRef idx="3">
+        <a:scrgbClr r="0" g="0" b="0"/>
+      </a:fillRef>
+      <a:effectRef idx="2">
+        <a:scrgbClr r="0" g="0" b="0"/>
+      </a:effectRef>
+      <a:fontRef idx="minor"/>
+    </dgm:style>
+  </dgm:styleLbl>
+  <dgm:styleLbl name="sibTrans2D1">
+    <dgm:scene3d>
+      <a:camera prst="orthographicFront"/>
+      <a:lightRig rig="flat" dir="t"/>
+    </dgm:scene3d>
+    <dgm:sp3d z="-80000" prstMaterial="plastic">
+      <a:bevelT w="50800" h="50800"/>
+      <a:bevelB w="25400" h="25400" prst="angle"/>
+    </dgm:sp3d>
+    <dgm:txPr/>
+    <dgm:style>
+      <a:lnRef idx="0">
+        <a:scrgbClr r="0" g="0" b="0"/>
+      </a:lnRef>
+      <a:fillRef idx="3">
+        <a:scrgbClr r="0" g="0" b="0"/>
+      </a:fillRef>
+      <a:effectRef idx="2">
+        <a:scrgbClr r="0" g="0" b="0"/>
+      </a:effectRef>
+      <a:fontRef idx="minor">
+        <a:schemeClr val="lt1"/>
+      </a:fontRef>
+    </dgm:style>
+  </dgm:styleLbl>
+  <dgm:styleLbl name="fgSibTrans2D1">
+    <dgm:scene3d>
+      <a:camera prst="orthographicFront"/>
+      <a:lightRig rig="flat" dir="t"/>
+    </dgm:scene3d>
+    <dgm:sp3d z="127000" prstMaterial="plastic">
+      <a:bevelT w="50800" h="50800"/>
+      <a:bevelB w="25400" h="25400" prst="angle"/>
+    </dgm:sp3d>
+    <dgm:txPr/>
+    <dgm:style>
+      <a:lnRef idx="0">
+        <a:scrgbClr r="0" g="0" b="0"/>
+      </a:lnRef>
+      <a:fillRef idx="3">
+        <a:scrgbClr r="0" g="0" b="0"/>
+      </a:fillRef>
+      <a:effectRef idx="2">
+        <a:scrgbClr r="0" g="0" b="0"/>
+      </a:effectRef>
+      <a:fontRef idx="minor">
+        <a:schemeClr val="lt1"/>
+      </a:fontRef>
+    </dgm:style>
+  </dgm:styleLbl>
+  <dgm:styleLbl name="bgSibTrans2D1">
+    <dgm:scene3d>
+      <a:camera prst="orthographicFront"/>
+      <a:lightRig rig="flat" dir="t"/>
+    </dgm:scene3d>
+    <dgm:sp3d z="-190500" prstMaterial="plastic">
+      <a:bevelT w="50800" h="50800"/>
+      <a:bevelB w="25400" h="25400" prst="angle"/>
+    </dgm:sp3d>
+    <dgm:txPr/>
+    <dgm:style>
+      <a:lnRef idx="0">
+        <a:scrgbClr r="0" g="0" b="0"/>
+      </a:lnRef>
+      <a:fillRef idx="3">
+        <a:scrgbClr r="0" g="0" b="0"/>
+      </a:fillRef>
+      <a:effectRef idx="2">
+        <a:scrgbClr r="0" g="0" b="0"/>
+      </a:effectRef>
+      <a:fontRef idx="minor">
+        <a:schemeClr val="lt1"/>
+      </a:fontRef>
+    </dgm:style>
+  </dgm:styleLbl>
+  <dgm:styleLbl name="sibTrans1D1">
+    <dgm:scene3d>
+      <a:camera prst="orthographicFront"/>
+      <a:lightRig rig="flat" dir="t"/>
+    </dgm:scene3d>
+    <dgm:sp3d z="-40000" prstMaterial="matte"/>
+    <dgm:txPr/>
+    <dgm:style>
+      <a:lnRef idx="1">
+        <a:scrgbClr r="0" g="0" b="0"/>
+      </a:lnRef>
+      <a:fillRef idx="0">
+        <a:scrgbClr r="0" g="0" b="0"/>
+      </a:fillRef>
+      <a:effectRef idx="0">
+        <a:scrgbClr r="0" g="0" b="0"/>
+      </a:effectRef>
+      <a:fontRef idx="minor"/>
+    </dgm:style>
+  </dgm:styleLbl>
+  <dgm:styleLbl name="callout">
+    <dgm:scene3d>
+      <a:camera prst="orthographicFront"/>
+      <a:lightRig rig="threePt" dir="t"/>
+    </dgm:scene3d>
+    <dgm:sp3d z="127000" prstMaterial="matte"/>
+    <dgm:txPr/>
+    <dgm:style>
+      <a:lnRef idx="2">
+        <a:scrgbClr r="0" g="0" b="0"/>
+      </a:lnRef>
+      <a:fillRef idx="1">
+        <a:scrgbClr r="0" g="0" b="0"/>
+      </a:fillRef>
+      <a:effectRef idx="0">
+        <a:scrgbClr r="0" g="0" b="0"/>
+      </a:effectRef>
+      <a:fontRef idx="minor"/>
+    </dgm:style>
+  </dgm:styleLbl>
+  <dgm:styleLbl name="asst0">
+    <dgm:scene3d>
+      <a:camera prst="orthographicFront"/>
+      <a:lightRig rig="flat" dir="t"/>
+    </dgm:scene3d>
+    <dgm:sp3d prstMaterial="plastic">
+      <a:bevelT w="120900" h="88900"/>
+      <a:bevelB w="88900" h="31750" prst="angle"/>
+    </dgm:sp3d>
+    <dgm:txPr/>
+    <dgm:style>
+      <a:lnRef idx="0">
+        <a:scrgbClr r="0" g="0" b="0"/>
+      </a:lnRef>
+      <a:fillRef idx="3">
+        <a:scrgbClr r="0" g="0" b="0"/>
+      </a:fillRef>
+      <a:effectRef idx="1">
+        <a:scrgbClr r="0" g="0" b="0"/>
+      </a:effectRef>
+      <a:fontRef idx="minor">
+        <a:schemeClr val="lt1"/>
+      </a:fontRef>
+    </dgm:style>
+  </dgm:styleLbl>
+  <dgm:styleLbl name="asst1">
+    <dgm:scene3d>
+      <a:camera prst="orthographicFront"/>
+      <a:lightRig rig="flat" dir="t"/>
+    </dgm:scene3d>
+    <dgm:sp3d prstMaterial="plastic">
+      <a:bevelT w="120900" h="88900"/>
+      <a:bevelB w="88900" h="31750" prst="angle"/>
+    </dgm:sp3d>
+    <dgm:txPr/>
+    <dgm:style>
+      <a:lnRef idx="0">
+        <a:scrgbClr r="0" g="0" b="0"/>
+      </a:lnRef>
+      <a:fillRef idx="3">
+        <a:scrgbClr r="0" g="0" b="0"/>
+      </a:fillRef>
+      <a:effectRef idx="1">
+        <a:scrgbClr r="0" g="0" b="0"/>
+      </a:effectRef>
+      <a:fontRef idx="minor">
+        <a:schemeClr val="lt1"/>
+      </a:fontRef>
+    </dgm:style>
+  </dgm:styleLbl>
+  <dgm:styleLbl name="asst2">
+    <dgm:scene3d>
+      <a:camera prst="orthographicFront"/>
+      <a:lightRig rig="flat" dir="t"/>
+    </dgm:scene3d>
+    <dgm:sp3d prstMaterial="plastic">
+      <a:bevelT w="120900" h="88900"/>
+      <a:bevelB w="88900" h="31750" prst="angle"/>
+    </dgm:sp3d>
+    <dgm:txPr/>
+    <dgm:style>
+      <a:lnRef idx="0">
+        <a:scrgbClr r="0" g="0" b="0"/>
+      </a:lnRef>
+      <a:fillRef idx="3">
+        <a:scrgbClr r="0" g="0" b="0"/>
+      </a:fillRef>
+      <a:effectRef idx="1">
+        <a:scrgbClr r="0" g="0" b="0"/>
+      </a:effectRef>
+      <a:fontRef idx="minor">
+        <a:schemeClr val="lt1"/>
+      </a:fontRef>
+    </dgm:style>
+  </dgm:styleLbl>
+  <dgm:styleLbl name="asst3">
+    <dgm:scene3d>
+      <a:camera prst="orthographicFront"/>
+      <a:lightRig rig="flat" dir="t"/>
+    </dgm:scene3d>
+    <dgm:sp3d prstMaterial="plastic">
+      <a:bevelT w="120900" h="88900"/>
+      <a:bevelB w="88900" h="31750" prst="angle"/>
+    </dgm:sp3d>
+    <dgm:txPr/>
+    <dgm:style>
+      <a:lnRef idx="0">
+        <a:scrgbClr r="0" g="0" b="0"/>
+      </a:lnRef>
+      <a:fillRef idx="3">
+        <a:scrgbClr r="0" g="0" b="0"/>
+      </a:fillRef>
+      <a:effectRef idx="1">
+        <a:scrgbClr r="0" g="0" b="0"/>
+      </a:effectRef>
+      <a:fontRef idx="minor">
+        <a:schemeClr val="lt1"/>
+      </a:fontRef>
+    </dgm:style>
+  </dgm:styleLbl>
+  <dgm:styleLbl name="parChTrans2D1">
+    <dgm:scene3d>
+      <a:camera prst="orthographicFront"/>
+      <a:lightRig rig="flat" dir="t"/>
+    </dgm:scene3d>
+    <dgm:sp3d z="-100000" prstMaterial="plastic">
+      <a:bevelT w="120900" h="88900"/>
+      <a:bevelB w="88900" h="31750" prst="angle"/>
+    </dgm:sp3d>
+    <dgm:txPr/>
+    <dgm:style>
+      <a:lnRef idx="0">
+        <a:scrgbClr r="0" g="0" b="0"/>
+      </a:lnRef>
+      <a:fillRef idx="3">
+        <a:scrgbClr r="0" g="0" b="0"/>
+      </a:fillRef>
+      <a:effectRef idx="1">
+        <a:scrgbClr r="0" g="0" b="0"/>
+      </a:effectRef>
+      <a:fontRef idx="minor">
+        <a:schemeClr val="lt1"/>
+      </a:fontRef>
+    </dgm:style>
+  </dgm:styleLbl>
+  <dgm:styleLbl name="parChTrans2D2">
+    <dgm:scene3d>
+      <a:camera prst="orthographicFront"/>
+      <a:lightRig rig="flat" dir="t"/>
+    </dgm:scene3d>
+    <dgm:sp3d z="-60000" prstMaterial="plastic">
+      <a:bevelT w="120900" h="88900"/>
+      <a:bevelB w="88900" h="31750" prst="angle"/>
+    </dgm:sp3d>
+    <dgm:txPr/>
+    <dgm:style>
+      <a:lnRef idx="0">
+        <a:scrgbClr r="0" g="0" b="0"/>
+      </a:lnRef>
+      <a:fillRef idx="3">
+        <a:scrgbClr r="0" g="0" b="0"/>
+      </a:fillRef>
+      <a:effectRef idx="1">
+        <a:scrgbClr r="0" g="0" b="0"/>
+      </a:effectRef>
+      <a:fontRef idx="minor">
+        <a:schemeClr val="lt1"/>
+      </a:fontRef>
+    </dgm:style>
+  </dgm:styleLbl>
+  <dgm:styleLbl name="parChTrans2D3">
+    <dgm:scene3d>
+      <a:camera prst="orthographicFront"/>
+      <a:lightRig rig="flat" dir="t"/>
+    </dgm:scene3d>
+    <dgm:sp3d z="-60000" prstMaterial="plastic">
+      <a:bevelT w="120900" h="88900"/>
+      <a:bevelB w="88900" h="31750" prst="angle"/>
+    </dgm:sp3d>
+    <dgm:txPr/>
+    <dgm:style>
+      <a:lnRef idx="0">
+        <a:scrgbClr r="0" g="0" b="0"/>
+      </a:lnRef>
+      <a:fillRef idx="3">
+        <a:scrgbClr r="0" g="0" b="0"/>
+      </a:fillRef>
+      <a:effectRef idx="1">
+        <a:scrgbClr r="0" g="0" b="0"/>
+      </a:effectRef>
+      <a:fontRef idx="minor">
+        <a:schemeClr val="lt1"/>
+      </a:fontRef>
+    </dgm:style>
+  </dgm:styleLbl>
+  <dgm:styleLbl name="parChTrans2D4">
+    <dgm:scene3d>
+      <a:camera prst="orthographicFront"/>
+      <a:lightRig rig="flat" dir="t"/>
+    </dgm:scene3d>
+    <dgm:sp3d z="-60000" prstMaterial="plastic">
+      <a:bevelT w="120900" h="88900"/>
+      <a:bevelB w="88900" h="31750" prst="angle"/>
+    </dgm:sp3d>
+    <dgm:txPr/>
+    <dgm:style>
+      <a:lnRef idx="0">
+        <a:scrgbClr r="0" g="0" b="0"/>
+      </a:lnRef>
+      <a:fillRef idx="3">
+        <a:scrgbClr r="0" g="0" b="0"/>
+      </a:fillRef>
+      <a:effectRef idx="1">
+        <a:scrgbClr r="0" g="0" b="0"/>
+      </a:effectRef>
+      <a:fontRef idx="minor">
+        <a:schemeClr val="lt1"/>
+      </a:fontRef>
+    </dgm:style>
+  </dgm:styleLbl>
+  <dgm:styleLbl name="parChTrans1D1">
+    <dgm:scene3d>
+      <a:camera prst="orthographicFront"/>
+      <a:lightRig rig="flat" dir="t"/>
+    </dgm:scene3d>
+    <dgm:sp3d prstMaterial="matte"/>
+    <dgm:txPr/>
+    <dgm:style>
+      <a:lnRef idx="2">
+        <a:scrgbClr r="0" g="0" b="0"/>
+      </a:lnRef>
+      <a:fillRef idx="0">
+        <a:scrgbClr r="0" g="0" b="0"/>
+      </a:fillRef>
+      <a:effectRef idx="0">
+        <a:scrgbClr r="0" g="0" b="0"/>
+      </a:effectRef>
+      <a:fontRef idx="minor"/>
+    </dgm:style>
+  </dgm:styleLbl>
+  <dgm:styleLbl name="parChTrans1D2">
+    <dgm:scene3d>
+      <a:camera prst="orthographicFront"/>
+      <a:lightRig rig="flat" dir="t"/>
+    </dgm:scene3d>
+    <dgm:sp3d prstMaterial="matte"/>
+    <dgm:txPr/>
+    <dgm:style>
+      <a:lnRef idx="2">
+        <a:scrgbClr r="0" g="0" b="0"/>
+      </a:lnRef>
+      <a:fillRef idx="0">
+        <a:scrgbClr r="0" g="0" b="0"/>
+      </a:fillRef>
+      <a:effectRef idx="0">
+        <a:scrgbClr r="0" g="0" b="0"/>
+      </a:effectRef>
+      <a:fontRef idx="minor"/>
+    </dgm:style>
+  </dgm:styleLbl>
+  <dgm:styleLbl name="parChTrans1D3">
+    <dgm:scene3d>
+      <a:camera prst="orthographicFront"/>
+      <a:lightRig rig="flat" dir="t"/>
+    </dgm:scene3d>
+    <dgm:sp3d prstMaterial="matte"/>
+    <dgm:txPr/>
+    <dgm:style>
+      <a:lnRef idx="2">
+        <a:scrgbClr r="0" g="0" b="0"/>
+      </a:lnRef>
+      <a:fillRef idx="0">
+        <a:scrgbClr r="0" g="0" b="0"/>
+      </a:fillRef>
+      <a:effectRef idx="0">
+        <a:scrgbClr r="0" g="0" b="0"/>
+      </a:effectRef>
+      <a:fontRef idx="minor"/>
+    </dgm:style>
+  </dgm:styleLbl>
+  <dgm:styleLbl name="parChTrans1D4">
+    <dgm:scene3d>
+      <a:camera prst="orthographicFront"/>
+      <a:lightRig rig="flat" dir="t"/>
+    </dgm:scene3d>
+    <dgm:sp3d prstMaterial="matte"/>
+    <dgm:txPr/>
+    <dgm:style>
+      <a:lnRef idx="2">
+        <a:scrgbClr r="0" g="0" b="0"/>
+      </a:lnRef>
+      <a:fillRef idx="0">
+        <a:scrgbClr r="0" g="0" b="0"/>
+      </a:fillRef>
+      <a:effectRef idx="0">
+        <a:scrgbClr r="0" g="0" b="0"/>
+      </a:effectRef>
+      <a:fontRef idx="minor"/>
+    </dgm:style>
+  </dgm:styleLbl>
+  <dgm:styleLbl name="fgAcc1">
+    <dgm:scene3d>
+      <a:camera prst="orthographicFront"/>
+      <a:lightRig rig="flat" dir="t"/>
+    </dgm:scene3d>
+    <dgm:sp3d z="190500" extrusionH="12700" prstMaterial="plastic">
+      <a:bevelT w="50800" h="50800"/>
+    </dgm:sp3d>
+    <dgm:txPr/>
+    <dgm:style>
+      <a:lnRef idx="1">
+        <a:scrgbClr r="0" g="0" b="0"/>
+      </a:lnRef>
+      <a:fillRef idx="1">
+        <a:scrgbClr r="0" g="0" b="0"/>
+      </a:fillRef>
+      <a:effectRef idx="2">
+        <a:scrgbClr r="0" g="0" b="0"/>
+      </a:effectRef>
+      <a:fontRef idx="minor"/>
+    </dgm:style>
+  </dgm:styleLbl>
+  <dgm:styleLbl name="conFgAcc1">
+    <dgm:scene3d>
+      <a:camera prst="orthographicFront"/>
+      <a:lightRig rig="flat" dir="t"/>
+    </dgm:scene3d>
+    <dgm:sp3d z="190500" extrusionH="12700" prstMaterial="plastic">
+      <a:bevelT w="50800" h="50800"/>
+    </dgm:sp3d>
+    <dgm:txPr/>
+    <dgm:style>
+      <a:lnRef idx="1">
+        <a:scrgbClr r="0" g="0" b="0"/>
+      </a:lnRef>
+      <a:fillRef idx="1">
+        <a:scrgbClr r="0" g="0" b="0"/>
+      </a:fillRef>
+      <a:effectRef idx="2">
+        <a:scrgbClr r="0" g="0" b="0"/>
+      </a:effectRef>
+      <a:fontRef idx="minor"/>
+    </dgm:style>
+  </dgm:styleLbl>
+  <dgm:styleLbl name="alignAcc1">
+    <dgm:scene3d>
+      <a:camera prst="orthographicFront"/>
+      <a:lightRig rig="flat" dir="t"/>
+    </dgm:scene3d>
+    <dgm:sp3d extrusionH="12700" prstMaterial="plastic">
+      <a:bevelT w="50800" h="50800"/>
+    </dgm:sp3d>
+    <dgm:txPr/>
+    <dgm:style>
+      <a:lnRef idx="1">
+        <a:scrgbClr r="0" g="0" b="0"/>
+      </a:lnRef>
+      <a:fillRef idx="1">
+        <a:scrgbClr r="0" g="0" b="0"/>
+      </a:fillRef>
+      <a:effectRef idx="2">
+        <a:scrgbClr r="0" g="0" b="0"/>
+      </a:effectRef>
+      <a:fontRef idx="minor"/>
+    </dgm:style>
+  </dgm:styleLbl>
+  <dgm:styleLbl name="trAlignAcc1">
+    <dgm:scene3d>
+      <a:camera prst="orthographicFront"/>
+      <a:lightRig rig="flat" dir="t"/>
+    </dgm:scene3d>
+    <dgm:sp3d extrusionH="12700" prstMaterial="plastic">
+      <a:bevelT w="50800" h="50800"/>
+    </dgm:sp3d>
+    <dgm:txPr/>
+    <dgm:style>
+      <a:lnRef idx="1">
+        <a:scrgbClr r="0" g="0" b="0"/>
+      </a:lnRef>
+      <a:fillRef idx="1">
+        <a:scrgbClr r="0" g="0" b="0"/>
+      </a:fillRef>
+      <a:effectRef idx="2">
+        <a:scrgbClr r="0" g="0" b="0"/>
+      </a:effectRef>
+      <a:fontRef idx="minor"/>
+    </dgm:style>
+  </dgm:styleLbl>
+  <dgm:styleLbl name="bgAcc1">
+    <dgm:scene3d>
+      <a:camera prst="orthographicFront"/>
+      <a:lightRig rig="flat" dir="t"/>
+    </dgm:scene3d>
+    <dgm:sp3d z="-190500" extrusionH="12700" prstMaterial="plastic">
+      <a:bevelT w="50800" h="50800"/>
+    </dgm:sp3d>
+    <dgm:txPr/>
+    <dgm:style>
+      <a:lnRef idx="1">
+        <a:scrgbClr r="0" g="0" b="0"/>
+      </a:lnRef>
+      <a:fillRef idx="1">
+        <a:scrgbClr r="0" g="0" b="0"/>
+      </a:fillRef>
+      <a:effectRef idx="2">
+        <a:scrgbClr r="0" g="0" b="0"/>
+      </a:effectRef>
+      <a:fontRef idx="minor"/>
+    </dgm:style>
+  </dgm:styleLbl>
+  <dgm:styleLbl name="solidFgAcc1">
+    <dgm:scene3d>
+      <a:camera prst="orthographicFront"/>
+      <a:lightRig rig="flat" dir="t"/>
+    </dgm:scene3d>
+    <dgm:sp3d z="190500" extrusionH="12700" prstMaterial="plastic">
+      <a:bevelT w="50800" h="50800"/>
+    </dgm:sp3d>
+    <dgm:txPr/>
+    <dgm:style>
+      <a:lnRef idx="1">
+        <a:scrgbClr r="0" g="0" b="0"/>
+      </a:lnRef>
+      <a:fillRef idx="1">
+        <a:scrgbClr r="0" g="0" b="0"/>
+      </a:fillRef>
+      <a:effectRef idx="2">
+        <a:scrgbClr r="0" g="0" b="0"/>
+      </a:effectRef>
+      <a:fontRef idx="minor"/>
+    </dgm:style>
+  </dgm:styleLbl>
+  <dgm:styleLbl name="solidAlignAcc1">
+    <dgm:scene3d>
+      <a:camera prst="orthographicFront"/>
+      <a:lightRig rig="flat" dir="t"/>
+    </dgm:scene3d>
+    <dgm:sp3d extrusionH="12700" prstMaterial="plastic">
+      <a:bevelT w="50800" h="50800"/>
+    </dgm:sp3d>
+    <dgm:txPr/>
+    <dgm:style>
+      <a:lnRef idx="1">
+        <a:scrgbClr r="0" g="0" b="0"/>
+      </a:lnRef>
+      <a:fillRef idx="1">
+        <a:scrgbClr r="0" g="0" b="0"/>
+      </a:fillRef>
+      <a:effectRef idx="2">
+        <a:scrgbClr r="0" g="0" b="0"/>
+      </a:effectRef>
+      <a:fontRef idx="minor"/>
+    </dgm:style>
+  </dgm:styleLbl>
+  <dgm:styleLbl name="solidBgAcc1">
+    <dgm:scene3d>
+      <a:camera prst="orthographicFront"/>
+      <a:lightRig rig="flat" dir="t"/>
+    </dgm:scene3d>
+    <dgm:sp3d z="-190500" extrusionH="12700" prstMaterial="plastic">
+      <a:bevelT w="50800" h="50800"/>
+    </dgm:sp3d>
+    <dgm:txPr/>
+    <dgm:style>
+      <a:lnRef idx="1">
+        <a:scrgbClr r="0" g="0" b="0"/>
+      </a:lnRef>
+      <a:fillRef idx="1">
+        <a:scrgbClr r="0" g="0" b="0"/>
+      </a:fillRef>
+      <a:effectRef idx="2">
+        <a:scrgbClr r="0" g="0" b="0"/>
+      </a:effectRef>
+      <a:fontRef idx="minor"/>
+    </dgm:style>
+  </dgm:styleLbl>
+  <dgm:styleLbl name="fgAccFollowNode1">
+    <dgm:scene3d>
+      <a:camera prst="orthographicFront"/>
+      <a:lightRig rig="flat" dir="t"/>
+    </dgm:scene3d>
+    <dgm:sp3d z="190500" extrusionH="12700" prstMaterial="plastic">
+      <a:bevelT w="50800" h="50800"/>
+    </dgm:sp3d>
+    <dgm:txPr/>
+    <dgm:style>
+      <a:lnRef idx="1">
+        <a:scrgbClr r="0" g="0" b="0"/>
+      </a:lnRef>
+      <a:fillRef idx="1">
+        <a:scrgbClr r="0" g="0" b="0"/>
+      </a:fillRef>
+      <a:effectRef idx="2">
+        <a:scrgbClr r="0" g="0" b="0"/>
+      </a:effectRef>
+      <a:fontRef idx="minor"/>
+    </dgm:style>
+  </dgm:styleLbl>
+  <dgm:styleLbl name="alignAccFollowNode1">
+    <dgm:scene3d>
+      <a:camera prst="orthographicFront"/>
+      <a:lightRig rig="flat" dir="t"/>
+    </dgm:scene3d>
+    <dgm:sp3d extrusionH="12700" prstMaterial="plastic">
+      <a:bevelT w="50800" h="50800"/>
+    </dgm:sp3d>
+    <dgm:txPr/>
+    <dgm:style>
+      <a:lnRef idx="1">
+        <a:scrgbClr r="0" g="0" b="0"/>
+      </a:lnRef>
+      <a:fillRef idx="1">
+        <a:scrgbClr r="0" g="0" b="0"/>
+      </a:fillRef>
+      <a:effectRef idx="2">
+        <a:scrgbClr r="0" g="0" b="0"/>
+      </a:effectRef>
+      <a:fontRef idx="minor"/>
+    </dgm:style>
+  </dgm:styleLbl>
+  <dgm:styleLbl name="bgAccFollowNode1">
+    <dgm:scene3d>
+      <a:camera prst="orthographicFront"/>
+      <a:lightRig rig="flat" dir="t"/>
+    </dgm:scene3d>
+    <dgm:sp3d z="-190500" extrusionH="12700" prstMaterial="plastic">
+      <a:bevelT w="50800" h="50800"/>
+    </dgm:sp3d>
+    <dgm:txPr/>
+    <dgm:style>
+      <a:lnRef idx="1">
+        <a:scrgbClr r="0" g="0" b="0"/>
+      </a:lnRef>
+      <a:fillRef idx="1">
+        <a:scrgbClr r="0" g="0" b="0"/>
+      </a:fillRef>
+      <a:effectRef idx="2">
+        <a:scrgbClr r="0" g="0" b="0"/>
+      </a:effectRef>
+      <a:fontRef idx="minor"/>
+    </dgm:style>
+  </dgm:styleLbl>
+  <dgm:styleLbl name="fgAcc0">
+    <dgm:scene3d>
+      <a:camera prst="orthographicFront"/>
+      <a:lightRig rig="flat" dir="t"/>
+    </dgm:scene3d>
+    <dgm:sp3d z="190500" extrusionH="12700" prstMaterial="plastic">
+      <a:bevelT w="50800" h="50800"/>
+    </dgm:sp3d>
+    <dgm:txPr/>
+    <dgm:style>
+      <a:lnRef idx="1">
+        <a:scrgbClr r="0" g="0" b="0"/>
+      </a:lnRef>
+      <a:fillRef idx="1">
+        <a:scrgbClr r="0" g="0" b="0"/>
+      </a:fillRef>
+      <a:effectRef idx="2">
+        <a:scrgbClr r="0" g="0" b="0"/>
+      </a:effectRef>
+      <a:fontRef idx="minor"/>
+    </dgm:style>
+  </dgm:styleLbl>
+  <dgm:styleLbl name="fgAcc2">
+    <dgm:scene3d>
+      <a:camera prst="orthographicFront"/>
+      <a:lightRig rig="flat" dir="t"/>
+    </dgm:scene3d>
+    <dgm:sp3d z="190500" extrusionH="12700" prstMaterial="plastic">
+      <a:bevelT w="50800" h="50800"/>
+    </dgm:sp3d>
+    <dgm:txPr/>
+    <dgm:style>
+      <a:lnRef idx="1">
+        <a:scrgbClr r="0" g="0" b="0"/>
+      </a:lnRef>
+      <a:fillRef idx="1">
+        <a:scrgbClr r="0" g="0" b="0"/>
+      </a:fillRef>
+      <a:effectRef idx="2">
+        <a:scrgbClr r="0" g="0" b="0"/>
+      </a:effectRef>
+      <a:fontRef idx="minor"/>
+    </dgm:style>
+  </dgm:styleLbl>
+  <dgm:styleLbl name="fgAcc3">
+    <dgm:scene3d>
+      <a:camera prst="orthographicFront"/>
+      <a:lightRig rig="flat" dir="t"/>
+    </dgm:scene3d>
+    <dgm:sp3d z="190500" extrusionH="12700" prstMaterial="plastic">
+      <a:bevelT w="50800" h="50800"/>
+    </dgm:sp3d>
+    <dgm:txPr/>
+    <dgm:style>
+      <a:lnRef idx="1">
+        <a:scrgbClr r="0" g="0" b="0"/>
+      </a:lnRef>
+      <a:fillRef idx="1">
+        <a:scrgbClr r="0" g="0" b="0"/>
+      </a:fillRef>
+      <a:effectRef idx="2">
+        <a:scrgbClr r="0" g="0" b="0"/>
+      </a:effectRef>
+      <a:fontRef idx="minor"/>
+    </dgm:style>
+  </dgm:styleLbl>
+  <dgm:styleLbl name="fgAcc4">
+    <dgm:scene3d>
+      <a:camera prst="orthographicFront"/>
+      <a:lightRig rig="flat" dir="t"/>
+    </dgm:scene3d>
+    <dgm:sp3d z="190500" extrusionH="12700" prstMaterial="plastic">
+      <a:bevelT w="50800" h="50800"/>
+    </dgm:sp3d>
+    <dgm:txPr/>
+    <dgm:style>
+      <a:lnRef idx="1">
+        <a:scrgbClr r="0" g="0" b="0"/>
+      </a:lnRef>
+      <a:fillRef idx="1">
+        <a:scrgbClr r="0" g="0" b="0"/>
+      </a:fillRef>
+      <a:effectRef idx="2">
+        <a:scrgbClr r="0" g="0" b="0"/>
+      </a:effectRef>
+      <a:fontRef idx="minor"/>
+    </dgm:style>
+  </dgm:styleLbl>
+  <dgm:styleLbl name="bgShp">
+    <dgm:scene3d>
+      <a:camera prst="orthographicFront"/>
+      <a:lightRig rig="flat" dir="t"/>
+    </dgm:scene3d>
+    <dgm:sp3d z="-190500" extrusionH="12700" prstMaterial="plastic">
+      <a:bevelT w="50800" h="50800"/>
+    </dgm:sp3d>
+    <dgm:txPr/>
+    <dgm:style>
+      <a:lnRef idx="0">
+        <a:scrgbClr r="0" g="0" b="0"/>
+      </a:lnRef>
+      <a:fillRef idx="3">
+        <a:scrgbClr r="0" g="0" b="0"/>
+      </a:fillRef>
+      <a:effectRef idx="0">
+        <a:scrgbClr r="0" g="0" b="0"/>
+      </a:effectRef>
+      <a:fontRef idx="minor"/>
+    </dgm:style>
+  </dgm:styleLbl>
+  <dgm:styleLbl name="dkBgShp">
+    <dgm:scene3d>
+      <a:camera prst="orthographicFront"/>
+      <a:lightRig rig="flat" dir="t"/>
+    </dgm:scene3d>
+    <dgm:sp3d z="-190500" extrusionH="12700" prstMaterial="plastic">
+      <a:bevelT w="50800" h="50800"/>
+    </dgm:sp3d>
+    <dgm:txPr/>
+    <dgm:style>
+      <a:lnRef idx="0">
+        <a:scrgbClr r="0" g="0" b="0"/>
+      </a:lnRef>
+      <a:fillRef idx="2">
+        <a:scrgbClr r="0" g="0" b="0"/>
+      </a:fillRef>
+      <a:effectRef idx="0">
+        <a:scrgbClr r="0" g="0" b="0"/>
+      </a:effectRef>
+      <a:fontRef idx="minor"/>
+    </dgm:style>
+  </dgm:styleLbl>
+  <dgm:styleLbl name="trBgShp">
+    <dgm:scene3d>
+      <a:camera prst="orthographicFront"/>
+      <a:lightRig rig="flat" dir="t"/>
+    </dgm:scene3d>
+    <dgm:sp3d z="-190500" extrusionH="12700" prstMaterial="matte"/>
+    <dgm:txPr/>
+    <dgm:style>
+      <a:lnRef idx="0">
+        <a:scrgbClr r="0" g="0" b="0"/>
+      </a:lnRef>
+      <a:fillRef idx="1">
+        <a:scrgbClr r="0" g="0" b="0"/>
+      </a:fillRef>
+      <a:effectRef idx="0">
+        <a:scrgbClr r="0" g="0" b="0"/>
+      </a:effectRef>
+      <a:fontRef idx="minor"/>
+    </dgm:style>
+  </dgm:styleLbl>
+  <dgm:styleLbl name="fgShp">
+    <dgm:scene3d>
+      <a:camera prst="orthographicFront"/>
+      <a:lightRig rig="flat" dir="t"/>
+    </dgm:scene3d>
+    <dgm:sp3d z="190500" prstMaterial="plastic">
+      <a:bevelT w="120900" h="88900"/>
+      <a:bevelB w="88900" h="31750" prst="angle"/>
+    </dgm:sp3d>
+    <dgm:txPr/>
+    <dgm:style>
+      <a:lnRef idx="0">
+        <a:scrgbClr r="0" g="0" b="0"/>
+      </a:lnRef>
+      <a:fillRef idx="1">
+        <a:scrgbClr r="0" g="0" b="0"/>
+      </a:fillRef>
+      <a:effectRef idx="3">
+        <a:scrgbClr r="0" g="0" b="0"/>
+      </a:effectRef>
+      <a:fontRef idx="minor">
+        <a:schemeClr val="lt1"/>
+      </a:fontRef>
+    </dgm:style>
+  </dgm:styleLbl>
+  <dgm:styleLbl name="revTx">
+    <dgm:scene3d>
+      <a:camera prst="orthographicFront"/>
+      <a:lightRig rig="threePt" dir="t"/>
+    </dgm:scene3d>
+    <dgm:sp3d/>
+    <dgm:txPr/>
+    <dgm:style>
+      <a:lnRef idx="0">
+        <a:scrgbClr r="0" g="0" b="0"/>
+      </a:lnRef>
+      <a:fillRef idx="0">
+        <a:scrgbClr r="0" g="0" b="0"/>
+      </a:fillRef>
+      <a:effectRef idx="0">
+        <a:scrgbClr r="0" g="0" b="0"/>
+      </a:effectRef>
+      <a:fontRef idx="minor"/>
+    </dgm:style>
+  </dgm:styleLbl>
+</dgm:styleDef>
+</file>
+
+<file path=ppt/diagrams/quickStyle4.xml><?xml version="1.0" encoding="utf-8"?>
 <dgm:styleDef xmlns:dgm="http://schemas.openxmlformats.org/drawingml/2006/diagram" xmlns:a="http://schemas.openxmlformats.org/drawingml/2006/main" uniqueId="urn:microsoft.com/office/officeart/2005/8/quickstyle/3d1">
   <dgm:title val=""/>
   <dgm:desc val=""/>
@@ -14843,6 +18048,910 @@
 </p:notes>
 </file>
 
+<file path=ppt/notesSlides/notesSlide10.xml><?xml version="1.0" encoding="utf-8"?>
+<p:notes xmlns:a="http://schemas.openxmlformats.org/drawingml/2006/main" xmlns:r="http://schemas.openxmlformats.org/officeDocument/2006/relationships" xmlns:p="http://schemas.openxmlformats.org/presentationml/2006/main">
+  <p:cSld>
+    <p:spTree>
+      <p:nvGrpSpPr>
+        <p:cNvPr id="1" name=""/>
+        <p:cNvGrpSpPr/>
+        <p:nvPr/>
+      </p:nvGrpSpPr>
+      <p:grpSpPr>
+        <a:xfrm>
+          <a:off x="0" y="0"/>
+          <a:ext cx="0" cy="0"/>
+          <a:chOff x="0" y="0"/>
+          <a:chExt cx="0" cy="0"/>
+        </a:xfrm>
+      </p:grpSpPr>
+      <p:sp>
+        <p:nvSpPr>
+          <p:cNvPr id="2" name="Slide Image Placeholder 1"/>
+          <p:cNvSpPr>
+            <a:spLocks noGrp="1" noRot="1" noChangeAspect="1"/>
+          </p:cNvSpPr>
+          <p:nvPr>
+            <p:ph type="sldImg"/>
+          </p:nvPr>
+        </p:nvSpPr>
+        <p:spPr/>
+      </p:sp>
+      <p:sp>
+        <p:nvSpPr>
+          <p:cNvPr id="3" name="Notes Placeholder 2"/>
+          <p:cNvSpPr>
+            <a:spLocks noGrp="1"/>
+          </p:cNvSpPr>
+          <p:nvPr>
+            <p:ph type="body" idx="1"/>
+          </p:nvPr>
+        </p:nvSpPr>
+        <p:spPr/>
+        <p:txBody>
+          <a:bodyPr/>
+          <a:lstStyle/>
+          <a:p>
+            <a:endParaRPr lang="bg-BG" dirty="0"/>
+          </a:p>
+        </p:txBody>
+      </p:sp>
+      <p:sp>
+        <p:nvSpPr>
+          <p:cNvPr id="4" name="Slide Number Placeholder 3"/>
+          <p:cNvSpPr>
+            <a:spLocks noGrp="1"/>
+          </p:cNvSpPr>
+          <p:nvPr>
+            <p:ph type="sldNum" sz="quarter" idx="10"/>
+          </p:nvPr>
+        </p:nvSpPr>
+        <p:spPr/>
+        <p:txBody>
+          <a:bodyPr/>
+          <a:lstStyle/>
+          <a:p>
+            <a:fld id="{55046439-0C5C-4854-BC4A-9724804BD975}" type="slidenum">
+              <a:rPr lang="bg-BG" smtClean="0"/>
+              <a:t>19</a:t>
+            </a:fld>
+            <a:endParaRPr lang="bg-BG"/>
+          </a:p>
+        </p:txBody>
+      </p:sp>
+    </p:spTree>
+    <p:extLst>
+      <p:ext uri="{BB962C8B-B14F-4D97-AF65-F5344CB8AC3E}">
+        <p14:creationId xmlns:p14="http://schemas.microsoft.com/office/powerpoint/2010/main" val="3252764815"/>
+      </p:ext>
+    </p:extLst>
+  </p:cSld>
+  <p:clrMapOvr>
+    <a:masterClrMapping/>
+  </p:clrMapOvr>
+</p:notes>
+</file>
+
+<file path=ppt/notesSlides/notesSlide11.xml><?xml version="1.0" encoding="utf-8"?>
+<p:notes xmlns:a="http://schemas.openxmlformats.org/drawingml/2006/main" xmlns:r="http://schemas.openxmlformats.org/officeDocument/2006/relationships" xmlns:p="http://schemas.openxmlformats.org/presentationml/2006/main">
+  <p:cSld>
+    <p:spTree>
+      <p:nvGrpSpPr>
+        <p:cNvPr id="1" name=""/>
+        <p:cNvGrpSpPr/>
+        <p:nvPr/>
+      </p:nvGrpSpPr>
+      <p:grpSpPr>
+        <a:xfrm>
+          <a:off x="0" y="0"/>
+          <a:ext cx="0" cy="0"/>
+          <a:chOff x="0" y="0"/>
+          <a:chExt cx="0" cy="0"/>
+        </a:xfrm>
+      </p:grpSpPr>
+      <p:sp>
+        <p:nvSpPr>
+          <p:cNvPr id="2" name="Slide Image Placeholder 1"/>
+          <p:cNvSpPr>
+            <a:spLocks noGrp="1" noRot="1" noChangeAspect="1"/>
+          </p:cNvSpPr>
+          <p:nvPr>
+            <p:ph type="sldImg"/>
+          </p:nvPr>
+        </p:nvSpPr>
+        <p:spPr/>
+      </p:sp>
+      <p:sp>
+        <p:nvSpPr>
+          <p:cNvPr id="3" name="Notes Placeholder 2"/>
+          <p:cNvSpPr>
+            <a:spLocks noGrp="1"/>
+          </p:cNvSpPr>
+          <p:nvPr>
+            <p:ph type="body" idx="1"/>
+          </p:nvPr>
+        </p:nvSpPr>
+        <p:spPr/>
+        <p:txBody>
+          <a:bodyPr/>
+          <a:lstStyle/>
+          <a:p>
+            <a:r>
+              <a:rPr lang="en-US" dirty="0"/>
+              <a:t>Qualifiers are created as standard Java annotations using</a:t>
+            </a:r>
+            <a:r>
+              <a:rPr lang="en-US" baseline="0" dirty="0"/>
+              <a:t> </a:t>
+            </a:r>
+            <a:r>
+              <a:rPr lang="en-US" baseline="0" dirty="0" err="1"/>
+              <a:t>java.lang.annotation</a:t>
+            </a:r>
+            <a:r>
+              <a:rPr lang="en-US" baseline="0" dirty="0"/>
+              <a:t> package with the additional Qualifier annotation.</a:t>
+            </a:r>
+            <a:endParaRPr lang="bg-BG" dirty="0"/>
+          </a:p>
+        </p:txBody>
+      </p:sp>
+      <p:sp>
+        <p:nvSpPr>
+          <p:cNvPr id="4" name="Slide Number Placeholder 3"/>
+          <p:cNvSpPr>
+            <a:spLocks noGrp="1"/>
+          </p:cNvSpPr>
+          <p:nvPr>
+            <p:ph type="sldNum" sz="quarter" idx="10"/>
+          </p:nvPr>
+        </p:nvSpPr>
+        <p:spPr/>
+        <p:txBody>
+          <a:bodyPr/>
+          <a:lstStyle/>
+          <a:p>
+            <a:fld id="{55046439-0C5C-4854-BC4A-9724804BD975}" type="slidenum">
+              <a:rPr lang="bg-BG" smtClean="0"/>
+              <a:t>24</a:t>
+            </a:fld>
+            <a:endParaRPr lang="bg-BG"/>
+          </a:p>
+        </p:txBody>
+      </p:sp>
+    </p:spTree>
+    <p:extLst>
+      <p:ext uri="{BB962C8B-B14F-4D97-AF65-F5344CB8AC3E}">
+        <p14:creationId xmlns:p14="http://schemas.microsoft.com/office/powerpoint/2010/main" val="2653386164"/>
+      </p:ext>
+    </p:extLst>
+  </p:cSld>
+  <p:clrMapOvr>
+    <a:masterClrMapping/>
+  </p:clrMapOvr>
+</p:notes>
+</file>
+
+<file path=ppt/notesSlides/notesSlide12.xml><?xml version="1.0" encoding="utf-8"?>
+<p:notes xmlns:a="http://schemas.openxmlformats.org/drawingml/2006/main" xmlns:r="http://schemas.openxmlformats.org/officeDocument/2006/relationships" xmlns:p="http://schemas.openxmlformats.org/presentationml/2006/main">
+  <p:cSld>
+    <p:spTree>
+      <p:nvGrpSpPr>
+        <p:cNvPr id="1" name=""/>
+        <p:cNvGrpSpPr/>
+        <p:nvPr/>
+      </p:nvGrpSpPr>
+      <p:grpSpPr>
+        <a:xfrm>
+          <a:off x="0" y="0"/>
+          <a:ext cx="0" cy="0"/>
+          <a:chOff x="0" y="0"/>
+          <a:chExt cx="0" cy="0"/>
+        </a:xfrm>
+      </p:grpSpPr>
+      <p:sp>
+        <p:nvSpPr>
+          <p:cNvPr id="2" name="Slide Image Placeholder 1"/>
+          <p:cNvSpPr>
+            <a:spLocks noGrp="1" noRot="1" noChangeAspect="1"/>
+          </p:cNvSpPr>
+          <p:nvPr>
+            <p:ph type="sldImg"/>
+          </p:nvPr>
+        </p:nvSpPr>
+        <p:spPr/>
+      </p:sp>
+      <p:sp>
+        <p:nvSpPr>
+          <p:cNvPr id="3" name="Notes Placeholder 2"/>
+          <p:cNvSpPr>
+            <a:spLocks noGrp="1"/>
+          </p:cNvSpPr>
+          <p:nvPr>
+            <p:ph type="body" idx="1"/>
+          </p:nvPr>
+        </p:nvSpPr>
+        <p:spPr/>
+        <p:txBody>
+          <a:bodyPr/>
+          <a:lstStyle/>
+          <a:p>
+            <a:r>
+              <a:rPr lang="en-US" dirty="0"/>
+              <a:t>Qualifiers are created as standard Java annotations using</a:t>
+            </a:r>
+            <a:r>
+              <a:rPr lang="en-US" baseline="0" dirty="0"/>
+              <a:t> </a:t>
+            </a:r>
+            <a:r>
+              <a:rPr lang="en-US" baseline="0" dirty="0" err="1"/>
+              <a:t>java.lang.annotation</a:t>
+            </a:r>
+            <a:r>
+              <a:rPr lang="en-US" baseline="0" dirty="0"/>
+              <a:t> package with the additional Qualifier annotation.</a:t>
+            </a:r>
+            <a:endParaRPr lang="bg-BG" dirty="0"/>
+          </a:p>
+        </p:txBody>
+      </p:sp>
+      <p:sp>
+        <p:nvSpPr>
+          <p:cNvPr id="4" name="Slide Number Placeholder 3"/>
+          <p:cNvSpPr>
+            <a:spLocks noGrp="1"/>
+          </p:cNvSpPr>
+          <p:nvPr>
+            <p:ph type="sldNum" sz="quarter" idx="10"/>
+          </p:nvPr>
+        </p:nvSpPr>
+        <p:spPr/>
+        <p:txBody>
+          <a:bodyPr/>
+          <a:lstStyle/>
+          <a:p>
+            <a:fld id="{55046439-0C5C-4854-BC4A-9724804BD975}" type="slidenum">
+              <a:rPr lang="bg-BG" smtClean="0"/>
+              <a:t>25</a:t>
+            </a:fld>
+            <a:endParaRPr lang="bg-BG"/>
+          </a:p>
+        </p:txBody>
+      </p:sp>
+    </p:spTree>
+    <p:extLst>
+      <p:ext uri="{BB962C8B-B14F-4D97-AF65-F5344CB8AC3E}">
+        <p14:creationId xmlns:p14="http://schemas.microsoft.com/office/powerpoint/2010/main" val="3061982831"/>
+      </p:ext>
+    </p:extLst>
+  </p:cSld>
+  <p:clrMapOvr>
+    <a:masterClrMapping/>
+  </p:clrMapOvr>
+</p:notes>
+</file>
+
+<file path=ppt/notesSlides/notesSlide13.xml><?xml version="1.0" encoding="utf-8"?>
+<p:notes xmlns:a="http://schemas.openxmlformats.org/drawingml/2006/main" xmlns:r="http://schemas.openxmlformats.org/officeDocument/2006/relationships" xmlns:p="http://schemas.openxmlformats.org/presentationml/2006/main">
+  <p:cSld>
+    <p:spTree>
+      <p:nvGrpSpPr>
+        <p:cNvPr id="1" name=""/>
+        <p:cNvGrpSpPr/>
+        <p:nvPr/>
+      </p:nvGrpSpPr>
+      <p:grpSpPr>
+        <a:xfrm>
+          <a:off x="0" y="0"/>
+          <a:ext cx="0" cy="0"/>
+          <a:chOff x="0" y="0"/>
+          <a:chExt cx="0" cy="0"/>
+        </a:xfrm>
+      </p:grpSpPr>
+      <p:sp>
+        <p:nvSpPr>
+          <p:cNvPr id="2" name="Slide Image Placeholder 1"/>
+          <p:cNvSpPr>
+            <a:spLocks noGrp="1" noRot="1" noChangeAspect="1"/>
+          </p:cNvSpPr>
+          <p:nvPr>
+            <p:ph type="sldImg"/>
+          </p:nvPr>
+        </p:nvSpPr>
+        <p:spPr/>
+      </p:sp>
+      <p:sp>
+        <p:nvSpPr>
+          <p:cNvPr id="3" name="Notes Placeholder 2"/>
+          <p:cNvSpPr>
+            <a:spLocks noGrp="1"/>
+          </p:cNvSpPr>
+          <p:nvPr>
+            <p:ph type="body" idx="1"/>
+          </p:nvPr>
+        </p:nvSpPr>
+        <p:spPr/>
+        <p:txBody>
+          <a:bodyPr/>
+          <a:lstStyle/>
+          <a:p>
+            <a:r>
+              <a:rPr lang="en-US" dirty="0"/>
+              <a:t>Qualifiers are created as standard Java annotations using</a:t>
+            </a:r>
+            <a:r>
+              <a:rPr lang="en-US" baseline="0" dirty="0"/>
+              <a:t> </a:t>
+            </a:r>
+            <a:r>
+              <a:rPr lang="en-US" baseline="0" dirty="0" err="1"/>
+              <a:t>java.lang.annotation</a:t>
+            </a:r>
+            <a:r>
+              <a:rPr lang="en-US" baseline="0" dirty="0"/>
+              <a:t> package with the additional Qualifier annotation.</a:t>
+            </a:r>
+            <a:endParaRPr lang="bg-BG" dirty="0"/>
+          </a:p>
+        </p:txBody>
+      </p:sp>
+      <p:sp>
+        <p:nvSpPr>
+          <p:cNvPr id="4" name="Slide Number Placeholder 3"/>
+          <p:cNvSpPr>
+            <a:spLocks noGrp="1"/>
+          </p:cNvSpPr>
+          <p:nvPr>
+            <p:ph type="sldNum" sz="quarter" idx="10"/>
+          </p:nvPr>
+        </p:nvSpPr>
+        <p:spPr/>
+        <p:txBody>
+          <a:bodyPr/>
+          <a:lstStyle/>
+          <a:p>
+            <a:fld id="{55046439-0C5C-4854-BC4A-9724804BD975}" type="slidenum">
+              <a:rPr lang="bg-BG" smtClean="0"/>
+              <a:t>26</a:t>
+            </a:fld>
+            <a:endParaRPr lang="bg-BG"/>
+          </a:p>
+        </p:txBody>
+      </p:sp>
+    </p:spTree>
+    <p:extLst>
+      <p:ext uri="{BB962C8B-B14F-4D97-AF65-F5344CB8AC3E}">
+        <p14:creationId xmlns:p14="http://schemas.microsoft.com/office/powerpoint/2010/main" val="184677294"/>
+      </p:ext>
+    </p:extLst>
+  </p:cSld>
+  <p:clrMapOvr>
+    <a:masterClrMapping/>
+  </p:clrMapOvr>
+</p:notes>
+</file>
+
+<file path=ppt/notesSlides/notesSlide14.xml><?xml version="1.0" encoding="utf-8"?>
+<p:notes xmlns:a="http://schemas.openxmlformats.org/drawingml/2006/main" xmlns:r="http://schemas.openxmlformats.org/officeDocument/2006/relationships" xmlns:p="http://schemas.openxmlformats.org/presentationml/2006/main">
+  <p:cSld>
+    <p:spTree>
+      <p:nvGrpSpPr>
+        <p:cNvPr id="1" name=""/>
+        <p:cNvGrpSpPr/>
+        <p:nvPr/>
+      </p:nvGrpSpPr>
+      <p:grpSpPr>
+        <a:xfrm>
+          <a:off x="0" y="0"/>
+          <a:ext cx="0" cy="0"/>
+          <a:chOff x="0" y="0"/>
+          <a:chExt cx="0" cy="0"/>
+        </a:xfrm>
+      </p:grpSpPr>
+      <p:sp>
+        <p:nvSpPr>
+          <p:cNvPr id="2" name="Slide Image Placeholder 1"/>
+          <p:cNvSpPr>
+            <a:spLocks noGrp="1" noRot="1" noChangeAspect="1"/>
+          </p:cNvSpPr>
+          <p:nvPr>
+            <p:ph type="sldImg"/>
+          </p:nvPr>
+        </p:nvSpPr>
+        <p:spPr/>
+      </p:sp>
+      <p:sp>
+        <p:nvSpPr>
+          <p:cNvPr id="3" name="Notes Placeholder 2"/>
+          <p:cNvSpPr>
+            <a:spLocks noGrp="1"/>
+          </p:cNvSpPr>
+          <p:nvPr>
+            <p:ph type="body" idx="1"/>
+          </p:nvPr>
+        </p:nvSpPr>
+        <p:spPr/>
+        <p:txBody>
+          <a:bodyPr/>
+          <a:lstStyle/>
+          <a:p>
+            <a:r>
+              <a:rPr lang="en-US" dirty="0"/>
+              <a:t>Qualifiers are created as standard Java annotations using</a:t>
+            </a:r>
+            <a:r>
+              <a:rPr lang="en-US" baseline="0" dirty="0"/>
+              <a:t> </a:t>
+            </a:r>
+            <a:r>
+              <a:rPr lang="en-US" baseline="0" dirty="0" err="1"/>
+              <a:t>java.lang.annotation</a:t>
+            </a:r>
+            <a:r>
+              <a:rPr lang="en-US" baseline="0" dirty="0"/>
+              <a:t> package with the additional Qualifier annotation.</a:t>
+            </a:r>
+            <a:endParaRPr lang="bg-BG" dirty="0"/>
+          </a:p>
+        </p:txBody>
+      </p:sp>
+      <p:sp>
+        <p:nvSpPr>
+          <p:cNvPr id="4" name="Slide Number Placeholder 3"/>
+          <p:cNvSpPr>
+            <a:spLocks noGrp="1"/>
+          </p:cNvSpPr>
+          <p:nvPr>
+            <p:ph type="sldNum" sz="quarter" idx="10"/>
+          </p:nvPr>
+        </p:nvSpPr>
+        <p:spPr/>
+        <p:txBody>
+          <a:bodyPr/>
+          <a:lstStyle/>
+          <a:p>
+            <a:fld id="{55046439-0C5C-4854-BC4A-9724804BD975}" type="slidenum">
+              <a:rPr lang="bg-BG" smtClean="0"/>
+              <a:t>27</a:t>
+            </a:fld>
+            <a:endParaRPr lang="bg-BG"/>
+          </a:p>
+        </p:txBody>
+      </p:sp>
+    </p:spTree>
+    <p:extLst>
+      <p:ext uri="{BB962C8B-B14F-4D97-AF65-F5344CB8AC3E}">
+        <p14:creationId xmlns:p14="http://schemas.microsoft.com/office/powerpoint/2010/main" val="1127165197"/>
+      </p:ext>
+    </p:extLst>
+  </p:cSld>
+  <p:clrMapOvr>
+    <a:masterClrMapping/>
+  </p:clrMapOvr>
+</p:notes>
+</file>
+
+<file path=ppt/notesSlides/notesSlide15.xml><?xml version="1.0" encoding="utf-8"?>
+<p:notes xmlns:a="http://schemas.openxmlformats.org/drawingml/2006/main" xmlns:r="http://schemas.openxmlformats.org/officeDocument/2006/relationships" xmlns:p="http://schemas.openxmlformats.org/presentationml/2006/main">
+  <p:cSld>
+    <p:spTree>
+      <p:nvGrpSpPr>
+        <p:cNvPr id="1" name=""/>
+        <p:cNvGrpSpPr/>
+        <p:nvPr/>
+      </p:nvGrpSpPr>
+      <p:grpSpPr>
+        <a:xfrm>
+          <a:off x="0" y="0"/>
+          <a:ext cx="0" cy="0"/>
+          <a:chOff x="0" y="0"/>
+          <a:chExt cx="0" cy="0"/>
+        </a:xfrm>
+      </p:grpSpPr>
+      <p:sp>
+        <p:nvSpPr>
+          <p:cNvPr id="2" name="Slide Image Placeholder 1"/>
+          <p:cNvSpPr>
+            <a:spLocks noGrp="1" noRot="1" noChangeAspect="1"/>
+          </p:cNvSpPr>
+          <p:nvPr>
+            <p:ph type="sldImg"/>
+          </p:nvPr>
+        </p:nvSpPr>
+        <p:spPr/>
+      </p:sp>
+      <p:sp>
+        <p:nvSpPr>
+          <p:cNvPr id="3" name="Notes Placeholder 2"/>
+          <p:cNvSpPr>
+            <a:spLocks noGrp="1"/>
+          </p:cNvSpPr>
+          <p:nvPr>
+            <p:ph type="body" idx="1"/>
+          </p:nvPr>
+        </p:nvSpPr>
+        <p:spPr/>
+        <p:txBody>
+          <a:bodyPr/>
+          <a:lstStyle/>
+          <a:p>
+            <a:endParaRPr lang="bg-BG" dirty="0"/>
+          </a:p>
+        </p:txBody>
+      </p:sp>
+      <p:sp>
+        <p:nvSpPr>
+          <p:cNvPr id="4" name="Slide Number Placeholder 3"/>
+          <p:cNvSpPr>
+            <a:spLocks noGrp="1"/>
+          </p:cNvSpPr>
+          <p:nvPr>
+            <p:ph type="sldNum" sz="quarter" idx="10"/>
+          </p:nvPr>
+        </p:nvSpPr>
+        <p:spPr/>
+        <p:txBody>
+          <a:bodyPr/>
+          <a:lstStyle/>
+          <a:p>
+            <a:fld id="{55046439-0C5C-4854-BC4A-9724804BD975}" type="slidenum">
+              <a:rPr lang="bg-BG" smtClean="0"/>
+              <a:t>29</a:t>
+            </a:fld>
+            <a:endParaRPr lang="bg-BG"/>
+          </a:p>
+        </p:txBody>
+      </p:sp>
+    </p:spTree>
+    <p:extLst>
+      <p:ext uri="{BB962C8B-B14F-4D97-AF65-F5344CB8AC3E}">
+        <p14:creationId xmlns:p14="http://schemas.microsoft.com/office/powerpoint/2010/main" val="1682398651"/>
+      </p:ext>
+    </p:extLst>
+  </p:cSld>
+  <p:clrMapOvr>
+    <a:masterClrMapping/>
+  </p:clrMapOvr>
+</p:notes>
+</file>
+
+<file path=ppt/notesSlides/notesSlide16.xml><?xml version="1.0" encoding="utf-8"?>
+<p:notes xmlns:a="http://schemas.openxmlformats.org/drawingml/2006/main" xmlns:r="http://schemas.openxmlformats.org/officeDocument/2006/relationships" xmlns:p="http://schemas.openxmlformats.org/presentationml/2006/main">
+  <p:cSld>
+    <p:spTree>
+      <p:nvGrpSpPr>
+        <p:cNvPr id="1" name=""/>
+        <p:cNvGrpSpPr/>
+        <p:nvPr/>
+      </p:nvGrpSpPr>
+      <p:grpSpPr>
+        <a:xfrm>
+          <a:off x="0" y="0"/>
+          <a:ext cx="0" cy="0"/>
+          <a:chOff x="0" y="0"/>
+          <a:chExt cx="0" cy="0"/>
+        </a:xfrm>
+      </p:grpSpPr>
+      <p:sp>
+        <p:nvSpPr>
+          <p:cNvPr id="2" name="Slide Image Placeholder 1"/>
+          <p:cNvSpPr>
+            <a:spLocks noGrp="1" noRot="1" noChangeAspect="1"/>
+          </p:cNvSpPr>
+          <p:nvPr>
+            <p:ph type="sldImg"/>
+          </p:nvPr>
+        </p:nvSpPr>
+        <p:spPr/>
+      </p:sp>
+      <p:sp>
+        <p:nvSpPr>
+          <p:cNvPr id="3" name="Notes Placeholder 2"/>
+          <p:cNvSpPr>
+            <a:spLocks noGrp="1"/>
+          </p:cNvSpPr>
+          <p:nvPr>
+            <p:ph type="body" idx="1"/>
+          </p:nvPr>
+        </p:nvSpPr>
+        <p:spPr/>
+        <p:txBody>
+          <a:bodyPr/>
+          <a:lstStyle/>
+          <a:p>
+            <a:endParaRPr lang="bg-BG" dirty="0"/>
+          </a:p>
+        </p:txBody>
+      </p:sp>
+      <p:sp>
+        <p:nvSpPr>
+          <p:cNvPr id="4" name="Slide Number Placeholder 3"/>
+          <p:cNvSpPr>
+            <a:spLocks noGrp="1"/>
+          </p:cNvSpPr>
+          <p:nvPr>
+            <p:ph type="sldNum" sz="quarter" idx="10"/>
+          </p:nvPr>
+        </p:nvSpPr>
+        <p:spPr/>
+        <p:txBody>
+          <a:bodyPr/>
+          <a:lstStyle/>
+          <a:p>
+            <a:fld id="{55046439-0C5C-4854-BC4A-9724804BD975}" type="slidenum">
+              <a:rPr lang="bg-BG" smtClean="0"/>
+              <a:t>32</a:t>
+            </a:fld>
+            <a:endParaRPr lang="bg-BG"/>
+          </a:p>
+        </p:txBody>
+      </p:sp>
+    </p:spTree>
+    <p:extLst>
+      <p:ext uri="{BB962C8B-B14F-4D97-AF65-F5344CB8AC3E}">
+        <p14:creationId xmlns:p14="http://schemas.microsoft.com/office/powerpoint/2010/main" val="2143017502"/>
+      </p:ext>
+    </p:extLst>
+  </p:cSld>
+  <p:clrMapOvr>
+    <a:masterClrMapping/>
+  </p:clrMapOvr>
+</p:notes>
+</file>
+
+<file path=ppt/notesSlides/notesSlide17.xml><?xml version="1.0" encoding="utf-8"?>
+<p:notes xmlns:a="http://schemas.openxmlformats.org/drawingml/2006/main" xmlns:r="http://schemas.openxmlformats.org/officeDocument/2006/relationships" xmlns:p="http://schemas.openxmlformats.org/presentationml/2006/main">
+  <p:cSld>
+    <p:spTree>
+      <p:nvGrpSpPr>
+        <p:cNvPr id="1" name=""/>
+        <p:cNvGrpSpPr/>
+        <p:nvPr/>
+      </p:nvGrpSpPr>
+      <p:grpSpPr>
+        <a:xfrm>
+          <a:off x="0" y="0"/>
+          <a:ext cx="0" cy="0"/>
+          <a:chOff x="0" y="0"/>
+          <a:chExt cx="0" cy="0"/>
+        </a:xfrm>
+      </p:grpSpPr>
+      <p:sp>
+        <p:nvSpPr>
+          <p:cNvPr id="2" name="Slide Image Placeholder 1"/>
+          <p:cNvSpPr>
+            <a:spLocks noGrp="1" noRot="1" noChangeAspect="1"/>
+          </p:cNvSpPr>
+          <p:nvPr>
+            <p:ph type="sldImg"/>
+          </p:nvPr>
+        </p:nvSpPr>
+        <p:spPr/>
+      </p:sp>
+      <p:sp>
+        <p:nvSpPr>
+          <p:cNvPr id="3" name="Notes Placeholder 2"/>
+          <p:cNvSpPr>
+            <a:spLocks noGrp="1"/>
+          </p:cNvSpPr>
+          <p:nvPr>
+            <p:ph type="body" idx="1"/>
+          </p:nvPr>
+        </p:nvSpPr>
+        <p:spPr/>
+        <p:txBody>
+          <a:bodyPr/>
+          <a:lstStyle/>
+          <a:p>
+            <a:endParaRPr lang="bg-BG" dirty="0"/>
+          </a:p>
+        </p:txBody>
+      </p:sp>
+      <p:sp>
+        <p:nvSpPr>
+          <p:cNvPr id="4" name="Slide Number Placeholder 3"/>
+          <p:cNvSpPr>
+            <a:spLocks noGrp="1"/>
+          </p:cNvSpPr>
+          <p:nvPr>
+            <p:ph type="sldNum" sz="quarter" idx="10"/>
+          </p:nvPr>
+        </p:nvSpPr>
+        <p:spPr/>
+        <p:txBody>
+          <a:bodyPr/>
+          <a:lstStyle/>
+          <a:p>
+            <a:fld id="{55046439-0C5C-4854-BC4A-9724804BD975}" type="slidenum">
+              <a:rPr lang="bg-BG" smtClean="0"/>
+              <a:t>33</a:t>
+            </a:fld>
+            <a:endParaRPr lang="bg-BG"/>
+          </a:p>
+        </p:txBody>
+      </p:sp>
+    </p:spTree>
+    <p:extLst>
+      <p:ext uri="{BB962C8B-B14F-4D97-AF65-F5344CB8AC3E}">
+        <p14:creationId xmlns:p14="http://schemas.microsoft.com/office/powerpoint/2010/main" val="894322118"/>
+      </p:ext>
+    </p:extLst>
+  </p:cSld>
+  <p:clrMapOvr>
+    <a:masterClrMapping/>
+  </p:clrMapOvr>
+</p:notes>
+</file>
+
+<file path=ppt/notesSlides/notesSlide18.xml><?xml version="1.0" encoding="utf-8"?>
+<p:notes xmlns:a="http://schemas.openxmlformats.org/drawingml/2006/main" xmlns:r="http://schemas.openxmlformats.org/officeDocument/2006/relationships" xmlns:p="http://schemas.openxmlformats.org/presentationml/2006/main">
+  <p:cSld>
+    <p:spTree>
+      <p:nvGrpSpPr>
+        <p:cNvPr id="1" name=""/>
+        <p:cNvGrpSpPr/>
+        <p:nvPr/>
+      </p:nvGrpSpPr>
+      <p:grpSpPr>
+        <a:xfrm>
+          <a:off x="0" y="0"/>
+          <a:ext cx="0" cy="0"/>
+          <a:chOff x="0" y="0"/>
+          <a:chExt cx="0" cy="0"/>
+        </a:xfrm>
+      </p:grpSpPr>
+      <p:sp>
+        <p:nvSpPr>
+          <p:cNvPr id="2" name="Slide Image Placeholder 1"/>
+          <p:cNvSpPr>
+            <a:spLocks noGrp="1" noRot="1" noChangeAspect="1"/>
+          </p:cNvSpPr>
+          <p:nvPr>
+            <p:ph type="sldImg"/>
+          </p:nvPr>
+        </p:nvSpPr>
+        <p:spPr/>
+      </p:sp>
+      <p:sp>
+        <p:nvSpPr>
+          <p:cNvPr id="3" name="Notes Placeholder 2"/>
+          <p:cNvSpPr>
+            <a:spLocks noGrp="1"/>
+          </p:cNvSpPr>
+          <p:nvPr>
+            <p:ph type="body" idx="1"/>
+          </p:nvPr>
+        </p:nvSpPr>
+        <p:spPr/>
+        <p:txBody>
+          <a:bodyPr/>
+          <a:lstStyle/>
+          <a:p>
+            <a:endParaRPr lang="bg-BG" dirty="0"/>
+          </a:p>
+        </p:txBody>
+      </p:sp>
+      <p:sp>
+        <p:nvSpPr>
+          <p:cNvPr id="4" name="Slide Number Placeholder 3"/>
+          <p:cNvSpPr>
+            <a:spLocks noGrp="1"/>
+          </p:cNvSpPr>
+          <p:nvPr>
+            <p:ph type="sldNum" sz="quarter" idx="10"/>
+          </p:nvPr>
+        </p:nvSpPr>
+        <p:spPr/>
+        <p:txBody>
+          <a:bodyPr/>
+          <a:lstStyle/>
+          <a:p>
+            <a:fld id="{55046439-0C5C-4854-BC4A-9724804BD975}" type="slidenum">
+              <a:rPr lang="bg-BG" smtClean="0"/>
+              <a:t>34</a:t>
+            </a:fld>
+            <a:endParaRPr lang="bg-BG"/>
+          </a:p>
+        </p:txBody>
+      </p:sp>
+    </p:spTree>
+    <p:extLst>
+      <p:ext uri="{BB962C8B-B14F-4D97-AF65-F5344CB8AC3E}">
+        <p14:creationId xmlns:p14="http://schemas.microsoft.com/office/powerpoint/2010/main" val="3543980883"/>
+      </p:ext>
+    </p:extLst>
+  </p:cSld>
+  <p:clrMapOvr>
+    <a:masterClrMapping/>
+  </p:clrMapOvr>
+</p:notes>
+</file>
+
+<file path=ppt/notesSlides/notesSlide19.xml><?xml version="1.0" encoding="utf-8"?>
+<p:notes xmlns:a="http://schemas.openxmlformats.org/drawingml/2006/main" xmlns:r="http://schemas.openxmlformats.org/officeDocument/2006/relationships" xmlns:p="http://schemas.openxmlformats.org/presentationml/2006/main">
+  <p:cSld>
+    <p:spTree>
+      <p:nvGrpSpPr>
+        <p:cNvPr id="1" name=""/>
+        <p:cNvGrpSpPr/>
+        <p:nvPr/>
+      </p:nvGrpSpPr>
+      <p:grpSpPr>
+        <a:xfrm>
+          <a:off x="0" y="0"/>
+          <a:ext cx="0" cy="0"/>
+          <a:chOff x="0" y="0"/>
+          <a:chExt cx="0" cy="0"/>
+        </a:xfrm>
+      </p:grpSpPr>
+      <p:sp>
+        <p:nvSpPr>
+          <p:cNvPr id="2" name="Slide Image Placeholder 1"/>
+          <p:cNvSpPr>
+            <a:spLocks noGrp="1" noRot="1" noChangeAspect="1"/>
+          </p:cNvSpPr>
+          <p:nvPr>
+            <p:ph type="sldImg"/>
+          </p:nvPr>
+        </p:nvSpPr>
+        <p:spPr/>
+      </p:sp>
+      <p:sp>
+        <p:nvSpPr>
+          <p:cNvPr id="3" name="Notes Placeholder 2"/>
+          <p:cNvSpPr>
+            <a:spLocks noGrp="1"/>
+          </p:cNvSpPr>
+          <p:nvPr>
+            <p:ph type="body" idx="1"/>
+          </p:nvPr>
+        </p:nvSpPr>
+        <p:spPr/>
+        <p:txBody>
+          <a:bodyPr/>
+          <a:lstStyle/>
+          <a:p>
+            <a:endParaRPr lang="bg-BG" dirty="0"/>
+          </a:p>
+        </p:txBody>
+      </p:sp>
+      <p:sp>
+        <p:nvSpPr>
+          <p:cNvPr id="4" name="Slide Number Placeholder 3"/>
+          <p:cNvSpPr>
+            <a:spLocks noGrp="1"/>
+          </p:cNvSpPr>
+          <p:nvPr>
+            <p:ph type="sldNum" sz="quarter" idx="10"/>
+          </p:nvPr>
+        </p:nvSpPr>
+        <p:spPr/>
+        <p:txBody>
+          <a:bodyPr/>
+          <a:lstStyle/>
+          <a:p>
+            <a:fld id="{55046439-0C5C-4854-BC4A-9724804BD975}" type="slidenum">
+              <a:rPr lang="bg-BG" smtClean="0"/>
+              <a:t>36</a:t>
+            </a:fld>
+            <a:endParaRPr lang="bg-BG"/>
+          </a:p>
+        </p:txBody>
+      </p:sp>
+    </p:spTree>
+    <p:extLst>
+      <p:ext uri="{BB962C8B-B14F-4D97-AF65-F5344CB8AC3E}">
+        <p14:creationId xmlns:p14="http://schemas.microsoft.com/office/powerpoint/2010/main" val="1553117092"/>
+      </p:ext>
+    </p:extLst>
+  </p:cSld>
+  <p:clrMapOvr>
+    <a:masterClrMapping/>
+  </p:clrMapOvr>
+</p:notes>
+</file>
+
 <file path=ppt/notesSlides/notesSlide2.xml><?xml version="1.0" encoding="utf-8"?>
 <p:notes xmlns:a="http://schemas.openxmlformats.org/drawingml/2006/main" xmlns:r="http://schemas.openxmlformats.org/officeDocument/2006/relationships" xmlns:p="http://schemas.openxmlformats.org/presentationml/2006/main">
   <p:cSld>
@@ -14945,6 +19054,258 @@
     <p:extLst>
       <p:ext uri="{BB962C8B-B14F-4D97-AF65-F5344CB8AC3E}">
         <p14:creationId xmlns:p14="http://schemas.microsoft.com/office/powerpoint/2010/main" val="1757969167"/>
+      </p:ext>
+    </p:extLst>
+  </p:cSld>
+  <p:clrMapOvr>
+    <a:masterClrMapping/>
+  </p:clrMapOvr>
+</p:notes>
+</file>
+
+<file path=ppt/notesSlides/notesSlide20.xml><?xml version="1.0" encoding="utf-8"?>
+<p:notes xmlns:a="http://schemas.openxmlformats.org/drawingml/2006/main" xmlns:r="http://schemas.openxmlformats.org/officeDocument/2006/relationships" xmlns:p="http://schemas.openxmlformats.org/presentationml/2006/main">
+  <p:cSld>
+    <p:spTree>
+      <p:nvGrpSpPr>
+        <p:cNvPr id="1" name=""/>
+        <p:cNvGrpSpPr/>
+        <p:nvPr/>
+      </p:nvGrpSpPr>
+      <p:grpSpPr>
+        <a:xfrm>
+          <a:off x="0" y="0"/>
+          <a:ext cx="0" cy="0"/>
+          <a:chOff x="0" y="0"/>
+          <a:chExt cx="0" cy="0"/>
+        </a:xfrm>
+      </p:grpSpPr>
+      <p:sp>
+        <p:nvSpPr>
+          <p:cNvPr id="2" name="Slide Image Placeholder 1"/>
+          <p:cNvSpPr>
+            <a:spLocks noGrp="1" noRot="1" noChangeAspect="1"/>
+          </p:cNvSpPr>
+          <p:nvPr>
+            <p:ph type="sldImg"/>
+          </p:nvPr>
+        </p:nvSpPr>
+        <p:spPr/>
+      </p:sp>
+      <p:sp>
+        <p:nvSpPr>
+          <p:cNvPr id="3" name="Notes Placeholder 2"/>
+          <p:cNvSpPr>
+            <a:spLocks noGrp="1"/>
+          </p:cNvSpPr>
+          <p:nvPr>
+            <p:ph type="body" idx="1"/>
+          </p:nvPr>
+        </p:nvSpPr>
+        <p:spPr/>
+        <p:txBody>
+          <a:bodyPr/>
+          <a:lstStyle/>
+          <a:p>
+            <a:endParaRPr lang="bg-BG" dirty="0"/>
+          </a:p>
+        </p:txBody>
+      </p:sp>
+      <p:sp>
+        <p:nvSpPr>
+          <p:cNvPr id="4" name="Slide Number Placeholder 3"/>
+          <p:cNvSpPr>
+            <a:spLocks noGrp="1"/>
+          </p:cNvSpPr>
+          <p:nvPr>
+            <p:ph type="sldNum" sz="quarter" idx="10"/>
+          </p:nvPr>
+        </p:nvSpPr>
+        <p:spPr/>
+        <p:txBody>
+          <a:bodyPr/>
+          <a:lstStyle/>
+          <a:p>
+            <a:fld id="{55046439-0C5C-4854-BC4A-9724804BD975}" type="slidenum">
+              <a:rPr lang="bg-BG" smtClean="0"/>
+              <a:t>37</a:t>
+            </a:fld>
+            <a:endParaRPr lang="bg-BG"/>
+          </a:p>
+        </p:txBody>
+      </p:sp>
+    </p:spTree>
+    <p:extLst>
+      <p:ext uri="{BB962C8B-B14F-4D97-AF65-F5344CB8AC3E}">
+        <p14:creationId xmlns:p14="http://schemas.microsoft.com/office/powerpoint/2010/main" val="2132415358"/>
+      </p:ext>
+    </p:extLst>
+  </p:cSld>
+  <p:clrMapOvr>
+    <a:masterClrMapping/>
+  </p:clrMapOvr>
+</p:notes>
+</file>
+
+<file path=ppt/notesSlides/notesSlide21.xml><?xml version="1.0" encoding="utf-8"?>
+<p:notes xmlns:a="http://schemas.openxmlformats.org/drawingml/2006/main" xmlns:r="http://schemas.openxmlformats.org/officeDocument/2006/relationships" xmlns:p="http://schemas.openxmlformats.org/presentationml/2006/main">
+  <p:cSld>
+    <p:spTree>
+      <p:nvGrpSpPr>
+        <p:cNvPr id="1" name=""/>
+        <p:cNvGrpSpPr/>
+        <p:nvPr/>
+      </p:nvGrpSpPr>
+      <p:grpSpPr>
+        <a:xfrm>
+          <a:off x="0" y="0"/>
+          <a:ext cx="0" cy="0"/>
+          <a:chOff x="0" y="0"/>
+          <a:chExt cx="0" cy="0"/>
+        </a:xfrm>
+      </p:grpSpPr>
+      <p:sp>
+        <p:nvSpPr>
+          <p:cNvPr id="2" name="Slide Image Placeholder 1"/>
+          <p:cNvSpPr>
+            <a:spLocks noGrp="1" noRot="1" noChangeAspect="1"/>
+          </p:cNvSpPr>
+          <p:nvPr>
+            <p:ph type="sldImg"/>
+          </p:nvPr>
+        </p:nvSpPr>
+        <p:spPr/>
+      </p:sp>
+      <p:sp>
+        <p:nvSpPr>
+          <p:cNvPr id="3" name="Notes Placeholder 2"/>
+          <p:cNvSpPr>
+            <a:spLocks noGrp="1"/>
+          </p:cNvSpPr>
+          <p:nvPr>
+            <p:ph type="body" idx="1"/>
+          </p:nvPr>
+        </p:nvSpPr>
+        <p:spPr/>
+        <p:txBody>
+          <a:bodyPr/>
+          <a:lstStyle/>
+          <a:p>
+            <a:endParaRPr lang="bg-BG" dirty="0"/>
+          </a:p>
+        </p:txBody>
+      </p:sp>
+      <p:sp>
+        <p:nvSpPr>
+          <p:cNvPr id="4" name="Slide Number Placeholder 3"/>
+          <p:cNvSpPr>
+            <a:spLocks noGrp="1"/>
+          </p:cNvSpPr>
+          <p:nvPr>
+            <p:ph type="sldNum" sz="quarter" idx="10"/>
+          </p:nvPr>
+        </p:nvSpPr>
+        <p:spPr/>
+        <p:txBody>
+          <a:bodyPr/>
+          <a:lstStyle/>
+          <a:p>
+            <a:fld id="{55046439-0C5C-4854-BC4A-9724804BD975}" type="slidenum">
+              <a:rPr lang="bg-BG" smtClean="0"/>
+              <a:t>40</a:t>
+            </a:fld>
+            <a:endParaRPr lang="bg-BG"/>
+          </a:p>
+        </p:txBody>
+      </p:sp>
+    </p:spTree>
+    <p:extLst>
+      <p:ext uri="{BB962C8B-B14F-4D97-AF65-F5344CB8AC3E}">
+        <p14:creationId xmlns:p14="http://schemas.microsoft.com/office/powerpoint/2010/main" val="1913130482"/>
+      </p:ext>
+    </p:extLst>
+  </p:cSld>
+  <p:clrMapOvr>
+    <a:masterClrMapping/>
+  </p:clrMapOvr>
+</p:notes>
+</file>
+
+<file path=ppt/notesSlides/notesSlide22.xml><?xml version="1.0" encoding="utf-8"?>
+<p:notes xmlns:a="http://schemas.openxmlformats.org/drawingml/2006/main" xmlns:r="http://schemas.openxmlformats.org/officeDocument/2006/relationships" xmlns:p="http://schemas.openxmlformats.org/presentationml/2006/main">
+  <p:cSld>
+    <p:spTree>
+      <p:nvGrpSpPr>
+        <p:cNvPr id="1" name=""/>
+        <p:cNvGrpSpPr/>
+        <p:nvPr/>
+      </p:nvGrpSpPr>
+      <p:grpSpPr>
+        <a:xfrm>
+          <a:off x="0" y="0"/>
+          <a:ext cx="0" cy="0"/>
+          <a:chOff x="0" y="0"/>
+          <a:chExt cx="0" cy="0"/>
+        </a:xfrm>
+      </p:grpSpPr>
+      <p:sp>
+        <p:nvSpPr>
+          <p:cNvPr id="2" name="Slide Image Placeholder 1"/>
+          <p:cNvSpPr>
+            <a:spLocks noGrp="1" noRot="1" noChangeAspect="1"/>
+          </p:cNvSpPr>
+          <p:nvPr>
+            <p:ph type="sldImg"/>
+          </p:nvPr>
+        </p:nvSpPr>
+        <p:spPr/>
+      </p:sp>
+      <p:sp>
+        <p:nvSpPr>
+          <p:cNvPr id="3" name="Notes Placeholder 2"/>
+          <p:cNvSpPr>
+            <a:spLocks noGrp="1"/>
+          </p:cNvSpPr>
+          <p:nvPr>
+            <p:ph type="body" idx="1"/>
+          </p:nvPr>
+        </p:nvSpPr>
+        <p:spPr/>
+        <p:txBody>
+          <a:bodyPr/>
+          <a:lstStyle/>
+          <a:p>
+            <a:endParaRPr lang="bg-BG" dirty="0"/>
+          </a:p>
+        </p:txBody>
+      </p:sp>
+      <p:sp>
+        <p:nvSpPr>
+          <p:cNvPr id="4" name="Slide Number Placeholder 3"/>
+          <p:cNvSpPr>
+            <a:spLocks noGrp="1"/>
+          </p:cNvSpPr>
+          <p:nvPr>
+            <p:ph type="sldNum" sz="quarter" idx="10"/>
+          </p:nvPr>
+        </p:nvSpPr>
+        <p:spPr/>
+        <p:txBody>
+          <a:bodyPr/>
+          <a:lstStyle/>
+          <a:p>
+            <a:fld id="{55046439-0C5C-4854-BC4A-9724804BD975}" type="slidenum">
+              <a:rPr lang="bg-BG" smtClean="0"/>
+              <a:t>41</a:t>
+            </a:fld>
+            <a:endParaRPr lang="bg-BG"/>
+          </a:p>
+        </p:txBody>
+      </p:sp>
+    </p:spTree>
+    <p:extLst>
+      <p:ext uri="{BB962C8B-B14F-4D97-AF65-F5344CB8AC3E}">
+        <p14:creationId xmlns:p14="http://schemas.microsoft.com/office/powerpoint/2010/main" val="1001486821"/>
       </p:ext>
     </p:extLst>
   </p:cSld>
@@ -15551,6 +19912,174 @@
     <p:extLst>
       <p:ext uri="{BB962C8B-B14F-4D97-AF65-F5344CB8AC3E}">
         <p14:creationId xmlns:p14="http://schemas.microsoft.com/office/powerpoint/2010/main" val="4262309907"/>
+      </p:ext>
+    </p:extLst>
+  </p:cSld>
+  <p:clrMapOvr>
+    <a:masterClrMapping/>
+  </p:clrMapOvr>
+</p:notes>
+</file>
+
+<file path=ppt/notesSlides/notesSlide8.xml><?xml version="1.0" encoding="utf-8"?>
+<p:notes xmlns:a="http://schemas.openxmlformats.org/drawingml/2006/main" xmlns:r="http://schemas.openxmlformats.org/officeDocument/2006/relationships" xmlns:p="http://schemas.openxmlformats.org/presentationml/2006/main">
+  <p:cSld>
+    <p:spTree>
+      <p:nvGrpSpPr>
+        <p:cNvPr id="1" name=""/>
+        <p:cNvGrpSpPr/>
+        <p:nvPr/>
+      </p:nvGrpSpPr>
+      <p:grpSpPr>
+        <a:xfrm>
+          <a:off x="0" y="0"/>
+          <a:ext cx="0" cy="0"/>
+          <a:chOff x="0" y="0"/>
+          <a:chExt cx="0" cy="0"/>
+        </a:xfrm>
+      </p:grpSpPr>
+      <p:sp>
+        <p:nvSpPr>
+          <p:cNvPr id="2" name="Slide Image Placeholder 1"/>
+          <p:cNvSpPr>
+            <a:spLocks noGrp="1" noRot="1" noChangeAspect="1"/>
+          </p:cNvSpPr>
+          <p:nvPr>
+            <p:ph type="sldImg"/>
+          </p:nvPr>
+        </p:nvSpPr>
+        <p:spPr/>
+      </p:sp>
+      <p:sp>
+        <p:nvSpPr>
+          <p:cNvPr id="3" name="Notes Placeholder 2"/>
+          <p:cNvSpPr>
+            <a:spLocks noGrp="1"/>
+          </p:cNvSpPr>
+          <p:nvPr>
+            <p:ph type="body" idx="1"/>
+          </p:nvPr>
+        </p:nvSpPr>
+        <p:spPr/>
+        <p:txBody>
+          <a:bodyPr/>
+          <a:lstStyle/>
+          <a:p>
+            <a:endParaRPr lang="bg-BG" dirty="0"/>
+          </a:p>
+        </p:txBody>
+      </p:sp>
+      <p:sp>
+        <p:nvSpPr>
+          <p:cNvPr id="4" name="Slide Number Placeholder 3"/>
+          <p:cNvSpPr>
+            <a:spLocks noGrp="1"/>
+          </p:cNvSpPr>
+          <p:nvPr>
+            <p:ph type="sldNum" sz="quarter" idx="10"/>
+          </p:nvPr>
+        </p:nvSpPr>
+        <p:spPr/>
+        <p:txBody>
+          <a:bodyPr/>
+          <a:lstStyle/>
+          <a:p>
+            <a:fld id="{55046439-0C5C-4854-BC4A-9724804BD975}" type="slidenum">
+              <a:rPr lang="bg-BG" smtClean="0"/>
+              <a:t>13</a:t>
+            </a:fld>
+            <a:endParaRPr lang="bg-BG"/>
+          </a:p>
+        </p:txBody>
+      </p:sp>
+    </p:spTree>
+    <p:extLst>
+      <p:ext uri="{BB962C8B-B14F-4D97-AF65-F5344CB8AC3E}">
+        <p14:creationId xmlns:p14="http://schemas.microsoft.com/office/powerpoint/2010/main" val="3724079353"/>
+      </p:ext>
+    </p:extLst>
+  </p:cSld>
+  <p:clrMapOvr>
+    <a:masterClrMapping/>
+  </p:clrMapOvr>
+</p:notes>
+</file>
+
+<file path=ppt/notesSlides/notesSlide9.xml><?xml version="1.0" encoding="utf-8"?>
+<p:notes xmlns:a="http://schemas.openxmlformats.org/drawingml/2006/main" xmlns:r="http://schemas.openxmlformats.org/officeDocument/2006/relationships" xmlns:p="http://schemas.openxmlformats.org/presentationml/2006/main">
+  <p:cSld>
+    <p:spTree>
+      <p:nvGrpSpPr>
+        <p:cNvPr id="1" name=""/>
+        <p:cNvGrpSpPr/>
+        <p:nvPr/>
+      </p:nvGrpSpPr>
+      <p:grpSpPr>
+        <a:xfrm>
+          <a:off x="0" y="0"/>
+          <a:ext cx="0" cy="0"/>
+          <a:chOff x="0" y="0"/>
+          <a:chExt cx="0" cy="0"/>
+        </a:xfrm>
+      </p:grpSpPr>
+      <p:sp>
+        <p:nvSpPr>
+          <p:cNvPr id="2" name="Slide Image Placeholder 1"/>
+          <p:cNvSpPr>
+            <a:spLocks noGrp="1" noRot="1" noChangeAspect="1"/>
+          </p:cNvSpPr>
+          <p:nvPr>
+            <p:ph type="sldImg"/>
+          </p:nvPr>
+        </p:nvSpPr>
+        <p:spPr/>
+      </p:sp>
+      <p:sp>
+        <p:nvSpPr>
+          <p:cNvPr id="3" name="Notes Placeholder 2"/>
+          <p:cNvSpPr>
+            <a:spLocks noGrp="1"/>
+          </p:cNvSpPr>
+          <p:nvPr>
+            <p:ph type="body" idx="1"/>
+          </p:nvPr>
+        </p:nvSpPr>
+        <p:spPr/>
+        <p:txBody>
+          <a:bodyPr/>
+          <a:lstStyle/>
+          <a:p>
+            <a:endParaRPr lang="bg-BG" dirty="0"/>
+          </a:p>
+        </p:txBody>
+      </p:sp>
+      <p:sp>
+        <p:nvSpPr>
+          <p:cNvPr id="4" name="Slide Number Placeholder 3"/>
+          <p:cNvSpPr>
+            <a:spLocks noGrp="1"/>
+          </p:cNvSpPr>
+          <p:nvPr>
+            <p:ph type="sldNum" sz="quarter" idx="10"/>
+          </p:nvPr>
+        </p:nvSpPr>
+        <p:spPr/>
+        <p:txBody>
+          <a:bodyPr/>
+          <a:lstStyle/>
+          <a:p>
+            <a:fld id="{55046439-0C5C-4854-BC4A-9724804BD975}" type="slidenum">
+              <a:rPr lang="bg-BG" smtClean="0"/>
+              <a:t>17</a:t>
+            </a:fld>
+            <a:endParaRPr lang="bg-BG"/>
+          </a:p>
+        </p:txBody>
+      </p:sp>
+    </p:spTree>
+    <p:extLst>
+      <p:ext uri="{BB962C8B-B14F-4D97-AF65-F5344CB8AC3E}">
+        <p14:creationId xmlns:p14="http://schemas.microsoft.com/office/powerpoint/2010/main" val="600050202"/>
       </p:ext>
     </p:extLst>
   </p:cSld>
@@ -21558,6 +26087,179 @@
           <a:p>
             <a:r>
               <a:rPr lang="en-US" dirty="0"/>
+              <a:t>CDI Injection overview</a:t>
+            </a:r>
+            <a:endParaRPr lang="bg-BG" dirty="0"/>
+          </a:p>
+        </p:txBody>
+      </p:sp>
+      <p:sp>
+        <p:nvSpPr>
+          <p:cNvPr id="3" name="Content Placeholder 2"/>
+          <p:cNvSpPr>
+            <a:spLocks noGrp="1"/>
+          </p:cNvSpPr>
+          <p:nvPr>
+            <p:ph idx="1"/>
+          </p:nvPr>
+        </p:nvSpPr>
+        <p:spPr/>
+        <p:txBody>
+          <a:bodyPr/>
+          <a:lstStyle/>
+          <a:p>
+            <a:r>
+              <a:rPr lang="en-US" dirty="0"/>
+              <a:t>Simple CDI Injection</a:t>
+            </a:r>
+          </a:p>
+          <a:p>
+            <a:r>
+              <a:rPr lang="en-US" dirty="0"/>
+              <a:t>Ambiguous CDI injections</a:t>
+            </a:r>
+          </a:p>
+          <a:p>
+            <a:r>
+              <a:rPr lang="en-US" dirty="0"/>
+              <a:t>@Default and @Alternative</a:t>
+            </a:r>
+          </a:p>
+          <a:p>
+            <a:r>
+              <a:rPr lang="en-US" dirty="0"/>
+              <a:t>@Qualifier</a:t>
+            </a:r>
+          </a:p>
+          <a:p>
+            <a:r>
+              <a:rPr lang="en-US" dirty="0"/>
+              <a:t>Multiple @Qualifier - s</a:t>
+            </a:r>
+          </a:p>
+          <a:p>
+            <a:r>
+              <a:rPr lang="en-US" dirty="0"/>
+              <a:t>Advanced @Qualifier</a:t>
+            </a:r>
+          </a:p>
+          <a:p>
+            <a:r>
+              <a:rPr lang="en-US" dirty="0"/>
+              <a:t>@Vetoed</a:t>
+            </a:r>
+          </a:p>
+        </p:txBody>
+      </p:sp>
+      <p:pic>
+        <p:nvPicPr>
+          <p:cNvPr id="4" name="Picture 3"/>
+          <p:cNvPicPr>
+            <a:picLocks noChangeAspect="1"/>
+          </p:cNvPicPr>
+          <p:nvPr/>
+        </p:nvPicPr>
+        <p:blipFill>
+          <a:blip r:embed="rId3">
+            <a:extLst>
+              <a:ext uri="{28A0092B-C50C-407E-A947-70E740481C1C}">
+                <a14:useLocalDpi xmlns:a14="http://schemas.microsoft.com/office/drawing/2010/main" val="0"/>
+              </a:ext>
+            </a:extLst>
+          </a:blip>
+          <a:stretch>
+            <a:fillRect/>
+          </a:stretch>
+        </p:blipFill>
+        <p:spPr>
+          <a:xfrm>
+            <a:off x="6344855" y="3148314"/>
+            <a:ext cx="4240580" cy="2120290"/>
+          </a:xfrm>
+          <a:prstGeom prst="rect">
+            <a:avLst/>
+          </a:prstGeom>
+          <a:solidFill>
+            <a:srgbClr val="FFFFFF">
+              <a:shade val="85000"/>
+            </a:srgbClr>
+          </a:solidFill>
+          <a:ln w="190500" cap="sq">
+            <a:solidFill>
+              <a:srgbClr val="FFFFFF"/>
+            </a:solidFill>
+            <a:miter lim="800000"/>
+          </a:ln>
+          <a:effectLst>
+            <a:outerShdw blurRad="65000" dist="50800" dir="12900000" kx="195000" ky="145000" algn="tl" rotWithShape="0">
+              <a:srgbClr val="000000">
+                <a:alpha val="30000"/>
+              </a:srgbClr>
+            </a:outerShdw>
+          </a:effectLst>
+          <a:scene3d>
+            <a:camera prst="orthographicFront">
+              <a:rot lat="0" lon="0" rev="360000"/>
+            </a:camera>
+            <a:lightRig rig="twoPt" dir="t">
+              <a:rot lat="0" lon="0" rev="7200000"/>
+            </a:lightRig>
+          </a:scene3d>
+          <a:sp3d contourW="12700">
+            <a:bevelT w="25400" h="19050"/>
+            <a:contourClr>
+              <a:srgbClr val="969696"/>
+            </a:contourClr>
+          </a:sp3d>
+        </p:spPr>
+      </p:pic>
+    </p:spTree>
+    <p:extLst>
+      <p:ext uri="{BB962C8B-B14F-4D97-AF65-F5344CB8AC3E}">
+        <p14:creationId xmlns:p14="http://schemas.microsoft.com/office/powerpoint/2010/main" val="1160984326"/>
+      </p:ext>
+    </p:extLst>
+  </p:cSld>
+  <p:clrMapOvr>
+    <a:masterClrMapping/>
+  </p:clrMapOvr>
+</p:sld>
+</file>
+
+<file path=ppt/slides/slide14.xml><?xml version="1.0" encoding="utf-8"?>
+<p:sld xmlns:a="http://schemas.openxmlformats.org/drawingml/2006/main" xmlns:r="http://schemas.openxmlformats.org/officeDocument/2006/relationships" xmlns:p="http://schemas.openxmlformats.org/presentationml/2006/main">
+  <p:cSld>
+    <p:spTree>
+      <p:nvGrpSpPr>
+        <p:cNvPr id="1" name=""/>
+        <p:cNvGrpSpPr/>
+        <p:nvPr/>
+      </p:nvGrpSpPr>
+      <p:grpSpPr>
+        <a:xfrm>
+          <a:off x="0" y="0"/>
+          <a:ext cx="0" cy="0"/>
+          <a:chOff x="0" y="0"/>
+          <a:chExt cx="0" cy="0"/>
+        </a:xfrm>
+      </p:grpSpPr>
+      <p:sp>
+        <p:nvSpPr>
+          <p:cNvPr id="2" name="Title 1"/>
+          <p:cNvSpPr>
+            <a:spLocks noGrp="1"/>
+          </p:cNvSpPr>
+          <p:nvPr>
+            <p:ph type="title"/>
+          </p:nvPr>
+        </p:nvSpPr>
+        <p:spPr/>
+        <p:txBody>
+          <a:bodyPr/>
+          <a:lstStyle/>
+          <a:p>
+            <a:r>
+              <a:rPr lang="en-US" dirty="0"/>
               <a:t>CDI Injection</a:t>
             </a:r>
             <a:endParaRPr lang="bg-BG" dirty="0"/>
@@ -21742,7 +26444,7 @@
 </p:sld>
 </file>
 
-<file path=ppt/slides/slide14.xml><?xml version="1.0" encoding="utf-8"?>
+<file path=ppt/slides/slide15.xml><?xml version="1.0" encoding="utf-8"?>
 <p:sld xmlns:a="http://schemas.openxmlformats.org/drawingml/2006/main" xmlns:r="http://schemas.openxmlformats.org/officeDocument/2006/relationships" xmlns:p="http://schemas.openxmlformats.org/presentationml/2006/main">
   <p:cSld>
     <p:spTree>
@@ -21782,16 +26484,317 @@
             <a:pPr algn="ctr"/>
             <a:r>
               <a:rPr lang="en-US" dirty="0"/>
-              <a:t>CDI SIMPLE INJECTION DEMO</a:t>
-            </a:r>
-            <a:endParaRPr lang="bg-BG" dirty="0"/>
+              <a:t>Simple CDI Injection</a:t>
+            </a:r>
           </a:p>
         </p:txBody>
       </p:sp>
     </p:spTree>
     <p:extLst>
       <p:ext uri="{BB962C8B-B14F-4D97-AF65-F5344CB8AC3E}">
-        <p14:creationId xmlns:p14="http://schemas.microsoft.com/office/powerpoint/2010/main" val="3471660407"/>
+        <p14:creationId xmlns:p14="http://schemas.microsoft.com/office/powerpoint/2010/main" val="989153327"/>
+      </p:ext>
+    </p:extLst>
+  </p:cSld>
+  <p:clrMapOvr>
+    <a:masterClrMapping/>
+  </p:clrMapOvr>
+</p:sld>
+</file>
+
+<file path=ppt/slides/slide16.xml><?xml version="1.0" encoding="utf-8"?>
+<p:sld xmlns:a="http://schemas.openxmlformats.org/drawingml/2006/main" xmlns:r="http://schemas.openxmlformats.org/officeDocument/2006/relationships" xmlns:p="http://schemas.openxmlformats.org/presentationml/2006/main">
+  <p:cSld>
+    <p:spTree>
+      <p:nvGrpSpPr>
+        <p:cNvPr id="1" name=""/>
+        <p:cNvGrpSpPr/>
+        <p:nvPr/>
+      </p:nvGrpSpPr>
+      <p:grpSpPr>
+        <a:xfrm>
+          <a:off x="0" y="0"/>
+          <a:ext cx="0" cy="0"/>
+          <a:chOff x="0" y="0"/>
+          <a:chExt cx="0" cy="0"/>
+        </a:xfrm>
+      </p:grpSpPr>
+      <p:sp>
+        <p:nvSpPr>
+          <p:cNvPr id="2" name="Title 1"/>
+          <p:cNvSpPr>
+            <a:spLocks noGrp="1"/>
+          </p:cNvSpPr>
+          <p:nvPr>
+            <p:ph type="title"/>
+          </p:nvPr>
+        </p:nvSpPr>
+        <p:spPr/>
+        <p:txBody>
+          <a:bodyPr/>
+          <a:lstStyle/>
+          <a:p>
+            <a:r>
+              <a:rPr lang="en-US" dirty="0"/>
+              <a:t>CDI Injection</a:t>
+            </a:r>
+            <a:endParaRPr lang="bg-BG" dirty="0"/>
+          </a:p>
+        </p:txBody>
+      </p:sp>
+      <p:pic>
+        <p:nvPicPr>
+          <p:cNvPr id="5" name="Picture 4"/>
+          <p:cNvPicPr>
+            <a:picLocks noChangeAspect="1"/>
+          </p:cNvPicPr>
+          <p:nvPr/>
+        </p:nvPicPr>
+        <p:blipFill>
+          <a:blip r:embed="rId2"/>
+          <a:stretch>
+            <a:fillRect/>
+          </a:stretch>
+        </p:blipFill>
+        <p:spPr>
+          <a:xfrm>
+            <a:off x="2895600" y="2152650"/>
+            <a:ext cx="6553200" cy="4171950"/>
+          </a:xfrm>
+          <a:prstGeom prst="rect">
+            <a:avLst/>
+          </a:prstGeom>
+        </p:spPr>
+      </p:pic>
+    </p:spTree>
+    <p:extLst>
+      <p:ext uri="{BB962C8B-B14F-4D97-AF65-F5344CB8AC3E}">
+        <p14:creationId xmlns:p14="http://schemas.microsoft.com/office/powerpoint/2010/main" val="2716242023"/>
+      </p:ext>
+    </p:extLst>
+  </p:cSld>
+  <p:clrMapOvr>
+    <a:masterClrMapping/>
+  </p:clrMapOvr>
+</p:sld>
+</file>
+
+<file path=ppt/slides/slide17.xml><?xml version="1.0" encoding="utf-8"?>
+<p:sld xmlns:a="http://schemas.openxmlformats.org/drawingml/2006/main" xmlns:r="http://schemas.openxmlformats.org/officeDocument/2006/relationships" xmlns:p="http://schemas.openxmlformats.org/presentationml/2006/main">
+  <p:cSld>
+    <p:spTree>
+      <p:nvGrpSpPr>
+        <p:cNvPr id="1" name=""/>
+        <p:cNvGrpSpPr/>
+        <p:nvPr/>
+      </p:nvGrpSpPr>
+      <p:grpSpPr>
+        <a:xfrm>
+          <a:off x="0" y="0"/>
+          <a:ext cx="0" cy="0"/>
+          <a:chOff x="0" y="0"/>
+          <a:chExt cx="0" cy="0"/>
+        </a:xfrm>
+      </p:grpSpPr>
+      <p:sp>
+        <p:nvSpPr>
+          <p:cNvPr id="2" name="Title 1"/>
+          <p:cNvSpPr>
+            <a:spLocks noGrp="1"/>
+          </p:cNvSpPr>
+          <p:nvPr>
+            <p:ph type="title"/>
+          </p:nvPr>
+        </p:nvSpPr>
+        <p:spPr/>
+        <p:txBody>
+          <a:bodyPr/>
+          <a:lstStyle/>
+          <a:p>
+            <a:r>
+              <a:rPr lang="en-US" dirty="0"/>
+              <a:t>CDI Injection</a:t>
+            </a:r>
+            <a:endParaRPr lang="bg-BG" dirty="0"/>
+          </a:p>
+        </p:txBody>
+      </p:sp>
+      <p:pic>
+        <p:nvPicPr>
+          <p:cNvPr id="3" name="Picture 2"/>
+          <p:cNvPicPr>
+            <a:picLocks noChangeAspect="1"/>
+          </p:cNvPicPr>
+          <p:nvPr/>
+        </p:nvPicPr>
+        <p:blipFill>
+          <a:blip r:embed="rId3"/>
+          <a:stretch>
+            <a:fillRect/>
+          </a:stretch>
+        </p:blipFill>
+        <p:spPr>
+          <a:xfrm>
+            <a:off x="2895600" y="2057401"/>
+            <a:ext cx="6794340" cy="4057731"/>
+          </a:xfrm>
+          <a:prstGeom prst="roundRect">
+            <a:avLst>
+              <a:gd name="adj" fmla="val 8594"/>
+            </a:avLst>
+          </a:prstGeom>
+          <a:solidFill>
+            <a:srgbClr val="FFFFFF">
+              <a:shade val="85000"/>
+            </a:srgbClr>
+          </a:solidFill>
+          <a:ln>
+            <a:noFill/>
+          </a:ln>
+          <a:effectLst>
+            <a:reflection blurRad="12700" stA="38000" endPos="28000" dist="5000" dir="5400000" sy="-100000" algn="bl" rotWithShape="0"/>
+          </a:effectLst>
+        </p:spPr>
+      </p:pic>
+    </p:spTree>
+    <p:extLst>
+      <p:ext uri="{BB962C8B-B14F-4D97-AF65-F5344CB8AC3E}">
+        <p14:creationId xmlns:p14="http://schemas.microsoft.com/office/powerpoint/2010/main" val="3307546458"/>
+      </p:ext>
+    </p:extLst>
+  </p:cSld>
+  <p:clrMapOvr>
+    <a:masterClrMapping/>
+  </p:clrMapOvr>
+</p:sld>
+</file>
+
+<file path=ppt/slides/slide18.xml><?xml version="1.0" encoding="utf-8"?>
+<p:sld xmlns:a="http://schemas.openxmlformats.org/drawingml/2006/main" xmlns:r="http://schemas.openxmlformats.org/officeDocument/2006/relationships" xmlns:p="http://schemas.openxmlformats.org/presentationml/2006/main">
+  <p:cSld>
+    <p:spTree>
+      <p:nvGrpSpPr>
+        <p:cNvPr id="1" name=""/>
+        <p:cNvGrpSpPr/>
+        <p:nvPr/>
+      </p:nvGrpSpPr>
+      <p:grpSpPr>
+        <a:xfrm>
+          <a:off x="0" y="0"/>
+          <a:ext cx="0" cy="0"/>
+          <a:chOff x="0" y="0"/>
+          <a:chExt cx="0" cy="0"/>
+        </a:xfrm>
+      </p:grpSpPr>
+      <p:sp>
+        <p:nvSpPr>
+          <p:cNvPr id="2" name="Title 1"/>
+          <p:cNvSpPr>
+            <a:spLocks noGrp="1"/>
+          </p:cNvSpPr>
+          <p:nvPr>
+            <p:ph type="title"/>
+          </p:nvPr>
+        </p:nvSpPr>
+        <p:spPr>
+          <a:xfrm>
+            <a:off x="2062223" y="3114033"/>
+            <a:ext cx="8610600" cy="1293028"/>
+          </a:xfrm>
+        </p:spPr>
+        <p:txBody>
+          <a:bodyPr/>
+          <a:lstStyle/>
+          <a:p>
+            <a:pPr algn="ctr"/>
+            <a:r>
+              <a:rPr lang="en-US" dirty="0"/>
+              <a:t>Ambiguous CDI Injection</a:t>
+            </a:r>
+          </a:p>
+        </p:txBody>
+      </p:sp>
+    </p:spTree>
+    <p:extLst>
+      <p:ext uri="{BB962C8B-B14F-4D97-AF65-F5344CB8AC3E}">
+        <p14:creationId xmlns:p14="http://schemas.microsoft.com/office/powerpoint/2010/main" val="3164921904"/>
+      </p:ext>
+    </p:extLst>
+  </p:cSld>
+  <p:clrMapOvr>
+    <a:masterClrMapping/>
+  </p:clrMapOvr>
+</p:sld>
+</file>
+
+<file path=ppt/slides/slide19.xml><?xml version="1.0" encoding="utf-8"?>
+<p:sld xmlns:a="http://schemas.openxmlformats.org/drawingml/2006/main" xmlns:r="http://schemas.openxmlformats.org/officeDocument/2006/relationships" xmlns:p="http://schemas.openxmlformats.org/presentationml/2006/main">
+  <p:cSld>
+    <p:spTree>
+      <p:nvGrpSpPr>
+        <p:cNvPr id="1" name=""/>
+        <p:cNvGrpSpPr/>
+        <p:nvPr/>
+      </p:nvGrpSpPr>
+      <p:grpSpPr>
+        <a:xfrm>
+          <a:off x="0" y="0"/>
+          <a:ext cx="0" cy="0"/>
+          <a:chOff x="0" y="0"/>
+          <a:chExt cx="0" cy="0"/>
+        </a:xfrm>
+      </p:grpSpPr>
+      <p:sp>
+        <p:nvSpPr>
+          <p:cNvPr id="2" name="Title 1"/>
+          <p:cNvSpPr>
+            <a:spLocks noGrp="1"/>
+          </p:cNvSpPr>
+          <p:nvPr>
+            <p:ph type="title"/>
+          </p:nvPr>
+        </p:nvSpPr>
+        <p:spPr/>
+        <p:txBody>
+          <a:bodyPr/>
+          <a:lstStyle/>
+          <a:p>
+            <a:r>
+              <a:rPr lang="en-US" dirty="0"/>
+              <a:t>CDI Injection</a:t>
+            </a:r>
+            <a:endParaRPr lang="bg-BG" dirty="0"/>
+          </a:p>
+        </p:txBody>
+      </p:sp>
+      <p:pic>
+        <p:nvPicPr>
+          <p:cNvPr id="4" name="Picture 3"/>
+          <p:cNvPicPr>
+            <a:picLocks noChangeAspect="1"/>
+          </p:cNvPicPr>
+          <p:nvPr/>
+        </p:nvPicPr>
+        <p:blipFill>
+          <a:blip r:embed="rId3"/>
+          <a:stretch>
+            <a:fillRect/>
+          </a:stretch>
+        </p:blipFill>
+        <p:spPr>
+          <a:xfrm>
+            <a:off x="2895600" y="2335193"/>
+            <a:ext cx="7219950" cy="3886200"/>
+          </a:xfrm>
+          <a:prstGeom prst="rect">
+            <a:avLst/>
+          </a:prstGeom>
+        </p:spPr>
+      </p:pic>
+    </p:spTree>
+    <p:extLst>
+      <p:ext uri="{BB962C8B-B14F-4D97-AF65-F5344CB8AC3E}">
+        <p14:creationId xmlns:p14="http://schemas.microsoft.com/office/powerpoint/2010/main" val="1436224231"/>
       </p:ext>
     </p:extLst>
   </p:cSld>
@@ -21927,6 +26930,988 @@
 </p:sld>
 </file>
 
+<file path=ppt/slides/slide20.xml><?xml version="1.0" encoding="utf-8"?>
+<p:sld xmlns:a="http://schemas.openxmlformats.org/drawingml/2006/main" xmlns:r="http://schemas.openxmlformats.org/officeDocument/2006/relationships" xmlns:p="http://schemas.openxmlformats.org/presentationml/2006/main">
+  <p:cSld>
+    <p:spTree>
+      <p:nvGrpSpPr>
+        <p:cNvPr id="1" name=""/>
+        <p:cNvGrpSpPr/>
+        <p:nvPr/>
+      </p:nvGrpSpPr>
+      <p:grpSpPr>
+        <a:xfrm>
+          <a:off x="0" y="0"/>
+          <a:ext cx="0" cy="0"/>
+          <a:chOff x="0" y="0"/>
+          <a:chExt cx="0" cy="0"/>
+        </a:xfrm>
+      </p:grpSpPr>
+      <p:sp>
+        <p:nvSpPr>
+          <p:cNvPr id="2" name="Title 1"/>
+          <p:cNvSpPr>
+            <a:spLocks noGrp="1"/>
+          </p:cNvSpPr>
+          <p:nvPr>
+            <p:ph type="title"/>
+          </p:nvPr>
+        </p:nvSpPr>
+        <p:spPr>
+          <a:xfrm>
+            <a:off x="1585732" y="3125607"/>
+            <a:ext cx="9237562" cy="1293028"/>
+          </a:xfrm>
+        </p:spPr>
+        <p:txBody>
+          <a:bodyPr/>
+          <a:lstStyle/>
+          <a:p>
+            <a:pPr algn="ctr"/>
+            <a:r>
+              <a:rPr lang="en-US" dirty="0"/>
+              <a:t>CDI @Default and @Alternative</a:t>
+            </a:r>
+          </a:p>
+        </p:txBody>
+      </p:sp>
+    </p:spTree>
+    <p:extLst>
+      <p:ext uri="{BB962C8B-B14F-4D97-AF65-F5344CB8AC3E}">
+        <p14:creationId xmlns:p14="http://schemas.microsoft.com/office/powerpoint/2010/main" val="4202319877"/>
+      </p:ext>
+    </p:extLst>
+  </p:cSld>
+  <p:clrMapOvr>
+    <a:masterClrMapping/>
+  </p:clrMapOvr>
+</p:sld>
+</file>
+
+<file path=ppt/slides/slide21.xml><?xml version="1.0" encoding="utf-8"?>
+<p:sld xmlns:a="http://schemas.openxmlformats.org/drawingml/2006/main" xmlns:r="http://schemas.openxmlformats.org/officeDocument/2006/relationships" xmlns:p="http://schemas.openxmlformats.org/presentationml/2006/main">
+  <p:cSld>
+    <p:spTree>
+      <p:nvGrpSpPr>
+        <p:cNvPr id="1" name=""/>
+        <p:cNvGrpSpPr/>
+        <p:nvPr/>
+      </p:nvGrpSpPr>
+      <p:grpSpPr>
+        <a:xfrm>
+          <a:off x="0" y="0"/>
+          <a:ext cx="0" cy="0"/>
+          <a:chOff x="0" y="0"/>
+          <a:chExt cx="0" cy="0"/>
+        </a:xfrm>
+      </p:grpSpPr>
+      <p:sp>
+        <p:nvSpPr>
+          <p:cNvPr id="2" name="Title 1"/>
+          <p:cNvSpPr>
+            <a:spLocks noGrp="1"/>
+          </p:cNvSpPr>
+          <p:nvPr>
+            <p:ph type="title"/>
+          </p:nvPr>
+        </p:nvSpPr>
+        <p:spPr>
+          <a:xfrm>
+            <a:off x="2338086" y="764373"/>
+            <a:ext cx="9168114" cy="1293028"/>
+          </a:xfrm>
+        </p:spPr>
+        <p:txBody>
+          <a:bodyPr/>
+          <a:lstStyle/>
+          <a:p>
+            <a:r>
+              <a:rPr lang="en-US" dirty="0"/>
+              <a:t>CDI @Default and @Alternative</a:t>
+            </a:r>
+            <a:endParaRPr lang="bg-BG" dirty="0"/>
+          </a:p>
+        </p:txBody>
+      </p:sp>
+      <p:pic>
+        <p:nvPicPr>
+          <p:cNvPr id="4" name="Content Placeholder 3"/>
+          <p:cNvPicPr>
+            <a:picLocks noGrp="1" noChangeAspect="1"/>
+          </p:cNvPicPr>
+          <p:nvPr>
+            <p:ph idx="1"/>
+          </p:nvPr>
+        </p:nvPicPr>
+        <p:blipFill>
+          <a:blip r:embed="rId2"/>
+          <a:stretch>
+            <a:fillRect/>
+          </a:stretch>
+        </p:blipFill>
+        <p:spPr>
+          <a:xfrm>
+            <a:off x="2338086" y="2184008"/>
+            <a:ext cx="7324725" cy="3905250"/>
+          </a:xfrm>
+          <a:prstGeom prst="rect">
+            <a:avLst/>
+          </a:prstGeom>
+          <a:ln>
+            <a:noFill/>
+          </a:ln>
+          <a:effectLst>
+            <a:outerShdw blurRad="190500" algn="tl" rotWithShape="0">
+              <a:srgbClr val="000000">
+                <a:alpha val="70000"/>
+              </a:srgbClr>
+            </a:outerShdw>
+          </a:effectLst>
+        </p:spPr>
+      </p:pic>
+    </p:spTree>
+    <p:extLst>
+      <p:ext uri="{BB962C8B-B14F-4D97-AF65-F5344CB8AC3E}">
+        <p14:creationId xmlns:p14="http://schemas.microsoft.com/office/powerpoint/2010/main" val="74242401"/>
+      </p:ext>
+    </p:extLst>
+  </p:cSld>
+  <p:clrMapOvr>
+    <a:masterClrMapping/>
+  </p:clrMapOvr>
+</p:sld>
+</file>
+
+<file path=ppt/slides/slide22.xml><?xml version="1.0" encoding="utf-8"?>
+<p:sld xmlns:a="http://schemas.openxmlformats.org/drawingml/2006/main" xmlns:r="http://schemas.openxmlformats.org/officeDocument/2006/relationships" xmlns:p="http://schemas.openxmlformats.org/presentationml/2006/main">
+  <p:cSld>
+    <p:spTree>
+      <p:nvGrpSpPr>
+        <p:cNvPr id="1" name=""/>
+        <p:cNvGrpSpPr/>
+        <p:nvPr/>
+      </p:nvGrpSpPr>
+      <p:grpSpPr>
+        <a:xfrm>
+          <a:off x="0" y="0"/>
+          <a:ext cx="0" cy="0"/>
+          <a:chOff x="0" y="0"/>
+          <a:chExt cx="0" cy="0"/>
+        </a:xfrm>
+      </p:grpSpPr>
+      <p:sp>
+        <p:nvSpPr>
+          <p:cNvPr id="2" name="Title 1"/>
+          <p:cNvSpPr>
+            <a:spLocks noGrp="1"/>
+          </p:cNvSpPr>
+          <p:nvPr>
+            <p:ph type="title"/>
+          </p:nvPr>
+        </p:nvSpPr>
+        <p:spPr>
+          <a:xfrm>
+            <a:off x="2338086" y="764373"/>
+            <a:ext cx="9168114" cy="1293028"/>
+          </a:xfrm>
+        </p:spPr>
+        <p:txBody>
+          <a:bodyPr/>
+          <a:lstStyle/>
+          <a:p>
+            <a:r>
+              <a:rPr lang="en-US" dirty="0"/>
+              <a:t>CDI @Default and @Alternative</a:t>
+            </a:r>
+            <a:endParaRPr lang="bg-BG" dirty="0"/>
+          </a:p>
+        </p:txBody>
+      </p:sp>
+      <p:pic>
+        <p:nvPicPr>
+          <p:cNvPr id="5" name="Picture 4"/>
+          <p:cNvPicPr>
+            <a:picLocks noChangeAspect="1"/>
+          </p:cNvPicPr>
+          <p:nvPr/>
+        </p:nvPicPr>
+        <p:blipFill>
+          <a:blip r:embed="rId2"/>
+          <a:stretch>
+            <a:fillRect/>
+          </a:stretch>
+        </p:blipFill>
+        <p:spPr>
+          <a:xfrm>
+            <a:off x="6242664" y="3122451"/>
+            <a:ext cx="5263536" cy="1958835"/>
+          </a:xfrm>
+          <a:prstGeom prst="roundRect">
+            <a:avLst>
+              <a:gd name="adj" fmla="val 8594"/>
+            </a:avLst>
+          </a:prstGeom>
+          <a:solidFill>
+            <a:srgbClr val="FFFFFF">
+              <a:shade val="85000"/>
+            </a:srgbClr>
+          </a:solidFill>
+          <a:ln>
+            <a:noFill/>
+          </a:ln>
+          <a:effectLst>
+            <a:reflection blurRad="12700" stA="38000" endPos="28000" dist="5000" dir="5400000" sy="-100000" algn="bl" rotWithShape="0"/>
+          </a:effectLst>
+        </p:spPr>
+      </p:pic>
+      <p:pic>
+        <p:nvPicPr>
+          <p:cNvPr id="6" name="Picture 5"/>
+          <p:cNvPicPr>
+            <a:picLocks noChangeAspect="1"/>
+          </p:cNvPicPr>
+          <p:nvPr/>
+        </p:nvPicPr>
+        <p:blipFill>
+          <a:blip r:embed="rId3"/>
+          <a:stretch>
+            <a:fillRect/>
+          </a:stretch>
+        </p:blipFill>
+        <p:spPr>
+          <a:xfrm>
+            <a:off x="609882" y="3122451"/>
+            <a:ext cx="5266801" cy="1958835"/>
+          </a:xfrm>
+          <a:prstGeom prst="roundRect">
+            <a:avLst>
+              <a:gd name="adj" fmla="val 8594"/>
+            </a:avLst>
+          </a:prstGeom>
+          <a:solidFill>
+            <a:srgbClr val="FFFFFF">
+              <a:shade val="85000"/>
+            </a:srgbClr>
+          </a:solidFill>
+          <a:ln>
+            <a:noFill/>
+          </a:ln>
+          <a:effectLst>
+            <a:reflection blurRad="12700" stA="38000" endPos="28000" dist="5000" dir="5400000" sy="-100000" algn="bl" rotWithShape="0"/>
+          </a:effectLst>
+        </p:spPr>
+      </p:pic>
+    </p:spTree>
+    <p:extLst>
+      <p:ext uri="{BB962C8B-B14F-4D97-AF65-F5344CB8AC3E}">
+        <p14:creationId xmlns:p14="http://schemas.microsoft.com/office/powerpoint/2010/main" val="2042356002"/>
+      </p:ext>
+    </p:extLst>
+  </p:cSld>
+  <p:clrMapOvr>
+    <a:masterClrMapping/>
+  </p:clrMapOvr>
+</p:sld>
+</file>
+
+<file path=ppt/slides/slide23.xml><?xml version="1.0" encoding="utf-8"?>
+<p:sld xmlns:a="http://schemas.openxmlformats.org/drawingml/2006/main" xmlns:r="http://schemas.openxmlformats.org/officeDocument/2006/relationships" xmlns:p="http://schemas.openxmlformats.org/presentationml/2006/main">
+  <p:cSld>
+    <p:spTree>
+      <p:nvGrpSpPr>
+        <p:cNvPr id="1" name=""/>
+        <p:cNvGrpSpPr/>
+        <p:nvPr/>
+      </p:nvGrpSpPr>
+      <p:grpSpPr>
+        <a:xfrm>
+          <a:off x="0" y="0"/>
+          <a:ext cx="0" cy="0"/>
+          <a:chOff x="0" y="0"/>
+          <a:chExt cx="0" cy="0"/>
+        </a:xfrm>
+      </p:grpSpPr>
+      <p:sp>
+        <p:nvSpPr>
+          <p:cNvPr id="2" name="Title 1"/>
+          <p:cNvSpPr>
+            <a:spLocks noGrp="1"/>
+          </p:cNvSpPr>
+          <p:nvPr>
+            <p:ph type="title"/>
+          </p:nvPr>
+        </p:nvSpPr>
+        <p:spPr>
+          <a:xfrm>
+            <a:off x="1585732" y="3125607"/>
+            <a:ext cx="9237562" cy="1293028"/>
+          </a:xfrm>
+        </p:spPr>
+        <p:txBody>
+          <a:bodyPr/>
+          <a:lstStyle/>
+          <a:p>
+            <a:pPr algn="ctr"/>
+            <a:r>
+              <a:rPr lang="en-US" dirty="0"/>
+              <a:t>CDI @Qualifier</a:t>
+            </a:r>
+          </a:p>
+        </p:txBody>
+      </p:sp>
+    </p:spTree>
+    <p:extLst>
+      <p:ext uri="{BB962C8B-B14F-4D97-AF65-F5344CB8AC3E}">
+        <p14:creationId xmlns:p14="http://schemas.microsoft.com/office/powerpoint/2010/main" val="259586219"/>
+      </p:ext>
+    </p:extLst>
+  </p:cSld>
+  <p:clrMapOvr>
+    <a:masterClrMapping/>
+  </p:clrMapOvr>
+</p:sld>
+</file>
+
+<file path=ppt/slides/slide24.xml><?xml version="1.0" encoding="utf-8"?>
+<p:sld xmlns:a="http://schemas.openxmlformats.org/drawingml/2006/main" xmlns:r="http://schemas.openxmlformats.org/officeDocument/2006/relationships" xmlns:p="http://schemas.openxmlformats.org/presentationml/2006/main">
+  <p:cSld>
+    <p:spTree>
+      <p:nvGrpSpPr>
+        <p:cNvPr id="1" name=""/>
+        <p:cNvGrpSpPr/>
+        <p:nvPr/>
+      </p:nvGrpSpPr>
+      <p:grpSpPr>
+        <a:xfrm>
+          <a:off x="0" y="0"/>
+          <a:ext cx="0" cy="0"/>
+          <a:chOff x="0" y="0"/>
+          <a:chExt cx="0" cy="0"/>
+        </a:xfrm>
+      </p:grpSpPr>
+      <p:sp>
+        <p:nvSpPr>
+          <p:cNvPr id="2" name="Title 1"/>
+          <p:cNvSpPr>
+            <a:spLocks noGrp="1"/>
+          </p:cNvSpPr>
+          <p:nvPr>
+            <p:ph type="title"/>
+          </p:nvPr>
+        </p:nvSpPr>
+        <p:spPr>
+          <a:xfrm>
+            <a:off x="2338086" y="764373"/>
+            <a:ext cx="9168114" cy="1293028"/>
+          </a:xfrm>
+        </p:spPr>
+        <p:txBody>
+          <a:bodyPr/>
+          <a:lstStyle/>
+          <a:p>
+            <a:r>
+              <a:rPr lang="en-US" dirty="0"/>
+              <a:t>CDI @Qualifier</a:t>
+            </a:r>
+            <a:endParaRPr lang="bg-BG" dirty="0"/>
+          </a:p>
+        </p:txBody>
+      </p:sp>
+      <p:pic>
+        <p:nvPicPr>
+          <p:cNvPr id="8" name="Picture 7"/>
+          <p:cNvPicPr>
+            <a:picLocks noChangeAspect="1"/>
+          </p:cNvPicPr>
+          <p:nvPr/>
+        </p:nvPicPr>
+        <p:blipFill>
+          <a:blip r:embed="rId3"/>
+          <a:stretch>
+            <a:fillRect/>
+          </a:stretch>
+        </p:blipFill>
+        <p:spPr>
+          <a:xfrm>
+            <a:off x="2338086" y="2057401"/>
+            <a:ext cx="7248525" cy="4057650"/>
+          </a:xfrm>
+          <a:prstGeom prst="rect">
+            <a:avLst/>
+          </a:prstGeom>
+        </p:spPr>
+      </p:pic>
+    </p:spTree>
+    <p:extLst>
+      <p:ext uri="{BB962C8B-B14F-4D97-AF65-F5344CB8AC3E}">
+        <p14:creationId xmlns:p14="http://schemas.microsoft.com/office/powerpoint/2010/main" val="3552683646"/>
+      </p:ext>
+    </p:extLst>
+  </p:cSld>
+  <p:clrMapOvr>
+    <a:masterClrMapping/>
+  </p:clrMapOvr>
+</p:sld>
+</file>
+
+<file path=ppt/slides/slide25.xml><?xml version="1.0" encoding="utf-8"?>
+<p:sld xmlns:a="http://schemas.openxmlformats.org/drawingml/2006/main" xmlns:r="http://schemas.openxmlformats.org/officeDocument/2006/relationships" xmlns:p="http://schemas.openxmlformats.org/presentationml/2006/main">
+  <p:cSld>
+    <p:spTree>
+      <p:nvGrpSpPr>
+        <p:cNvPr id="1" name=""/>
+        <p:cNvGrpSpPr/>
+        <p:nvPr/>
+      </p:nvGrpSpPr>
+      <p:grpSpPr>
+        <a:xfrm>
+          <a:off x="0" y="0"/>
+          <a:ext cx="0" cy="0"/>
+          <a:chOff x="0" y="0"/>
+          <a:chExt cx="0" cy="0"/>
+        </a:xfrm>
+      </p:grpSpPr>
+      <p:sp>
+        <p:nvSpPr>
+          <p:cNvPr id="2" name="Title 1"/>
+          <p:cNvSpPr>
+            <a:spLocks noGrp="1"/>
+          </p:cNvSpPr>
+          <p:nvPr>
+            <p:ph type="title"/>
+          </p:nvPr>
+        </p:nvSpPr>
+        <p:spPr>
+          <a:xfrm>
+            <a:off x="2338086" y="764373"/>
+            <a:ext cx="9168114" cy="1293028"/>
+          </a:xfrm>
+        </p:spPr>
+        <p:txBody>
+          <a:bodyPr/>
+          <a:lstStyle/>
+          <a:p>
+            <a:r>
+              <a:rPr lang="en-US" dirty="0"/>
+              <a:t>CDI @Qualifier</a:t>
+            </a:r>
+            <a:endParaRPr lang="bg-BG" dirty="0"/>
+          </a:p>
+        </p:txBody>
+      </p:sp>
+      <p:pic>
+        <p:nvPicPr>
+          <p:cNvPr id="3" name="Picture 2"/>
+          <p:cNvPicPr>
+            <a:picLocks noChangeAspect="1"/>
+          </p:cNvPicPr>
+          <p:nvPr/>
+        </p:nvPicPr>
+        <p:blipFill>
+          <a:blip r:embed="rId3"/>
+          <a:stretch>
+            <a:fillRect/>
+          </a:stretch>
+        </p:blipFill>
+        <p:spPr>
+          <a:xfrm>
+            <a:off x="882292" y="3415738"/>
+            <a:ext cx="10704931" cy="1734997"/>
+          </a:xfrm>
+          <a:prstGeom prst="roundRect">
+            <a:avLst>
+              <a:gd name="adj" fmla="val 8594"/>
+            </a:avLst>
+          </a:prstGeom>
+          <a:solidFill>
+            <a:srgbClr val="FFFFFF">
+              <a:shade val="85000"/>
+            </a:srgbClr>
+          </a:solidFill>
+          <a:ln>
+            <a:noFill/>
+          </a:ln>
+          <a:effectLst>
+            <a:reflection blurRad="12700" stA="38000" endPos="28000" dist="5000" dir="5400000" sy="-100000" algn="bl" rotWithShape="0"/>
+          </a:effectLst>
+        </p:spPr>
+      </p:pic>
+      <p:sp>
+        <p:nvSpPr>
+          <p:cNvPr id="4" name="TextBox 3"/>
+          <p:cNvSpPr txBox="1"/>
+          <p:nvPr/>
+        </p:nvSpPr>
+        <p:spPr>
+          <a:xfrm>
+            <a:off x="3724222" y="2259676"/>
+            <a:ext cx="4859022" cy="646331"/>
+          </a:xfrm>
+          <a:prstGeom prst="rect">
+            <a:avLst/>
+          </a:prstGeom>
+          <a:noFill/>
+        </p:spPr>
+        <p:txBody>
+          <a:bodyPr wrap="none" rtlCol="0">
+            <a:spAutoFit/>
+          </a:bodyPr>
+          <a:lstStyle/>
+          <a:p>
+            <a:r>
+              <a:rPr lang="en-US" sz="3600" dirty="0" err="1"/>
+              <a:t>javax.inject.Qualifier</a:t>
+            </a:r>
+            <a:r>
+              <a:rPr lang="en-US" sz="3600" dirty="0"/>
+              <a:t>;</a:t>
+            </a:r>
+            <a:endParaRPr lang="bg-BG" sz="3600" dirty="0"/>
+          </a:p>
+        </p:txBody>
+      </p:sp>
+    </p:spTree>
+    <p:extLst>
+      <p:ext uri="{BB962C8B-B14F-4D97-AF65-F5344CB8AC3E}">
+        <p14:creationId xmlns:p14="http://schemas.microsoft.com/office/powerpoint/2010/main" val="3480631268"/>
+      </p:ext>
+    </p:extLst>
+  </p:cSld>
+  <p:clrMapOvr>
+    <a:masterClrMapping/>
+  </p:clrMapOvr>
+</p:sld>
+</file>
+
+<file path=ppt/slides/slide26.xml><?xml version="1.0" encoding="utf-8"?>
+<p:sld xmlns:a="http://schemas.openxmlformats.org/drawingml/2006/main" xmlns:r="http://schemas.openxmlformats.org/officeDocument/2006/relationships" xmlns:p="http://schemas.openxmlformats.org/presentationml/2006/main">
+  <p:cSld>
+    <p:spTree>
+      <p:nvGrpSpPr>
+        <p:cNvPr id="1" name=""/>
+        <p:cNvGrpSpPr/>
+        <p:nvPr/>
+      </p:nvGrpSpPr>
+      <p:grpSpPr>
+        <a:xfrm>
+          <a:off x="0" y="0"/>
+          <a:ext cx="0" cy="0"/>
+          <a:chOff x="0" y="0"/>
+          <a:chExt cx="0" cy="0"/>
+        </a:xfrm>
+      </p:grpSpPr>
+      <p:sp>
+        <p:nvSpPr>
+          <p:cNvPr id="2" name="Title 1"/>
+          <p:cNvSpPr>
+            <a:spLocks noGrp="1"/>
+          </p:cNvSpPr>
+          <p:nvPr>
+            <p:ph type="title"/>
+          </p:nvPr>
+        </p:nvSpPr>
+        <p:spPr>
+          <a:xfrm>
+            <a:off x="2338086" y="764373"/>
+            <a:ext cx="9168114" cy="1293028"/>
+          </a:xfrm>
+        </p:spPr>
+        <p:txBody>
+          <a:bodyPr/>
+          <a:lstStyle/>
+          <a:p>
+            <a:r>
+              <a:rPr lang="en-US" dirty="0"/>
+              <a:t>CDI ADVANCED @Qualifier</a:t>
+            </a:r>
+            <a:endParaRPr lang="bg-BG" dirty="0"/>
+          </a:p>
+        </p:txBody>
+      </p:sp>
+      <p:pic>
+        <p:nvPicPr>
+          <p:cNvPr id="5" name="Picture 4"/>
+          <p:cNvPicPr>
+            <a:picLocks noChangeAspect="1"/>
+          </p:cNvPicPr>
+          <p:nvPr/>
+        </p:nvPicPr>
+        <p:blipFill>
+          <a:blip r:embed="rId3"/>
+          <a:stretch>
+            <a:fillRect/>
+          </a:stretch>
+        </p:blipFill>
+        <p:spPr>
+          <a:xfrm>
+            <a:off x="1492532" y="2669834"/>
+            <a:ext cx="9031777" cy="2804991"/>
+          </a:xfrm>
+          <a:prstGeom prst="roundRect">
+            <a:avLst>
+              <a:gd name="adj" fmla="val 8594"/>
+            </a:avLst>
+          </a:prstGeom>
+          <a:solidFill>
+            <a:srgbClr val="FFFFFF">
+              <a:shade val="85000"/>
+            </a:srgbClr>
+          </a:solidFill>
+          <a:ln>
+            <a:noFill/>
+          </a:ln>
+          <a:effectLst>
+            <a:reflection blurRad="12700" stA="38000" endPos="28000" dist="5000" dir="5400000" sy="-100000" algn="bl" rotWithShape="0"/>
+          </a:effectLst>
+        </p:spPr>
+      </p:pic>
+    </p:spTree>
+    <p:extLst>
+      <p:ext uri="{BB962C8B-B14F-4D97-AF65-F5344CB8AC3E}">
+        <p14:creationId xmlns:p14="http://schemas.microsoft.com/office/powerpoint/2010/main" val="3705251575"/>
+      </p:ext>
+    </p:extLst>
+  </p:cSld>
+  <p:clrMapOvr>
+    <a:masterClrMapping/>
+  </p:clrMapOvr>
+</p:sld>
+</file>
+
+<file path=ppt/slides/slide27.xml><?xml version="1.0" encoding="utf-8"?>
+<p:sld xmlns:a="http://schemas.openxmlformats.org/drawingml/2006/main" xmlns:r="http://schemas.openxmlformats.org/officeDocument/2006/relationships" xmlns:p="http://schemas.openxmlformats.org/presentationml/2006/main">
+  <p:cSld>
+    <p:spTree>
+      <p:nvGrpSpPr>
+        <p:cNvPr id="1" name=""/>
+        <p:cNvGrpSpPr/>
+        <p:nvPr/>
+      </p:nvGrpSpPr>
+      <p:grpSpPr>
+        <a:xfrm>
+          <a:off x="0" y="0"/>
+          <a:ext cx="0" cy="0"/>
+          <a:chOff x="0" y="0"/>
+          <a:chExt cx="0" cy="0"/>
+        </a:xfrm>
+      </p:grpSpPr>
+      <p:sp>
+        <p:nvSpPr>
+          <p:cNvPr id="2" name="Title 1"/>
+          <p:cNvSpPr>
+            <a:spLocks noGrp="1"/>
+          </p:cNvSpPr>
+          <p:nvPr>
+            <p:ph type="title"/>
+          </p:nvPr>
+        </p:nvSpPr>
+        <p:spPr>
+          <a:xfrm>
+            <a:off x="2338086" y="764373"/>
+            <a:ext cx="9168114" cy="1293028"/>
+          </a:xfrm>
+        </p:spPr>
+        <p:txBody>
+          <a:bodyPr/>
+          <a:lstStyle/>
+          <a:p>
+            <a:r>
+              <a:rPr lang="en-US" dirty="0"/>
+              <a:t>CDI </a:t>
+            </a:r>
+            <a:r>
+              <a:rPr lang="en-US" dirty="0" err="1"/>
+              <a:t>MUlTIPLE</a:t>
+            </a:r>
+            <a:r>
+              <a:rPr lang="en-US" dirty="0"/>
+              <a:t> @Qualifier</a:t>
+            </a:r>
+            <a:endParaRPr lang="bg-BG" dirty="0"/>
+          </a:p>
+        </p:txBody>
+      </p:sp>
+      <p:pic>
+        <p:nvPicPr>
+          <p:cNvPr id="3" name="Picture 2"/>
+          <p:cNvPicPr>
+            <a:picLocks noChangeAspect="1"/>
+          </p:cNvPicPr>
+          <p:nvPr/>
+        </p:nvPicPr>
+        <p:blipFill>
+          <a:blip r:embed="rId3"/>
+          <a:stretch>
+            <a:fillRect/>
+          </a:stretch>
+        </p:blipFill>
+        <p:spPr>
+          <a:xfrm>
+            <a:off x="1440626" y="2737773"/>
+            <a:ext cx="9262390" cy="2841224"/>
+          </a:xfrm>
+          <a:prstGeom prst="roundRect">
+            <a:avLst>
+              <a:gd name="adj" fmla="val 8594"/>
+            </a:avLst>
+          </a:prstGeom>
+          <a:solidFill>
+            <a:srgbClr val="FFFFFF">
+              <a:shade val="85000"/>
+            </a:srgbClr>
+          </a:solidFill>
+          <a:ln>
+            <a:noFill/>
+          </a:ln>
+          <a:effectLst>
+            <a:reflection blurRad="12700" stA="38000" endPos="28000" dist="5000" dir="5400000" sy="-100000" algn="bl" rotWithShape="0"/>
+          </a:effectLst>
+        </p:spPr>
+      </p:pic>
+    </p:spTree>
+    <p:extLst>
+      <p:ext uri="{BB962C8B-B14F-4D97-AF65-F5344CB8AC3E}">
+        <p14:creationId xmlns:p14="http://schemas.microsoft.com/office/powerpoint/2010/main" val="122244054"/>
+      </p:ext>
+    </p:extLst>
+  </p:cSld>
+  <p:clrMapOvr>
+    <a:masterClrMapping/>
+  </p:clrMapOvr>
+</p:sld>
+</file>
+
+<file path=ppt/slides/slide28.xml><?xml version="1.0" encoding="utf-8"?>
+<p:sld xmlns:a="http://schemas.openxmlformats.org/drawingml/2006/main" xmlns:r="http://schemas.openxmlformats.org/officeDocument/2006/relationships" xmlns:p="http://schemas.openxmlformats.org/presentationml/2006/main">
+  <p:cSld>
+    <p:spTree>
+      <p:nvGrpSpPr>
+        <p:cNvPr id="1" name=""/>
+        <p:cNvGrpSpPr/>
+        <p:nvPr/>
+      </p:nvGrpSpPr>
+      <p:grpSpPr>
+        <a:xfrm>
+          <a:off x="0" y="0"/>
+          <a:ext cx="0" cy="0"/>
+          <a:chOff x="0" y="0"/>
+          <a:chExt cx="0" cy="0"/>
+        </a:xfrm>
+      </p:grpSpPr>
+      <p:sp>
+        <p:nvSpPr>
+          <p:cNvPr id="2" name="Title 1"/>
+          <p:cNvSpPr>
+            <a:spLocks noGrp="1"/>
+          </p:cNvSpPr>
+          <p:nvPr>
+            <p:ph type="title"/>
+          </p:nvPr>
+        </p:nvSpPr>
+        <p:spPr>
+          <a:xfrm>
+            <a:off x="1620457" y="2986711"/>
+            <a:ext cx="9237562" cy="1293028"/>
+          </a:xfrm>
+        </p:spPr>
+        <p:txBody>
+          <a:bodyPr/>
+          <a:lstStyle/>
+          <a:p>
+            <a:pPr algn="ctr"/>
+            <a:r>
+              <a:rPr lang="en-US" dirty="0"/>
+              <a:t>CDI @vetoed</a:t>
+            </a:r>
+          </a:p>
+        </p:txBody>
+      </p:sp>
+    </p:spTree>
+    <p:extLst>
+      <p:ext uri="{BB962C8B-B14F-4D97-AF65-F5344CB8AC3E}">
+        <p14:creationId xmlns:p14="http://schemas.microsoft.com/office/powerpoint/2010/main" val="3741215882"/>
+      </p:ext>
+    </p:extLst>
+  </p:cSld>
+  <p:clrMapOvr>
+    <a:masterClrMapping/>
+  </p:clrMapOvr>
+</p:sld>
+</file>
+
+<file path=ppt/slides/slide29.xml><?xml version="1.0" encoding="utf-8"?>
+<p:sld xmlns:a="http://schemas.openxmlformats.org/drawingml/2006/main" xmlns:r="http://schemas.openxmlformats.org/officeDocument/2006/relationships" xmlns:p="http://schemas.openxmlformats.org/presentationml/2006/main">
+  <p:cSld>
+    <p:spTree>
+      <p:nvGrpSpPr>
+        <p:cNvPr id="1" name=""/>
+        <p:cNvGrpSpPr/>
+        <p:nvPr/>
+      </p:nvGrpSpPr>
+      <p:grpSpPr>
+        <a:xfrm>
+          <a:off x="0" y="0"/>
+          <a:ext cx="0" cy="0"/>
+          <a:chOff x="0" y="0"/>
+          <a:chExt cx="0" cy="0"/>
+        </a:xfrm>
+      </p:grpSpPr>
+      <p:sp>
+        <p:nvSpPr>
+          <p:cNvPr id="2" name="Title 1"/>
+          <p:cNvSpPr>
+            <a:spLocks noGrp="1"/>
+          </p:cNvSpPr>
+          <p:nvPr>
+            <p:ph type="title"/>
+          </p:nvPr>
+        </p:nvSpPr>
+        <p:spPr/>
+        <p:txBody>
+          <a:bodyPr/>
+          <a:lstStyle/>
+          <a:p>
+            <a:r>
+              <a:rPr lang="en-US" dirty="0"/>
+              <a:t>CDI Injection overview</a:t>
+            </a:r>
+            <a:endParaRPr lang="bg-BG" dirty="0"/>
+          </a:p>
+        </p:txBody>
+      </p:sp>
+      <p:sp>
+        <p:nvSpPr>
+          <p:cNvPr id="3" name="Content Placeholder 2"/>
+          <p:cNvSpPr>
+            <a:spLocks noGrp="1"/>
+          </p:cNvSpPr>
+          <p:nvPr>
+            <p:ph idx="1"/>
+          </p:nvPr>
+        </p:nvSpPr>
+        <p:spPr/>
+        <p:txBody>
+          <a:bodyPr/>
+          <a:lstStyle/>
+          <a:p>
+            <a:r>
+              <a:rPr lang="en-US" dirty="0"/>
+              <a:t>Simple CDI Injection</a:t>
+            </a:r>
+          </a:p>
+          <a:p>
+            <a:r>
+              <a:rPr lang="en-US" dirty="0"/>
+              <a:t>Ambiguous CDI injections</a:t>
+            </a:r>
+          </a:p>
+          <a:p>
+            <a:r>
+              <a:rPr lang="en-US" dirty="0"/>
+              <a:t>@Default and @Alternative</a:t>
+            </a:r>
+          </a:p>
+          <a:p>
+            <a:r>
+              <a:rPr lang="en-US" dirty="0"/>
+              <a:t>@Qualifier</a:t>
+            </a:r>
+          </a:p>
+          <a:p>
+            <a:r>
+              <a:rPr lang="en-US" dirty="0"/>
+              <a:t>Multiple @Qualifier - s</a:t>
+            </a:r>
+          </a:p>
+          <a:p>
+            <a:r>
+              <a:rPr lang="en-US" dirty="0"/>
+              <a:t>Advanced @Qualifier</a:t>
+            </a:r>
+          </a:p>
+          <a:p>
+            <a:r>
+              <a:rPr lang="en-US" dirty="0"/>
+              <a:t>@Vetoed</a:t>
+            </a:r>
+          </a:p>
+        </p:txBody>
+      </p:sp>
+      <p:pic>
+        <p:nvPicPr>
+          <p:cNvPr id="4" name="Picture 3"/>
+          <p:cNvPicPr>
+            <a:picLocks noChangeAspect="1"/>
+          </p:cNvPicPr>
+          <p:nvPr/>
+        </p:nvPicPr>
+        <p:blipFill>
+          <a:blip r:embed="rId3">
+            <a:extLst>
+              <a:ext uri="{28A0092B-C50C-407E-A947-70E740481C1C}">
+                <a14:useLocalDpi xmlns:a14="http://schemas.microsoft.com/office/drawing/2010/main" val="0"/>
+              </a:ext>
+            </a:extLst>
+          </a:blip>
+          <a:stretch>
+            <a:fillRect/>
+          </a:stretch>
+        </p:blipFill>
+        <p:spPr>
+          <a:xfrm>
+            <a:off x="6344855" y="3148314"/>
+            <a:ext cx="4240580" cy="2120290"/>
+          </a:xfrm>
+          <a:prstGeom prst="rect">
+            <a:avLst/>
+          </a:prstGeom>
+          <a:solidFill>
+            <a:srgbClr val="FFFFFF">
+              <a:shade val="85000"/>
+            </a:srgbClr>
+          </a:solidFill>
+          <a:ln w="190500" cap="sq">
+            <a:solidFill>
+              <a:srgbClr val="FFFFFF"/>
+            </a:solidFill>
+            <a:miter lim="800000"/>
+          </a:ln>
+          <a:effectLst>
+            <a:outerShdw blurRad="65000" dist="50800" dir="12900000" kx="195000" ky="145000" algn="tl" rotWithShape="0">
+              <a:srgbClr val="000000">
+                <a:alpha val="30000"/>
+              </a:srgbClr>
+            </a:outerShdw>
+          </a:effectLst>
+          <a:scene3d>
+            <a:camera prst="orthographicFront">
+              <a:rot lat="0" lon="0" rev="360000"/>
+            </a:camera>
+            <a:lightRig rig="twoPt" dir="t">
+              <a:rot lat="0" lon="0" rev="7200000"/>
+            </a:lightRig>
+          </a:scene3d>
+          <a:sp3d contourW="12700">
+            <a:bevelT w="25400" h="19050"/>
+            <a:contourClr>
+              <a:srgbClr val="969696"/>
+            </a:contourClr>
+          </a:sp3d>
+        </p:spPr>
+      </p:pic>
+    </p:spTree>
+    <p:extLst>
+      <p:ext uri="{BB962C8B-B14F-4D97-AF65-F5344CB8AC3E}">
+        <p14:creationId xmlns:p14="http://schemas.microsoft.com/office/powerpoint/2010/main" val="2290546595"/>
+      </p:ext>
+    </p:extLst>
+  </p:cSld>
+  <p:clrMapOvr>
+    <a:masterClrMapping/>
+  </p:clrMapOvr>
+</p:sld>
+</file>
+
 <file path=ppt/slides/slide3.xml><?xml version="1.0" encoding="utf-8"?>
 <p:sld xmlns:a="http://schemas.openxmlformats.org/drawingml/2006/main" xmlns:r="http://schemas.openxmlformats.org/officeDocument/2006/relationships" xmlns:p="http://schemas.openxmlformats.org/presentationml/2006/main">
   <p:cSld>
@@ -22026,6 +28011,1459 @@
     <p:extLst>
       <p:ext uri="{BB962C8B-B14F-4D97-AF65-F5344CB8AC3E}">
         <p14:creationId xmlns:p14="http://schemas.microsoft.com/office/powerpoint/2010/main" val="1998908115"/>
+      </p:ext>
+    </p:extLst>
+  </p:cSld>
+  <p:clrMapOvr>
+    <a:masterClrMapping/>
+  </p:clrMapOvr>
+</p:sld>
+</file>
+
+<file path=ppt/slides/slide30.xml><?xml version="1.0" encoding="utf-8"?>
+<p:sld xmlns:a="http://schemas.openxmlformats.org/drawingml/2006/main" xmlns:r="http://schemas.openxmlformats.org/officeDocument/2006/relationships" xmlns:p="http://schemas.openxmlformats.org/presentationml/2006/main">
+  <p:cSld>
+    <p:spTree>
+      <p:nvGrpSpPr>
+        <p:cNvPr id="1" name=""/>
+        <p:cNvGrpSpPr/>
+        <p:nvPr/>
+      </p:nvGrpSpPr>
+      <p:grpSpPr>
+        <a:xfrm>
+          <a:off x="0" y="0"/>
+          <a:ext cx="0" cy="0"/>
+          <a:chOff x="0" y="0"/>
+          <a:chExt cx="0" cy="0"/>
+        </a:xfrm>
+      </p:grpSpPr>
+      <p:sp>
+        <p:nvSpPr>
+          <p:cNvPr id="2" name="Title 1"/>
+          <p:cNvSpPr>
+            <a:spLocks noGrp="1"/>
+          </p:cNvSpPr>
+          <p:nvPr>
+            <p:ph type="title"/>
+          </p:nvPr>
+        </p:nvSpPr>
+        <p:spPr>
+          <a:xfrm>
+            <a:off x="1435258" y="2026013"/>
+            <a:ext cx="9329195" cy="1293028"/>
+          </a:xfrm>
+        </p:spPr>
+        <p:txBody>
+          <a:bodyPr/>
+          <a:lstStyle/>
+          <a:p>
+            <a:pPr algn="ctr"/>
+            <a:r>
+              <a:rPr lang="en-US" dirty="0"/>
+              <a:t>CDI - DEPENDENCY INJECTION DEMO</a:t>
+            </a:r>
+            <a:endParaRPr lang="bg-BG" dirty="0"/>
+          </a:p>
+        </p:txBody>
+      </p:sp>
+      <p:pic>
+        <p:nvPicPr>
+          <p:cNvPr id="3" name="Picture 2"/>
+          <p:cNvPicPr>
+            <a:picLocks noChangeAspect="1"/>
+          </p:cNvPicPr>
+          <p:nvPr/>
+        </p:nvPicPr>
+        <p:blipFill>
+          <a:blip r:embed="rId2">
+            <a:extLst>
+              <a:ext uri="{28A0092B-C50C-407E-A947-70E740481C1C}">
+                <a14:useLocalDpi xmlns:a14="http://schemas.microsoft.com/office/drawing/2010/main" val="0"/>
+              </a:ext>
+            </a:extLst>
+          </a:blip>
+          <a:stretch>
+            <a:fillRect/>
+          </a:stretch>
+        </p:blipFill>
+        <p:spPr>
+          <a:xfrm>
+            <a:off x="3979566" y="3437681"/>
+            <a:ext cx="4240580" cy="2120290"/>
+          </a:xfrm>
+          <a:prstGeom prst="rect">
+            <a:avLst/>
+          </a:prstGeom>
+          <a:solidFill>
+            <a:srgbClr val="FFFFFF">
+              <a:shade val="85000"/>
+            </a:srgbClr>
+          </a:solidFill>
+          <a:ln w="88900" cap="sq">
+            <a:solidFill>
+              <a:srgbClr val="FFFFFF"/>
+            </a:solidFill>
+            <a:miter lim="800000"/>
+          </a:ln>
+          <a:effectLst>
+            <a:outerShdw blurRad="55000" dist="18000" dir="5400000" algn="tl" rotWithShape="0">
+              <a:srgbClr val="000000">
+                <a:alpha val="40000"/>
+              </a:srgbClr>
+            </a:outerShdw>
+          </a:effectLst>
+          <a:scene3d>
+            <a:camera prst="orthographicFront"/>
+            <a:lightRig rig="twoPt" dir="t">
+              <a:rot lat="0" lon="0" rev="7200000"/>
+            </a:lightRig>
+          </a:scene3d>
+          <a:sp3d>
+            <a:bevelT w="25400" h="19050"/>
+            <a:contourClr>
+              <a:srgbClr val="FFFFFF"/>
+            </a:contourClr>
+          </a:sp3d>
+        </p:spPr>
+      </p:pic>
+    </p:spTree>
+    <p:extLst>
+      <p:ext uri="{BB962C8B-B14F-4D97-AF65-F5344CB8AC3E}">
+        <p14:creationId xmlns:p14="http://schemas.microsoft.com/office/powerpoint/2010/main" val="3158950578"/>
+      </p:ext>
+    </p:extLst>
+  </p:cSld>
+  <p:clrMapOvr>
+    <a:masterClrMapping/>
+  </p:clrMapOvr>
+</p:sld>
+</file>
+
+<file path=ppt/slides/slide31.xml><?xml version="1.0" encoding="utf-8"?>
+<p:sld xmlns:a="http://schemas.openxmlformats.org/drawingml/2006/main" xmlns:r="http://schemas.openxmlformats.org/officeDocument/2006/relationships" xmlns:p="http://schemas.openxmlformats.org/presentationml/2006/main">
+  <p:cSld>
+    <p:spTree>
+      <p:nvGrpSpPr>
+        <p:cNvPr id="1" name=""/>
+        <p:cNvGrpSpPr/>
+        <p:nvPr/>
+      </p:nvGrpSpPr>
+      <p:grpSpPr>
+        <a:xfrm>
+          <a:off x="0" y="0"/>
+          <a:ext cx="0" cy="0"/>
+          <a:chOff x="0" y="0"/>
+          <a:chExt cx="0" cy="0"/>
+        </a:xfrm>
+      </p:grpSpPr>
+      <p:sp>
+        <p:nvSpPr>
+          <p:cNvPr id="2" name="Title 1"/>
+          <p:cNvSpPr>
+            <a:spLocks noGrp="1"/>
+          </p:cNvSpPr>
+          <p:nvPr>
+            <p:ph type="title"/>
+          </p:nvPr>
+        </p:nvSpPr>
+        <p:spPr>
+          <a:xfrm>
+            <a:off x="1446834" y="3114033"/>
+            <a:ext cx="9329195" cy="1293028"/>
+          </a:xfrm>
+        </p:spPr>
+        <p:txBody>
+          <a:bodyPr/>
+          <a:lstStyle/>
+          <a:p>
+            <a:pPr algn="ctr"/>
+            <a:r>
+              <a:rPr lang="en-US" dirty="0"/>
+              <a:t>CDI – Producers</a:t>
+            </a:r>
+            <a:endParaRPr lang="bg-BG" dirty="0"/>
+          </a:p>
+        </p:txBody>
+      </p:sp>
+    </p:spTree>
+    <p:extLst>
+      <p:ext uri="{BB962C8B-B14F-4D97-AF65-F5344CB8AC3E}">
+        <p14:creationId xmlns:p14="http://schemas.microsoft.com/office/powerpoint/2010/main" val="1082065810"/>
+      </p:ext>
+    </p:extLst>
+  </p:cSld>
+  <p:clrMapOvr>
+    <a:masterClrMapping/>
+  </p:clrMapOvr>
+</p:sld>
+</file>
+
+<file path=ppt/slides/slide32.xml><?xml version="1.0" encoding="utf-8"?>
+<p:sld xmlns:a="http://schemas.openxmlformats.org/drawingml/2006/main" xmlns:r="http://schemas.openxmlformats.org/officeDocument/2006/relationships" xmlns:p="http://schemas.openxmlformats.org/presentationml/2006/main">
+  <p:cSld>
+    <p:spTree>
+      <p:nvGrpSpPr>
+        <p:cNvPr id="1" name=""/>
+        <p:cNvGrpSpPr/>
+        <p:nvPr/>
+      </p:nvGrpSpPr>
+      <p:grpSpPr>
+        <a:xfrm>
+          <a:off x="0" y="0"/>
+          <a:ext cx="0" cy="0"/>
+          <a:chOff x="0" y="0"/>
+          <a:chExt cx="0" cy="0"/>
+        </a:xfrm>
+      </p:grpSpPr>
+      <p:sp>
+        <p:nvSpPr>
+          <p:cNvPr id="2" name="Title 1"/>
+          <p:cNvSpPr>
+            <a:spLocks noGrp="1"/>
+          </p:cNvSpPr>
+          <p:nvPr>
+            <p:ph type="title"/>
+          </p:nvPr>
+        </p:nvSpPr>
+        <p:spPr/>
+        <p:txBody>
+          <a:bodyPr/>
+          <a:lstStyle/>
+          <a:p>
+            <a:r>
+              <a:rPr lang="en-US" dirty="0"/>
+              <a:t>CDI – Producers</a:t>
+            </a:r>
+            <a:endParaRPr lang="bg-BG" dirty="0"/>
+          </a:p>
+        </p:txBody>
+      </p:sp>
+      <p:sp>
+        <p:nvSpPr>
+          <p:cNvPr id="3" name="Content Placeholder 2"/>
+          <p:cNvSpPr>
+            <a:spLocks noGrp="1"/>
+          </p:cNvSpPr>
+          <p:nvPr>
+            <p:ph idx="1"/>
+          </p:nvPr>
+        </p:nvSpPr>
+        <p:spPr/>
+        <p:txBody>
+          <a:bodyPr/>
+          <a:lstStyle/>
+          <a:p>
+            <a:r>
+              <a:rPr lang="en-US" dirty="0"/>
+              <a:t>Producers – provide CDI functionality to:</a:t>
+            </a:r>
+          </a:p>
+          <a:p>
+            <a:pPr lvl="1"/>
+            <a:r>
+              <a:rPr lang="en-US" dirty="0"/>
+              <a:t>Third party POJOs</a:t>
+            </a:r>
+          </a:p>
+          <a:p>
+            <a:pPr lvl="1"/>
+            <a:r>
+              <a:rPr lang="en-US" dirty="0"/>
+              <a:t>Datatypes (String, </a:t>
+            </a:r>
+            <a:r>
+              <a:rPr lang="en-US" dirty="0" err="1"/>
+              <a:t>int</a:t>
+            </a:r>
+            <a:r>
+              <a:rPr lang="en-US" dirty="0"/>
+              <a:t>, log, byte etc.)</a:t>
+            </a:r>
+          </a:p>
+          <a:p>
+            <a:pPr lvl="1"/>
+            <a:r>
+              <a:rPr lang="en-US" dirty="0"/>
+              <a:t>Can be used on fields</a:t>
+            </a:r>
+          </a:p>
+          <a:p>
+            <a:pPr lvl="1"/>
+            <a:r>
+              <a:rPr lang="en-US" dirty="0"/>
+              <a:t>Can be used on method</a:t>
+            </a:r>
+          </a:p>
+          <a:p>
+            <a:r>
+              <a:rPr lang="en-US" dirty="0"/>
+              <a:t>@Produces</a:t>
+            </a:r>
+          </a:p>
+          <a:p>
+            <a:r>
+              <a:rPr lang="en-US" dirty="0"/>
+              <a:t>@Qualifiers</a:t>
+            </a:r>
+          </a:p>
+          <a:p>
+            <a:r>
+              <a:rPr lang="en-US" dirty="0"/>
+              <a:t>Injection point API</a:t>
+            </a:r>
+          </a:p>
+        </p:txBody>
+      </p:sp>
+      <p:pic>
+        <p:nvPicPr>
+          <p:cNvPr id="5" name="Picture 4"/>
+          <p:cNvPicPr>
+            <a:picLocks noChangeAspect="1"/>
+          </p:cNvPicPr>
+          <p:nvPr/>
+        </p:nvPicPr>
+        <p:blipFill>
+          <a:blip r:embed="rId3">
+            <a:extLst>
+              <a:ext uri="{28A0092B-C50C-407E-A947-70E740481C1C}">
+                <a14:useLocalDpi xmlns:a14="http://schemas.microsoft.com/office/drawing/2010/main" val="0"/>
+              </a:ext>
+            </a:extLst>
+          </a:blip>
+          <a:stretch>
+            <a:fillRect/>
+          </a:stretch>
+        </p:blipFill>
+        <p:spPr>
+          <a:xfrm>
+            <a:off x="7316165" y="2194560"/>
+            <a:ext cx="3810000" cy="3810000"/>
+          </a:xfrm>
+          <a:prstGeom prst="ellipse">
+            <a:avLst/>
+          </a:prstGeom>
+          <a:ln w="63500" cap="rnd">
+            <a:solidFill>
+              <a:srgbClr val="333333"/>
+            </a:solidFill>
+          </a:ln>
+          <a:effectLst>
+            <a:outerShdw blurRad="381000" dist="292100" dir="5400000" sx="-80000" sy="-18000" rotWithShape="0">
+              <a:srgbClr val="000000">
+                <a:alpha val="22000"/>
+              </a:srgbClr>
+            </a:outerShdw>
+          </a:effectLst>
+          <a:scene3d>
+            <a:camera prst="orthographicFront"/>
+            <a:lightRig rig="contrasting" dir="t">
+              <a:rot lat="0" lon="0" rev="3000000"/>
+            </a:lightRig>
+          </a:scene3d>
+          <a:sp3d contourW="7620">
+            <a:bevelT w="95250" h="31750"/>
+            <a:contourClr>
+              <a:srgbClr val="333333"/>
+            </a:contourClr>
+          </a:sp3d>
+        </p:spPr>
+      </p:pic>
+    </p:spTree>
+    <p:extLst>
+      <p:ext uri="{BB962C8B-B14F-4D97-AF65-F5344CB8AC3E}">
+        <p14:creationId xmlns:p14="http://schemas.microsoft.com/office/powerpoint/2010/main" val="3774917934"/>
+      </p:ext>
+    </p:extLst>
+  </p:cSld>
+  <p:clrMapOvr>
+    <a:masterClrMapping/>
+  </p:clrMapOvr>
+</p:sld>
+</file>
+
+<file path=ppt/slides/slide33.xml><?xml version="1.0" encoding="utf-8"?>
+<p:sld xmlns:a="http://schemas.openxmlformats.org/drawingml/2006/main" xmlns:r="http://schemas.openxmlformats.org/officeDocument/2006/relationships" xmlns:p="http://schemas.openxmlformats.org/presentationml/2006/main">
+  <p:cSld>
+    <p:spTree>
+      <p:nvGrpSpPr>
+        <p:cNvPr id="1" name=""/>
+        <p:cNvGrpSpPr/>
+        <p:nvPr/>
+      </p:nvGrpSpPr>
+      <p:grpSpPr>
+        <a:xfrm>
+          <a:off x="0" y="0"/>
+          <a:ext cx="0" cy="0"/>
+          <a:chOff x="0" y="0"/>
+          <a:chExt cx="0" cy="0"/>
+        </a:xfrm>
+      </p:grpSpPr>
+      <p:sp>
+        <p:nvSpPr>
+          <p:cNvPr id="2" name="Title 1"/>
+          <p:cNvSpPr>
+            <a:spLocks noGrp="1"/>
+          </p:cNvSpPr>
+          <p:nvPr>
+            <p:ph type="title"/>
+          </p:nvPr>
+        </p:nvSpPr>
+        <p:spPr/>
+        <p:txBody>
+          <a:bodyPr/>
+          <a:lstStyle/>
+          <a:p>
+            <a:r>
+              <a:rPr lang="en-US" dirty="0"/>
+              <a:t>CDI – @Produces</a:t>
+            </a:r>
+            <a:endParaRPr lang="bg-BG" dirty="0"/>
+          </a:p>
+        </p:txBody>
+      </p:sp>
+      <p:pic>
+        <p:nvPicPr>
+          <p:cNvPr id="4" name="Picture 3"/>
+          <p:cNvPicPr>
+            <a:picLocks noChangeAspect="1"/>
+          </p:cNvPicPr>
+          <p:nvPr/>
+        </p:nvPicPr>
+        <p:blipFill>
+          <a:blip r:embed="rId3"/>
+          <a:stretch>
+            <a:fillRect/>
+          </a:stretch>
+        </p:blipFill>
+        <p:spPr>
+          <a:xfrm>
+            <a:off x="4780009" y="2358343"/>
+            <a:ext cx="3537875" cy="2037328"/>
+          </a:xfrm>
+          <a:prstGeom prst="rect">
+            <a:avLst/>
+          </a:prstGeom>
+          <a:ln>
+            <a:noFill/>
+          </a:ln>
+          <a:effectLst>
+            <a:outerShdw blurRad="190500" algn="tl" rotWithShape="0">
+              <a:srgbClr val="000000">
+                <a:alpha val="70000"/>
+              </a:srgbClr>
+            </a:outerShdw>
+          </a:effectLst>
+        </p:spPr>
+      </p:pic>
+      <p:cxnSp>
+        <p:nvCxnSpPr>
+          <p:cNvPr id="10" name="Straight Arrow Connector 9"/>
+          <p:cNvCxnSpPr>
+            <a:stCxn id="17" idx="3"/>
+          </p:cNvCxnSpPr>
+          <p:nvPr/>
+        </p:nvCxnSpPr>
+        <p:spPr>
+          <a:xfrm>
+            <a:off x="4625561" y="3460831"/>
+            <a:ext cx="1215341" cy="343321"/>
+          </a:xfrm>
+          <a:prstGeom prst="straightConnector1">
+            <a:avLst/>
+          </a:prstGeom>
+          <a:ln w="57150">
+            <a:tailEnd type="triangle"/>
+          </a:ln>
+        </p:spPr>
+        <p:style>
+          <a:lnRef idx="1">
+            <a:schemeClr val="accent1"/>
+          </a:lnRef>
+          <a:fillRef idx="0">
+            <a:schemeClr val="accent1"/>
+          </a:fillRef>
+          <a:effectRef idx="0">
+            <a:schemeClr val="accent1"/>
+          </a:effectRef>
+          <a:fontRef idx="minor">
+            <a:schemeClr val="tx1"/>
+          </a:fontRef>
+        </p:style>
+      </p:cxnSp>
+      <p:cxnSp>
+        <p:nvCxnSpPr>
+          <p:cNvPr id="14" name="Straight Arrow Connector 13"/>
+          <p:cNvCxnSpPr/>
+          <p:nvPr/>
+        </p:nvCxnSpPr>
+        <p:spPr>
+          <a:xfrm flipV="1">
+            <a:off x="4625561" y="3281808"/>
+            <a:ext cx="1215340" cy="179023"/>
+          </a:xfrm>
+          <a:prstGeom prst="straightConnector1">
+            <a:avLst/>
+          </a:prstGeom>
+          <a:ln w="57150">
+            <a:tailEnd type="triangle"/>
+          </a:ln>
+        </p:spPr>
+        <p:style>
+          <a:lnRef idx="1">
+            <a:schemeClr val="accent1"/>
+          </a:lnRef>
+          <a:fillRef idx="0">
+            <a:schemeClr val="accent1"/>
+          </a:fillRef>
+          <a:effectRef idx="0">
+            <a:schemeClr val="accent1"/>
+          </a:effectRef>
+          <a:fontRef idx="minor">
+            <a:schemeClr val="tx1"/>
+          </a:fontRef>
+        </p:style>
+      </p:cxnSp>
+      <p:sp>
+        <p:nvSpPr>
+          <p:cNvPr id="17" name="Rectangle 16"/>
+          <p:cNvSpPr/>
+          <p:nvPr/>
+        </p:nvSpPr>
+        <p:spPr>
+          <a:xfrm>
+            <a:off x="2895600" y="2999166"/>
+            <a:ext cx="1729961" cy="923330"/>
+          </a:xfrm>
+          <a:prstGeom prst="rect">
+            <a:avLst/>
+          </a:prstGeom>
+          <a:noFill/>
+        </p:spPr>
+        <p:txBody>
+          <a:bodyPr wrap="none" lIns="91440" tIns="45720" rIns="91440" bIns="45720">
+            <a:spAutoFit/>
+          </a:bodyPr>
+          <a:lstStyle/>
+          <a:p>
+            <a:pPr algn="ctr"/>
+            <a:r>
+              <a:rPr lang="en-US" b="0" cap="none" spc="0" dirty="0">
+                <a:ln w="0"/>
+                <a:solidFill>
+                  <a:schemeClr val="accent1"/>
+                </a:solidFill>
+                <a:effectLst>
+                  <a:outerShdw blurRad="38100" dist="25400" dir="5400000" algn="ctr" rotWithShape="0">
+                    <a:srgbClr val="6E747A">
+                      <a:alpha val="43000"/>
+                    </a:srgbClr>
+                  </a:outerShdw>
+                </a:effectLst>
+              </a:rPr>
+              <a:t>Strongly </a:t>
+            </a:r>
+          </a:p>
+          <a:p>
+            <a:pPr algn="ctr"/>
+            <a:r>
+              <a:rPr lang="en-US" dirty="0">
+                <a:ln w="0"/>
+                <a:solidFill>
+                  <a:schemeClr val="accent1"/>
+                </a:solidFill>
+                <a:effectLst>
+                  <a:outerShdw blurRad="38100" dist="25400" dir="5400000" algn="ctr" rotWithShape="0">
+                    <a:srgbClr val="6E747A">
+                      <a:alpha val="43000"/>
+                    </a:srgbClr>
+                  </a:outerShdw>
+                </a:effectLst>
+              </a:rPr>
+              <a:t>Typed </a:t>
+            </a:r>
+          </a:p>
+          <a:p>
+            <a:pPr algn="ctr"/>
+            <a:r>
+              <a:rPr lang="en-US" b="0" cap="none" spc="0" dirty="0">
+                <a:ln w="0"/>
+                <a:solidFill>
+                  <a:schemeClr val="accent1"/>
+                </a:solidFill>
+                <a:effectLst>
+                  <a:outerShdw blurRad="38100" dist="25400" dir="5400000" algn="ctr" rotWithShape="0">
+                    <a:srgbClr val="6E747A">
+                      <a:alpha val="43000"/>
+                    </a:srgbClr>
+                  </a:outerShdw>
+                </a:effectLst>
+              </a:rPr>
+              <a:t>Per data type</a:t>
+            </a:r>
+          </a:p>
+        </p:txBody>
+      </p:sp>
+      <p:pic>
+        <p:nvPicPr>
+          <p:cNvPr id="18" name="Picture 17"/>
+          <p:cNvPicPr>
+            <a:picLocks noChangeAspect="1"/>
+          </p:cNvPicPr>
+          <p:nvPr/>
+        </p:nvPicPr>
+        <p:blipFill>
+          <a:blip r:embed="rId4"/>
+          <a:stretch>
+            <a:fillRect/>
+          </a:stretch>
+        </p:blipFill>
+        <p:spPr>
+          <a:xfrm>
+            <a:off x="5196697" y="4800181"/>
+            <a:ext cx="2797924" cy="1297361"/>
+          </a:xfrm>
+          <a:prstGeom prst="rect">
+            <a:avLst/>
+          </a:prstGeom>
+        </p:spPr>
+      </p:pic>
+      <p:cxnSp>
+        <p:nvCxnSpPr>
+          <p:cNvPr id="19" name="Straight Arrow Connector 18"/>
+          <p:cNvCxnSpPr/>
+          <p:nvPr/>
+        </p:nvCxnSpPr>
+        <p:spPr>
+          <a:xfrm>
+            <a:off x="3897184" y="4010400"/>
+            <a:ext cx="1453961" cy="1130330"/>
+          </a:xfrm>
+          <a:prstGeom prst="straightConnector1">
+            <a:avLst/>
+          </a:prstGeom>
+          <a:ln w="57150">
+            <a:tailEnd type="triangle"/>
+          </a:ln>
+        </p:spPr>
+        <p:style>
+          <a:lnRef idx="1">
+            <a:schemeClr val="accent1"/>
+          </a:lnRef>
+          <a:fillRef idx="0">
+            <a:schemeClr val="accent1"/>
+          </a:fillRef>
+          <a:effectRef idx="0">
+            <a:schemeClr val="accent1"/>
+          </a:effectRef>
+          <a:fontRef idx="minor">
+            <a:schemeClr val="tx1"/>
+          </a:fontRef>
+        </p:style>
+      </p:cxnSp>
+      <p:cxnSp>
+        <p:nvCxnSpPr>
+          <p:cNvPr id="21" name="Straight Arrow Connector 20"/>
+          <p:cNvCxnSpPr/>
+          <p:nvPr/>
+        </p:nvCxnSpPr>
+        <p:spPr>
+          <a:xfrm>
+            <a:off x="3876701" y="4038242"/>
+            <a:ext cx="1474444" cy="1830123"/>
+          </a:xfrm>
+          <a:prstGeom prst="straightConnector1">
+            <a:avLst/>
+          </a:prstGeom>
+          <a:ln w="57150">
+            <a:tailEnd type="triangle"/>
+          </a:ln>
+        </p:spPr>
+        <p:style>
+          <a:lnRef idx="1">
+            <a:schemeClr val="accent1"/>
+          </a:lnRef>
+          <a:fillRef idx="0">
+            <a:schemeClr val="accent1"/>
+          </a:fillRef>
+          <a:effectRef idx="0">
+            <a:schemeClr val="accent1"/>
+          </a:effectRef>
+          <a:fontRef idx="minor">
+            <a:schemeClr val="tx1"/>
+          </a:fontRef>
+        </p:style>
+      </p:cxnSp>
+    </p:spTree>
+    <p:extLst>
+      <p:ext uri="{BB962C8B-B14F-4D97-AF65-F5344CB8AC3E}">
+        <p14:creationId xmlns:p14="http://schemas.microsoft.com/office/powerpoint/2010/main" val="1038548058"/>
+      </p:ext>
+    </p:extLst>
+  </p:cSld>
+  <p:clrMapOvr>
+    <a:masterClrMapping/>
+  </p:clrMapOvr>
+</p:sld>
+</file>
+
+<file path=ppt/slides/slide34.xml><?xml version="1.0" encoding="utf-8"?>
+<p:sld xmlns:a="http://schemas.openxmlformats.org/drawingml/2006/main" xmlns:r="http://schemas.openxmlformats.org/officeDocument/2006/relationships" xmlns:p="http://schemas.openxmlformats.org/presentationml/2006/main">
+  <p:cSld>
+    <p:spTree>
+      <p:nvGrpSpPr>
+        <p:cNvPr id="1" name=""/>
+        <p:cNvGrpSpPr/>
+        <p:nvPr/>
+      </p:nvGrpSpPr>
+      <p:grpSpPr>
+        <a:xfrm>
+          <a:off x="0" y="0"/>
+          <a:ext cx="0" cy="0"/>
+          <a:chOff x="0" y="0"/>
+          <a:chExt cx="0" cy="0"/>
+        </a:xfrm>
+      </p:grpSpPr>
+      <p:sp>
+        <p:nvSpPr>
+          <p:cNvPr id="2" name="Title 1"/>
+          <p:cNvSpPr>
+            <a:spLocks noGrp="1"/>
+          </p:cNvSpPr>
+          <p:nvPr>
+            <p:ph type="title"/>
+          </p:nvPr>
+        </p:nvSpPr>
+        <p:spPr>
+          <a:xfrm>
+            <a:off x="2210765" y="764373"/>
+            <a:ext cx="9295435" cy="1293028"/>
+          </a:xfrm>
+        </p:spPr>
+        <p:txBody>
+          <a:bodyPr/>
+          <a:lstStyle/>
+          <a:p>
+            <a:r>
+              <a:rPr lang="en-US" dirty="0"/>
+              <a:t>CDI – @Produces with @QUALIFIER</a:t>
+            </a:r>
+            <a:endParaRPr lang="bg-BG" dirty="0"/>
+          </a:p>
+        </p:txBody>
+      </p:sp>
+      <p:pic>
+        <p:nvPicPr>
+          <p:cNvPr id="3" name="Picture 2"/>
+          <p:cNvPicPr>
+            <a:picLocks noChangeAspect="1"/>
+          </p:cNvPicPr>
+          <p:nvPr/>
+        </p:nvPicPr>
+        <p:blipFill>
+          <a:blip r:embed="rId3"/>
+          <a:stretch>
+            <a:fillRect/>
+          </a:stretch>
+        </p:blipFill>
+        <p:spPr>
+          <a:xfrm>
+            <a:off x="4919241" y="4966341"/>
+            <a:ext cx="2783229" cy="1375048"/>
+          </a:xfrm>
+          <a:prstGeom prst="rect">
+            <a:avLst/>
+          </a:prstGeom>
+          <a:ln>
+            <a:noFill/>
+          </a:ln>
+          <a:effectLst>
+            <a:outerShdw blurRad="190500" algn="tl" rotWithShape="0">
+              <a:srgbClr val="000000">
+                <a:alpha val="70000"/>
+              </a:srgbClr>
+            </a:outerShdw>
+          </a:effectLst>
+        </p:spPr>
+      </p:pic>
+      <p:pic>
+        <p:nvPicPr>
+          <p:cNvPr id="6" name="Picture 5"/>
+          <p:cNvPicPr>
+            <a:picLocks noChangeAspect="1"/>
+          </p:cNvPicPr>
+          <p:nvPr/>
+        </p:nvPicPr>
+        <p:blipFill>
+          <a:blip r:embed="rId4"/>
+          <a:stretch>
+            <a:fillRect/>
+          </a:stretch>
+        </p:blipFill>
+        <p:spPr>
+          <a:xfrm>
+            <a:off x="4309519" y="2402905"/>
+            <a:ext cx="4002671" cy="2426277"/>
+          </a:xfrm>
+          <a:prstGeom prst="rect">
+            <a:avLst/>
+          </a:prstGeom>
+          <a:ln>
+            <a:noFill/>
+          </a:ln>
+          <a:effectLst>
+            <a:outerShdw blurRad="190500" algn="tl" rotWithShape="0">
+              <a:srgbClr val="000000">
+                <a:alpha val="70000"/>
+              </a:srgbClr>
+            </a:outerShdw>
+          </a:effectLst>
+        </p:spPr>
+      </p:pic>
+    </p:spTree>
+    <p:extLst>
+      <p:ext uri="{BB962C8B-B14F-4D97-AF65-F5344CB8AC3E}">
+        <p14:creationId xmlns:p14="http://schemas.microsoft.com/office/powerpoint/2010/main" val="4226401323"/>
+      </p:ext>
+    </p:extLst>
+  </p:cSld>
+  <p:clrMapOvr>
+    <a:masterClrMapping/>
+  </p:clrMapOvr>
+</p:sld>
+</file>
+
+<file path=ppt/slides/slide35.xml><?xml version="1.0" encoding="utf-8"?>
+<p:sld xmlns:a="http://schemas.openxmlformats.org/drawingml/2006/main" xmlns:r="http://schemas.openxmlformats.org/officeDocument/2006/relationships" xmlns:p="http://schemas.openxmlformats.org/presentationml/2006/main">
+  <p:cSld>
+    <p:spTree>
+      <p:nvGrpSpPr>
+        <p:cNvPr id="1" name=""/>
+        <p:cNvGrpSpPr/>
+        <p:nvPr/>
+      </p:nvGrpSpPr>
+      <p:grpSpPr>
+        <a:xfrm>
+          <a:off x="0" y="0"/>
+          <a:ext cx="0" cy="0"/>
+          <a:chOff x="0" y="0"/>
+          <a:chExt cx="0" cy="0"/>
+        </a:xfrm>
+      </p:grpSpPr>
+      <p:sp>
+        <p:nvSpPr>
+          <p:cNvPr id="2" name="Title 1"/>
+          <p:cNvSpPr>
+            <a:spLocks noGrp="1"/>
+          </p:cNvSpPr>
+          <p:nvPr>
+            <p:ph type="title"/>
+          </p:nvPr>
+        </p:nvSpPr>
+        <p:spPr/>
+        <p:txBody>
+          <a:bodyPr/>
+          <a:lstStyle/>
+          <a:p>
+            <a:r>
+              <a:rPr lang="en-US" dirty="0"/>
+              <a:t>Bean ARCHIVE</a:t>
+            </a:r>
+            <a:endParaRPr lang="bg-BG" dirty="0"/>
+          </a:p>
+        </p:txBody>
+      </p:sp>
+      <p:graphicFrame>
+        <p:nvGraphicFramePr>
+          <p:cNvPr id="4" name="Content Placeholder 3"/>
+          <p:cNvGraphicFramePr>
+            <a:graphicFrameLocks noGrp="1"/>
+          </p:cNvGraphicFramePr>
+          <p:nvPr>
+            <p:ph idx="1"/>
+            <p:extLst>
+              <p:ext uri="{D42A27DB-BD31-4B8C-83A1-F6EECF244321}">
+                <p14:modId xmlns:p14="http://schemas.microsoft.com/office/powerpoint/2010/main" val="582817052"/>
+              </p:ext>
+            </p:extLst>
+          </p:nvPr>
+        </p:nvGraphicFramePr>
+        <p:xfrm>
+          <a:off x="685800" y="2193925"/>
+          <a:ext cx="10820400" cy="4024313"/>
+        </p:xfrm>
+        <a:graphic>
+          <a:graphicData uri="http://schemas.openxmlformats.org/drawingml/2006/diagram">
+            <dgm:relIds xmlns:dgm="http://schemas.openxmlformats.org/drawingml/2006/diagram" xmlns:r="http://schemas.openxmlformats.org/officeDocument/2006/relationships" r:dm="rId2" r:lo="rId3" r:qs="rId4" r:cs="rId5"/>
+          </a:graphicData>
+        </a:graphic>
+      </p:graphicFrame>
+      <p:sp>
+        <p:nvSpPr>
+          <p:cNvPr id="3" name="Multiplication Sign 2"/>
+          <p:cNvSpPr/>
+          <p:nvPr/>
+        </p:nvSpPr>
+        <p:spPr>
+          <a:xfrm>
+            <a:off x="8055980" y="2412005"/>
+            <a:ext cx="3588152" cy="3588152"/>
+          </a:xfrm>
+          <a:prstGeom prst="mathMultiply">
+            <a:avLst/>
+          </a:prstGeom>
+        </p:spPr>
+        <p:style>
+          <a:lnRef idx="2">
+            <a:schemeClr val="accent1">
+              <a:shade val="50000"/>
+            </a:schemeClr>
+          </a:lnRef>
+          <a:fillRef idx="1">
+            <a:schemeClr val="accent1"/>
+          </a:fillRef>
+          <a:effectRef idx="0">
+            <a:schemeClr val="accent1"/>
+          </a:effectRef>
+          <a:fontRef idx="minor">
+            <a:schemeClr val="lt1"/>
+          </a:fontRef>
+        </p:style>
+        <p:txBody>
+          <a:bodyPr rtlCol="0" anchor="ctr"/>
+          <a:lstStyle/>
+          <a:p>
+            <a:pPr algn="ctr"/>
+            <a:r>
+              <a:rPr lang="en-US" dirty="0"/>
+              <a:t>log4j</a:t>
+            </a:r>
+            <a:endParaRPr lang="bg-BG" dirty="0"/>
+          </a:p>
+        </p:txBody>
+      </p:sp>
+    </p:spTree>
+    <p:extLst>
+      <p:ext uri="{BB962C8B-B14F-4D97-AF65-F5344CB8AC3E}">
+        <p14:creationId xmlns:p14="http://schemas.microsoft.com/office/powerpoint/2010/main" val="2744844488"/>
+      </p:ext>
+    </p:extLst>
+  </p:cSld>
+  <p:clrMapOvr>
+    <a:masterClrMapping/>
+  </p:clrMapOvr>
+</p:sld>
+</file>
+
+<file path=ppt/slides/slide36.xml><?xml version="1.0" encoding="utf-8"?>
+<p:sld xmlns:a="http://schemas.openxmlformats.org/drawingml/2006/main" xmlns:r="http://schemas.openxmlformats.org/officeDocument/2006/relationships" xmlns:p="http://schemas.openxmlformats.org/presentationml/2006/main">
+  <p:cSld>
+    <p:spTree>
+      <p:nvGrpSpPr>
+        <p:cNvPr id="1" name=""/>
+        <p:cNvGrpSpPr/>
+        <p:nvPr/>
+      </p:nvGrpSpPr>
+      <p:grpSpPr>
+        <a:xfrm>
+          <a:off x="0" y="0"/>
+          <a:ext cx="0" cy="0"/>
+          <a:chOff x="0" y="0"/>
+          <a:chExt cx="0" cy="0"/>
+        </a:xfrm>
+      </p:grpSpPr>
+      <p:sp>
+        <p:nvSpPr>
+          <p:cNvPr id="2" name="Title 1"/>
+          <p:cNvSpPr>
+            <a:spLocks noGrp="1"/>
+          </p:cNvSpPr>
+          <p:nvPr>
+            <p:ph type="title"/>
+          </p:nvPr>
+        </p:nvSpPr>
+        <p:spPr>
+          <a:xfrm>
+            <a:off x="1678329" y="764373"/>
+            <a:ext cx="9827871" cy="1293028"/>
+          </a:xfrm>
+        </p:spPr>
+        <p:txBody>
+          <a:bodyPr/>
+          <a:lstStyle/>
+          <a:p>
+            <a:r>
+              <a:rPr lang="en-US" dirty="0"/>
+              <a:t>@Produce &amp; Injection point API</a:t>
+            </a:r>
+            <a:endParaRPr lang="bg-BG" dirty="0"/>
+          </a:p>
+        </p:txBody>
+      </p:sp>
+      <p:sp>
+        <p:nvSpPr>
+          <p:cNvPr id="3" name="Content Placeholder 2"/>
+          <p:cNvSpPr>
+            <a:spLocks noGrp="1"/>
+          </p:cNvSpPr>
+          <p:nvPr>
+            <p:ph idx="1"/>
+          </p:nvPr>
+        </p:nvSpPr>
+        <p:spPr>
+          <a:xfrm>
+            <a:off x="685800" y="2194560"/>
+            <a:ext cx="6397906" cy="4024125"/>
+          </a:xfrm>
+        </p:spPr>
+        <p:txBody>
+          <a:bodyPr/>
+          <a:lstStyle/>
+          <a:p>
+            <a:r>
+              <a:rPr lang="en-US" dirty="0"/>
+              <a:t>CDI can be used to provide CDI services to third party classes</a:t>
+            </a:r>
+          </a:p>
+          <a:p>
+            <a:r>
+              <a:rPr lang="en-US" dirty="0"/>
+              <a:t>Injection point API </a:t>
+            </a:r>
+          </a:p>
+          <a:p>
+            <a:pPr lvl="1"/>
+            <a:r>
+              <a:rPr lang="en-US" dirty="0"/>
+              <a:t>Producers may need to change their behavior depending on the injection point</a:t>
+            </a:r>
+          </a:p>
+          <a:p>
+            <a:pPr lvl="1"/>
+            <a:r>
+              <a:rPr lang="en-US" dirty="0"/>
+              <a:t>Give access to injection point metadata</a:t>
+            </a:r>
+          </a:p>
+          <a:p>
+            <a:pPr lvl="1"/>
+            <a:r>
+              <a:rPr lang="en-US" dirty="0"/>
+              <a:t>No need additional annotations in the injection point</a:t>
+            </a:r>
+          </a:p>
+        </p:txBody>
+      </p:sp>
+      <p:pic>
+        <p:nvPicPr>
+          <p:cNvPr id="5" name="Picture 4"/>
+          <p:cNvPicPr>
+            <a:picLocks noChangeAspect="1"/>
+          </p:cNvPicPr>
+          <p:nvPr/>
+        </p:nvPicPr>
+        <p:blipFill>
+          <a:blip r:embed="rId3">
+            <a:extLst>
+              <a:ext uri="{28A0092B-C50C-407E-A947-70E740481C1C}">
+                <a14:useLocalDpi xmlns:a14="http://schemas.microsoft.com/office/drawing/2010/main" val="0"/>
+              </a:ext>
+            </a:extLst>
+          </a:blip>
+          <a:stretch>
+            <a:fillRect/>
+          </a:stretch>
+        </p:blipFill>
+        <p:spPr>
+          <a:xfrm>
+            <a:off x="7547659" y="2194560"/>
+            <a:ext cx="3810000" cy="3810000"/>
+          </a:xfrm>
+          <a:prstGeom prst="ellipse">
+            <a:avLst/>
+          </a:prstGeom>
+          <a:ln w="63500" cap="rnd">
+            <a:solidFill>
+              <a:srgbClr val="333333"/>
+            </a:solidFill>
+          </a:ln>
+          <a:effectLst>
+            <a:outerShdw blurRad="381000" dist="292100" dir="5400000" sx="-80000" sy="-18000" rotWithShape="0">
+              <a:srgbClr val="000000">
+                <a:alpha val="22000"/>
+              </a:srgbClr>
+            </a:outerShdw>
+          </a:effectLst>
+          <a:scene3d>
+            <a:camera prst="orthographicFront"/>
+            <a:lightRig rig="contrasting" dir="t">
+              <a:rot lat="0" lon="0" rev="3000000"/>
+            </a:lightRig>
+          </a:scene3d>
+          <a:sp3d contourW="7620">
+            <a:bevelT w="95250" h="31750"/>
+            <a:contourClr>
+              <a:srgbClr val="333333"/>
+            </a:contourClr>
+          </a:sp3d>
+        </p:spPr>
+      </p:pic>
+    </p:spTree>
+    <p:extLst>
+      <p:ext uri="{BB962C8B-B14F-4D97-AF65-F5344CB8AC3E}">
+        <p14:creationId xmlns:p14="http://schemas.microsoft.com/office/powerpoint/2010/main" val="4068385248"/>
+      </p:ext>
+    </p:extLst>
+  </p:cSld>
+  <p:clrMapOvr>
+    <a:masterClrMapping/>
+  </p:clrMapOvr>
+</p:sld>
+</file>
+
+<file path=ppt/slides/slide37.xml><?xml version="1.0" encoding="utf-8"?>
+<p:sld xmlns:a="http://schemas.openxmlformats.org/drawingml/2006/main" xmlns:r="http://schemas.openxmlformats.org/officeDocument/2006/relationships" xmlns:p="http://schemas.openxmlformats.org/presentationml/2006/main">
+  <p:cSld>
+    <p:spTree>
+      <p:nvGrpSpPr>
+        <p:cNvPr id="1" name=""/>
+        <p:cNvGrpSpPr/>
+        <p:nvPr/>
+      </p:nvGrpSpPr>
+      <p:grpSpPr>
+        <a:xfrm>
+          <a:off x="0" y="0"/>
+          <a:ext cx="0" cy="0"/>
+          <a:chOff x="0" y="0"/>
+          <a:chExt cx="0" cy="0"/>
+        </a:xfrm>
+      </p:grpSpPr>
+      <p:sp>
+        <p:nvSpPr>
+          <p:cNvPr id="2" name="Title 1"/>
+          <p:cNvSpPr>
+            <a:spLocks noGrp="1"/>
+          </p:cNvSpPr>
+          <p:nvPr>
+            <p:ph type="title"/>
+          </p:nvPr>
+        </p:nvSpPr>
+        <p:spPr>
+          <a:xfrm>
+            <a:off x="1678329" y="764373"/>
+            <a:ext cx="9827871" cy="1293028"/>
+          </a:xfrm>
+        </p:spPr>
+        <p:txBody>
+          <a:bodyPr/>
+          <a:lstStyle/>
+          <a:p>
+            <a:r>
+              <a:rPr lang="en-US" dirty="0"/>
+              <a:t>@Produce &amp; Injection point API</a:t>
+            </a:r>
+            <a:endParaRPr lang="bg-BG" dirty="0"/>
+          </a:p>
+        </p:txBody>
+      </p:sp>
+      <p:pic>
+        <p:nvPicPr>
+          <p:cNvPr id="6" name="Picture 5"/>
+          <p:cNvPicPr>
+            <a:picLocks noChangeAspect="1"/>
+          </p:cNvPicPr>
+          <p:nvPr/>
+        </p:nvPicPr>
+        <p:blipFill>
+          <a:blip r:embed="rId3"/>
+          <a:stretch>
+            <a:fillRect/>
+          </a:stretch>
+        </p:blipFill>
+        <p:spPr>
+          <a:xfrm>
+            <a:off x="2751682" y="3538960"/>
+            <a:ext cx="6925718" cy="789333"/>
+          </a:xfrm>
+          <a:prstGeom prst="rect">
+            <a:avLst/>
+          </a:prstGeom>
+        </p:spPr>
+      </p:pic>
+      <p:pic>
+        <p:nvPicPr>
+          <p:cNvPr id="7" name="Picture 6"/>
+          <p:cNvPicPr>
+            <a:picLocks noChangeAspect="1"/>
+          </p:cNvPicPr>
+          <p:nvPr/>
+        </p:nvPicPr>
+        <p:blipFill>
+          <a:blip r:embed="rId4"/>
+          <a:stretch>
+            <a:fillRect/>
+          </a:stretch>
+        </p:blipFill>
+        <p:spPr>
+          <a:xfrm>
+            <a:off x="4593341" y="5022772"/>
+            <a:ext cx="2733433" cy="648134"/>
+          </a:xfrm>
+          <a:prstGeom prst="rect">
+            <a:avLst/>
+          </a:prstGeom>
+        </p:spPr>
+      </p:pic>
+      <p:cxnSp>
+        <p:nvCxnSpPr>
+          <p:cNvPr id="9" name="Straight Arrow Connector 8"/>
+          <p:cNvCxnSpPr/>
+          <p:nvPr/>
+        </p:nvCxnSpPr>
+        <p:spPr>
+          <a:xfrm flipH="1">
+            <a:off x="5960058" y="3240911"/>
+            <a:ext cx="487041" cy="544011"/>
+          </a:xfrm>
+          <a:prstGeom prst="straightConnector1">
+            <a:avLst/>
+          </a:prstGeom>
+          <a:ln w="57150">
+            <a:tailEnd type="triangle"/>
+          </a:ln>
+        </p:spPr>
+        <p:style>
+          <a:lnRef idx="1">
+            <a:schemeClr val="accent1"/>
+          </a:lnRef>
+          <a:fillRef idx="0">
+            <a:schemeClr val="accent1"/>
+          </a:fillRef>
+          <a:effectRef idx="0">
+            <a:schemeClr val="accent1"/>
+          </a:effectRef>
+          <a:fontRef idx="minor">
+            <a:schemeClr val="tx1"/>
+          </a:fontRef>
+        </p:style>
+      </p:cxnSp>
+      <p:sp>
+        <p:nvSpPr>
+          <p:cNvPr id="11" name="Rectangle 10"/>
+          <p:cNvSpPr/>
+          <p:nvPr/>
+        </p:nvSpPr>
+        <p:spPr>
+          <a:xfrm>
+            <a:off x="5011449" y="2764778"/>
+            <a:ext cx="2871299" cy="461665"/>
+          </a:xfrm>
+          <a:prstGeom prst="rect">
+            <a:avLst/>
+          </a:prstGeom>
+          <a:noFill/>
+        </p:spPr>
+        <p:txBody>
+          <a:bodyPr wrap="none" lIns="91440" tIns="45720" rIns="91440" bIns="45720">
+            <a:spAutoFit/>
+          </a:bodyPr>
+          <a:lstStyle/>
+          <a:p>
+            <a:pPr algn="ctr"/>
+            <a:r>
+              <a:rPr lang="en-US" sz="2400" b="0" cap="none" spc="0" dirty="0">
+                <a:ln w="0"/>
+                <a:solidFill>
+                  <a:schemeClr val="accent1"/>
+                </a:solidFill>
+                <a:effectLst>
+                  <a:outerShdw blurRad="38100" dist="25400" dir="5400000" algn="ctr" rotWithShape="0">
+                    <a:srgbClr val="6E747A">
+                      <a:alpha val="43000"/>
+                    </a:srgbClr>
+                  </a:outerShdw>
+                </a:effectLst>
+              </a:rPr>
+              <a:t>Injection point API</a:t>
+            </a:r>
+          </a:p>
+        </p:txBody>
+      </p:sp>
+    </p:spTree>
+    <p:extLst>
+      <p:ext uri="{BB962C8B-B14F-4D97-AF65-F5344CB8AC3E}">
+        <p14:creationId xmlns:p14="http://schemas.microsoft.com/office/powerpoint/2010/main" val="404583268"/>
+      </p:ext>
+    </p:extLst>
+  </p:cSld>
+  <p:clrMapOvr>
+    <a:masterClrMapping/>
+  </p:clrMapOvr>
+</p:sld>
+</file>
+
+<file path=ppt/slides/slide38.xml><?xml version="1.0" encoding="utf-8"?>
+<p:sld xmlns:a="http://schemas.openxmlformats.org/drawingml/2006/main" xmlns:r="http://schemas.openxmlformats.org/officeDocument/2006/relationships" xmlns:p="http://schemas.openxmlformats.org/presentationml/2006/main">
+  <p:cSld>
+    <p:spTree>
+      <p:nvGrpSpPr>
+        <p:cNvPr id="1" name=""/>
+        <p:cNvGrpSpPr/>
+        <p:nvPr/>
+      </p:nvGrpSpPr>
+      <p:grpSpPr>
+        <a:xfrm>
+          <a:off x="0" y="0"/>
+          <a:ext cx="0" cy="0"/>
+          <a:chOff x="0" y="0"/>
+          <a:chExt cx="0" cy="0"/>
+        </a:xfrm>
+      </p:grpSpPr>
+      <p:sp>
+        <p:nvSpPr>
+          <p:cNvPr id="2" name="Title 1"/>
+          <p:cNvSpPr>
+            <a:spLocks noGrp="1"/>
+          </p:cNvSpPr>
+          <p:nvPr>
+            <p:ph type="title"/>
+          </p:nvPr>
+        </p:nvSpPr>
+        <p:spPr>
+          <a:xfrm>
+            <a:off x="1435256" y="1620899"/>
+            <a:ext cx="9329195" cy="1293028"/>
+          </a:xfrm>
+        </p:spPr>
+        <p:txBody>
+          <a:bodyPr/>
+          <a:lstStyle/>
+          <a:p>
+            <a:pPr algn="ctr"/>
+            <a:r>
+              <a:rPr lang="en-US" dirty="0"/>
+              <a:t>CDI Producers DEMO</a:t>
+            </a:r>
+            <a:endParaRPr lang="bg-BG" dirty="0"/>
+          </a:p>
+        </p:txBody>
+      </p:sp>
+      <p:pic>
+        <p:nvPicPr>
+          <p:cNvPr id="4" name="Picture 3"/>
+          <p:cNvPicPr>
+            <a:picLocks noChangeAspect="1"/>
+          </p:cNvPicPr>
+          <p:nvPr/>
+        </p:nvPicPr>
+        <p:blipFill>
+          <a:blip r:embed="rId2">
+            <a:extLst>
+              <a:ext uri="{28A0092B-C50C-407E-A947-70E740481C1C}">
+                <a14:useLocalDpi xmlns:a14="http://schemas.microsoft.com/office/drawing/2010/main" val="0"/>
+              </a:ext>
+            </a:extLst>
+          </a:blip>
+          <a:stretch>
+            <a:fillRect/>
+          </a:stretch>
+        </p:blipFill>
+        <p:spPr>
+          <a:xfrm>
+            <a:off x="4582122" y="3133846"/>
+            <a:ext cx="3035461" cy="3035461"/>
+          </a:xfrm>
+          <a:prstGeom prst="ellipse">
+            <a:avLst/>
+          </a:prstGeom>
+          <a:ln w="63500" cap="rnd">
+            <a:solidFill>
+              <a:srgbClr val="333333"/>
+            </a:solidFill>
+          </a:ln>
+          <a:effectLst>
+            <a:outerShdw blurRad="381000" dist="292100" dir="5400000" sx="-80000" sy="-18000" rotWithShape="0">
+              <a:srgbClr val="000000">
+                <a:alpha val="22000"/>
+              </a:srgbClr>
+            </a:outerShdw>
+          </a:effectLst>
+          <a:scene3d>
+            <a:camera prst="orthographicFront"/>
+            <a:lightRig rig="contrasting" dir="t">
+              <a:rot lat="0" lon="0" rev="3000000"/>
+            </a:lightRig>
+          </a:scene3d>
+          <a:sp3d contourW="7620">
+            <a:bevelT w="95250" h="31750"/>
+            <a:contourClr>
+              <a:srgbClr val="333333"/>
+            </a:contourClr>
+          </a:sp3d>
+        </p:spPr>
+      </p:pic>
+    </p:spTree>
+    <p:extLst>
+      <p:ext uri="{BB962C8B-B14F-4D97-AF65-F5344CB8AC3E}">
+        <p14:creationId xmlns:p14="http://schemas.microsoft.com/office/powerpoint/2010/main" val="3471660407"/>
+      </p:ext>
+    </p:extLst>
+  </p:cSld>
+  <p:clrMapOvr>
+    <a:masterClrMapping/>
+  </p:clrMapOvr>
+</p:sld>
+</file>
+
+<file path=ppt/slides/slide39.xml><?xml version="1.0" encoding="utf-8"?>
+<p:sld xmlns:a="http://schemas.openxmlformats.org/drawingml/2006/main" xmlns:r="http://schemas.openxmlformats.org/officeDocument/2006/relationships" xmlns:p="http://schemas.openxmlformats.org/presentationml/2006/main">
+  <p:cSld>
+    <p:spTree>
+      <p:nvGrpSpPr>
+        <p:cNvPr id="1" name=""/>
+        <p:cNvGrpSpPr/>
+        <p:nvPr/>
+      </p:nvGrpSpPr>
+      <p:grpSpPr>
+        <a:xfrm>
+          <a:off x="0" y="0"/>
+          <a:ext cx="0" cy="0"/>
+          <a:chOff x="0" y="0"/>
+          <a:chExt cx="0" cy="0"/>
+        </a:xfrm>
+      </p:grpSpPr>
+      <p:sp>
+        <p:nvSpPr>
+          <p:cNvPr id="2" name="Title 1"/>
+          <p:cNvSpPr>
+            <a:spLocks noGrp="1"/>
+          </p:cNvSpPr>
+          <p:nvPr>
+            <p:ph type="title"/>
+          </p:nvPr>
+        </p:nvSpPr>
+        <p:spPr>
+          <a:xfrm>
+            <a:off x="1446834" y="3114033"/>
+            <a:ext cx="9329195" cy="1293028"/>
+          </a:xfrm>
+        </p:spPr>
+        <p:txBody>
+          <a:bodyPr/>
+          <a:lstStyle/>
+          <a:p>
+            <a:pPr algn="ctr"/>
+            <a:r>
+              <a:rPr lang="en-US" dirty="0"/>
+              <a:t>CDI – DISPOSES</a:t>
+            </a:r>
+            <a:endParaRPr lang="bg-BG" dirty="0"/>
+          </a:p>
+        </p:txBody>
+      </p:sp>
+    </p:spTree>
+    <p:extLst>
+      <p:ext uri="{BB962C8B-B14F-4D97-AF65-F5344CB8AC3E}">
+        <p14:creationId xmlns:p14="http://schemas.microsoft.com/office/powerpoint/2010/main" val="272397505"/>
       </p:ext>
     </p:extLst>
   </p:cSld>
@@ -22190,6 +29628,489 @@
     <p:extLst>
       <p:ext uri="{BB962C8B-B14F-4D97-AF65-F5344CB8AC3E}">
         <p14:creationId xmlns:p14="http://schemas.microsoft.com/office/powerpoint/2010/main" val="2980512857"/>
+      </p:ext>
+    </p:extLst>
+  </p:cSld>
+  <p:clrMapOvr>
+    <a:masterClrMapping/>
+  </p:clrMapOvr>
+</p:sld>
+</file>
+
+<file path=ppt/slides/slide40.xml><?xml version="1.0" encoding="utf-8"?>
+<p:sld xmlns:a="http://schemas.openxmlformats.org/drawingml/2006/main" xmlns:r="http://schemas.openxmlformats.org/officeDocument/2006/relationships" xmlns:p="http://schemas.openxmlformats.org/presentationml/2006/main">
+  <p:cSld>
+    <p:spTree>
+      <p:nvGrpSpPr>
+        <p:cNvPr id="1" name=""/>
+        <p:cNvGrpSpPr/>
+        <p:nvPr/>
+      </p:nvGrpSpPr>
+      <p:grpSpPr>
+        <a:xfrm>
+          <a:off x="0" y="0"/>
+          <a:ext cx="0" cy="0"/>
+          <a:chOff x="0" y="0"/>
+          <a:chExt cx="0" cy="0"/>
+        </a:xfrm>
+      </p:grpSpPr>
+      <p:sp>
+        <p:nvSpPr>
+          <p:cNvPr id="2" name="Title 1"/>
+          <p:cNvSpPr>
+            <a:spLocks noGrp="1"/>
+          </p:cNvSpPr>
+          <p:nvPr>
+            <p:ph type="title"/>
+          </p:nvPr>
+        </p:nvSpPr>
+        <p:spPr>
+          <a:xfrm>
+            <a:off x="1678329" y="764373"/>
+            <a:ext cx="9827871" cy="1293028"/>
+          </a:xfrm>
+        </p:spPr>
+        <p:txBody>
+          <a:bodyPr/>
+          <a:lstStyle/>
+          <a:p>
+            <a:r>
+              <a:rPr lang="en-US" dirty="0"/>
+              <a:t>@DISPOSES</a:t>
+            </a:r>
+            <a:endParaRPr lang="bg-BG" dirty="0"/>
+          </a:p>
+        </p:txBody>
+      </p:sp>
+      <p:sp>
+        <p:nvSpPr>
+          <p:cNvPr id="3" name="Content Placeholder 2"/>
+          <p:cNvSpPr>
+            <a:spLocks noGrp="1"/>
+          </p:cNvSpPr>
+          <p:nvPr>
+            <p:ph idx="1"/>
+          </p:nvPr>
+        </p:nvSpPr>
+        <p:spPr>
+          <a:xfrm>
+            <a:off x="4435998" y="2159835"/>
+            <a:ext cx="6397906" cy="4024125"/>
+          </a:xfrm>
+        </p:spPr>
+        <p:txBody>
+          <a:bodyPr/>
+          <a:lstStyle/>
+          <a:p>
+            <a:r>
+              <a:rPr lang="en-US" dirty="0"/>
+              <a:t>@Disposes</a:t>
+            </a:r>
+          </a:p>
+          <a:p>
+            <a:r>
+              <a:rPr lang="en-US" dirty="0"/>
+              <a:t>Some objects require explicit destruction</a:t>
+            </a:r>
+          </a:p>
+          <a:p>
+            <a:pPr lvl="1"/>
+            <a:r>
+              <a:rPr lang="en-US" dirty="0"/>
+              <a:t>JDBC connection</a:t>
+            </a:r>
+          </a:p>
+          <a:p>
+            <a:pPr lvl="1"/>
+            <a:r>
+              <a:rPr lang="en-US" dirty="0"/>
+              <a:t>Entity manager</a:t>
+            </a:r>
+          </a:p>
+          <a:p>
+            <a:pPr lvl="1"/>
+            <a:r>
+              <a:rPr lang="en-US" dirty="0"/>
+              <a:t>JMS Session</a:t>
+            </a:r>
+          </a:p>
+          <a:p>
+            <a:r>
+              <a:rPr lang="en-US" dirty="0"/>
+              <a:t>Strongly typed per data type</a:t>
+            </a:r>
+          </a:p>
+          <a:p>
+            <a:r>
+              <a:rPr lang="en-US" dirty="0"/>
+              <a:t>@Qualifiers</a:t>
+            </a:r>
+          </a:p>
+        </p:txBody>
+      </p:sp>
+      <p:pic>
+        <p:nvPicPr>
+          <p:cNvPr id="4" name="Picture 3"/>
+          <p:cNvPicPr>
+            <a:picLocks noChangeAspect="1"/>
+          </p:cNvPicPr>
+          <p:nvPr/>
+        </p:nvPicPr>
+        <p:blipFill>
+          <a:blip r:embed="rId3">
+            <a:extLst>
+              <a:ext uri="{28A0092B-C50C-407E-A947-70E740481C1C}">
+                <a14:useLocalDpi xmlns:a14="http://schemas.microsoft.com/office/drawing/2010/main" val="0"/>
+              </a:ext>
+            </a:extLst>
+          </a:blip>
+          <a:stretch>
+            <a:fillRect/>
+          </a:stretch>
+        </p:blipFill>
+        <p:spPr>
+          <a:xfrm>
+            <a:off x="937549" y="2057401"/>
+            <a:ext cx="2640474" cy="3755202"/>
+          </a:xfrm>
+          <a:prstGeom prst="rect">
+            <a:avLst/>
+          </a:prstGeom>
+          <a:ln>
+            <a:noFill/>
+          </a:ln>
+          <a:effectLst>
+            <a:softEdge rad="112500"/>
+          </a:effectLst>
+        </p:spPr>
+      </p:pic>
+    </p:spTree>
+    <p:extLst>
+      <p:ext uri="{BB962C8B-B14F-4D97-AF65-F5344CB8AC3E}">
+        <p14:creationId xmlns:p14="http://schemas.microsoft.com/office/powerpoint/2010/main" val="1180546690"/>
+      </p:ext>
+    </p:extLst>
+  </p:cSld>
+  <p:clrMapOvr>
+    <a:masterClrMapping/>
+  </p:clrMapOvr>
+</p:sld>
+</file>
+
+<file path=ppt/slides/slide41.xml><?xml version="1.0" encoding="utf-8"?>
+<p:sld xmlns:a="http://schemas.openxmlformats.org/drawingml/2006/main" xmlns:r="http://schemas.openxmlformats.org/officeDocument/2006/relationships" xmlns:p="http://schemas.openxmlformats.org/presentationml/2006/main">
+  <p:cSld>
+    <p:spTree>
+      <p:nvGrpSpPr>
+        <p:cNvPr id="1" name=""/>
+        <p:cNvGrpSpPr/>
+        <p:nvPr/>
+      </p:nvGrpSpPr>
+      <p:grpSpPr>
+        <a:xfrm>
+          <a:off x="0" y="0"/>
+          <a:ext cx="0" cy="0"/>
+          <a:chOff x="0" y="0"/>
+          <a:chExt cx="0" cy="0"/>
+        </a:xfrm>
+      </p:grpSpPr>
+      <p:sp>
+        <p:nvSpPr>
+          <p:cNvPr id="2" name="Title 1"/>
+          <p:cNvSpPr>
+            <a:spLocks noGrp="1"/>
+          </p:cNvSpPr>
+          <p:nvPr>
+            <p:ph type="title"/>
+          </p:nvPr>
+        </p:nvSpPr>
+        <p:spPr>
+          <a:xfrm>
+            <a:off x="1678329" y="764373"/>
+            <a:ext cx="9827871" cy="1293028"/>
+          </a:xfrm>
+        </p:spPr>
+        <p:txBody>
+          <a:bodyPr/>
+          <a:lstStyle/>
+          <a:p>
+            <a:r>
+              <a:rPr lang="en-US" dirty="0"/>
+              <a:t>@DISPOSES</a:t>
+            </a:r>
+            <a:endParaRPr lang="bg-BG" dirty="0"/>
+          </a:p>
+        </p:txBody>
+      </p:sp>
+      <p:pic>
+        <p:nvPicPr>
+          <p:cNvPr id="5" name="Picture 4"/>
+          <p:cNvPicPr>
+            <a:picLocks noChangeAspect="1"/>
+          </p:cNvPicPr>
+          <p:nvPr/>
+        </p:nvPicPr>
+        <p:blipFill>
+          <a:blip r:embed="rId3"/>
+          <a:stretch>
+            <a:fillRect/>
+          </a:stretch>
+        </p:blipFill>
+        <p:spPr>
+          <a:xfrm>
+            <a:off x="744799" y="2563221"/>
+            <a:ext cx="10611616" cy="3270420"/>
+          </a:xfrm>
+          <a:prstGeom prst="rect">
+            <a:avLst/>
+          </a:prstGeom>
+        </p:spPr>
+      </p:pic>
+      <p:cxnSp>
+        <p:nvCxnSpPr>
+          <p:cNvPr id="10" name="Straight Arrow Connector 9"/>
+          <p:cNvCxnSpPr/>
+          <p:nvPr/>
+        </p:nvCxnSpPr>
+        <p:spPr>
+          <a:xfrm flipH="1">
+            <a:off x="5356126" y="4432712"/>
+            <a:ext cx="1666755" cy="440229"/>
+          </a:xfrm>
+          <a:prstGeom prst="straightConnector1">
+            <a:avLst/>
+          </a:prstGeom>
+          <a:ln w="57150">
+            <a:tailEnd type="triangle"/>
+          </a:ln>
+        </p:spPr>
+        <p:style>
+          <a:lnRef idx="1">
+            <a:schemeClr val="accent1"/>
+          </a:lnRef>
+          <a:fillRef idx="0">
+            <a:schemeClr val="accent1"/>
+          </a:fillRef>
+          <a:effectRef idx="0">
+            <a:schemeClr val="accent1"/>
+          </a:effectRef>
+          <a:fontRef idx="minor">
+            <a:schemeClr val="tx1"/>
+          </a:fontRef>
+        </p:style>
+      </p:cxnSp>
+      <p:cxnSp>
+        <p:nvCxnSpPr>
+          <p:cNvPr id="12" name="Straight Arrow Connector 11"/>
+          <p:cNvCxnSpPr/>
+          <p:nvPr/>
+        </p:nvCxnSpPr>
+        <p:spPr>
+          <a:xfrm flipH="1">
+            <a:off x="6328399" y="4432712"/>
+            <a:ext cx="694482" cy="440229"/>
+          </a:xfrm>
+          <a:prstGeom prst="straightConnector1">
+            <a:avLst/>
+          </a:prstGeom>
+          <a:ln w="57150">
+            <a:tailEnd type="triangle"/>
+          </a:ln>
+        </p:spPr>
+        <p:style>
+          <a:lnRef idx="1">
+            <a:schemeClr val="accent1"/>
+          </a:lnRef>
+          <a:fillRef idx="0">
+            <a:schemeClr val="accent1"/>
+          </a:fillRef>
+          <a:effectRef idx="0">
+            <a:schemeClr val="accent1"/>
+          </a:effectRef>
+          <a:fontRef idx="minor">
+            <a:schemeClr val="tx1"/>
+          </a:fontRef>
+        </p:style>
+      </p:cxnSp>
+      <p:sp>
+        <p:nvSpPr>
+          <p:cNvPr id="17" name="Rectangle 16"/>
+          <p:cNvSpPr/>
+          <p:nvPr/>
+        </p:nvSpPr>
+        <p:spPr>
+          <a:xfrm>
+            <a:off x="7022881" y="4109546"/>
+            <a:ext cx="1217000" cy="646331"/>
+          </a:xfrm>
+          <a:prstGeom prst="rect">
+            <a:avLst/>
+          </a:prstGeom>
+          <a:noFill/>
+        </p:spPr>
+        <p:txBody>
+          <a:bodyPr wrap="none" lIns="91440" tIns="45720" rIns="91440" bIns="45720">
+            <a:spAutoFit/>
+          </a:bodyPr>
+          <a:lstStyle/>
+          <a:p>
+            <a:pPr algn="ctr"/>
+            <a:r>
+              <a:rPr lang="en-US" sz="1200" b="0" cap="none" spc="0" dirty="0">
+                <a:ln w="0"/>
+                <a:solidFill>
+                  <a:schemeClr val="accent1"/>
+                </a:solidFill>
+                <a:effectLst>
+                  <a:outerShdw blurRad="38100" dist="25400" dir="5400000" algn="ctr" rotWithShape="0">
+                    <a:srgbClr val="6E747A">
+                      <a:alpha val="43000"/>
+                    </a:srgbClr>
+                  </a:outerShdw>
+                </a:effectLst>
+              </a:rPr>
+              <a:t>Strongly </a:t>
+            </a:r>
+          </a:p>
+          <a:p>
+            <a:pPr algn="ctr"/>
+            <a:r>
+              <a:rPr lang="en-US" sz="1200" dirty="0">
+                <a:ln w="0"/>
+                <a:solidFill>
+                  <a:schemeClr val="accent1"/>
+                </a:solidFill>
+                <a:effectLst>
+                  <a:outerShdw blurRad="38100" dist="25400" dir="5400000" algn="ctr" rotWithShape="0">
+                    <a:srgbClr val="6E747A">
+                      <a:alpha val="43000"/>
+                    </a:srgbClr>
+                  </a:outerShdw>
+                </a:effectLst>
+              </a:rPr>
+              <a:t>Typed </a:t>
+            </a:r>
+          </a:p>
+          <a:p>
+            <a:pPr algn="ctr"/>
+            <a:r>
+              <a:rPr lang="en-US" sz="1200" b="0" cap="none" spc="0" dirty="0">
+                <a:ln w="0"/>
+                <a:solidFill>
+                  <a:schemeClr val="accent1"/>
+                </a:solidFill>
+                <a:effectLst>
+                  <a:outerShdw blurRad="38100" dist="25400" dir="5400000" algn="ctr" rotWithShape="0">
+                    <a:srgbClr val="6E747A">
+                      <a:alpha val="43000"/>
+                    </a:srgbClr>
+                  </a:outerShdw>
+                </a:effectLst>
+              </a:rPr>
+              <a:t>Per data type</a:t>
+            </a:r>
+          </a:p>
+        </p:txBody>
+      </p:sp>
+    </p:spTree>
+    <p:extLst>
+      <p:ext uri="{BB962C8B-B14F-4D97-AF65-F5344CB8AC3E}">
+        <p14:creationId xmlns:p14="http://schemas.microsoft.com/office/powerpoint/2010/main" val="1411802709"/>
+      </p:ext>
+    </p:extLst>
+  </p:cSld>
+  <p:clrMapOvr>
+    <a:masterClrMapping/>
+  </p:clrMapOvr>
+</p:sld>
+</file>
+
+<file path=ppt/slides/slide42.xml><?xml version="1.0" encoding="utf-8"?>
+<p:sld xmlns:a="http://schemas.openxmlformats.org/drawingml/2006/main" xmlns:r="http://schemas.openxmlformats.org/officeDocument/2006/relationships" xmlns:p="http://schemas.openxmlformats.org/presentationml/2006/main">
+  <p:cSld>
+    <p:spTree>
+      <p:nvGrpSpPr>
+        <p:cNvPr id="1" name=""/>
+        <p:cNvGrpSpPr/>
+        <p:nvPr/>
+      </p:nvGrpSpPr>
+      <p:grpSpPr>
+        <a:xfrm>
+          <a:off x="0" y="0"/>
+          <a:ext cx="0" cy="0"/>
+          <a:chOff x="0" y="0"/>
+          <a:chExt cx="0" cy="0"/>
+        </a:xfrm>
+      </p:grpSpPr>
+      <p:sp>
+        <p:nvSpPr>
+          <p:cNvPr id="2" name="Title 1"/>
+          <p:cNvSpPr>
+            <a:spLocks noGrp="1"/>
+          </p:cNvSpPr>
+          <p:nvPr>
+            <p:ph type="title"/>
+          </p:nvPr>
+        </p:nvSpPr>
+        <p:spPr>
+          <a:xfrm>
+            <a:off x="1435256" y="1620899"/>
+            <a:ext cx="9329195" cy="1293028"/>
+          </a:xfrm>
+        </p:spPr>
+        <p:txBody>
+          <a:bodyPr/>
+          <a:lstStyle/>
+          <a:p>
+            <a:pPr algn="ctr"/>
+            <a:r>
+              <a:rPr lang="en-US" dirty="0"/>
+              <a:t>CDI @DISPOSES DEMO</a:t>
+            </a:r>
+            <a:endParaRPr lang="bg-BG" dirty="0"/>
+          </a:p>
+        </p:txBody>
+      </p:sp>
+      <p:pic>
+        <p:nvPicPr>
+          <p:cNvPr id="5" name="Picture 4"/>
+          <p:cNvPicPr>
+            <a:picLocks noChangeAspect="1"/>
+          </p:cNvPicPr>
+          <p:nvPr/>
+        </p:nvPicPr>
+        <p:blipFill>
+          <a:blip r:embed="rId2">
+            <a:extLst>
+              <a:ext uri="{28A0092B-C50C-407E-A947-70E740481C1C}">
+                <a14:useLocalDpi xmlns:a14="http://schemas.microsoft.com/office/drawing/2010/main" val="0"/>
+              </a:ext>
+            </a:extLst>
+          </a:blip>
+          <a:stretch>
+            <a:fillRect/>
+          </a:stretch>
+        </p:blipFill>
+        <p:spPr>
+          <a:xfrm>
+            <a:off x="4779616" y="2740307"/>
+            <a:ext cx="2640474" cy="3755202"/>
+          </a:xfrm>
+          <a:prstGeom prst="rect">
+            <a:avLst/>
+          </a:prstGeom>
+          <a:ln>
+            <a:noFill/>
+          </a:ln>
+          <a:effectLst>
+            <a:softEdge rad="112500"/>
+          </a:effectLst>
+        </p:spPr>
+      </p:pic>
+    </p:spTree>
+    <p:extLst>
+      <p:ext uri="{BB962C8B-B14F-4D97-AF65-F5344CB8AC3E}">
+        <p14:creationId xmlns:p14="http://schemas.microsoft.com/office/powerpoint/2010/main" val="3184309977"/>
       </p:ext>
     </p:extLst>
   </p:cSld>
